--- a/report SVM handcrafted and PCA/IDENTIFICATION.pptx
+++ b/report SVM handcrafted and PCA/IDENTIFICATION.pptx
@@ -260,7 +260,7 @@
           <a:p>
             <a:fld id="{553A844F-FF5C-934C-B225-48B8FD889570}" type="datetimeFigureOut">
               <a:rPr lang="en-US" smtClean="0"/>
-              <a:t>10/17/2017</a:t>
+              <a:t>11/2/2017</a:t>
             </a:fld>
             <a:endParaRPr lang="en-US"/>
           </a:p>
@@ -430,7 +430,7 @@
           <a:p>
             <a:fld id="{553A844F-FF5C-934C-B225-48B8FD889570}" type="datetimeFigureOut">
               <a:rPr lang="en-US" smtClean="0"/>
-              <a:t>10/17/2017</a:t>
+              <a:t>11/2/2017</a:t>
             </a:fld>
             <a:endParaRPr lang="en-US"/>
           </a:p>
@@ -610,7 +610,7 @@
           <a:p>
             <a:fld id="{553A844F-FF5C-934C-B225-48B8FD889570}" type="datetimeFigureOut">
               <a:rPr lang="en-US" smtClean="0"/>
-              <a:t>10/17/2017</a:t>
+              <a:t>11/2/2017</a:t>
             </a:fld>
             <a:endParaRPr lang="en-US"/>
           </a:p>
@@ -780,7 +780,7 @@
           <a:p>
             <a:fld id="{553A844F-FF5C-934C-B225-48B8FD889570}" type="datetimeFigureOut">
               <a:rPr lang="en-US" smtClean="0"/>
-              <a:t>10/17/2017</a:t>
+              <a:t>11/2/2017</a:t>
             </a:fld>
             <a:endParaRPr lang="en-US"/>
           </a:p>
@@ -1026,7 +1026,7 @@
           <a:p>
             <a:fld id="{553A844F-FF5C-934C-B225-48B8FD889570}" type="datetimeFigureOut">
               <a:rPr lang="en-US" smtClean="0"/>
-              <a:t>10/17/2017</a:t>
+              <a:t>11/2/2017</a:t>
             </a:fld>
             <a:endParaRPr lang="en-US"/>
           </a:p>
@@ -1258,7 +1258,7 @@
           <a:p>
             <a:fld id="{553A844F-FF5C-934C-B225-48B8FD889570}" type="datetimeFigureOut">
               <a:rPr lang="en-US" smtClean="0"/>
-              <a:t>10/17/2017</a:t>
+              <a:t>11/2/2017</a:t>
             </a:fld>
             <a:endParaRPr lang="en-US"/>
           </a:p>
@@ -1625,7 +1625,7 @@
           <a:p>
             <a:fld id="{553A844F-FF5C-934C-B225-48B8FD889570}" type="datetimeFigureOut">
               <a:rPr lang="en-US" smtClean="0"/>
-              <a:t>10/17/2017</a:t>
+              <a:t>11/2/2017</a:t>
             </a:fld>
             <a:endParaRPr lang="en-US"/>
           </a:p>
@@ -1743,7 +1743,7 @@
           <a:p>
             <a:fld id="{553A844F-FF5C-934C-B225-48B8FD889570}" type="datetimeFigureOut">
               <a:rPr lang="en-US" smtClean="0"/>
-              <a:t>10/17/2017</a:t>
+              <a:t>11/2/2017</a:t>
             </a:fld>
             <a:endParaRPr lang="en-US"/>
           </a:p>
@@ -1838,7 +1838,7 @@
           <a:p>
             <a:fld id="{553A844F-FF5C-934C-B225-48B8FD889570}" type="datetimeFigureOut">
               <a:rPr lang="en-US" smtClean="0"/>
-              <a:t>10/17/2017</a:t>
+              <a:t>11/2/2017</a:t>
             </a:fld>
             <a:endParaRPr lang="en-US"/>
           </a:p>
@@ -2115,7 +2115,7 @@
           <a:p>
             <a:fld id="{553A844F-FF5C-934C-B225-48B8FD889570}" type="datetimeFigureOut">
               <a:rPr lang="en-US" smtClean="0"/>
-              <a:t>10/17/2017</a:t>
+              <a:t>11/2/2017</a:t>
             </a:fld>
             <a:endParaRPr lang="en-US"/>
           </a:p>
@@ -2368,7 +2368,7 @@
           <a:p>
             <a:fld id="{553A844F-FF5C-934C-B225-48B8FD889570}" type="datetimeFigureOut">
               <a:rPr lang="en-US" smtClean="0"/>
-              <a:t>10/17/2017</a:t>
+              <a:t>11/2/2017</a:t>
             </a:fld>
             <a:endParaRPr lang="en-US"/>
           </a:p>
@@ -2581,7 +2581,7 @@
           <a:p>
             <a:fld id="{553A844F-FF5C-934C-B225-48B8FD889570}" type="datetimeFigureOut">
               <a:rPr lang="en-US" smtClean="0"/>
-              <a:t>10/17/2017</a:t>
+              <a:t>11/2/2017</a:t>
             </a:fld>
             <a:endParaRPr lang="en-US"/>
           </a:p>
@@ -3076,7 +3076,7 @@
           <p:nvPr>
             <p:extLst>
               <p:ext uri="{D42A27DB-BD31-4B8C-83A1-F6EECF244321}">
-                <p14:modId xmlns:p14="http://schemas.microsoft.com/office/powerpoint/2010/main" val="2730803240"/>
+                <p14:modId xmlns:p14="http://schemas.microsoft.com/office/powerpoint/2010/main" val="1192012182"/>
               </p:ext>
             </p:extLst>
           </p:nvPr>
@@ -3350,15 +3350,15 @@
                         <a:rPr lang="en-US" dirty="0" smtClean="0">
                           <a:latin typeface="+mn-lt"/>
                         </a:rPr>
-                        <a:t>FRR: 0.00740</a:t>
-                      </a:r>
-                    </a:p>
-                    <a:p>
-                      <a:r>
-                        <a:rPr lang="en-US" dirty="0" smtClean="0">
-                          <a:latin typeface="+mn-lt"/>
-                        </a:rPr>
-                        <a:t>FAR: 0.00034</a:t>
+                        <a:t>FRR: 0.00901</a:t>
+                      </a:r>
+                    </a:p>
+                    <a:p>
+                      <a:r>
+                        <a:rPr lang="en-US" dirty="0" smtClean="0">
+                          <a:latin typeface="+mn-lt"/>
+                        </a:rPr>
+                        <a:t>FAR: 0.00000</a:t>
                       </a:r>
                       <a:endParaRPr lang="en-US" dirty="0">
                         <a:latin typeface="+mn-lt"/>
@@ -3517,15 +3517,15 @@
                         <a:rPr lang="en-US" dirty="0" smtClean="0">
                           <a:latin typeface="+mn-lt"/>
                         </a:rPr>
-                        <a:t>FRR: 0.00153</a:t>
-                      </a:r>
-                    </a:p>
-                    <a:p>
-                      <a:r>
-                        <a:rPr lang="en-US" dirty="0" smtClean="0">
-                          <a:latin typeface="+mn-lt"/>
-                        </a:rPr>
-                        <a:t>FAR: 0.00071</a:t>
+                        <a:t>FRR: 0.01277</a:t>
+                      </a:r>
+                    </a:p>
+                    <a:p>
+                      <a:r>
+                        <a:rPr lang="en-US" dirty="0" smtClean="0">
+                          <a:latin typeface="+mn-lt"/>
+                        </a:rPr>
+                        <a:t>FAR: 0.00255</a:t>
                       </a:r>
                       <a:endParaRPr lang="en-US" dirty="0">
                         <a:latin typeface="+mn-lt"/>
@@ -3667,15 +3667,15 @@
                         <a:rPr lang="en-US" dirty="0" smtClean="0">
                           <a:latin typeface="+mn-lt"/>
                         </a:rPr>
-                        <a:t>FRR: 0.01125</a:t>
-                      </a:r>
-                    </a:p>
-                    <a:p>
-                      <a:r>
-                        <a:rPr lang="en-US" dirty="0" smtClean="0">
-                          <a:latin typeface="+mn-lt"/>
-                        </a:rPr>
-                        <a:t>FAR: 0.00136</a:t>
+                        <a:t>FRR: 0.00407</a:t>
+                      </a:r>
+                    </a:p>
+                    <a:p>
+                      <a:r>
+                        <a:rPr lang="en-US" dirty="0" smtClean="0">
+                          <a:latin typeface="+mn-lt"/>
+                        </a:rPr>
+                        <a:t>FAR: 0.00600</a:t>
                       </a:r>
                       <a:endParaRPr lang="en-US" dirty="0">
                         <a:latin typeface="+mn-lt"/>
@@ -3817,15 +3817,15 @@
                         <a:rPr lang="en-US" dirty="0" smtClean="0">
                           <a:latin typeface="+mn-lt"/>
                         </a:rPr>
-                        <a:t>FRR: 0.00165</a:t>
-                      </a:r>
-                    </a:p>
-                    <a:p>
-                      <a:r>
-                        <a:rPr lang="en-US" dirty="0" smtClean="0">
-                          <a:latin typeface="+mn-lt"/>
-                        </a:rPr>
-                        <a:t>FAR: 0.00105</a:t>
+                        <a:t>FRR: 0.00408</a:t>
+                      </a:r>
+                    </a:p>
+                    <a:p>
+                      <a:r>
+                        <a:rPr lang="en-US" dirty="0" smtClean="0">
+                          <a:latin typeface="+mn-lt"/>
+                        </a:rPr>
+                        <a:t>FAR: 0.00000</a:t>
                       </a:r>
                       <a:endParaRPr lang="en-US" dirty="0">
                         <a:latin typeface="+mn-lt"/>
@@ -3967,15 +3967,15 @@
                         <a:rPr lang="en-US" dirty="0" smtClean="0">
                           <a:latin typeface="+mn-lt"/>
                         </a:rPr>
-                        <a:t>FRR: 0.00398</a:t>
-                      </a:r>
-                    </a:p>
-                    <a:p>
-                      <a:r>
-                        <a:rPr lang="en-US" dirty="0" smtClean="0">
-                          <a:latin typeface="+mn-lt"/>
-                        </a:rPr>
-                        <a:t>FAR: 0.00033</a:t>
+                        <a:t>FRR: 0.03587</a:t>
+                      </a:r>
+                    </a:p>
+                    <a:p>
+                      <a:r>
+                        <a:rPr lang="en-US" dirty="0" smtClean="0">
+                          <a:latin typeface="+mn-lt"/>
+                        </a:rPr>
+                        <a:t>FAR: 0.00252</a:t>
                       </a:r>
                       <a:endParaRPr lang="en-US" dirty="0">
                         <a:latin typeface="+mn-lt"/>
@@ -4131,15 +4131,15 @@
                         <a:rPr lang="en-US" dirty="0" smtClean="0">
                           <a:latin typeface="+mn-lt"/>
                         </a:rPr>
-                        <a:t>FRR: 0.00317</a:t>
-                      </a:r>
-                    </a:p>
-                    <a:p>
-                      <a:r>
-                        <a:rPr lang="en-US" dirty="0" smtClean="0">
-                          <a:latin typeface="+mn-lt"/>
-                        </a:rPr>
-                        <a:t>FAR: 0.00176</a:t>
+                        <a:t>RR: 0.00000</a:t>
+                      </a:r>
+                    </a:p>
+                    <a:p>
+                      <a:r>
+                        <a:rPr lang="en-US" dirty="0" smtClean="0">
+                          <a:latin typeface="+mn-lt"/>
+                        </a:rPr>
+                        <a:t>FAR: 0.00171</a:t>
                       </a:r>
                       <a:endParaRPr lang="en-US" dirty="0">
                         <a:latin typeface="+mn-lt"/>
@@ -4287,15 +4287,15 @@
                         <a:rPr lang="en-US" dirty="0" smtClean="0">
                           <a:latin typeface="+mn-lt"/>
                         </a:rPr>
-                        <a:t>FRR: 0.00483</a:t>
-                      </a:r>
-                    </a:p>
-                    <a:p>
-                      <a:r>
-                        <a:rPr lang="en-US" dirty="0" smtClean="0">
-                          <a:latin typeface="+mn-lt"/>
-                        </a:rPr>
-                        <a:t>FAR: 0.00092</a:t>
+                        <a:t>FRR: 0.01097</a:t>
+                      </a:r>
+                    </a:p>
+                    <a:p>
+                      <a:r>
+                        <a:rPr lang="en-US" dirty="0" smtClean="0">
+                          <a:latin typeface="+mn-lt"/>
+                        </a:rPr>
+                        <a:t>FAR: 0.00213</a:t>
                       </a:r>
                       <a:endParaRPr lang="en-US" dirty="0">
                         <a:latin typeface="+mn-lt"/>
@@ -4332,8 +4332,13 @@
           <a:p>
             <a:r>
               <a:rPr lang="en-US" dirty="0" smtClean="0"/>
-              <a:t>Title: Average FAR and FRR for all Activities for all users using original features from filtered data with One-class SVMs</a:t>
+              <a:t>Title: Average FAR and FRR for all Activities for all users using original features from filtered </a:t>
             </a:r>
+            <a:r>
+              <a:rPr lang="en-US" dirty="0" smtClean="0"/>
+              <a:t>data with SVMs</a:t>
+            </a:r>
+            <a:endParaRPr lang="en-US" dirty="0" smtClean="0"/>
           </a:p>
         </p:txBody>
       </p:sp>
@@ -4397,7 +4402,11 @@
           <a:p>
             <a:r>
               <a:rPr lang="en-US" dirty="0" smtClean="0"/>
-              <a:t>Title: Average FAR and FRR for all Activities for all users using original features from non-filtered data with One-class SVMs</a:t>
+              <a:t>Title: Average FAR and FRR for all Activities for all users using original features from non-filtered data with </a:t>
+            </a:r>
+            <a:r>
+              <a:rPr lang="en-US" dirty="0" smtClean="0"/>
+              <a:t>SVMs</a:t>
             </a:r>
             <a:endParaRPr lang="en-US" dirty="0"/>
           </a:p>
@@ -4412,7 +4421,7 @@
           <p:nvPr>
             <p:extLst>
               <p:ext uri="{D42A27DB-BD31-4B8C-83A1-F6EECF244321}">
-                <p14:modId xmlns:p14="http://schemas.microsoft.com/office/powerpoint/2010/main" val="2618819271"/>
+                <p14:modId xmlns:p14="http://schemas.microsoft.com/office/powerpoint/2010/main" val="398163053"/>
               </p:ext>
             </p:extLst>
           </p:nvPr>
@@ -4686,15 +4695,15 @@
                         <a:rPr lang="en-US" dirty="0" smtClean="0">
                           <a:latin typeface="+mn-lt"/>
                         </a:rPr>
-                        <a:t>FRR: 0.00555</a:t>
-                      </a:r>
-                    </a:p>
-                    <a:p>
-                      <a:r>
-                        <a:rPr lang="en-US" dirty="0" smtClean="0">
-                          <a:latin typeface="+mn-lt"/>
-                        </a:rPr>
-                        <a:t>FAR: 0.00068</a:t>
+                        <a:t>FRR: 0.01351</a:t>
+                      </a:r>
+                    </a:p>
+                    <a:p>
+                      <a:r>
+                        <a:rPr lang="en-US" dirty="0" smtClean="0">
+                          <a:latin typeface="+mn-lt"/>
+                        </a:rPr>
+                        <a:t>FAR: 0.00000</a:t>
                       </a:r>
                       <a:endParaRPr lang="en-US" dirty="0">
                         <a:latin typeface="+mn-lt"/>
@@ -4836,15 +4845,15 @@
                         <a:rPr lang="en-US" dirty="0" smtClean="0">
                           <a:latin typeface="+mn-lt"/>
                         </a:rPr>
-                        <a:t>FRR: 0.00306</a:t>
-                      </a:r>
-                    </a:p>
-                    <a:p>
-                      <a:r>
-                        <a:rPr lang="en-US" dirty="0" smtClean="0">
-                          <a:latin typeface="+mn-lt"/>
-                        </a:rPr>
-                        <a:t>FAR: 0.00106</a:t>
+                        <a:t>FRR: 0.01277</a:t>
+                      </a:r>
+                    </a:p>
+                    <a:p>
+                      <a:r>
+                        <a:rPr lang="en-US" dirty="0" smtClean="0">
+                          <a:latin typeface="+mn-lt"/>
+                        </a:rPr>
+                        <a:t>FAR: 0.00170</a:t>
                       </a:r>
                       <a:endParaRPr lang="en-US" dirty="0">
                         <a:latin typeface="+mn-lt"/>
@@ -4986,15 +4995,15 @@
                         <a:rPr lang="en-US" dirty="0" smtClean="0">
                           <a:latin typeface="+mn-lt"/>
                         </a:rPr>
-                        <a:t>FRR: 0.01688</a:t>
-                      </a:r>
-                    </a:p>
-                    <a:p>
-                      <a:r>
-                        <a:rPr lang="en-US" dirty="0" smtClean="0">
-                          <a:latin typeface="+mn-lt"/>
-                        </a:rPr>
-                        <a:t>FAR: 0.00273</a:t>
+                        <a:t>FRR: 0.00407</a:t>
+                      </a:r>
+                    </a:p>
+                    <a:p>
+                      <a:r>
+                        <a:rPr lang="en-US" dirty="0" smtClean="0">
+                          <a:latin typeface="+mn-lt"/>
+                        </a:rPr>
+                        <a:t>FAR: 0.01029</a:t>
                       </a:r>
                       <a:endParaRPr lang="en-US" dirty="0">
                         <a:latin typeface="+mn-lt"/>
@@ -5136,15 +5145,15 @@
                         <a:rPr lang="en-US" dirty="0" smtClean="0">
                           <a:latin typeface="+mn-lt"/>
                         </a:rPr>
-                        <a:t>FRR: 0.00165</a:t>
-                      </a:r>
-                    </a:p>
-                    <a:p>
-                      <a:r>
-                        <a:rPr lang="en-US" dirty="0" smtClean="0">
-                          <a:latin typeface="+mn-lt"/>
-                        </a:rPr>
-                        <a:t>FAR: 0.00035</a:t>
+                        <a:t>FRR: 0.00816</a:t>
+                      </a:r>
+                    </a:p>
+                    <a:p>
+                      <a:r>
+                        <a:rPr lang="en-US" dirty="0" smtClean="0">
+                          <a:latin typeface="+mn-lt"/>
+                        </a:rPr>
+                        <a:t>FAR: 0.00000</a:t>
                       </a:r>
                       <a:endParaRPr lang="en-US" dirty="0">
                         <a:latin typeface="+mn-lt"/>
@@ -5286,15 +5295,15 @@
                         <a:rPr lang="en-US" dirty="0" smtClean="0">
                           <a:latin typeface="+mn-lt"/>
                         </a:rPr>
-                        <a:t>FRR: 0.00996</a:t>
-                      </a:r>
-                    </a:p>
-                    <a:p>
-                      <a:r>
-                        <a:rPr lang="en-US" dirty="0" smtClean="0">
-                          <a:latin typeface="+mn-lt"/>
-                        </a:rPr>
-                        <a:t>FAR: 0.00169</a:t>
+                        <a:t>FRR: 0.03139</a:t>
+                      </a:r>
+                    </a:p>
+                    <a:p>
+                      <a:r>
+                        <a:rPr lang="en-US" dirty="0" smtClean="0">
+                          <a:latin typeface="+mn-lt"/>
+                        </a:rPr>
+                        <a:t>FAR: 0.00168</a:t>
                       </a:r>
                       <a:endParaRPr lang="en-US" dirty="0">
                         <a:latin typeface="+mn-lt"/>
@@ -5450,15 +5459,15 @@
                         <a:rPr lang="en-US" dirty="0" smtClean="0">
                           <a:latin typeface="+mn-lt"/>
                         </a:rPr>
-                        <a:t>FRR: 0.00317</a:t>
-                      </a:r>
-                    </a:p>
-                    <a:p>
-                      <a:r>
-                        <a:rPr lang="en-US" dirty="0" smtClean="0">
-                          <a:latin typeface="+mn-lt"/>
-                        </a:rPr>
-                        <a:t>FAR: 0.00105</a:t>
+                        <a:t>FRR: 0.00830</a:t>
+                      </a:r>
+                    </a:p>
+                    <a:p>
+                      <a:r>
+                        <a:rPr lang="en-US" dirty="0" smtClean="0">
+                          <a:latin typeface="+mn-lt"/>
+                        </a:rPr>
+                        <a:t>FAR: 0.00171</a:t>
                       </a:r>
                       <a:endParaRPr lang="en-US" dirty="0">
                         <a:latin typeface="+mn-lt"/>
@@ -5606,15 +5615,15 @@
                         <a:rPr lang="en-US" dirty="0" smtClean="0">
                           <a:latin typeface="+mn-lt"/>
                         </a:rPr>
-                        <a:t>FRR: 0.0067</a:t>
-                      </a:r>
-                    </a:p>
-                    <a:p>
-                      <a:r>
-                        <a:rPr lang="en-US" dirty="0" smtClean="0">
-                          <a:latin typeface="+mn-lt"/>
-                        </a:rPr>
-                        <a:t>FAR: 0.00126</a:t>
+                        <a:t>FRR: 0.01303</a:t>
+                      </a:r>
+                    </a:p>
+                    <a:p>
+                      <a:r>
+                        <a:rPr lang="en-US" dirty="0" smtClean="0">
+                          <a:latin typeface="+mn-lt"/>
+                        </a:rPr>
+                        <a:t>FAR: 0.00256</a:t>
                       </a:r>
                       <a:endParaRPr lang="en-US" dirty="0">
                         <a:latin typeface="+mn-lt"/>
@@ -5696,7 +5705,11 @@
             </a:r>
             <a:r>
               <a:rPr lang="en-US" dirty="0" smtClean="0"/>
-              <a:t>ctivities for all users using 40 PCs from features of filtered data with One-class SVMs</a:t>
+              <a:t>ctivities for all users using 40 PCs from features of filtered data with </a:t>
+            </a:r>
+            <a:r>
+              <a:rPr lang="en-US" dirty="0" smtClean="0"/>
+              <a:t>SVMs</a:t>
             </a:r>
             <a:endParaRPr lang="en-US" dirty="0"/>
           </a:p>
@@ -5711,7 +5724,7 @@
           <p:nvPr>
             <p:extLst>
               <p:ext uri="{D42A27DB-BD31-4B8C-83A1-F6EECF244321}">
-                <p14:modId xmlns:p14="http://schemas.microsoft.com/office/powerpoint/2010/main" val="1829295558"/>
+                <p14:modId xmlns:p14="http://schemas.microsoft.com/office/powerpoint/2010/main" val="4239905543"/>
               </p:ext>
             </p:extLst>
           </p:nvPr>
@@ -5985,15 +5998,15 @@
                         <a:rPr lang="en-US" dirty="0" smtClean="0">
                           <a:latin typeface="+mn-lt"/>
                         </a:rPr>
-                        <a:t>FRR: 0.31481</a:t>
-                      </a:r>
-                    </a:p>
-                    <a:p>
-                      <a:r>
-                        <a:rPr lang="en-US" dirty="0" smtClean="0">
-                          <a:latin typeface="+mn-lt"/>
-                        </a:rPr>
-                        <a:t>FAR: 0.04657</a:t>
+                        <a:t>FRR: 0.19369</a:t>
+                      </a:r>
+                    </a:p>
+                    <a:p>
+                      <a:r>
+                        <a:rPr lang="en-US" dirty="0" smtClean="0">
+                          <a:latin typeface="+mn-lt"/>
+                        </a:rPr>
+                        <a:t>FAR: 0.03697</a:t>
                       </a:r>
                       <a:endParaRPr lang="en-US" dirty="0">
                         <a:latin typeface="+mn-lt"/>
@@ -6135,15 +6148,15 @@
                         <a:rPr lang="en-US" dirty="0" smtClean="0">
                           <a:latin typeface="+mn-lt"/>
                         </a:rPr>
-                        <a:t>FRR: 0.12730</a:t>
-                      </a:r>
-                    </a:p>
-                    <a:p>
-                      <a:r>
-                        <a:rPr lang="en-US" dirty="0" smtClean="0">
-                          <a:latin typeface="+mn-lt"/>
-                        </a:rPr>
-                        <a:t>FAR: 0.07621</a:t>
+                        <a:t>FRR: 0.18723</a:t>
+                      </a:r>
+                    </a:p>
+                    <a:p>
+                      <a:r>
+                        <a:rPr lang="en-US" dirty="0" smtClean="0">
+                          <a:latin typeface="+mn-lt"/>
+                        </a:rPr>
+                        <a:t>FAR: 0.05013</a:t>
                       </a:r>
                       <a:endParaRPr lang="en-US" dirty="0">
                         <a:latin typeface="+mn-lt"/>
@@ -6285,15 +6298,15 @@
                         <a:rPr lang="en-US" dirty="0" smtClean="0">
                           <a:latin typeface="+mn-lt"/>
                         </a:rPr>
-                        <a:t>FRR: 0.25891</a:t>
-                      </a:r>
-                    </a:p>
-                    <a:p>
-                      <a:r>
-                        <a:rPr lang="en-US" dirty="0" smtClean="0">
-                          <a:latin typeface="+mn-lt"/>
-                        </a:rPr>
-                        <a:t>FAR: 0.03655</a:t>
+                        <a:t>FRR: 0.00407</a:t>
+                      </a:r>
+                    </a:p>
+                    <a:p>
+                      <a:r>
+                        <a:rPr lang="en-US" dirty="0" smtClean="0">
+                          <a:latin typeface="+mn-lt"/>
+                        </a:rPr>
+                        <a:t>FAR: 0.04460</a:t>
                       </a:r>
                       <a:endParaRPr lang="en-US" dirty="0">
                         <a:latin typeface="+mn-lt"/>
@@ -6435,15 +6448,15 @@
                         <a:rPr lang="en-US" dirty="0" smtClean="0">
                           <a:latin typeface="+mn-lt"/>
                         </a:rPr>
-                        <a:t>FRR: 0.33774</a:t>
-                      </a:r>
-                    </a:p>
-                    <a:p>
-                      <a:r>
-                        <a:rPr lang="en-US" dirty="0" smtClean="0">
-                          <a:latin typeface="+mn-lt"/>
-                        </a:rPr>
-                        <a:t>FAR: 0.02696</a:t>
+                        <a:t>FRR: 0.37551</a:t>
+                      </a:r>
+                    </a:p>
+                    <a:p>
+                      <a:r>
+                        <a:rPr lang="en-US" dirty="0" smtClean="0">
+                          <a:latin typeface="+mn-lt"/>
+                        </a:rPr>
+                        <a:t>FAR: 0.02742</a:t>
                       </a:r>
                       <a:endParaRPr lang="en-US" dirty="0">
                         <a:latin typeface="+mn-lt"/>
@@ -6585,15 +6598,15 @@
                         <a:rPr lang="en-US" dirty="0" smtClean="0">
                           <a:latin typeface="+mn-lt"/>
                         </a:rPr>
-                        <a:t>FRR: 0.29880</a:t>
-                      </a:r>
-                    </a:p>
-                    <a:p>
-                      <a:r>
-                        <a:rPr lang="en-US" dirty="0" smtClean="0">
-                          <a:latin typeface="+mn-lt"/>
-                        </a:rPr>
-                        <a:t>FAR: 0.02738</a:t>
+                        <a:t>FRR: 0.16143</a:t>
+                      </a:r>
+                    </a:p>
+                    <a:p>
+                      <a:r>
+                        <a:rPr lang="en-US" dirty="0" smtClean="0">
+                          <a:latin typeface="+mn-lt"/>
+                        </a:rPr>
+                        <a:t>FAR: 0.02439</a:t>
                       </a:r>
                       <a:endParaRPr lang="en-US" dirty="0">
                         <a:latin typeface="+mn-lt"/>
@@ -6749,15 +6762,15 @@
                         <a:rPr lang="en-US" dirty="0" smtClean="0">
                           <a:latin typeface="+mn-lt"/>
                         </a:rPr>
-                        <a:t>FRR: 0.07949</a:t>
-                      </a:r>
-                    </a:p>
-                    <a:p>
-                      <a:r>
-                        <a:rPr lang="en-US" dirty="0" smtClean="0">
-                          <a:latin typeface="+mn-lt"/>
-                        </a:rPr>
-                        <a:t>FAR: 0.06358</a:t>
+                        <a:t>FRR: 0.15353</a:t>
+                      </a:r>
+                    </a:p>
+                    <a:p>
+                      <a:r>
+                        <a:rPr lang="en-US" dirty="0" smtClean="0">
+                          <a:latin typeface="+mn-lt"/>
+                        </a:rPr>
+                        <a:t>FAR: 0.03160</a:t>
                       </a:r>
                       <a:endParaRPr lang="en-US" dirty="0">
                         <a:latin typeface="+mn-lt"/>
@@ -6905,15 +6918,15 @@
                         <a:rPr lang="en-US" dirty="0" smtClean="0">
                           <a:latin typeface="+mn-lt"/>
                         </a:rPr>
-                        <a:t>FRR: 0.23617</a:t>
-                      </a:r>
-                    </a:p>
-                    <a:p>
-                      <a:r>
-                        <a:rPr lang="en-US" dirty="0" smtClean="0">
-                          <a:latin typeface="+mn-lt"/>
-                        </a:rPr>
-                        <a:t>FAR: 0.04621</a:t>
+                        <a:t>FRR: 0.17924</a:t>
+                      </a:r>
+                    </a:p>
+                    <a:p>
+                      <a:r>
+                        <a:rPr lang="en-US" dirty="0" smtClean="0">
+                          <a:latin typeface="+mn-lt"/>
+                        </a:rPr>
+                        <a:t>FAR: 0.03585</a:t>
                       </a:r>
                       <a:endParaRPr lang="en-US" dirty="0">
                         <a:latin typeface="+mn-lt"/>
@@ -6995,7 +7008,11 @@
             </a:r>
             <a:r>
               <a:rPr lang="en-US" dirty="0" smtClean="0"/>
-              <a:t>ctivities for all users using 40 PCs from features of non-filtered data with One-class SVMs</a:t>
+              <a:t>ctivities for all users using 40 PCs from features of non-filtered data with </a:t>
+            </a:r>
+            <a:r>
+              <a:rPr lang="en-US" dirty="0" smtClean="0"/>
+              <a:t>SVMs</a:t>
             </a:r>
             <a:endParaRPr lang="en-US" dirty="0"/>
           </a:p>
@@ -7010,7 +7027,7 @@
           <p:nvPr>
             <p:extLst>
               <p:ext uri="{D42A27DB-BD31-4B8C-83A1-F6EECF244321}">
-                <p14:modId xmlns:p14="http://schemas.microsoft.com/office/powerpoint/2010/main" val="106482738"/>
+                <p14:modId xmlns:p14="http://schemas.microsoft.com/office/powerpoint/2010/main" val="3155415327"/>
               </p:ext>
             </p:extLst>
           </p:nvPr>
@@ -7284,15 +7301,15 @@
                         <a:rPr lang="en-US" dirty="0" smtClean="0">
                           <a:latin typeface="+mn-lt"/>
                         </a:rPr>
-                        <a:t>FRR: 0.25925</a:t>
-                      </a:r>
-                    </a:p>
-                    <a:p>
-                      <a:r>
-                        <a:rPr lang="en-US" dirty="0" smtClean="0">
-                          <a:latin typeface="+mn-lt"/>
-                        </a:rPr>
-                        <a:t>FAR: 0.03595</a:t>
+                        <a:t>FRR: 0.12613</a:t>
+                      </a:r>
+                    </a:p>
+                    <a:p>
+                      <a:r>
+                        <a:rPr lang="en-US" dirty="0" smtClean="0">
+                          <a:latin typeface="+mn-lt"/>
+                        </a:rPr>
+                        <a:t>FAR: 0.02521</a:t>
                       </a:r>
                       <a:endParaRPr lang="en-US" dirty="0">
                         <a:latin typeface="+mn-lt"/>
@@ -7434,16 +7451,19 @@
                         <a:rPr lang="en-US" dirty="0" smtClean="0">
                           <a:latin typeface="+mn-lt"/>
                         </a:rPr>
-                        <a:t>FRR: 0.1319</a:t>
-                      </a:r>
-                    </a:p>
-                    <a:p>
-                      <a:r>
-                        <a:rPr lang="en-US" dirty="0" smtClean="0">
-                          <a:latin typeface="+mn-lt"/>
-                        </a:rPr>
-                        <a:t>FAR: 0.05912</a:t>
-                      </a:r>
+                        <a:t>FRR: 0.13617</a:t>
+                      </a:r>
+                    </a:p>
+                    <a:p>
+                      <a:r>
+                        <a:rPr lang="en-US" dirty="0" smtClean="0">
+                          <a:latin typeface="+mn-lt"/>
+                        </a:rPr>
+                        <a:t>FAR: 0.05183</a:t>
+                      </a:r>
+                      <a:endParaRPr lang="en-US" dirty="0" smtClean="0">
+                        <a:latin typeface="+mn-lt"/>
+                      </a:endParaRPr>
                     </a:p>
                   </a:txBody>
                   <a:tcPr/>
@@ -7581,16 +7601,19 @@
                         <a:rPr lang="en-US" dirty="0" smtClean="0">
                           <a:latin typeface="+mn-lt"/>
                         </a:rPr>
-                        <a:t>FRR: 0.25516</a:t>
-                      </a:r>
-                    </a:p>
-                    <a:p>
-                      <a:r>
-                        <a:rPr lang="en-US" dirty="0" smtClean="0">
-                          <a:latin typeface="+mn-lt"/>
-                        </a:rPr>
-                        <a:t>FAR: 0.02938</a:t>
-                      </a:r>
+                        <a:t>FRR: 0.02439</a:t>
+                      </a:r>
+                    </a:p>
+                    <a:p>
+                      <a:r>
+                        <a:rPr lang="en-US" dirty="0" smtClean="0">
+                          <a:latin typeface="+mn-lt"/>
+                        </a:rPr>
+                        <a:t>FAR: 0.04117</a:t>
+                      </a:r>
+                      <a:endParaRPr lang="en-US" dirty="0" smtClean="0">
+                        <a:latin typeface="+mn-lt"/>
+                      </a:endParaRPr>
                     </a:p>
                   </a:txBody>
                   <a:tcPr/>
@@ -7725,25 +7748,22 @@
                     <a:lstStyle/>
                     <a:p>
                       <a:r>
-                        <a:rPr lang="en-US" smtClean="0">
-                          <a:latin typeface="+mn-lt"/>
-                        </a:rPr>
-                        <a:t>FRR: 0.31788</a:t>
-                      </a:r>
-                    </a:p>
-                    <a:p>
-                      <a:r>
-                        <a:rPr lang="en-US" dirty="0" smtClean="0">
-                          <a:latin typeface="+mn-lt"/>
-                        </a:rPr>
-                        <a:t>FAR</a:t>
-                      </a:r>
-                      <a:r>
-                        <a:rPr lang="en-US" smtClean="0">
-                          <a:latin typeface="+mn-lt"/>
-                        </a:rPr>
-                        <a:t>: 0.03887</a:t>
-                      </a:r>
+                        <a:rPr lang="en-US" dirty="0" smtClean="0">
+                          <a:latin typeface="+mn-lt"/>
+                        </a:rPr>
+                        <a:t>FRR: 0.35102</a:t>
+                      </a:r>
+                    </a:p>
+                    <a:p>
+                      <a:r>
+                        <a:rPr lang="en-US" dirty="0" smtClean="0">
+                          <a:latin typeface="+mn-lt"/>
+                        </a:rPr>
+                        <a:t>FAR: 0.02142</a:t>
+                      </a:r>
+                      <a:endParaRPr lang="en-US" dirty="0" smtClean="0">
+                        <a:latin typeface="+mn-lt"/>
+                      </a:endParaRPr>
                     </a:p>
                   </a:txBody>
                   <a:tcPr/>
@@ -7881,16 +7901,19 @@
                         <a:rPr lang="en-US" dirty="0" smtClean="0">
                           <a:latin typeface="+mn-lt"/>
                         </a:rPr>
-                        <a:t>FRR: 0.33865</a:t>
-                      </a:r>
-                    </a:p>
-                    <a:p>
-                      <a:r>
-                        <a:rPr lang="en-US" dirty="0" smtClean="0">
-                          <a:latin typeface="+mn-lt"/>
-                        </a:rPr>
-                        <a:t>FAR: 0.02197</a:t>
-                      </a:r>
+                        <a:t>FRR: 0.13004</a:t>
+                      </a:r>
+                    </a:p>
+                    <a:p>
+                      <a:r>
+                        <a:rPr lang="en-US" dirty="0" smtClean="0">
+                          <a:latin typeface="+mn-lt"/>
+                        </a:rPr>
+                        <a:t>FAR: 0.01514</a:t>
+                      </a:r>
+                      <a:endParaRPr lang="en-US" dirty="0" smtClean="0">
+                        <a:latin typeface="+mn-lt"/>
+                      </a:endParaRPr>
                     </a:p>
                   </a:txBody>
                   <a:tcPr/>
@@ -8042,16 +8065,19 @@
                         <a:rPr lang="en-US" dirty="0" smtClean="0">
                           <a:latin typeface="+mn-lt"/>
                         </a:rPr>
-                        <a:t>FRR: 0.0779</a:t>
-                      </a:r>
-                    </a:p>
-                    <a:p>
-                      <a:r>
-                        <a:rPr lang="en-US" dirty="0" smtClean="0">
-                          <a:latin typeface="+mn-lt"/>
-                        </a:rPr>
-                        <a:t>FAR: 0.08478</a:t>
-                      </a:r>
+                        <a:t>FRR: 0.11203</a:t>
+                      </a:r>
+                    </a:p>
+                    <a:p>
+                      <a:r>
+                        <a:rPr lang="en-US" dirty="0" smtClean="0">
+                          <a:latin typeface="+mn-lt"/>
+                        </a:rPr>
+                        <a:t>FAR: 0.02220</a:t>
+                      </a:r>
+                      <a:endParaRPr lang="en-US" dirty="0" smtClean="0">
+                        <a:latin typeface="+mn-lt"/>
+                      </a:endParaRPr>
                     </a:p>
                   </a:txBody>
                   <a:tcPr/>
@@ -8195,16 +8221,19 @@
                         <a:rPr lang="en-US" dirty="0" smtClean="0">
                           <a:latin typeface="+mn-lt"/>
                         </a:rPr>
-                        <a:t>FRR: 0.23012</a:t>
-                      </a:r>
-                    </a:p>
-                    <a:p>
-                      <a:r>
-                        <a:rPr lang="en-US" dirty="0" smtClean="0">
-                          <a:latin typeface="+mn-lt"/>
-                        </a:rPr>
-                        <a:t>FAR: 0.04501</a:t>
-                      </a:r>
+                        <a:t>FRR: 0.14663</a:t>
+                      </a:r>
+                    </a:p>
+                    <a:p>
+                      <a:r>
+                        <a:rPr lang="en-US" dirty="0" smtClean="0">
+                          <a:latin typeface="+mn-lt"/>
+                        </a:rPr>
+                        <a:t>FAR: 0.02949</a:t>
+                      </a:r>
+                      <a:endParaRPr lang="en-US" dirty="0" smtClean="0">
+                        <a:latin typeface="+mn-lt"/>
+                      </a:endParaRPr>
                     </a:p>
                   </a:txBody>
                   <a:tcPr/>
@@ -8282,7 +8311,11 @@
             </a:r>
             <a:r>
               <a:rPr lang="en-US" dirty="0" smtClean="0"/>
-              <a:t>ctivities for all users using 57 PCs from features of filtered data with One-class SVMs</a:t>
+              <a:t>ctivities for all users using 57 PCs from features of filtered data </a:t>
+            </a:r>
+            <a:r>
+              <a:rPr lang="en-US" dirty="0" smtClean="0"/>
+              <a:t>with SVMs</a:t>
             </a:r>
             <a:endParaRPr lang="en-US" dirty="0"/>
           </a:p>
@@ -8297,7 +8330,7 @@
           <p:nvPr>
             <p:extLst>
               <p:ext uri="{D42A27DB-BD31-4B8C-83A1-F6EECF244321}">
-                <p14:modId xmlns:p14="http://schemas.microsoft.com/office/powerpoint/2010/main" val="764927347"/>
+                <p14:modId xmlns:p14="http://schemas.microsoft.com/office/powerpoint/2010/main" val="3304210262"/>
               </p:ext>
             </p:extLst>
           </p:nvPr>
@@ -8577,16 +8610,19 @@
                         <a:rPr lang="en-US" dirty="0" smtClean="0">
                           <a:latin typeface="+mn-lt"/>
                         </a:rPr>
-                        <a:t>FRR: 0.04966</a:t>
-                      </a:r>
-                    </a:p>
-                    <a:p>
-                      <a:r>
-                        <a:rPr lang="en-US" dirty="0" smtClean="0">
-                          <a:latin typeface="+mn-lt"/>
-                        </a:rPr>
-                        <a:t>FAR: 0.32407</a:t>
-                      </a:r>
+                        <a:t>FRR: 0.20270</a:t>
+                      </a:r>
+                    </a:p>
+                    <a:p>
+                      <a:r>
+                        <a:rPr lang="en-US" dirty="0" smtClean="0">
+                          <a:latin typeface="+mn-lt"/>
+                        </a:rPr>
+                        <a:t>FAR: 0.04286</a:t>
+                      </a:r>
+                      <a:endParaRPr lang="en-US" dirty="0" smtClean="0">
+                        <a:latin typeface="+mn-lt"/>
+                      </a:endParaRPr>
                     </a:p>
                   </a:txBody>
                   <a:tcPr/>
@@ -8715,16 +8751,19 @@
                         <a:rPr lang="en-US" dirty="0" smtClean="0">
                           <a:latin typeface="+mn-lt"/>
                         </a:rPr>
-                        <a:t>FRR: 0.14264</a:t>
-                      </a:r>
-                    </a:p>
-                    <a:p>
-                      <a:r>
-                        <a:rPr lang="en-US" dirty="0" smtClean="0">
-                          <a:latin typeface="+mn-lt"/>
-                        </a:rPr>
-                        <a:t>FAR: 0.07051</a:t>
-                      </a:r>
+                        <a:t>FRR: 0.33617</a:t>
+                      </a:r>
+                    </a:p>
+                    <a:p>
+                      <a:r>
+                        <a:rPr lang="en-US" dirty="0" smtClean="0">
+                          <a:latin typeface="+mn-lt"/>
+                        </a:rPr>
+                        <a:t>FAR: 0.04248</a:t>
+                      </a:r>
+                      <a:endParaRPr lang="en-US" dirty="0" smtClean="0">
+                        <a:latin typeface="+mn-lt"/>
+                      </a:endParaRPr>
                     </a:p>
                   </a:txBody>
                   <a:tcPr/>
@@ -8853,16 +8892,19 @@
                         <a:rPr lang="en-US" dirty="0" smtClean="0">
                           <a:latin typeface="+mn-lt"/>
                         </a:rPr>
-                        <a:t>FRR: 0.26829</a:t>
-                      </a:r>
-                    </a:p>
-                    <a:p>
-                      <a:r>
-                        <a:rPr lang="en-US" dirty="0" smtClean="0">
-                          <a:latin typeface="+mn-lt"/>
-                        </a:rPr>
-                        <a:t>FAR: 0.03656</a:t>
-                      </a:r>
+                        <a:t>FRR: 0.02033</a:t>
+                      </a:r>
+                    </a:p>
+                    <a:p>
+                      <a:r>
+                        <a:rPr lang="en-US" dirty="0" smtClean="0">
+                          <a:latin typeface="+mn-lt"/>
+                        </a:rPr>
+                        <a:t>FAR: 0.05832</a:t>
+                      </a:r>
+                      <a:endParaRPr lang="en-US" dirty="0" smtClean="0">
+                        <a:latin typeface="+mn-lt"/>
+                      </a:endParaRPr>
                     </a:p>
                   </a:txBody>
                   <a:tcPr/>
@@ -8991,16 +9033,19 @@
                         <a:rPr lang="en-US" dirty="0" smtClean="0">
                           <a:latin typeface="+mn-lt"/>
                         </a:rPr>
-                        <a:t>FRR: 0.30464</a:t>
-                      </a:r>
-                    </a:p>
-                    <a:p>
-                      <a:r>
-                        <a:rPr lang="en-US" dirty="0" smtClean="0">
-                          <a:latin typeface="+mn-lt"/>
-                        </a:rPr>
-                        <a:t>FAR: 0.03641</a:t>
-                      </a:r>
+                        <a:t>FRR: 0.26531</a:t>
+                      </a:r>
+                    </a:p>
+                    <a:p>
+                      <a:r>
+                        <a:rPr lang="en-US" dirty="0" smtClean="0">
+                          <a:latin typeface="+mn-lt"/>
+                        </a:rPr>
+                        <a:t>FAR: 0.05827</a:t>
+                      </a:r>
+                      <a:endParaRPr lang="en-US" dirty="0" smtClean="0">
+                        <a:latin typeface="+mn-lt"/>
+                      </a:endParaRPr>
                     </a:p>
                   </a:txBody>
                   <a:tcPr/>
@@ -9129,16 +9174,19 @@
                         <a:rPr lang="en-US" dirty="0" smtClean="0">
                           <a:latin typeface="+mn-lt"/>
                         </a:rPr>
-                        <a:t>FRR: 0.38645</a:t>
-                      </a:r>
-                    </a:p>
-                    <a:p>
-                      <a:r>
-                        <a:rPr lang="en-US" dirty="0" smtClean="0">
-                          <a:latin typeface="+mn-lt"/>
-                        </a:rPr>
-                        <a:t>FAR: 0.02231</a:t>
-                      </a:r>
+                        <a:t>FRR: 0.23318</a:t>
+                      </a:r>
+                    </a:p>
+                    <a:p>
+                      <a:r>
+                        <a:rPr lang="en-US" dirty="0" smtClean="0">
+                          <a:latin typeface="+mn-lt"/>
+                        </a:rPr>
+                        <a:t>FAR: 0.01430</a:t>
+                      </a:r>
+                      <a:endParaRPr lang="en-US" dirty="0" smtClean="0">
+                        <a:latin typeface="+mn-lt"/>
+                      </a:endParaRPr>
                     </a:p>
                   </a:txBody>
                   <a:tcPr/>
@@ -9281,16 +9329,19 @@
                         <a:rPr lang="en-US" dirty="0" smtClean="0">
                           <a:latin typeface="+mn-lt"/>
                         </a:rPr>
-                        <a:t>FRR: 0.07472</a:t>
-                      </a:r>
-                    </a:p>
-                    <a:p>
-                      <a:r>
-                        <a:rPr lang="en-US" dirty="0" smtClean="0">
-                          <a:latin typeface="+mn-lt"/>
-                        </a:rPr>
-                        <a:t>FAR: 0.0763</a:t>
-                      </a:r>
+                        <a:t>FRR: 0.17427</a:t>
+                      </a:r>
+                    </a:p>
+                    <a:p>
+                      <a:r>
+                        <a:rPr lang="en-US" dirty="0" smtClean="0">
+                          <a:latin typeface="+mn-lt"/>
+                        </a:rPr>
+                        <a:t>FAR: 0.02904</a:t>
+                      </a:r>
+                      <a:endParaRPr lang="en-US" dirty="0" smtClean="0">
+                        <a:latin typeface="+mn-lt"/>
+                      </a:endParaRPr>
                     </a:p>
                   </a:txBody>
                   <a:tcPr/>
@@ -9425,16 +9476,19 @@
                         <a:rPr lang="en-US" dirty="0" smtClean="0">
                           <a:latin typeface="+mn-lt"/>
                         </a:rPr>
-                        <a:t>FRR: 0.25014</a:t>
-                      </a:r>
-                    </a:p>
-                    <a:p>
-                      <a:r>
-                        <a:rPr lang="en-US" dirty="0" smtClean="0">
-                          <a:latin typeface="+mn-lt"/>
-                        </a:rPr>
-                        <a:t>FAR: 0.04863</a:t>
-                      </a:r>
+                        <a:t>FRR: 0.20533</a:t>
+                      </a:r>
+                    </a:p>
+                    <a:p>
+                      <a:r>
+                        <a:rPr lang="en-US" dirty="0" smtClean="0">
+                          <a:latin typeface="+mn-lt"/>
+                        </a:rPr>
+                        <a:t>FAR: 0.04088</a:t>
+                      </a:r>
+                      <a:endParaRPr lang="en-US" dirty="0" smtClean="0">
+                        <a:latin typeface="+mn-lt"/>
+                      </a:endParaRPr>
                     </a:p>
                   </a:txBody>
                   <a:tcPr/>
@@ -9512,7 +9566,11 @@
             </a:r>
             <a:r>
               <a:rPr lang="en-US" dirty="0" smtClean="0"/>
-              <a:t>ctivities for all users using 57 PCs from features of non-filtered data with One-class SVMs</a:t>
+              <a:t>ctivities for all users using 57 PCs from features of non-filtered data with </a:t>
+            </a:r>
+            <a:r>
+              <a:rPr lang="en-US" dirty="0" smtClean="0"/>
+              <a:t>SVMs</a:t>
             </a:r>
             <a:endParaRPr lang="en-US" dirty="0"/>
           </a:p>
@@ -9527,7 +9585,7 @@
           <p:nvPr>
             <p:extLst>
               <p:ext uri="{D42A27DB-BD31-4B8C-83A1-F6EECF244321}">
-                <p14:modId xmlns:p14="http://schemas.microsoft.com/office/powerpoint/2010/main" val="186854666"/>
+                <p14:modId xmlns:p14="http://schemas.microsoft.com/office/powerpoint/2010/main" val="677426252"/>
               </p:ext>
             </p:extLst>
           </p:nvPr>
@@ -9801,15 +9859,15 @@
                         <a:rPr lang="en-US" dirty="0" smtClean="0">
                           <a:latin typeface="+mn-lt"/>
                         </a:rPr>
-                        <a:t>FRR: 0.25925</a:t>
-                      </a:r>
-                    </a:p>
-                    <a:p>
-                      <a:r>
-                        <a:rPr lang="en-US" dirty="0" smtClean="0">
-                          <a:latin typeface="+mn-lt"/>
-                        </a:rPr>
-                        <a:t>FAR: 0.03595</a:t>
+                        <a:t>FRR: 0.17117</a:t>
+                      </a:r>
+                    </a:p>
+                    <a:p>
+                      <a:r>
+                        <a:rPr lang="en-US" dirty="0" smtClean="0">
+                          <a:latin typeface="+mn-lt"/>
+                        </a:rPr>
+                        <a:t>FAR: 0.04706</a:t>
                       </a:r>
                       <a:endParaRPr lang="en-US" dirty="0">
                         <a:latin typeface="+mn-lt"/>
@@ -9951,16 +10009,19 @@
                         <a:rPr lang="en-US" dirty="0" smtClean="0">
                           <a:latin typeface="+mn-lt"/>
                         </a:rPr>
-                        <a:t>FRR: 0.1319</a:t>
-                      </a:r>
-                    </a:p>
-                    <a:p>
-                      <a:r>
-                        <a:rPr lang="en-US" dirty="0" smtClean="0">
-                          <a:latin typeface="+mn-lt"/>
-                        </a:rPr>
-                        <a:t>FAR: 0.05912</a:t>
-                      </a:r>
+                        <a:t>FRR: 0.26383</a:t>
+                      </a:r>
+                    </a:p>
+                    <a:p>
+                      <a:r>
+                        <a:rPr lang="en-US" dirty="0" smtClean="0">
+                          <a:latin typeface="+mn-lt"/>
+                        </a:rPr>
+                        <a:t>FAR: 0.04673</a:t>
+                      </a:r>
+                      <a:endParaRPr lang="en-US" dirty="0" smtClean="0">
+                        <a:latin typeface="+mn-lt"/>
+                      </a:endParaRPr>
                     </a:p>
                   </a:txBody>
                   <a:tcPr/>
@@ -10098,16 +10159,19 @@
                         <a:rPr lang="en-US" dirty="0" smtClean="0">
                           <a:latin typeface="+mn-lt"/>
                         </a:rPr>
-                        <a:t>FRR: 0.25516</a:t>
-                      </a:r>
-                    </a:p>
-                    <a:p>
-                      <a:r>
-                        <a:rPr lang="en-US" dirty="0" smtClean="0">
-                          <a:latin typeface="+mn-lt"/>
-                        </a:rPr>
-                        <a:t>FAR: 0.02938</a:t>
-                      </a:r>
+                        <a:t>FRR: 0.01220</a:t>
+                      </a:r>
+                    </a:p>
+                    <a:p>
+                      <a:r>
+                        <a:rPr lang="en-US" dirty="0" smtClean="0">
+                          <a:latin typeface="+mn-lt"/>
+                        </a:rPr>
+                        <a:t>FAR: 0.05060</a:t>
+                      </a:r>
+                      <a:endParaRPr lang="en-US" dirty="0" smtClean="0">
+                        <a:latin typeface="+mn-lt"/>
+                      </a:endParaRPr>
                     </a:p>
                   </a:txBody>
                   <a:tcPr/>
@@ -10242,25 +10306,22 @@
                     <a:lstStyle/>
                     <a:p>
                       <a:r>
-                        <a:rPr lang="en-US" smtClean="0">
-                          <a:latin typeface="+mn-lt"/>
-                        </a:rPr>
-                        <a:t>FRR: 0.31788</a:t>
-                      </a:r>
-                    </a:p>
-                    <a:p>
-                      <a:r>
-                        <a:rPr lang="en-US" dirty="0" smtClean="0">
-                          <a:latin typeface="+mn-lt"/>
-                        </a:rPr>
-                        <a:t>FAR</a:t>
-                      </a:r>
-                      <a:r>
-                        <a:rPr lang="en-US" smtClean="0">
-                          <a:latin typeface="+mn-lt"/>
-                        </a:rPr>
-                        <a:t>: 0.03887</a:t>
-                      </a:r>
+                        <a:rPr lang="en-US" dirty="0" smtClean="0">
+                          <a:latin typeface="+mn-lt"/>
+                        </a:rPr>
+                        <a:t>FRR: 0.32653</a:t>
+                      </a:r>
+                    </a:p>
+                    <a:p>
+                      <a:r>
+                        <a:rPr lang="en-US" dirty="0" smtClean="0">
+                          <a:latin typeface="+mn-lt"/>
+                        </a:rPr>
+                        <a:t>FAR: 0.02913</a:t>
+                      </a:r>
+                      <a:endParaRPr lang="en-US" dirty="0" smtClean="0">
+                        <a:latin typeface="+mn-lt"/>
+                      </a:endParaRPr>
                     </a:p>
                   </a:txBody>
                   <a:tcPr/>
@@ -10398,16 +10459,19 @@
                         <a:rPr lang="en-US" dirty="0" smtClean="0">
                           <a:latin typeface="+mn-lt"/>
                         </a:rPr>
-                        <a:t>FRR: 0.33865</a:t>
-                      </a:r>
-                    </a:p>
-                    <a:p>
-                      <a:r>
-                        <a:rPr lang="en-US" dirty="0" smtClean="0">
-                          <a:latin typeface="+mn-lt"/>
-                        </a:rPr>
-                        <a:t>FAR: 0.02197</a:t>
-                      </a:r>
+                        <a:t>FRR: 0.17937</a:t>
+                      </a:r>
+                    </a:p>
+                    <a:p>
+                      <a:r>
+                        <a:rPr lang="en-US" dirty="0" smtClean="0">
+                          <a:latin typeface="+mn-lt"/>
+                        </a:rPr>
+                        <a:t>FAR: 0.01934</a:t>
+                      </a:r>
+                      <a:endParaRPr lang="en-US" dirty="0" smtClean="0">
+                        <a:latin typeface="+mn-lt"/>
+                      </a:endParaRPr>
                     </a:p>
                   </a:txBody>
                   <a:tcPr/>
@@ -10559,16 +10623,19 @@
                         <a:rPr lang="en-US" dirty="0" smtClean="0">
                           <a:latin typeface="+mn-lt"/>
                         </a:rPr>
-                        <a:t>FRR: 0.0779</a:t>
-                      </a:r>
-                    </a:p>
-                    <a:p>
-                      <a:r>
-                        <a:rPr lang="en-US" dirty="0" smtClean="0">
-                          <a:latin typeface="+mn-lt"/>
-                        </a:rPr>
-                        <a:t>FAR: 0.08478</a:t>
-                      </a:r>
+                        <a:t>FRR: 0.14523</a:t>
+                      </a:r>
+                    </a:p>
+                    <a:p>
+                      <a:r>
+                        <a:rPr lang="en-US" dirty="0" smtClean="0">
+                          <a:latin typeface="+mn-lt"/>
+                        </a:rPr>
+                        <a:t>FAR: 0.02647</a:t>
+                      </a:r>
+                      <a:endParaRPr lang="en-US" dirty="0" smtClean="0">
+                        <a:latin typeface="+mn-lt"/>
+                      </a:endParaRPr>
                     </a:p>
                   </a:txBody>
                   <a:tcPr/>
@@ -10712,16 +10779,19 @@
                         <a:rPr lang="en-US" dirty="0" smtClean="0">
                           <a:latin typeface="+mn-lt"/>
                         </a:rPr>
-                        <a:t>FRR: 0.23012</a:t>
-                      </a:r>
-                    </a:p>
-                    <a:p>
-                      <a:r>
-                        <a:rPr lang="en-US" dirty="0" smtClean="0">
-                          <a:latin typeface="+mn-lt"/>
-                        </a:rPr>
-                        <a:t>FAR: 0.04501</a:t>
-                      </a:r>
+                        <a:t>FRR: 0.18305</a:t>
+                      </a:r>
+                    </a:p>
+                    <a:p>
+                      <a:r>
+                        <a:rPr lang="en-US" smtClean="0">
+                          <a:latin typeface="+mn-lt"/>
+                        </a:rPr>
+                        <a:t>FAR: 0.03656</a:t>
+                      </a:r>
+                      <a:endParaRPr lang="en-US" dirty="0" smtClean="0">
+                        <a:latin typeface="+mn-lt"/>
+                      </a:endParaRPr>
                     </a:p>
                   </a:txBody>
                   <a:tcPr/>

--- a/report SVM handcrafted and PCA/IDENTIFICATION.pptx
+++ b/report SVM handcrafted and PCA/IDENTIFICATION.pptx
@@ -260,7 +260,7 @@
           <a:p>
             <a:fld id="{553A844F-FF5C-934C-B225-48B8FD889570}" type="datetimeFigureOut">
               <a:rPr lang="en-US" smtClean="0"/>
-              <a:t>11/2/2017</a:t>
+              <a:t>11/5/2017</a:t>
             </a:fld>
             <a:endParaRPr lang="en-US"/>
           </a:p>
@@ -430,7 +430,7 @@
           <a:p>
             <a:fld id="{553A844F-FF5C-934C-B225-48B8FD889570}" type="datetimeFigureOut">
               <a:rPr lang="en-US" smtClean="0"/>
-              <a:t>11/2/2017</a:t>
+              <a:t>11/5/2017</a:t>
             </a:fld>
             <a:endParaRPr lang="en-US"/>
           </a:p>
@@ -610,7 +610,7 @@
           <a:p>
             <a:fld id="{553A844F-FF5C-934C-B225-48B8FD889570}" type="datetimeFigureOut">
               <a:rPr lang="en-US" smtClean="0"/>
-              <a:t>11/2/2017</a:t>
+              <a:t>11/5/2017</a:t>
             </a:fld>
             <a:endParaRPr lang="en-US"/>
           </a:p>
@@ -780,7 +780,7 @@
           <a:p>
             <a:fld id="{553A844F-FF5C-934C-B225-48B8FD889570}" type="datetimeFigureOut">
               <a:rPr lang="en-US" smtClean="0"/>
-              <a:t>11/2/2017</a:t>
+              <a:t>11/5/2017</a:t>
             </a:fld>
             <a:endParaRPr lang="en-US"/>
           </a:p>
@@ -1026,7 +1026,7 @@
           <a:p>
             <a:fld id="{553A844F-FF5C-934C-B225-48B8FD889570}" type="datetimeFigureOut">
               <a:rPr lang="en-US" smtClean="0"/>
-              <a:t>11/2/2017</a:t>
+              <a:t>11/5/2017</a:t>
             </a:fld>
             <a:endParaRPr lang="en-US"/>
           </a:p>
@@ -1258,7 +1258,7 @@
           <a:p>
             <a:fld id="{553A844F-FF5C-934C-B225-48B8FD889570}" type="datetimeFigureOut">
               <a:rPr lang="en-US" smtClean="0"/>
-              <a:t>11/2/2017</a:t>
+              <a:t>11/5/2017</a:t>
             </a:fld>
             <a:endParaRPr lang="en-US"/>
           </a:p>
@@ -1625,7 +1625,7 @@
           <a:p>
             <a:fld id="{553A844F-FF5C-934C-B225-48B8FD889570}" type="datetimeFigureOut">
               <a:rPr lang="en-US" smtClean="0"/>
-              <a:t>11/2/2017</a:t>
+              <a:t>11/5/2017</a:t>
             </a:fld>
             <a:endParaRPr lang="en-US"/>
           </a:p>
@@ -1743,7 +1743,7 @@
           <a:p>
             <a:fld id="{553A844F-FF5C-934C-B225-48B8FD889570}" type="datetimeFigureOut">
               <a:rPr lang="en-US" smtClean="0"/>
-              <a:t>11/2/2017</a:t>
+              <a:t>11/5/2017</a:t>
             </a:fld>
             <a:endParaRPr lang="en-US"/>
           </a:p>
@@ -1838,7 +1838,7 @@
           <a:p>
             <a:fld id="{553A844F-FF5C-934C-B225-48B8FD889570}" type="datetimeFigureOut">
               <a:rPr lang="en-US" smtClean="0"/>
-              <a:t>11/2/2017</a:t>
+              <a:t>11/5/2017</a:t>
             </a:fld>
             <a:endParaRPr lang="en-US"/>
           </a:p>
@@ -2115,7 +2115,7 @@
           <a:p>
             <a:fld id="{553A844F-FF5C-934C-B225-48B8FD889570}" type="datetimeFigureOut">
               <a:rPr lang="en-US" smtClean="0"/>
-              <a:t>11/2/2017</a:t>
+              <a:t>11/5/2017</a:t>
             </a:fld>
             <a:endParaRPr lang="en-US"/>
           </a:p>
@@ -2368,7 +2368,7 @@
           <a:p>
             <a:fld id="{553A844F-FF5C-934C-B225-48B8FD889570}" type="datetimeFigureOut">
               <a:rPr lang="en-US" smtClean="0"/>
-              <a:t>11/2/2017</a:t>
+              <a:t>11/5/2017</a:t>
             </a:fld>
             <a:endParaRPr lang="en-US"/>
           </a:p>
@@ -2581,7 +2581,7 @@
           <a:p>
             <a:fld id="{553A844F-FF5C-934C-B225-48B8FD889570}" type="datetimeFigureOut">
               <a:rPr lang="en-US" smtClean="0"/>
-              <a:t>11/2/2017</a:t>
+              <a:t>11/5/2017</a:t>
             </a:fld>
             <a:endParaRPr lang="en-US"/>
           </a:p>
@@ -3092,12 +3092,48 @@
                 <a:tableStyleId>{5C22544A-7EE6-4342-B048-85BDC9FD1C3A}</a:tableStyleId>
               </a:tblPr>
               <a:tblGrid>
-                <a:gridCol w="2631776"/>
-                <a:gridCol w="1680247"/>
-                <a:gridCol w="1685365"/>
-                <a:gridCol w="1748118"/>
-                <a:gridCol w="1550894"/>
-                <a:gridCol w="1712258"/>
+                <a:gridCol w="2631776">
+                  <a:extLst>
+                    <a:ext uri="{9D8B030D-6E8A-4147-A177-3AD203B41FA5}">
+                      <a16:colId xmlns:a16="http://schemas.microsoft.com/office/drawing/2014/main" val="20000"/>
+                    </a:ext>
+                  </a:extLst>
+                </a:gridCol>
+                <a:gridCol w="1680247">
+                  <a:extLst>
+                    <a:ext uri="{9D8B030D-6E8A-4147-A177-3AD203B41FA5}">
+                      <a16:colId xmlns:a16="http://schemas.microsoft.com/office/drawing/2014/main" val="20001"/>
+                    </a:ext>
+                  </a:extLst>
+                </a:gridCol>
+                <a:gridCol w="1685365">
+                  <a:extLst>
+                    <a:ext uri="{9D8B030D-6E8A-4147-A177-3AD203B41FA5}">
+                      <a16:colId xmlns:a16="http://schemas.microsoft.com/office/drawing/2014/main" val="20002"/>
+                    </a:ext>
+                  </a:extLst>
+                </a:gridCol>
+                <a:gridCol w="1748118">
+                  <a:extLst>
+                    <a:ext uri="{9D8B030D-6E8A-4147-A177-3AD203B41FA5}">
+                      <a16:colId xmlns:a16="http://schemas.microsoft.com/office/drawing/2014/main" val="20003"/>
+                    </a:ext>
+                  </a:extLst>
+                </a:gridCol>
+                <a:gridCol w="1550894">
+                  <a:extLst>
+                    <a:ext uri="{9D8B030D-6E8A-4147-A177-3AD203B41FA5}">
+                      <a16:colId xmlns:a16="http://schemas.microsoft.com/office/drawing/2014/main" val="20004"/>
+                    </a:ext>
+                  </a:extLst>
+                </a:gridCol>
+                <a:gridCol w="1712258">
+                  <a:extLst>
+                    <a:ext uri="{9D8B030D-6E8A-4147-A177-3AD203B41FA5}">
+                      <a16:colId xmlns:a16="http://schemas.microsoft.com/office/drawing/2014/main" val="20005"/>
+                    </a:ext>
+                  </a:extLst>
+                </a:gridCol>
               </a:tblGrid>
               <a:tr h="370840">
                 <a:tc>
@@ -3217,6 +3253,11 @@
                   </a:txBody>
                   <a:tcPr/>
                 </a:tc>
+                <a:extLst>
+                  <a:ext uri="{0D108BD9-81ED-4DB2-BD59-A6C34878D82A}">
+                    <a16:rowId xmlns:a16="http://schemas.microsoft.com/office/drawing/2014/main" val="10000"/>
+                  </a:ext>
+                </a:extLst>
               </a:tr>
               <a:tr h="370840">
                 <a:tc>
@@ -3367,6 +3408,11 @@
                   </a:txBody>
                   <a:tcPr/>
                 </a:tc>
+                <a:extLst>
+                  <a:ext uri="{0D108BD9-81ED-4DB2-BD59-A6C34878D82A}">
+                    <a16:rowId xmlns:a16="http://schemas.microsoft.com/office/drawing/2014/main" val="10001"/>
+                  </a:ext>
+                </a:extLst>
               </a:tr>
               <a:tr h="370840">
                 <a:tc>
@@ -3534,6 +3580,11 @@
                   </a:txBody>
                   <a:tcPr/>
                 </a:tc>
+                <a:extLst>
+                  <a:ext uri="{0D108BD9-81ED-4DB2-BD59-A6C34878D82A}">
+                    <a16:rowId xmlns:a16="http://schemas.microsoft.com/office/drawing/2014/main" val="10002"/>
+                  </a:ext>
+                </a:extLst>
               </a:tr>
               <a:tr h="370840">
                 <a:tc>
@@ -3684,6 +3735,11 @@
                   </a:txBody>
                   <a:tcPr/>
                 </a:tc>
+                <a:extLst>
+                  <a:ext uri="{0D108BD9-81ED-4DB2-BD59-A6C34878D82A}">
+                    <a16:rowId xmlns:a16="http://schemas.microsoft.com/office/drawing/2014/main" val="10003"/>
+                  </a:ext>
+                </a:extLst>
               </a:tr>
               <a:tr h="370840">
                 <a:tc>
@@ -3834,6 +3890,11 @@
                   </a:txBody>
                   <a:tcPr/>
                 </a:tc>
+                <a:extLst>
+                  <a:ext uri="{0D108BD9-81ED-4DB2-BD59-A6C34878D82A}">
+                    <a16:rowId xmlns:a16="http://schemas.microsoft.com/office/drawing/2014/main" val="10004"/>
+                  </a:ext>
+                </a:extLst>
               </a:tr>
               <a:tr h="370840">
                 <a:tc>
@@ -3984,6 +4045,11 @@
                   </a:txBody>
                   <a:tcPr/>
                 </a:tc>
+                <a:extLst>
+                  <a:ext uri="{0D108BD9-81ED-4DB2-BD59-A6C34878D82A}">
+                    <a16:rowId xmlns:a16="http://schemas.microsoft.com/office/drawing/2014/main" val="10005"/>
+                  </a:ext>
+                </a:extLst>
               </a:tr>
               <a:tr h="370840">
                 <a:tc>
@@ -4148,6 +4214,11 @@
                   </a:txBody>
                   <a:tcPr/>
                 </a:tc>
+                <a:extLst>
+                  <a:ext uri="{0D108BD9-81ED-4DB2-BD59-A6C34878D82A}">
+                    <a16:rowId xmlns:a16="http://schemas.microsoft.com/office/drawing/2014/main" val="10006"/>
+                  </a:ext>
+                </a:extLst>
               </a:tr>
               <a:tr h="370840">
                 <a:tc>
@@ -4304,6 +4375,11 @@
                   </a:txBody>
                   <a:tcPr/>
                 </a:tc>
+                <a:extLst>
+                  <a:ext uri="{0D108BD9-81ED-4DB2-BD59-A6C34878D82A}">
+                    <a16:rowId xmlns:a16="http://schemas.microsoft.com/office/drawing/2014/main" val="10007"/>
+                  </a:ext>
+                </a:extLst>
               </a:tr>
             </a:tbl>
           </a:graphicData>
@@ -4332,13 +4408,8 @@
           <a:p>
             <a:r>
               <a:rPr lang="en-US" dirty="0" smtClean="0"/>
-              <a:t>Title: Average FAR and FRR for all Activities for all users using original features from filtered </a:t>
+              <a:t>Title: Average FAR and FRR for all Activities for all users using original features from filtered data with SVMs</a:t>
             </a:r>
-            <a:r>
-              <a:rPr lang="en-US" dirty="0" smtClean="0"/>
-              <a:t>data with SVMs</a:t>
-            </a:r>
-            <a:endParaRPr lang="en-US" dirty="0" smtClean="0"/>
           </a:p>
         </p:txBody>
       </p:sp>
@@ -4402,11 +4473,7 @@
           <a:p>
             <a:r>
               <a:rPr lang="en-US" dirty="0" smtClean="0"/>
-              <a:t>Title: Average FAR and FRR for all Activities for all users using original features from non-filtered data with </a:t>
-            </a:r>
-            <a:r>
-              <a:rPr lang="en-US" dirty="0" smtClean="0"/>
-              <a:t>SVMs</a:t>
+              <a:t>Title: Average FAR and FRR for all Activities for all users using original features from non-filtered data with SVMs</a:t>
             </a:r>
             <a:endParaRPr lang="en-US" dirty="0"/>
           </a:p>
@@ -4437,12 +4504,48 @@
                 <a:tableStyleId>{5C22544A-7EE6-4342-B048-85BDC9FD1C3A}</a:tableStyleId>
               </a:tblPr>
               <a:tblGrid>
-                <a:gridCol w="2631776"/>
-                <a:gridCol w="1680247"/>
-                <a:gridCol w="1685365"/>
-                <a:gridCol w="1748118"/>
-                <a:gridCol w="1550894"/>
-                <a:gridCol w="1712258"/>
+                <a:gridCol w="2631776">
+                  <a:extLst>
+                    <a:ext uri="{9D8B030D-6E8A-4147-A177-3AD203B41FA5}">
+                      <a16:colId xmlns:a16="http://schemas.microsoft.com/office/drawing/2014/main" val="20000"/>
+                    </a:ext>
+                  </a:extLst>
+                </a:gridCol>
+                <a:gridCol w="1680247">
+                  <a:extLst>
+                    <a:ext uri="{9D8B030D-6E8A-4147-A177-3AD203B41FA5}">
+                      <a16:colId xmlns:a16="http://schemas.microsoft.com/office/drawing/2014/main" val="20001"/>
+                    </a:ext>
+                  </a:extLst>
+                </a:gridCol>
+                <a:gridCol w="1685365">
+                  <a:extLst>
+                    <a:ext uri="{9D8B030D-6E8A-4147-A177-3AD203B41FA5}">
+                      <a16:colId xmlns:a16="http://schemas.microsoft.com/office/drawing/2014/main" val="20002"/>
+                    </a:ext>
+                  </a:extLst>
+                </a:gridCol>
+                <a:gridCol w="1748118">
+                  <a:extLst>
+                    <a:ext uri="{9D8B030D-6E8A-4147-A177-3AD203B41FA5}">
+                      <a16:colId xmlns:a16="http://schemas.microsoft.com/office/drawing/2014/main" val="20003"/>
+                    </a:ext>
+                  </a:extLst>
+                </a:gridCol>
+                <a:gridCol w="1550894">
+                  <a:extLst>
+                    <a:ext uri="{9D8B030D-6E8A-4147-A177-3AD203B41FA5}">
+                      <a16:colId xmlns:a16="http://schemas.microsoft.com/office/drawing/2014/main" val="20004"/>
+                    </a:ext>
+                  </a:extLst>
+                </a:gridCol>
+                <a:gridCol w="1712258">
+                  <a:extLst>
+                    <a:ext uri="{9D8B030D-6E8A-4147-A177-3AD203B41FA5}">
+                      <a16:colId xmlns:a16="http://schemas.microsoft.com/office/drawing/2014/main" val="20005"/>
+                    </a:ext>
+                  </a:extLst>
+                </a:gridCol>
               </a:tblGrid>
               <a:tr h="370840">
                 <a:tc>
@@ -4562,6 +4665,11 @@
                   </a:txBody>
                   <a:tcPr/>
                 </a:tc>
+                <a:extLst>
+                  <a:ext uri="{0D108BD9-81ED-4DB2-BD59-A6C34878D82A}">
+                    <a16:rowId xmlns:a16="http://schemas.microsoft.com/office/drawing/2014/main" val="10000"/>
+                  </a:ext>
+                </a:extLst>
               </a:tr>
               <a:tr h="370840">
                 <a:tc>
@@ -4712,6 +4820,11 @@
                   </a:txBody>
                   <a:tcPr/>
                 </a:tc>
+                <a:extLst>
+                  <a:ext uri="{0D108BD9-81ED-4DB2-BD59-A6C34878D82A}">
+                    <a16:rowId xmlns:a16="http://schemas.microsoft.com/office/drawing/2014/main" val="10001"/>
+                  </a:ext>
+                </a:extLst>
               </a:tr>
               <a:tr h="370840">
                 <a:tc>
@@ -4862,6 +4975,11 @@
                   </a:txBody>
                   <a:tcPr/>
                 </a:tc>
+                <a:extLst>
+                  <a:ext uri="{0D108BD9-81ED-4DB2-BD59-A6C34878D82A}">
+                    <a16:rowId xmlns:a16="http://schemas.microsoft.com/office/drawing/2014/main" val="10002"/>
+                  </a:ext>
+                </a:extLst>
               </a:tr>
               <a:tr h="370840">
                 <a:tc>
@@ -5012,6 +5130,11 @@
                   </a:txBody>
                   <a:tcPr/>
                 </a:tc>
+                <a:extLst>
+                  <a:ext uri="{0D108BD9-81ED-4DB2-BD59-A6C34878D82A}">
+                    <a16:rowId xmlns:a16="http://schemas.microsoft.com/office/drawing/2014/main" val="10003"/>
+                  </a:ext>
+                </a:extLst>
               </a:tr>
               <a:tr h="370840">
                 <a:tc>
@@ -5162,6 +5285,11 @@
                   </a:txBody>
                   <a:tcPr/>
                 </a:tc>
+                <a:extLst>
+                  <a:ext uri="{0D108BD9-81ED-4DB2-BD59-A6C34878D82A}">
+                    <a16:rowId xmlns:a16="http://schemas.microsoft.com/office/drawing/2014/main" val="10004"/>
+                  </a:ext>
+                </a:extLst>
               </a:tr>
               <a:tr h="576916">
                 <a:tc>
@@ -5312,6 +5440,11 @@
                   </a:txBody>
                   <a:tcPr/>
                 </a:tc>
+                <a:extLst>
+                  <a:ext uri="{0D108BD9-81ED-4DB2-BD59-A6C34878D82A}">
+                    <a16:rowId xmlns:a16="http://schemas.microsoft.com/office/drawing/2014/main" val="10005"/>
+                  </a:ext>
+                </a:extLst>
               </a:tr>
               <a:tr h="370840">
                 <a:tc>
@@ -5476,6 +5609,11 @@
                   </a:txBody>
                   <a:tcPr/>
                 </a:tc>
+                <a:extLst>
+                  <a:ext uri="{0D108BD9-81ED-4DB2-BD59-A6C34878D82A}">
+                    <a16:rowId xmlns:a16="http://schemas.microsoft.com/office/drawing/2014/main" val="10006"/>
+                  </a:ext>
+                </a:extLst>
               </a:tr>
               <a:tr h="370840">
                 <a:tc>
@@ -5632,6 +5770,11 @@
                   </a:txBody>
                   <a:tcPr/>
                 </a:tc>
+                <a:extLst>
+                  <a:ext uri="{0D108BD9-81ED-4DB2-BD59-A6C34878D82A}">
+                    <a16:rowId xmlns:a16="http://schemas.microsoft.com/office/drawing/2014/main" val="10007"/>
+                  </a:ext>
+                </a:extLst>
               </a:tr>
             </a:tbl>
           </a:graphicData>
@@ -5705,11 +5848,7 @@
             </a:r>
             <a:r>
               <a:rPr lang="en-US" dirty="0" smtClean="0"/>
-              <a:t>ctivities for all users using 40 PCs from features of filtered data with </a:t>
-            </a:r>
-            <a:r>
-              <a:rPr lang="en-US" dirty="0" smtClean="0"/>
-              <a:t>SVMs</a:t>
+              <a:t>ctivities for all users using 40 PCs from features of filtered data with SVMs</a:t>
             </a:r>
             <a:endParaRPr lang="en-US" dirty="0"/>
           </a:p>
@@ -5740,12 +5879,48 @@
                 <a:tableStyleId>{5C22544A-7EE6-4342-B048-85BDC9FD1C3A}</a:tableStyleId>
               </a:tblPr>
               <a:tblGrid>
-                <a:gridCol w="2631776"/>
-                <a:gridCol w="1680247"/>
-                <a:gridCol w="1685365"/>
-                <a:gridCol w="1748118"/>
-                <a:gridCol w="1550894"/>
-                <a:gridCol w="1712258"/>
+                <a:gridCol w="2631776">
+                  <a:extLst>
+                    <a:ext uri="{9D8B030D-6E8A-4147-A177-3AD203B41FA5}">
+                      <a16:colId xmlns:a16="http://schemas.microsoft.com/office/drawing/2014/main" val="20000"/>
+                    </a:ext>
+                  </a:extLst>
+                </a:gridCol>
+                <a:gridCol w="1680247">
+                  <a:extLst>
+                    <a:ext uri="{9D8B030D-6E8A-4147-A177-3AD203B41FA5}">
+                      <a16:colId xmlns:a16="http://schemas.microsoft.com/office/drawing/2014/main" val="20001"/>
+                    </a:ext>
+                  </a:extLst>
+                </a:gridCol>
+                <a:gridCol w="1685365">
+                  <a:extLst>
+                    <a:ext uri="{9D8B030D-6E8A-4147-A177-3AD203B41FA5}">
+                      <a16:colId xmlns:a16="http://schemas.microsoft.com/office/drawing/2014/main" val="20002"/>
+                    </a:ext>
+                  </a:extLst>
+                </a:gridCol>
+                <a:gridCol w="1748118">
+                  <a:extLst>
+                    <a:ext uri="{9D8B030D-6E8A-4147-A177-3AD203B41FA5}">
+                      <a16:colId xmlns:a16="http://schemas.microsoft.com/office/drawing/2014/main" val="20003"/>
+                    </a:ext>
+                  </a:extLst>
+                </a:gridCol>
+                <a:gridCol w="1550894">
+                  <a:extLst>
+                    <a:ext uri="{9D8B030D-6E8A-4147-A177-3AD203B41FA5}">
+                      <a16:colId xmlns:a16="http://schemas.microsoft.com/office/drawing/2014/main" val="20004"/>
+                    </a:ext>
+                  </a:extLst>
+                </a:gridCol>
+                <a:gridCol w="1712258">
+                  <a:extLst>
+                    <a:ext uri="{9D8B030D-6E8A-4147-A177-3AD203B41FA5}">
+                      <a16:colId xmlns:a16="http://schemas.microsoft.com/office/drawing/2014/main" val="20005"/>
+                    </a:ext>
+                  </a:extLst>
+                </a:gridCol>
               </a:tblGrid>
               <a:tr h="370840">
                 <a:tc>
@@ -5865,6 +6040,11 @@
                   </a:txBody>
                   <a:tcPr/>
                 </a:tc>
+                <a:extLst>
+                  <a:ext uri="{0D108BD9-81ED-4DB2-BD59-A6C34878D82A}">
+                    <a16:rowId xmlns:a16="http://schemas.microsoft.com/office/drawing/2014/main" val="10000"/>
+                  </a:ext>
+                </a:extLst>
               </a:tr>
               <a:tr h="564366">
                 <a:tc>
@@ -6015,6 +6195,11 @@
                   </a:txBody>
                   <a:tcPr/>
                 </a:tc>
+                <a:extLst>
+                  <a:ext uri="{0D108BD9-81ED-4DB2-BD59-A6C34878D82A}">
+                    <a16:rowId xmlns:a16="http://schemas.microsoft.com/office/drawing/2014/main" val="10001"/>
+                  </a:ext>
+                </a:extLst>
               </a:tr>
               <a:tr h="370840">
                 <a:tc>
@@ -6165,6 +6350,11 @@
                   </a:txBody>
                   <a:tcPr/>
                 </a:tc>
+                <a:extLst>
+                  <a:ext uri="{0D108BD9-81ED-4DB2-BD59-A6C34878D82A}">
+                    <a16:rowId xmlns:a16="http://schemas.microsoft.com/office/drawing/2014/main" val="10002"/>
+                  </a:ext>
+                </a:extLst>
               </a:tr>
               <a:tr h="370840">
                 <a:tc>
@@ -6315,6 +6505,11 @@
                   </a:txBody>
                   <a:tcPr/>
                 </a:tc>
+                <a:extLst>
+                  <a:ext uri="{0D108BD9-81ED-4DB2-BD59-A6C34878D82A}">
+                    <a16:rowId xmlns:a16="http://schemas.microsoft.com/office/drawing/2014/main" val="10003"/>
+                  </a:ext>
+                </a:extLst>
               </a:tr>
               <a:tr h="370840">
                 <a:tc>
@@ -6465,6 +6660,11 @@
                   </a:txBody>
                   <a:tcPr/>
                 </a:tc>
+                <a:extLst>
+                  <a:ext uri="{0D108BD9-81ED-4DB2-BD59-A6C34878D82A}">
+                    <a16:rowId xmlns:a16="http://schemas.microsoft.com/office/drawing/2014/main" val="10004"/>
+                  </a:ext>
+                </a:extLst>
               </a:tr>
               <a:tr h="370840">
                 <a:tc>
@@ -6615,6 +6815,11 @@
                   </a:txBody>
                   <a:tcPr/>
                 </a:tc>
+                <a:extLst>
+                  <a:ext uri="{0D108BD9-81ED-4DB2-BD59-A6C34878D82A}">
+                    <a16:rowId xmlns:a16="http://schemas.microsoft.com/office/drawing/2014/main" val="10005"/>
+                  </a:ext>
+                </a:extLst>
               </a:tr>
               <a:tr h="370840">
                 <a:tc>
@@ -6779,6 +6984,11 @@
                   </a:txBody>
                   <a:tcPr/>
                 </a:tc>
+                <a:extLst>
+                  <a:ext uri="{0D108BD9-81ED-4DB2-BD59-A6C34878D82A}">
+                    <a16:rowId xmlns:a16="http://schemas.microsoft.com/office/drawing/2014/main" val="10006"/>
+                  </a:ext>
+                </a:extLst>
               </a:tr>
               <a:tr h="370840">
                 <a:tc>
@@ -6935,6 +7145,11 @@
                   </a:txBody>
                   <a:tcPr/>
                 </a:tc>
+                <a:extLst>
+                  <a:ext uri="{0D108BD9-81ED-4DB2-BD59-A6C34878D82A}">
+                    <a16:rowId xmlns:a16="http://schemas.microsoft.com/office/drawing/2014/main" val="10007"/>
+                  </a:ext>
+                </a:extLst>
               </a:tr>
             </a:tbl>
           </a:graphicData>
@@ -7008,11 +7223,7 @@
             </a:r>
             <a:r>
               <a:rPr lang="en-US" dirty="0" smtClean="0"/>
-              <a:t>ctivities for all users using 40 PCs from features of non-filtered data with </a:t>
-            </a:r>
-            <a:r>
-              <a:rPr lang="en-US" dirty="0" smtClean="0"/>
-              <a:t>SVMs</a:t>
+              <a:t>ctivities for all users using 40 PCs from features of non-filtered data with SVMs</a:t>
             </a:r>
             <a:endParaRPr lang="en-US" dirty="0"/>
           </a:p>
@@ -7043,12 +7254,48 @@
                 <a:tableStyleId>{5C22544A-7EE6-4342-B048-85BDC9FD1C3A}</a:tableStyleId>
               </a:tblPr>
               <a:tblGrid>
-                <a:gridCol w="2631776"/>
-                <a:gridCol w="1680247"/>
-                <a:gridCol w="1685365"/>
-                <a:gridCol w="1748118"/>
-                <a:gridCol w="1550894"/>
-                <a:gridCol w="1712258"/>
+                <a:gridCol w="2631776">
+                  <a:extLst>
+                    <a:ext uri="{9D8B030D-6E8A-4147-A177-3AD203B41FA5}">
+                      <a16:colId xmlns:a16="http://schemas.microsoft.com/office/drawing/2014/main" val="20000"/>
+                    </a:ext>
+                  </a:extLst>
+                </a:gridCol>
+                <a:gridCol w="1680247">
+                  <a:extLst>
+                    <a:ext uri="{9D8B030D-6E8A-4147-A177-3AD203B41FA5}">
+                      <a16:colId xmlns:a16="http://schemas.microsoft.com/office/drawing/2014/main" val="20001"/>
+                    </a:ext>
+                  </a:extLst>
+                </a:gridCol>
+                <a:gridCol w="1685365">
+                  <a:extLst>
+                    <a:ext uri="{9D8B030D-6E8A-4147-A177-3AD203B41FA5}">
+                      <a16:colId xmlns:a16="http://schemas.microsoft.com/office/drawing/2014/main" val="20002"/>
+                    </a:ext>
+                  </a:extLst>
+                </a:gridCol>
+                <a:gridCol w="1748118">
+                  <a:extLst>
+                    <a:ext uri="{9D8B030D-6E8A-4147-A177-3AD203B41FA5}">
+                      <a16:colId xmlns:a16="http://schemas.microsoft.com/office/drawing/2014/main" val="20003"/>
+                    </a:ext>
+                  </a:extLst>
+                </a:gridCol>
+                <a:gridCol w="1550894">
+                  <a:extLst>
+                    <a:ext uri="{9D8B030D-6E8A-4147-A177-3AD203B41FA5}">
+                      <a16:colId xmlns:a16="http://schemas.microsoft.com/office/drawing/2014/main" val="20004"/>
+                    </a:ext>
+                  </a:extLst>
+                </a:gridCol>
+                <a:gridCol w="1712258">
+                  <a:extLst>
+                    <a:ext uri="{9D8B030D-6E8A-4147-A177-3AD203B41FA5}">
+                      <a16:colId xmlns:a16="http://schemas.microsoft.com/office/drawing/2014/main" val="20005"/>
+                    </a:ext>
+                  </a:extLst>
+                </a:gridCol>
               </a:tblGrid>
               <a:tr h="370840">
                 <a:tc>
@@ -7168,6 +7415,11 @@
                   </a:txBody>
                   <a:tcPr/>
                 </a:tc>
+                <a:extLst>
+                  <a:ext uri="{0D108BD9-81ED-4DB2-BD59-A6C34878D82A}">
+                    <a16:rowId xmlns:a16="http://schemas.microsoft.com/office/drawing/2014/main" val="10000"/>
+                  </a:ext>
+                </a:extLst>
               </a:tr>
               <a:tr h="370840">
                 <a:tc>
@@ -7318,6 +7570,11 @@
                   </a:txBody>
                   <a:tcPr/>
                 </a:tc>
+                <a:extLst>
+                  <a:ext uri="{0D108BD9-81ED-4DB2-BD59-A6C34878D82A}">
+                    <a16:rowId xmlns:a16="http://schemas.microsoft.com/office/drawing/2014/main" val="10001"/>
+                  </a:ext>
+                </a:extLst>
               </a:tr>
               <a:tr h="370840">
                 <a:tc>
@@ -7461,13 +7718,15 @@
                         </a:rPr>
                         <a:t>FAR: 0.05183</a:t>
                       </a:r>
-                      <a:endParaRPr lang="en-US" dirty="0" smtClean="0">
-                        <a:latin typeface="+mn-lt"/>
-                      </a:endParaRPr>
-                    </a:p>
-                  </a:txBody>
-                  <a:tcPr/>
-                </a:tc>
+                    </a:p>
+                  </a:txBody>
+                  <a:tcPr/>
+                </a:tc>
+                <a:extLst>
+                  <a:ext uri="{0D108BD9-81ED-4DB2-BD59-A6C34878D82A}">
+                    <a16:rowId xmlns:a16="http://schemas.microsoft.com/office/drawing/2014/main" val="10002"/>
+                  </a:ext>
+                </a:extLst>
               </a:tr>
               <a:tr h="593053">
                 <a:tc>
@@ -7611,13 +7870,15 @@
                         </a:rPr>
                         <a:t>FAR: 0.04117</a:t>
                       </a:r>
-                      <a:endParaRPr lang="en-US" dirty="0" smtClean="0">
-                        <a:latin typeface="+mn-lt"/>
-                      </a:endParaRPr>
-                    </a:p>
-                  </a:txBody>
-                  <a:tcPr/>
-                </a:tc>
+                    </a:p>
+                  </a:txBody>
+                  <a:tcPr/>
+                </a:tc>
+                <a:extLst>
+                  <a:ext uri="{0D108BD9-81ED-4DB2-BD59-A6C34878D82A}">
+                    <a16:rowId xmlns:a16="http://schemas.microsoft.com/office/drawing/2014/main" val="10003"/>
+                  </a:ext>
+                </a:extLst>
               </a:tr>
               <a:tr h="370840">
                 <a:tc>
@@ -7761,13 +8022,15 @@
                         </a:rPr>
                         <a:t>FAR: 0.02142</a:t>
                       </a:r>
-                      <a:endParaRPr lang="en-US" dirty="0" smtClean="0">
-                        <a:latin typeface="+mn-lt"/>
-                      </a:endParaRPr>
-                    </a:p>
-                  </a:txBody>
-                  <a:tcPr/>
-                </a:tc>
+                    </a:p>
+                  </a:txBody>
+                  <a:tcPr/>
+                </a:tc>
+                <a:extLst>
+                  <a:ext uri="{0D108BD9-81ED-4DB2-BD59-A6C34878D82A}">
+                    <a16:rowId xmlns:a16="http://schemas.microsoft.com/office/drawing/2014/main" val="10004"/>
+                  </a:ext>
+                </a:extLst>
               </a:tr>
               <a:tr h="370840">
                 <a:tc>
@@ -7911,13 +8174,15 @@
                         </a:rPr>
                         <a:t>FAR: 0.01514</a:t>
                       </a:r>
-                      <a:endParaRPr lang="en-US" dirty="0" smtClean="0">
-                        <a:latin typeface="+mn-lt"/>
-                      </a:endParaRPr>
-                    </a:p>
-                  </a:txBody>
-                  <a:tcPr/>
-                </a:tc>
+                    </a:p>
+                  </a:txBody>
+                  <a:tcPr/>
+                </a:tc>
+                <a:extLst>
+                  <a:ext uri="{0D108BD9-81ED-4DB2-BD59-A6C34878D82A}">
+                    <a16:rowId xmlns:a16="http://schemas.microsoft.com/office/drawing/2014/main" val="10005"/>
+                  </a:ext>
+                </a:extLst>
               </a:tr>
               <a:tr h="370840">
                 <a:tc>
@@ -8075,13 +8340,15 @@
                         </a:rPr>
                         <a:t>FAR: 0.02220</a:t>
                       </a:r>
-                      <a:endParaRPr lang="en-US" dirty="0" smtClean="0">
-                        <a:latin typeface="+mn-lt"/>
-                      </a:endParaRPr>
-                    </a:p>
-                  </a:txBody>
-                  <a:tcPr/>
-                </a:tc>
+                    </a:p>
+                  </a:txBody>
+                  <a:tcPr/>
+                </a:tc>
+                <a:extLst>
+                  <a:ext uri="{0D108BD9-81ED-4DB2-BD59-A6C34878D82A}">
+                    <a16:rowId xmlns:a16="http://schemas.microsoft.com/office/drawing/2014/main" val="10006"/>
+                  </a:ext>
+                </a:extLst>
               </a:tr>
               <a:tr h="370840">
                 <a:tc>
@@ -8231,13 +8498,15 @@
                         </a:rPr>
                         <a:t>FAR: 0.02949</a:t>
                       </a:r>
-                      <a:endParaRPr lang="en-US" dirty="0" smtClean="0">
-                        <a:latin typeface="+mn-lt"/>
-                      </a:endParaRPr>
-                    </a:p>
-                  </a:txBody>
-                  <a:tcPr/>
-                </a:tc>
+                    </a:p>
+                  </a:txBody>
+                  <a:tcPr/>
+                </a:tc>
+                <a:extLst>
+                  <a:ext uri="{0D108BD9-81ED-4DB2-BD59-A6C34878D82A}">
+                    <a16:rowId xmlns:a16="http://schemas.microsoft.com/office/drawing/2014/main" val="10007"/>
+                  </a:ext>
+                </a:extLst>
               </a:tr>
             </a:tbl>
           </a:graphicData>
@@ -8311,11 +8580,7 @@
             </a:r>
             <a:r>
               <a:rPr lang="en-US" dirty="0" smtClean="0"/>
-              <a:t>ctivities for all users using 57 PCs from features of filtered data </a:t>
-            </a:r>
-            <a:r>
-              <a:rPr lang="en-US" dirty="0" smtClean="0"/>
-              <a:t>with SVMs</a:t>
+              <a:t>ctivities for all users using 57 PCs from features of filtered data with SVMs</a:t>
             </a:r>
             <a:endParaRPr lang="en-US" dirty="0"/>
           </a:p>
@@ -8346,12 +8611,48 @@
                 <a:tableStyleId>{5C22544A-7EE6-4342-B048-85BDC9FD1C3A}</a:tableStyleId>
               </a:tblPr>
               <a:tblGrid>
-                <a:gridCol w="2631776"/>
-                <a:gridCol w="1680247"/>
-                <a:gridCol w="1685365"/>
-                <a:gridCol w="1748118"/>
-                <a:gridCol w="1550894"/>
-                <a:gridCol w="1712258"/>
+                <a:gridCol w="2631776">
+                  <a:extLst>
+                    <a:ext uri="{9D8B030D-6E8A-4147-A177-3AD203B41FA5}">
+                      <a16:colId xmlns:a16="http://schemas.microsoft.com/office/drawing/2014/main" val="20000"/>
+                    </a:ext>
+                  </a:extLst>
+                </a:gridCol>
+                <a:gridCol w="1680247">
+                  <a:extLst>
+                    <a:ext uri="{9D8B030D-6E8A-4147-A177-3AD203B41FA5}">
+                      <a16:colId xmlns:a16="http://schemas.microsoft.com/office/drawing/2014/main" val="20001"/>
+                    </a:ext>
+                  </a:extLst>
+                </a:gridCol>
+                <a:gridCol w="1685365">
+                  <a:extLst>
+                    <a:ext uri="{9D8B030D-6E8A-4147-A177-3AD203B41FA5}">
+                      <a16:colId xmlns:a16="http://schemas.microsoft.com/office/drawing/2014/main" val="20002"/>
+                    </a:ext>
+                  </a:extLst>
+                </a:gridCol>
+                <a:gridCol w="1748118">
+                  <a:extLst>
+                    <a:ext uri="{9D8B030D-6E8A-4147-A177-3AD203B41FA5}">
+                      <a16:colId xmlns:a16="http://schemas.microsoft.com/office/drawing/2014/main" val="20003"/>
+                    </a:ext>
+                  </a:extLst>
+                </a:gridCol>
+                <a:gridCol w="1550894">
+                  <a:extLst>
+                    <a:ext uri="{9D8B030D-6E8A-4147-A177-3AD203B41FA5}">
+                      <a16:colId xmlns:a16="http://schemas.microsoft.com/office/drawing/2014/main" val="20004"/>
+                    </a:ext>
+                  </a:extLst>
+                </a:gridCol>
+                <a:gridCol w="1712258">
+                  <a:extLst>
+                    <a:ext uri="{9D8B030D-6E8A-4147-A177-3AD203B41FA5}">
+                      <a16:colId xmlns:a16="http://schemas.microsoft.com/office/drawing/2014/main" val="20005"/>
+                    </a:ext>
+                  </a:extLst>
+                </a:gridCol>
               </a:tblGrid>
               <a:tr h="370840">
                 <a:tc>
@@ -8471,6 +8772,11 @@
                   </a:txBody>
                   <a:tcPr/>
                 </a:tc>
+                <a:extLst>
+                  <a:ext uri="{0D108BD9-81ED-4DB2-BD59-A6C34878D82A}">
+                    <a16:rowId xmlns:a16="http://schemas.microsoft.com/office/drawing/2014/main" val="10000"/>
+                  </a:ext>
+                </a:extLst>
               </a:tr>
               <a:tr h="370840">
                 <a:tc>
@@ -8620,13 +8926,15 @@
                         </a:rPr>
                         <a:t>FAR: 0.04286</a:t>
                       </a:r>
-                      <a:endParaRPr lang="en-US" dirty="0" smtClean="0">
-                        <a:latin typeface="+mn-lt"/>
-                      </a:endParaRPr>
-                    </a:p>
-                  </a:txBody>
-                  <a:tcPr/>
-                </a:tc>
+                    </a:p>
+                  </a:txBody>
+                  <a:tcPr/>
+                </a:tc>
+                <a:extLst>
+                  <a:ext uri="{0D108BD9-81ED-4DB2-BD59-A6C34878D82A}">
+                    <a16:rowId xmlns:a16="http://schemas.microsoft.com/office/drawing/2014/main" val="10001"/>
+                  </a:ext>
+                </a:extLst>
               </a:tr>
               <a:tr h="370840">
                 <a:tc>
@@ -8761,13 +9069,15 @@
                         </a:rPr>
                         <a:t>FAR: 0.04248</a:t>
                       </a:r>
-                      <a:endParaRPr lang="en-US" dirty="0" smtClean="0">
-                        <a:latin typeface="+mn-lt"/>
-                      </a:endParaRPr>
-                    </a:p>
-                  </a:txBody>
-                  <a:tcPr/>
-                </a:tc>
+                    </a:p>
+                  </a:txBody>
+                  <a:tcPr/>
+                </a:tc>
+                <a:extLst>
+                  <a:ext uri="{0D108BD9-81ED-4DB2-BD59-A6C34878D82A}">
+                    <a16:rowId xmlns:a16="http://schemas.microsoft.com/office/drawing/2014/main" val="10002"/>
+                  </a:ext>
+                </a:extLst>
               </a:tr>
               <a:tr h="370840">
                 <a:tc>
@@ -8902,13 +9212,15 @@
                         </a:rPr>
                         <a:t>FAR: 0.05832</a:t>
                       </a:r>
-                      <a:endParaRPr lang="en-US" dirty="0" smtClean="0">
-                        <a:latin typeface="+mn-lt"/>
-                      </a:endParaRPr>
-                    </a:p>
-                  </a:txBody>
-                  <a:tcPr/>
-                </a:tc>
+                    </a:p>
+                  </a:txBody>
+                  <a:tcPr/>
+                </a:tc>
+                <a:extLst>
+                  <a:ext uri="{0D108BD9-81ED-4DB2-BD59-A6C34878D82A}">
+                    <a16:rowId xmlns:a16="http://schemas.microsoft.com/office/drawing/2014/main" val="10003"/>
+                  </a:ext>
+                </a:extLst>
               </a:tr>
               <a:tr h="370840">
                 <a:tc>
@@ -9043,13 +9355,15 @@
                         </a:rPr>
                         <a:t>FAR: 0.05827</a:t>
                       </a:r>
-                      <a:endParaRPr lang="en-US" dirty="0" smtClean="0">
-                        <a:latin typeface="+mn-lt"/>
-                      </a:endParaRPr>
-                    </a:p>
-                  </a:txBody>
-                  <a:tcPr/>
-                </a:tc>
+                    </a:p>
+                  </a:txBody>
+                  <a:tcPr/>
+                </a:tc>
+                <a:extLst>
+                  <a:ext uri="{0D108BD9-81ED-4DB2-BD59-A6C34878D82A}">
+                    <a16:rowId xmlns:a16="http://schemas.microsoft.com/office/drawing/2014/main" val="10004"/>
+                  </a:ext>
+                </a:extLst>
               </a:tr>
               <a:tr h="370840">
                 <a:tc>
@@ -9184,13 +9498,15 @@
                         </a:rPr>
                         <a:t>FAR: 0.01430</a:t>
                       </a:r>
-                      <a:endParaRPr lang="en-US" dirty="0" smtClean="0">
-                        <a:latin typeface="+mn-lt"/>
-                      </a:endParaRPr>
-                    </a:p>
-                  </a:txBody>
-                  <a:tcPr/>
-                </a:tc>
+                    </a:p>
+                  </a:txBody>
+                  <a:tcPr/>
+                </a:tc>
+                <a:extLst>
+                  <a:ext uri="{0D108BD9-81ED-4DB2-BD59-A6C34878D82A}">
+                    <a16:rowId xmlns:a16="http://schemas.microsoft.com/office/drawing/2014/main" val="10005"/>
+                  </a:ext>
+                </a:extLst>
               </a:tr>
               <a:tr h="370840">
                 <a:tc>
@@ -9339,13 +9655,15 @@
                         </a:rPr>
                         <a:t>FAR: 0.02904</a:t>
                       </a:r>
-                      <a:endParaRPr lang="en-US" dirty="0" smtClean="0">
-                        <a:latin typeface="+mn-lt"/>
-                      </a:endParaRPr>
-                    </a:p>
-                  </a:txBody>
-                  <a:tcPr/>
-                </a:tc>
+                    </a:p>
+                  </a:txBody>
+                  <a:tcPr/>
+                </a:tc>
+                <a:extLst>
+                  <a:ext uri="{0D108BD9-81ED-4DB2-BD59-A6C34878D82A}">
+                    <a16:rowId xmlns:a16="http://schemas.microsoft.com/office/drawing/2014/main" val="10006"/>
+                  </a:ext>
+                </a:extLst>
               </a:tr>
               <a:tr h="370840">
                 <a:tc>
@@ -9486,13 +9804,15 @@
                         </a:rPr>
                         <a:t>FAR: 0.04088</a:t>
                       </a:r>
-                      <a:endParaRPr lang="en-US" dirty="0" smtClean="0">
-                        <a:latin typeface="+mn-lt"/>
-                      </a:endParaRPr>
-                    </a:p>
-                  </a:txBody>
-                  <a:tcPr/>
-                </a:tc>
+                    </a:p>
+                  </a:txBody>
+                  <a:tcPr/>
+                </a:tc>
+                <a:extLst>
+                  <a:ext uri="{0D108BD9-81ED-4DB2-BD59-A6C34878D82A}">
+                    <a16:rowId xmlns:a16="http://schemas.microsoft.com/office/drawing/2014/main" val="10007"/>
+                  </a:ext>
+                </a:extLst>
               </a:tr>
             </a:tbl>
           </a:graphicData>
@@ -9566,11 +9886,7 @@
             </a:r>
             <a:r>
               <a:rPr lang="en-US" dirty="0" smtClean="0"/>
-              <a:t>ctivities for all users using 57 PCs from features of non-filtered data with </a:t>
-            </a:r>
-            <a:r>
-              <a:rPr lang="en-US" dirty="0" smtClean="0"/>
-              <a:t>SVMs</a:t>
+              <a:t>ctivities for all users using 57 PCs from features of non-filtered data with SVMs</a:t>
             </a:r>
             <a:endParaRPr lang="en-US" dirty="0"/>
           </a:p>
@@ -9585,7 +9901,7 @@
           <p:nvPr>
             <p:extLst>
               <p:ext uri="{D42A27DB-BD31-4B8C-83A1-F6EECF244321}">
-                <p14:modId xmlns:p14="http://schemas.microsoft.com/office/powerpoint/2010/main" val="677426252"/>
+                <p14:modId xmlns:p14="http://schemas.microsoft.com/office/powerpoint/2010/main" val="3385200954"/>
               </p:ext>
             </p:extLst>
           </p:nvPr>
@@ -9601,12 +9917,48 @@
                 <a:tableStyleId>{5C22544A-7EE6-4342-B048-85BDC9FD1C3A}</a:tableStyleId>
               </a:tblPr>
               <a:tblGrid>
-                <a:gridCol w="2631776"/>
-                <a:gridCol w="1680247"/>
-                <a:gridCol w="1685365"/>
-                <a:gridCol w="1748118"/>
-                <a:gridCol w="1550894"/>
-                <a:gridCol w="1712258"/>
+                <a:gridCol w="2631776">
+                  <a:extLst>
+                    <a:ext uri="{9D8B030D-6E8A-4147-A177-3AD203B41FA5}">
+                      <a16:colId xmlns:a16="http://schemas.microsoft.com/office/drawing/2014/main" val="20000"/>
+                    </a:ext>
+                  </a:extLst>
+                </a:gridCol>
+                <a:gridCol w="1680247">
+                  <a:extLst>
+                    <a:ext uri="{9D8B030D-6E8A-4147-A177-3AD203B41FA5}">
+                      <a16:colId xmlns:a16="http://schemas.microsoft.com/office/drawing/2014/main" val="20001"/>
+                    </a:ext>
+                  </a:extLst>
+                </a:gridCol>
+                <a:gridCol w="1685365">
+                  <a:extLst>
+                    <a:ext uri="{9D8B030D-6E8A-4147-A177-3AD203B41FA5}">
+                      <a16:colId xmlns:a16="http://schemas.microsoft.com/office/drawing/2014/main" val="20002"/>
+                    </a:ext>
+                  </a:extLst>
+                </a:gridCol>
+                <a:gridCol w="1748118">
+                  <a:extLst>
+                    <a:ext uri="{9D8B030D-6E8A-4147-A177-3AD203B41FA5}">
+                      <a16:colId xmlns:a16="http://schemas.microsoft.com/office/drawing/2014/main" val="20003"/>
+                    </a:ext>
+                  </a:extLst>
+                </a:gridCol>
+                <a:gridCol w="1550894">
+                  <a:extLst>
+                    <a:ext uri="{9D8B030D-6E8A-4147-A177-3AD203B41FA5}">
+                      <a16:colId xmlns:a16="http://schemas.microsoft.com/office/drawing/2014/main" val="20004"/>
+                    </a:ext>
+                  </a:extLst>
+                </a:gridCol>
+                <a:gridCol w="1712258">
+                  <a:extLst>
+                    <a:ext uri="{9D8B030D-6E8A-4147-A177-3AD203B41FA5}">
+                      <a16:colId xmlns:a16="http://schemas.microsoft.com/office/drawing/2014/main" val="20005"/>
+                    </a:ext>
+                  </a:extLst>
+                </a:gridCol>
               </a:tblGrid>
               <a:tr h="370840">
                 <a:tc>
@@ -9726,6 +10078,11 @@
                   </a:txBody>
                   <a:tcPr/>
                 </a:tc>
+                <a:extLst>
+                  <a:ext uri="{0D108BD9-81ED-4DB2-BD59-A6C34878D82A}">
+                    <a16:rowId xmlns:a16="http://schemas.microsoft.com/office/drawing/2014/main" val="10000"/>
+                  </a:ext>
+                </a:extLst>
               </a:tr>
               <a:tr h="370840">
                 <a:tc>
@@ -9755,33 +10112,33 @@
                         <a:rPr lang="en-US" dirty="0" smtClean="0">
                           <a:latin typeface="+mn-lt"/>
                         </a:rPr>
-                        <a:t>FRR: 0.23214</a:t>
-                      </a:r>
-                    </a:p>
-                    <a:p>
-                      <a:r>
-                        <a:rPr lang="en-US" dirty="0" smtClean="0">
-                          <a:latin typeface="+mn-lt"/>
-                        </a:rPr>
-                        <a:t>FAR: 0.03713</a:t>
-                      </a:r>
-                      <a:endParaRPr lang="en-US" dirty="0">
-                        <a:latin typeface="+mn-lt"/>
-                      </a:endParaRPr>
-                    </a:p>
-                  </a:txBody>
-                  <a:tcPr/>
-                </a:tc>
-                <a:tc>
-                  <a:txBody>
-                    <a:bodyPr/>
-                    <a:lstStyle/>
-                    <a:p>
-                      <a:r>
-                        <a:rPr lang="en-US" dirty="0" smtClean="0">
-                          <a:latin typeface="+mn-lt"/>
-                        </a:rPr>
-                        <a:t>FRR: 0.65789</a:t>
+                        <a:t>FRR: 0.29114</a:t>
+                      </a:r>
+                    </a:p>
+                    <a:p>
+                      <a:r>
+                        <a:rPr lang="en-US" dirty="0" smtClean="0">
+                          <a:latin typeface="+mn-lt"/>
+                        </a:rPr>
+                        <a:t>FAR: 0.04181</a:t>
+                      </a:r>
+                      <a:endParaRPr lang="en-US" dirty="0">
+                        <a:latin typeface="+mn-lt"/>
+                      </a:endParaRPr>
+                    </a:p>
+                  </a:txBody>
+                  <a:tcPr/>
+                </a:tc>
+                <a:tc>
+                  <a:txBody>
+                    <a:bodyPr/>
+                    <a:lstStyle/>
+                    <a:p>
+                      <a:r>
+                        <a:rPr lang="en-US" dirty="0" smtClean="0">
+                          <a:latin typeface="+mn-lt"/>
+                        </a:rPr>
+                        <a:t>FRR: 0.57895</a:t>
                       </a:r>
                     </a:p>
                     <a:p>
@@ -9815,25 +10172,25 @@
                         <a:rPr lang="en-US" dirty="0" smtClean="0">
                           <a:latin typeface="+mn-lt"/>
                         </a:rPr>
-                        <a:t>FAR: 0.03037</a:t>
-                      </a:r>
-                      <a:endParaRPr lang="en-US" dirty="0">
-                        <a:latin typeface="+mn-lt"/>
-                      </a:endParaRPr>
-                    </a:p>
-                  </a:txBody>
-                  <a:tcPr/>
-                </a:tc>
-                <a:tc>
-                  <a:txBody>
-                    <a:bodyPr/>
-                    <a:lstStyle/>
-                    <a:p>
-                      <a:r>
-                        <a:rPr lang="en-US" dirty="0" smtClean="0">
-                          <a:latin typeface="+mn-lt"/>
-                        </a:rPr>
-                        <a:t>FRR: 0.51249</a:t>
+                        <a:t>FAR: 0.03271</a:t>
+                      </a:r>
+                      <a:endParaRPr lang="en-US" dirty="0">
+                        <a:latin typeface="+mn-lt"/>
+                      </a:endParaRPr>
+                    </a:p>
+                  </a:txBody>
+                  <a:tcPr/>
+                </a:tc>
+                <a:tc>
+                  <a:txBody>
+                    <a:bodyPr/>
+                    <a:lstStyle/>
+                    <a:p>
+                      <a:r>
+                        <a:rPr lang="en-US" dirty="0" smtClean="0">
+                          <a:latin typeface="+mn-lt"/>
+                        </a:rPr>
+                        <a:t>FRR: 0.48750</a:t>
                       </a:r>
                     </a:p>
                     <a:p>
@@ -9876,6 +10233,11 @@
                   </a:txBody>
                   <a:tcPr/>
                 </a:tc>
+                <a:extLst>
+                  <a:ext uri="{0D108BD9-81ED-4DB2-BD59-A6C34878D82A}">
+                    <a16:rowId xmlns:a16="http://schemas.microsoft.com/office/drawing/2014/main" val="10001"/>
+                  </a:ext>
+                </a:extLst>
               </a:tr>
               <a:tr h="370840">
                 <a:tc>
@@ -9905,93 +10267,93 @@
                         <a:rPr lang="en-US" dirty="0" smtClean="0">
                           <a:latin typeface="+mn-lt"/>
                         </a:rPr>
-                        <a:t>FRR: 0.30802</a:t>
-                      </a:r>
-                    </a:p>
-                    <a:p>
-                      <a:r>
-                        <a:rPr lang="en-US" dirty="0" smtClean="0">
-                          <a:latin typeface="+mn-lt"/>
-                        </a:rPr>
-                        <a:t>FAR: 0.05546</a:t>
-                      </a:r>
-                      <a:endParaRPr lang="en-US" dirty="0">
-                        <a:latin typeface="+mn-lt"/>
-                      </a:endParaRPr>
-                    </a:p>
-                  </a:txBody>
-                  <a:tcPr/>
-                </a:tc>
-                <a:tc>
-                  <a:txBody>
-                    <a:bodyPr/>
-                    <a:lstStyle/>
-                    <a:p>
-                      <a:r>
-                        <a:rPr lang="en-US" dirty="0" smtClean="0">
-                          <a:latin typeface="+mn-lt"/>
-                        </a:rPr>
-                        <a:t>FRR: 0.67442</a:t>
-                      </a:r>
-                    </a:p>
-                    <a:p>
-                      <a:r>
-                        <a:rPr lang="en-US" dirty="0" smtClean="0">
-                          <a:latin typeface="+mn-lt"/>
-                        </a:rPr>
-                        <a:t>FAR: 0.125</a:t>
-                      </a:r>
-                      <a:endParaRPr lang="en-US" dirty="0">
-                        <a:latin typeface="+mn-lt"/>
-                      </a:endParaRPr>
-                    </a:p>
-                  </a:txBody>
-                  <a:tcPr/>
-                </a:tc>
-                <a:tc>
-                  <a:txBody>
-                    <a:bodyPr/>
-                    <a:lstStyle/>
-                    <a:p>
-                      <a:r>
-                        <a:rPr lang="en-US" dirty="0" smtClean="0">
-                          <a:latin typeface="+mn-lt"/>
-                        </a:rPr>
-                        <a:t>FRR: 0.10526</a:t>
-                      </a:r>
-                    </a:p>
-                    <a:p>
-                      <a:r>
-                        <a:rPr lang="en-US" dirty="0" smtClean="0">
-                          <a:latin typeface="+mn-lt"/>
-                        </a:rPr>
-                        <a:t>FAR: 0.13452</a:t>
-                      </a:r>
-                      <a:endParaRPr lang="en-US" dirty="0">
-                        <a:latin typeface="+mn-lt"/>
-                      </a:endParaRPr>
-                    </a:p>
-                  </a:txBody>
-                  <a:tcPr/>
-                </a:tc>
-                <a:tc>
-                  <a:txBody>
-                    <a:bodyPr/>
-                    <a:lstStyle/>
-                    <a:p>
-                      <a:r>
-                        <a:rPr lang="en-US" dirty="0" smtClean="0">
-                          <a:latin typeface="+mn-lt"/>
-                        </a:rPr>
-                        <a:t>FRR: 0.15625</a:t>
-                      </a:r>
-                    </a:p>
-                    <a:p>
-                      <a:r>
-                        <a:rPr lang="en-US" dirty="0" smtClean="0">
-                          <a:latin typeface="+mn-lt"/>
-                        </a:rPr>
-                        <a:t>FAR: 0.0615</a:t>
+                        <a:t>FRR: 0.08571</a:t>
+                      </a:r>
+                    </a:p>
+                    <a:p>
+                      <a:r>
+                        <a:rPr lang="en-US" dirty="0" smtClean="0">
+                          <a:latin typeface="+mn-lt"/>
+                        </a:rPr>
+                        <a:t>FAR: 0.07131</a:t>
+                      </a:r>
+                      <a:endParaRPr lang="en-US" dirty="0">
+                        <a:latin typeface="+mn-lt"/>
+                      </a:endParaRPr>
+                    </a:p>
+                  </a:txBody>
+                  <a:tcPr/>
+                </a:tc>
+                <a:tc>
+                  <a:txBody>
+                    <a:bodyPr/>
+                    <a:lstStyle/>
+                    <a:p>
+                      <a:r>
+                        <a:rPr lang="en-US" dirty="0" smtClean="0">
+                          <a:latin typeface="+mn-lt"/>
+                        </a:rPr>
+                        <a:t>FRR: 0.66279</a:t>
+                      </a:r>
+                    </a:p>
+                    <a:p>
+                      <a:r>
+                        <a:rPr lang="en-US" dirty="0" smtClean="0">
+                          <a:latin typeface="+mn-lt"/>
+                        </a:rPr>
+                        <a:t>FAR: 0.11170</a:t>
+                      </a:r>
+                      <a:endParaRPr lang="en-US" dirty="0">
+                        <a:latin typeface="+mn-lt"/>
+                      </a:endParaRPr>
+                    </a:p>
+                  </a:txBody>
+                  <a:tcPr/>
+                </a:tc>
+                <a:tc>
+                  <a:txBody>
+                    <a:bodyPr/>
+                    <a:lstStyle/>
+                    <a:p>
+                      <a:r>
+                        <a:rPr lang="en-US" dirty="0" smtClean="0">
+                          <a:latin typeface="+mn-lt"/>
+                        </a:rPr>
+                        <a:t>FRR: 0.07368</a:t>
+                      </a:r>
+                    </a:p>
+                    <a:p>
+                      <a:r>
+                        <a:rPr lang="en-US" dirty="0" smtClean="0">
+                          <a:latin typeface="+mn-lt"/>
+                        </a:rPr>
+                        <a:t>FAR: 0.14721</a:t>
+                      </a:r>
+                      <a:endParaRPr lang="en-US" dirty="0">
+                        <a:latin typeface="+mn-lt"/>
+                      </a:endParaRPr>
+                    </a:p>
+                  </a:txBody>
+                  <a:tcPr/>
+                </a:tc>
+                <a:tc>
+                  <a:txBody>
+                    <a:bodyPr/>
+                    <a:lstStyle/>
+                    <a:p>
+                      <a:r>
+                        <a:rPr lang="en-US" dirty="0" smtClean="0">
+                          <a:latin typeface="+mn-lt"/>
+                        </a:rPr>
+                        <a:t>FRR: 0.11458</a:t>
+                      </a:r>
+                    </a:p>
+                    <a:p>
+                      <a:r>
+                        <a:rPr lang="en-US" dirty="0" smtClean="0">
+                          <a:latin typeface="+mn-lt"/>
+                        </a:rPr>
+                        <a:t>FAR: 0.07062</a:t>
                       </a:r>
                       <a:endParaRPr lang="en-US" dirty="0">
                         <a:latin typeface="+mn-lt"/>
@@ -10019,13 +10381,15 @@
                         </a:rPr>
                         <a:t>FAR: 0.04673</a:t>
                       </a:r>
-                      <a:endParaRPr lang="en-US" dirty="0" smtClean="0">
-                        <a:latin typeface="+mn-lt"/>
-                      </a:endParaRPr>
-                    </a:p>
-                  </a:txBody>
-                  <a:tcPr/>
-                </a:tc>
+                    </a:p>
+                  </a:txBody>
+                  <a:tcPr/>
+                </a:tc>
+                <a:extLst>
+                  <a:ext uri="{0D108BD9-81ED-4DB2-BD59-A6C34878D82A}">
+                    <a16:rowId xmlns:a16="http://schemas.microsoft.com/office/drawing/2014/main" val="10002"/>
+                  </a:ext>
+                </a:extLst>
               </a:tr>
               <a:tr h="370840">
                 <a:tc>
@@ -10055,93 +10419,93 @@
                         <a:rPr lang="en-US" dirty="0" smtClean="0">
                           <a:latin typeface="+mn-lt"/>
                         </a:rPr>
-                        <a:t>FRR: 0.08163</a:t>
-                      </a:r>
-                    </a:p>
-                    <a:p>
-                      <a:r>
-                        <a:rPr lang="en-US" dirty="0" smtClean="0">
-                          <a:latin typeface="+mn-lt"/>
-                        </a:rPr>
-                        <a:t>FAR: 0.08333</a:t>
-                      </a:r>
-                      <a:endParaRPr lang="en-US" dirty="0">
-                        <a:latin typeface="+mn-lt"/>
-                      </a:endParaRPr>
-                    </a:p>
-                  </a:txBody>
-                  <a:tcPr/>
-                </a:tc>
-                <a:tc>
-                  <a:txBody>
-                    <a:bodyPr/>
-                    <a:lstStyle/>
-                    <a:p>
-                      <a:r>
-                        <a:rPr lang="en-US" dirty="0" smtClean="0">
-                          <a:latin typeface="+mn-lt"/>
-                        </a:rPr>
-                        <a:t>FRR: 0.41333</a:t>
-                      </a:r>
-                    </a:p>
-                    <a:p>
-                      <a:r>
-                        <a:rPr lang="en-US" dirty="0" smtClean="0">
-                          <a:latin typeface="+mn-lt"/>
-                        </a:rPr>
-                        <a:t>FAR: 0.24806</a:t>
-                      </a:r>
-                      <a:endParaRPr lang="en-US" dirty="0">
-                        <a:latin typeface="+mn-lt"/>
-                      </a:endParaRPr>
-                    </a:p>
-                  </a:txBody>
-                  <a:tcPr/>
-                </a:tc>
-                <a:tc>
-                  <a:txBody>
-                    <a:bodyPr/>
-                    <a:lstStyle/>
-                    <a:p>
-                      <a:r>
-                        <a:rPr lang="en-US" dirty="0" smtClean="0">
-                          <a:latin typeface="+mn-lt"/>
-                        </a:rPr>
-                        <a:t>FRR: 0.7093</a:t>
-                      </a:r>
-                    </a:p>
-                    <a:p>
-                      <a:r>
-                        <a:rPr lang="en-US" dirty="0" smtClean="0">
-                          <a:latin typeface="+mn-lt"/>
-                        </a:rPr>
-                        <a:t>FAR: 0.09181</a:t>
-                      </a:r>
-                      <a:endParaRPr lang="en-US" dirty="0">
-                        <a:latin typeface="+mn-lt"/>
-                      </a:endParaRPr>
-                    </a:p>
-                  </a:txBody>
-                  <a:tcPr/>
-                </a:tc>
-                <a:tc>
-                  <a:txBody>
-                    <a:bodyPr/>
-                    <a:lstStyle/>
-                    <a:p>
-                      <a:r>
-                        <a:rPr lang="en-US" dirty="0" smtClean="0">
-                          <a:latin typeface="+mn-lt"/>
-                        </a:rPr>
-                        <a:t>FRR: 0.48684</a:t>
-                      </a:r>
-                    </a:p>
-                    <a:p>
-                      <a:r>
-                        <a:rPr lang="en-US" dirty="0" smtClean="0">
-                          <a:latin typeface="+mn-lt"/>
-                        </a:rPr>
-                        <a:t>FAR: 0.10022</a:t>
+                        <a:t>FRR: 0.24017</a:t>
+                      </a:r>
+                    </a:p>
+                    <a:p>
+                      <a:r>
+                        <a:rPr lang="en-US" dirty="0" smtClean="0">
+                          <a:latin typeface="+mn-lt"/>
+                        </a:rPr>
+                        <a:t>FAR: 0.02458</a:t>
+                      </a:r>
+                      <a:endParaRPr lang="en-US" dirty="0">
+                        <a:latin typeface="+mn-lt"/>
+                      </a:endParaRPr>
+                    </a:p>
+                  </a:txBody>
+                  <a:tcPr/>
+                </a:tc>
+                <a:tc>
+                  <a:txBody>
+                    <a:bodyPr/>
+                    <a:lstStyle/>
+                    <a:p>
+                      <a:r>
+                        <a:rPr lang="en-US" dirty="0" smtClean="0">
+                          <a:latin typeface="+mn-lt"/>
+                        </a:rPr>
+                        <a:t>FRR: 0.33333</a:t>
+                      </a:r>
+                    </a:p>
+                    <a:p>
+                      <a:r>
+                        <a:rPr lang="en-US" dirty="0" smtClean="0">
+                          <a:latin typeface="+mn-lt"/>
+                        </a:rPr>
+                        <a:t>FAR: 0.22739</a:t>
+                      </a:r>
+                      <a:endParaRPr lang="en-US" dirty="0">
+                        <a:latin typeface="+mn-lt"/>
+                      </a:endParaRPr>
+                    </a:p>
+                  </a:txBody>
+                  <a:tcPr/>
+                </a:tc>
+                <a:tc>
+                  <a:txBody>
+                    <a:bodyPr/>
+                    <a:lstStyle/>
+                    <a:p>
+                      <a:r>
+                        <a:rPr lang="en-US" dirty="0" smtClean="0">
+                          <a:latin typeface="+mn-lt"/>
+                        </a:rPr>
+                        <a:t>FRR: 0.58140</a:t>
+                      </a:r>
+                    </a:p>
+                    <a:p>
+                      <a:r>
+                        <a:rPr lang="en-US" dirty="0" smtClean="0">
+                          <a:latin typeface="+mn-lt"/>
+                        </a:rPr>
+                        <a:t>FAR: 0.07196</a:t>
+                      </a:r>
+                      <a:endParaRPr lang="en-US" dirty="0" smtClean="0">
+                        <a:latin typeface="+mn-lt"/>
+                      </a:endParaRPr>
+                    </a:p>
+                  </a:txBody>
+                  <a:tcPr/>
+                </a:tc>
+                <a:tc>
+                  <a:txBody>
+                    <a:bodyPr/>
+                    <a:lstStyle/>
+                    <a:p>
+                      <a:r>
+                        <a:rPr lang="en-US" dirty="0" smtClean="0">
+                          <a:latin typeface="+mn-lt"/>
+                        </a:rPr>
+                        <a:t>FRR: 0.50000</a:t>
+                      </a:r>
+                    </a:p>
+                    <a:p>
+                      <a:r>
+                        <a:rPr lang="en-US" dirty="0" smtClean="0">
+                          <a:latin typeface="+mn-lt"/>
+                        </a:rPr>
+                        <a:t>FAR: 0.06318</a:t>
                       </a:r>
                       <a:endParaRPr lang="en-US" dirty="0">
                         <a:latin typeface="+mn-lt"/>
@@ -10169,13 +10533,15 @@
                         </a:rPr>
                         <a:t>FAR: 0.05060</a:t>
                       </a:r>
-                      <a:endParaRPr lang="en-US" dirty="0" smtClean="0">
-                        <a:latin typeface="+mn-lt"/>
-                      </a:endParaRPr>
-                    </a:p>
-                  </a:txBody>
-                  <a:tcPr/>
-                </a:tc>
+                    </a:p>
+                  </a:txBody>
+                  <a:tcPr/>
+                </a:tc>
+                <a:extLst>
+                  <a:ext uri="{0D108BD9-81ED-4DB2-BD59-A6C34878D82A}">
+                    <a16:rowId xmlns:a16="http://schemas.microsoft.com/office/drawing/2014/main" val="10003"/>
+                  </a:ext>
+                </a:extLst>
               </a:tr>
               <a:tr h="370840">
                 <a:tc>
@@ -10205,59 +10571,59 @@
                         <a:rPr lang="en-US" dirty="0" smtClean="0">
                           <a:latin typeface="+mn-lt"/>
                         </a:rPr>
-                        <a:t>FRR: 0.25764</a:t>
-                      </a:r>
-                    </a:p>
-                    <a:p>
-                      <a:r>
-                        <a:rPr lang="en-US" dirty="0" smtClean="0">
-                          <a:latin typeface="+mn-lt"/>
-                        </a:rPr>
-                        <a:t>FAR: 0.03305</a:t>
-                      </a:r>
-                      <a:endParaRPr lang="en-US" dirty="0">
-                        <a:latin typeface="+mn-lt"/>
-                      </a:endParaRPr>
-                    </a:p>
-                  </a:txBody>
-                  <a:tcPr/>
-                </a:tc>
-                <a:tc>
-                  <a:txBody>
-                    <a:bodyPr/>
-                    <a:lstStyle/>
-                    <a:p>
-                      <a:r>
-                        <a:rPr lang="en-US" dirty="0" smtClean="0">
-                          <a:latin typeface="+mn-lt"/>
-                        </a:rPr>
-                        <a:t>FRR: 0.85915</a:t>
-                      </a:r>
-                    </a:p>
-                    <a:p>
-                      <a:r>
-                        <a:rPr lang="en-US" dirty="0" smtClean="0">
-                          <a:latin typeface="+mn-lt"/>
-                        </a:rPr>
-                        <a:t>FAR: 0.06138</a:t>
-                      </a:r>
-                      <a:endParaRPr lang="en-US" dirty="0">
-                        <a:latin typeface="+mn-lt"/>
-                      </a:endParaRPr>
-                    </a:p>
-                  </a:txBody>
-                  <a:tcPr/>
-                </a:tc>
-                <a:tc>
-                  <a:txBody>
-                    <a:bodyPr/>
-                    <a:lstStyle/>
-                    <a:p>
-                      <a:r>
-                        <a:rPr lang="en-US" dirty="0" smtClean="0">
-                          <a:latin typeface="+mn-lt"/>
-                        </a:rPr>
-                        <a:t>FRR: 0.42353</a:t>
+                        <a:t>FRR: 0.24000</a:t>
+                      </a:r>
+                    </a:p>
+                    <a:p>
+                      <a:r>
+                        <a:rPr lang="en-US" dirty="0" smtClean="0">
+                          <a:latin typeface="+mn-lt"/>
+                        </a:rPr>
+                        <a:t>FAR: 0.03463</a:t>
+                      </a:r>
+                      <a:endParaRPr lang="en-US" dirty="0">
+                        <a:latin typeface="+mn-lt"/>
+                      </a:endParaRPr>
+                    </a:p>
+                  </a:txBody>
+                  <a:tcPr/>
+                </a:tc>
+                <a:tc>
+                  <a:txBody>
+                    <a:bodyPr/>
+                    <a:lstStyle/>
+                    <a:p>
+                      <a:r>
+                        <a:rPr lang="en-US" dirty="0" smtClean="0">
+                          <a:latin typeface="+mn-lt"/>
+                        </a:rPr>
+                        <a:t>FRR: 0.73239</a:t>
+                      </a:r>
+                    </a:p>
+                    <a:p>
+                      <a:r>
+                        <a:rPr lang="en-US" dirty="0" smtClean="0">
+                          <a:latin typeface="+mn-lt"/>
+                        </a:rPr>
+                        <a:t>FAR: 0.04348</a:t>
+                      </a:r>
+                      <a:endParaRPr lang="en-US" dirty="0">
+                        <a:latin typeface="+mn-lt"/>
+                      </a:endParaRPr>
+                    </a:p>
+                  </a:txBody>
+                  <a:tcPr/>
+                </a:tc>
+                <a:tc>
+                  <a:txBody>
+                    <a:bodyPr/>
+                    <a:lstStyle/>
+                    <a:p>
+                      <a:r>
+                        <a:rPr lang="en-US" dirty="0" smtClean="0">
+                          <a:latin typeface="+mn-lt"/>
+                        </a:rPr>
+                        <a:t>FRR: 0.44706</a:t>
                       </a:r>
                     </a:p>
                     <a:p>
@@ -10283,15 +10649,15 @@
                         <a:rPr lang="en-US" dirty="0" smtClean="0">
                           <a:latin typeface="+mn-lt"/>
                         </a:rPr>
-                        <a:t>FRR: 0.61798</a:t>
-                      </a:r>
-                    </a:p>
-                    <a:p>
-                      <a:r>
-                        <a:rPr lang="en-US" dirty="0" smtClean="0">
-                          <a:latin typeface="+mn-lt"/>
-                        </a:rPr>
-                        <a:t>FAR: 0.08296</a:t>
+                        <a:t>FRR: 0.58427</a:t>
+                      </a:r>
+                    </a:p>
+                    <a:p>
+                      <a:r>
+                        <a:rPr lang="en-US" dirty="0" smtClean="0">
+                          <a:latin typeface="+mn-lt"/>
+                        </a:rPr>
+                        <a:t>FAR: 0.08072</a:t>
                       </a:r>
                       <a:endParaRPr lang="en-US" dirty="0">
                         <a:latin typeface="+mn-lt"/>
@@ -10319,13 +10685,15 @@
                         </a:rPr>
                         <a:t>FAR: 0.02913</a:t>
                       </a:r>
-                      <a:endParaRPr lang="en-US" dirty="0" smtClean="0">
-                        <a:latin typeface="+mn-lt"/>
-                      </a:endParaRPr>
-                    </a:p>
-                  </a:txBody>
-                  <a:tcPr/>
-                </a:tc>
+                    </a:p>
+                  </a:txBody>
+                  <a:tcPr/>
+                </a:tc>
+                <a:extLst>
+                  <a:ext uri="{0D108BD9-81ED-4DB2-BD59-A6C34878D82A}">
+                    <a16:rowId xmlns:a16="http://schemas.microsoft.com/office/drawing/2014/main" val="10004"/>
+                  </a:ext>
+                </a:extLst>
               </a:tr>
               <a:tr h="370840">
                 <a:tc>
@@ -10355,93 +10723,93 @@
                         <a:rPr lang="en-US" dirty="0" smtClean="0">
                           <a:latin typeface="+mn-lt"/>
                         </a:rPr>
-                        <a:t>FRR: 0.28889</a:t>
-                      </a:r>
-                    </a:p>
-                    <a:p>
-                      <a:r>
-                        <a:rPr lang="en-US" dirty="0" smtClean="0">
-                          <a:latin typeface="+mn-lt"/>
-                        </a:rPr>
-                        <a:t>FAR: 0.02027</a:t>
-                      </a:r>
-                      <a:endParaRPr lang="en-US" dirty="0">
-                        <a:latin typeface="+mn-lt"/>
-                      </a:endParaRPr>
-                    </a:p>
-                  </a:txBody>
-                  <a:tcPr/>
-                </a:tc>
-                <a:tc>
-                  <a:txBody>
-                    <a:bodyPr/>
-                    <a:lstStyle/>
-                    <a:p>
-                      <a:r>
-                        <a:rPr lang="en-US" dirty="0" smtClean="0">
-                          <a:latin typeface="+mn-lt"/>
-                        </a:rPr>
-                        <a:t>FRR: 0.79104</a:t>
-                      </a:r>
-                    </a:p>
-                    <a:p>
-                      <a:r>
-                        <a:rPr lang="en-US" dirty="0" smtClean="0">
-                          <a:latin typeface="+mn-lt"/>
-                        </a:rPr>
-                        <a:t>FAR: 0.03291</a:t>
-                      </a:r>
-                      <a:endParaRPr lang="en-US" dirty="0">
-                        <a:latin typeface="+mn-lt"/>
-                      </a:endParaRPr>
-                    </a:p>
-                  </a:txBody>
-                  <a:tcPr/>
-                </a:tc>
-                <a:tc>
-                  <a:txBody>
-                    <a:bodyPr/>
-                    <a:lstStyle/>
-                    <a:p>
-                      <a:r>
-                        <a:rPr lang="en-US" dirty="0" smtClean="0">
-                          <a:latin typeface="+mn-lt"/>
-                        </a:rPr>
-                        <a:t>FRR: 0.76389</a:t>
-                      </a:r>
-                    </a:p>
-                    <a:p>
-                      <a:r>
-                        <a:rPr lang="en-US" dirty="0" smtClean="0">
-                          <a:latin typeface="+mn-lt"/>
-                        </a:rPr>
-                        <a:t>FAR: 0.04796</a:t>
-                      </a:r>
-                      <a:endParaRPr lang="en-US" dirty="0">
-                        <a:latin typeface="+mn-lt"/>
-                      </a:endParaRPr>
-                    </a:p>
-                  </a:txBody>
-                  <a:tcPr/>
-                </a:tc>
-                <a:tc>
-                  <a:txBody>
-                    <a:bodyPr/>
-                    <a:lstStyle/>
-                    <a:p>
-                      <a:r>
-                        <a:rPr lang="en-US" dirty="0" smtClean="0">
-                          <a:latin typeface="+mn-lt"/>
-                        </a:rPr>
-                        <a:t>FRR: 0.6087</a:t>
-                      </a:r>
-                    </a:p>
-                    <a:p>
-                      <a:r>
-                        <a:rPr lang="en-US" dirty="0" smtClean="0">
-                          <a:latin typeface="+mn-lt"/>
-                        </a:rPr>
-                        <a:t>FAR: 0.01717</a:t>
+                        <a:t>FRR: 0.11647</a:t>
+                      </a:r>
+                    </a:p>
+                    <a:p>
+                      <a:r>
+                        <a:rPr lang="en-US" dirty="0" smtClean="0">
+                          <a:latin typeface="+mn-lt"/>
+                        </a:rPr>
+                        <a:t>FAR: 0.01379</a:t>
+                      </a:r>
+                      <a:endParaRPr lang="en-US" dirty="0">
+                        <a:latin typeface="+mn-lt"/>
+                      </a:endParaRPr>
+                    </a:p>
+                  </a:txBody>
+                  <a:tcPr/>
+                </a:tc>
+                <a:tc>
+                  <a:txBody>
+                    <a:bodyPr/>
+                    <a:lstStyle/>
+                    <a:p>
+                      <a:r>
+                        <a:rPr lang="en-US" dirty="0" smtClean="0">
+                          <a:latin typeface="+mn-lt"/>
+                        </a:rPr>
+                        <a:t>FRR: 0.65672</a:t>
+                      </a:r>
+                    </a:p>
+                    <a:p>
+                      <a:r>
+                        <a:rPr lang="en-US" dirty="0" smtClean="0">
+                          <a:latin typeface="+mn-lt"/>
+                        </a:rPr>
+                        <a:t>FAR: 0.03038</a:t>
+                      </a:r>
+                      <a:endParaRPr lang="en-US" dirty="0">
+                        <a:latin typeface="+mn-lt"/>
+                      </a:endParaRPr>
+                    </a:p>
+                  </a:txBody>
+                  <a:tcPr/>
+                </a:tc>
+                <a:tc>
+                  <a:txBody>
+                    <a:bodyPr/>
+                    <a:lstStyle/>
+                    <a:p>
+                      <a:r>
+                        <a:rPr lang="en-US" dirty="0" smtClean="0">
+                          <a:latin typeface="+mn-lt"/>
+                        </a:rPr>
+                        <a:t>FRR: 0.81944</a:t>
+                      </a:r>
+                    </a:p>
+                    <a:p>
+                      <a:r>
+                        <a:rPr lang="en-US" dirty="0" smtClean="0">
+                          <a:latin typeface="+mn-lt"/>
+                        </a:rPr>
+                        <a:t>FAR: 0.02638</a:t>
+                      </a:r>
+                      <a:endParaRPr lang="en-US" dirty="0">
+                        <a:latin typeface="+mn-lt"/>
+                      </a:endParaRPr>
+                    </a:p>
+                  </a:txBody>
+                  <a:tcPr/>
+                </a:tc>
+                <a:tc>
+                  <a:txBody>
+                    <a:bodyPr/>
+                    <a:lstStyle/>
+                    <a:p>
+                      <a:r>
+                        <a:rPr lang="en-US" dirty="0" smtClean="0">
+                          <a:latin typeface="+mn-lt"/>
+                        </a:rPr>
+                        <a:t>FRR: 0.69565</a:t>
+                      </a:r>
+                    </a:p>
+                    <a:p>
+                      <a:r>
+                        <a:rPr lang="en-US" dirty="0" smtClean="0">
+                          <a:latin typeface="+mn-lt"/>
+                        </a:rPr>
+                        <a:t>FAR: 0.02790</a:t>
                       </a:r>
                       <a:endParaRPr lang="en-US" dirty="0">
                         <a:latin typeface="+mn-lt"/>
@@ -10469,13 +10837,15 @@
                         </a:rPr>
                         <a:t>FAR: 0.01934</a:t>
                       </a:r>
-                      <a:endParaRPr lang="en-US" dirty="0" smtClean="0">
-                        <a:latin typeface="+mn-lt"/>
-                      </a:endParaRPr>
-                    </a:p>
-                  </a:txBody>
-                  <a:tcPr/>
-                </a:tc>
+                    </a:p>
+                  </a:txBody>
+                  <a:tcPr/>
+                </a:tc>
+                <a:extLst>
+                  <a:ext uri="{0D108BD9-81ED-4DB2-BD59-A6C34878D82A}">
+                    <a16:rowId xmlns:a16="http://schemas.microsoft.com/office/drawing/2014/main" val="10005"/>
+                  </a:ext>
+                </a:extLst>
               </a:tr>
               <a:tr h="370840">
                 <a:tc>
@@ -10519,93 +10889,93 @@
                         <a:rPr lang="en-US" dirty="0" smtClean="0">
                           <a:latin typeface="+mn-lt"/>
                         </a:rPr>
-                        <a:t>FRR: 0.13253</a:t>
-                      </a:r>
-                    </a:p>
-                    <a:p>
-                      <a:r>
-                        <a:rPr lang="en-US" dirty="0" smtClean="0">
-                          <a:latin typeface="+mn-lt"/>
-                        </a:rPr>
-                        <a:t>FAR: 0.02845</a:t>
-                      </a:r>
-                      <a:endParaRPr lang="en-US" dirty="0">
-                        <a:latin typeface="+mn-lt"/>
-                      </a:endParaRPr>
-                    </a:p>
-                  </a:txBody>
-                  <a:tcPr/>
-                </a:tc>
-                <a:tc>
-                  <a:txBody>
-                    <a:bodyPr/>
-                    <a:lstStyle/>
-                    <a:p>
-                      <a:r>
-                        <a:rPr lang="en-US" dirty="0" smtClean="0">
-                          <a:latin typeface="+mn-lt"/>
-                        </a:rPr>
-                        <a:t>FRR: 0.24138</a:t>
-                      </a:r>
-                    </a:p>
-                    <a:p>
-                      <a:r>
-                        <a:rPr lang="en-US" dirty="0" smtClean="0">
-                          <a:latin typeface="+mn-lt"/>
-                        </a:rPr>
-                        <a:t>FAR: 0.12533</a:t>
-                      </a:r>
-                      <a:endParaRPr lang="en-US" dirty="0">
-                        <a:latin typeface="+mn-lt"/>
-                      </a:endParaRPr>
-                    </a:p>
-                  </a:txBody>
-                  <a:tcPr/>
-                </a:tc>
-                <a:tc>
-                  <a:txBody>
-                    <a:bodyPr/>
-                    <a:lstStyle/>
-                    <a:p>
-                      <a:r>
-                        <a:rPr lang="en-US" dirty="0" smtClean="0">
-                          <a:latin typeface="+mn-lt"/>
-                        </a:rPr>
-                        <a:t>FRR: 0.13333</a:t>
-                      </a:r>
-                    </a:p>
-                    <a:p>
-                      <a:r>
-                        <a:rPr lang="en-US" dirty="0" smtClean="0">
-                          <a:latin typeface="+mn-lt"/>
-                        </a:rPr>
-                        <a:t>FAR: 0.15288</a:t>
-                      </a:r>
-                      <a:endParaRPr lang="en-US" dirty="0">
-                        <a:latin typeface="+mn-lt"/>
-                      </a:endParaRPr>
-                    </a:p>
-                  </a:txBody>
-                  <a:tcPr/>
-                </a:tc>
-                <a:tc>
-                  <a:txBody>
-                    <a:bodyPr/>
-                    <a:lstStyle/>
-                    <a:p>
-                      <a:r>
-                        <a:rPr lang="en-US" dirty="0" smtClean="0">
-                          <a:latin typeface="+mn-lt"/>
-                        </a:rPr>
-                        <a:t>FRR: 0.04</a:t>
-                      </a:r>
-                    </a:p>
-                    <a:p>
-                      <a:r>
-                        <a:rPr lang="en-US" dirty="0" smtClean="0">
-                          <a:latin typeface="+mn-lt"/>
-                        </a:rPr>
-                        <a:t>FAR: 0.09268</a:t>
+                        <a:t>FRR: 0.14732</a:t>
+                      </a:r>
+                    </a:p>
+                    <a:p>
+                      <a:r>
+                        <a:rPr lang="en-US" dirty="0" smtClean="0">
+                          <a:latin typeface="+mn-lt"/>
+                        </a:rPr>
+                        <a:t>FAR: 0.03629</a:t>
+                      </a:r>
+                      <a:endParaRPr lang="en-US" dirty="0">
+                        <a:latin typeface="+mn-lt"/>
+                      </a:endParaRPr>
+                    </a:p>
+                  </a:txBody>
+                  <a:tcPr/>
+                </a:tc>
+                <a:tc>
+                  <a:txBody>
+                    <a:bodyPr/>
+                    <a:lstStyle/>
+                    <a:p>
+                      <a:r>
+                        <a:rPr lang="en-US" dirty="0" smtClean="0">
+                          <a:latin typeface="+mn-lt"/>
+                        </a:rPr>
+                        <a:t>FRR: 0.19540</a:t>
+                      </a:r>
+                    </a:p>
+                    <a:p>
+                      <a:r>
+                        <a:rPr lang="en-US" dirty="0" smtClean="0">
+                          <a:latin typeface="+mn-lt"/>
+                        </a:rPr>
+                        <a:t>FAR: 0.08800</a:t>
+                      </a:r>
+                      <a:endParaRPr lang="en-US" dirty="0">
+                        <a:latin typeface="+mn-lt"/>
+                      </a:endParaRPr>
+                    </a:p>
+                  </a:txBody>
+                  <a:tcPr/>
+                </a:tc>
+                <a:tc>
+                  <a:txBody>
+                    <a:bodyPr/>
+                    <a:lstStyle/>
+                    <a:p>
+                      <a:r>
+                        <a:rPr lang="en-US" dirty="0" smtClean="0">
+                          <a:latin typeface="+mn-lt"/>
+                        </a:rPr>
+                        <a:t>FRR: 0.12222</a:t>
+                      </a:r>
+                    </a:p>
+                    <a:p>
+                      <a:r>
+                        <a:rPr lang="en-US" dirty="0" smtClean="0">
+                          <a:latin typeface="+mn-lt"/>
+                        </a:rPr>
+                        <a:t>FAR: 0.15789</a:t>
+                      </a:r>
+                      <a:endParaRPr lang="en-US" dirty="0">
+                        <a:latin typeface="+mn-lt"/>
+                      </a:endParaRPr>
+                    </a:p>
+                  </a:txBody>
+                  <a:tcPr/>
+                </a:tc>
+                <a:tc>
+                  <a:txBody>
+                    <a:bodyPr/>
+                    <a:lstStyle/>
+                    <a:p>
+                      <a:r>
+                        <a:rPr lang="en-US" dirty="0" smtClean="0">
+                          <a:latin typeface="+mn-lt"/>
+                        </a:rPr>
+                        <a:t>FRR: 0.05600</a:t>
+                      </a:r>
+                    </a:p>
+                    <a:p>
+                      <a:r>
+                        <a:rPr lang="en-US" dirty="0" smtClean="0">
+                          <a:latin typeface="+mn-lt"/>
+                        </a:rPr>
+                        <a:t>FAR: 0.11463</a:t>
                       </a:r>
                       <a:endParaRPr lang="en-US" dirty="0">
                         <a:latin typeface="+mn-lt"/>
@@ -10633,13 +11003,15 @@
                         </a:rPr>
                         <a:t>FAR: 0.02647</a:t>
                       </a:r>
-                      <a:endParaRPr lang="en-US" dirty="0" smtClean="0">
-                        <a:latin typeface="+mn-lt"/>
-                      </a:endParaRPr>
-                    </a:p>
-                  </a:txBody>
-                  <a:tcPr/>
-                </a:tc>
+                    </a:p>
+                  </a:txBody>
+                  <a:tcPr/>
+                </a:tc>
+                <a:extLst>
+                  <a:ext uri="{0D108BD9-81ED-4DB2-BD59-A6C34878D82A}">
+                    <a16:rowId xmlns:a16="http://schemas.microsoft.com/office/drawing/2014/main" val="10006"/>
+                  </a:ext>
+                </a:extLst>
               </a:tr>
               <a:tr h="370840">
                 <a:tc>
@@ -10675,93 +11047,93 @@
                         <a:rPr lang="en-US" dirty="0" smtClean="0">
                           <a:latin typeface="+mn-lt"/>
                         </a:rPr>
-                        <a:t>FRR: 0.21681</a:t>
-                      </a:r>
-                    </a:p>
-                    <a:p>
-                      <a:r>
-                        <a:rPr lang="en-US" dirty="0" smtClean="0">
-                          <a:latin typeface="+mn-lt"/>
-                        </a:rPr>
-                        <a:t>FAR: 0.04295</a:t>
-                      </a:r>
-                      <a:endParaRPr lang="en-US" dirty="0">
-                        <a:latin typeface="+mn-lt"/>
-                      </a:endParaRPr>
-                    </a:p>
-                  </a:txBody>
-                  <a:tcPr/>
-                </a:tc>
-                <a:tc>
-                  <a:txBody>
-                    <a:bodyPr/>
-                    <a:lstStyle/>
-                    <a:p>
-                      <a:r>
-                        <a:rPr lang="en-US" dirty="0" smtClean="0">
-                          <a:latin typeface="+mn-lt"/>
-                        </a:rPr>
-                        <a:t>FRR: 0.6062</a:t>
-                      </a:r>
-                    </a:p>
-                    <a:p>
-                      <a:r>
-                        <a:rPr lang="en-US" dirty="0" smtClean="0">
-                          <a:latin typeface="+mn-lt"/>
-                        </a:rPr>
-                        <a:t>FAR: 0.11907</a:t>
-                      </a:r>
-                      <a:endParaRPr lang="en-US" dirty="0">
-                        <a:latin typeface="+mn-lt"/>
-                      </a:endParaRPr>
-                    </a:p>
-                  </a:txBody>
-                  <a:tcPr/>
-                </a:tc>
-                <a:tc>
-                  <a:txBody>
-                    <a:bodyPr/>
-                    <a:lstStyle/>
-                    <a:p>
-                      <a:r>
-                        <a:rPr lang="en-US" dirty="0" smtClean="0">
-                          <a:latin typeface="+mn-lt"/>
-                        </a:rPr>
-                        <a:t>FRR: 0.46791</a:t>
-                      </a:r>
-                    </a:p>
-                    <a:p>
-                      <a:r>
-                        <a:rPr lang="en-US" dirty="0" smtClean="0">
-                          <a:latin typeface="+mn-lt"/>
-                        </a:rPr>
-                        <a:t>FAR: 0.08905</a:t>
-                      </a:r>
-                      <a:endParaRPr lang="en-US" dirty="0">
-                        <a:latin typeface="+mn-lt"/>
-                      </a:endParaRPr>
-                    </a:p>
-                  </a:txBody>
-                  <a:tcPr/>
-                </a:tc>
-                <a:tc>
-                  <a:txBody>
-                    <a:bodyPr/>
-                    <a:lstStyle/>
-                    <a:p>
-                      <a:r>
-                        <a:rPr lang="en-US" dirty="0" smtClean="0">
-                          <a:latin typeface="+mn-lt"/>
-                        </a:rPr>
-                        <a:t>FRR: 0.40371</a:t>
-                      </a:r>
-                    </a:p>
-                    <a:p>
-                      <a:r>
-                        <a:rPr lang="en-US" dirty="0" smtClean="0">
-                          <a:latin typeface="+mn-lt"/>
-                        </a:rPr>
-                        <a:t>FAR: 0.07337</a:t>
+                        <a:t>FRR: 0.18680</a:t>
+                      </a:r>
+                    </a:p>
+                    <a:p>
+                      <a:r>
+                        <a:rPr lang="en-US" dirty="0" smtClean="0">
+                          <a:latin typeface="+mn-lt"/>
+                        </a:rPr>
+                        <a:t>FAR: 0.03707</a:t>
+                      </a:r>
+                      <a:endParaRPr lang="en-US" dirty="0">
+                        <a:latin typeface="+mn-lt"/>
+                      </a:endParaRPr>
+                    </a:p>
+                  </a:txBody>
+                  <a:tcPr/>
+                </a:tc>
+                <a:tc>
+                  <a:txBody>
+                    <a:bodyPr/>
+                    <a:lstStyle/>
+                    <a:p>
+                      <a:r>
+                        <a:rPr lang="en-US" dirty="0" smtClean="0">
+                          <a:latin typeface="+mn-lt"/>
+                        </a:rPr>
+                        <a:t>FRR: 0.52660</a:t>
+                      </a:r>
+                    </a:p>
+                    <a:p>
+                      <a:r>
+                        <a:rPr lang="en-US" dirty="0" smtClean="0">
+                          <a:latin typeface="+mn-lt"/>
+                        </a:rPr>
+                        <a:t>FAR: 0.10379</a:t>
+                      </a:r>
+                      <a:endParaRPr lang="en-US" dirty="0">
+                        <a:latin typeface="+mn-lt"/>
+                      </a:endParaRPr>
+                    </a:p>
+                  </a:txBody>
+                  <a:tcPr/>
+                </a:tc>
+                <a:tc>
+                  <a:txBody>
+                    <a:bodyPr/>
+                    <a:lstStyle/>
+                    <a:p>
+                      <a:r>
+                        <a:rPr lang="en-US" dirty="0" smtClean="0">
+                          <a:latin typeface="+mn-lt"/>
+                        </a:rPr>
+                        <a:t>FRR: 0.45266</a:t>
+                      </a:r>
+                    </a:p>
+                    <a:p>
+                      <a:r>
+                        <a:rPr lang="en-US" dirty="0" smtClean="0">
+                          <a:latin typeface="+mn-lt"/>
+                        </a:rPr>
+                        <a:t>FAR: 0.08548</a:t>
+                      </a:r>
+                      <a:endParaRPr lang="en-US" dirty="0">
+                        <a:latin typeface="+mn-lt"/>
+                      </a:endParaRPr>
+                    </a:p>
+                  </a:txBody>
+                  <a:tcPr/>
+                </a:tc>
+                <a:tc>
+                  <a:txBody>
+                    <a:bodyPr/>
+                    <a:lstStyle/>
+                    <a:p>
+                      <a:r>
+                        <a:rPr lang="en-US" dirty="0" smtClean="0">
+                          <a:latin typeface="+mn-lt"/>
+                        </a:rPr>
+                        <a:t>FRR: 0.40633</a:t>
+                      </a:r>
+                    </a:p>
+                    <a:p>
+                      <a:r>
+                        <a:rPr lang="en-US" dirty="0" smtClean="0">
+                          <a:latin typeface="+mn-lt"/>
+                        </a:rPr>
+                        <a:t>FAR: 0.07379</a:t>
                       </a:r>
                       <a:endParaRPr lang="en-US" dirty="0">
                         <a:latin typeface="+mn-lt"/>
@@ -10784,18 +11156,20 @@
                     </a:p>
                     <a:p>
                       <a:r>
-                        <a:rPr lang="en-US" smtClean="0">
+                        <a:rPr lang="en-US" dirty="0" smtClean="0">
                           <a:latin typeface="+mn-lt"/>
                         </a:rPr>
                         <a:t>FAR: 0.03656</a:t>
                       </a:r>
-                      <a:endParaRPr lang="en-US" dirty="0" smtClean="0">
-                        <a:latin typeface="+mn-lt"/>
-                      </a:endParaRPr>
-                    </a:p>
-                  </a:txBody>
-                  <a:tcPr/>
-                </a:tc>
+                    </a:p>
+                  </a:txBody>
+                  <a:tcPr/>
+                </a:tc>
+                <a:extLst>
+                  <a:ext uri="{0D108BD9-81ED-4DB2-BD59-A6C34878D82A}">
+                    <a16:rowId xmlns:a16="http://schemas.microsoft.com/office/drawing/2014/main" val="10007"/>
+                  </a:ext>
+                </a:extLst>
               </a:tr>
             </a:tbl>
           </a:graphicData>

--- a/report SVM handcrafted and PCA/IDENTIFICATION.pptx
+++ b/report SVM handcrafted and PCA/IDENTIFICATION.pptx
@@ -260,7 +260,7 @@
           <a:p>
             <a:fld id="{553A844F-FF5C-934C-B225-48B8FD889570}" type="datetimeFigureOut">
               <a:rPr lang="en-US" smtClean="0"/>
-              <a:t>11/5/2017</a:t>
+              <a:t>11/6/2017</a:t>
             </a:fld>
             <a:endParaRPr lang="en-US"/>
           </a:p>
@@ -430,7 +430,7 @@
           <a:p>
             <a:fld id="{553A844F-FF5C-934C-B225-48B8FD889570}" type="datetimeFigureOut">
               <a:rPr lang="en-US" smtClean="0"/>
-              <a:t>11/5/2017</a:t>
+              <a:t>11/6/2017</a:t>
             </a:fld>
             <a:endParaRPr lang="en-US"/>
           </a:p>
@@ -610,7 +610,7 @@
           <a:p>
             <a:fld id="{553A844F-FF5C-934C-B225-48B8FD889570}" type="datetimeFigureOut">
               <a:rPr lang="en-US" smtClean="0"/>
-              <a:t>11/5/2017</a:t>
+              <a:t>11/6/2017</a:t>
             </a:fld>
             <a:endParaRPr lang="en-US"/>
           </a:p>
@@ -780,7 +780,7 @@
           <a:p>
             <a:fld id="{553A844F-FF5C-934C-B225-48B8FD889570}" type="datetimeFigureOut">
               <a:rPr lang="en-US" smtClean="0"/>
-              <a:t>11/5/2017</a:t>
+              <a:t>11/6/2017</a:t>
             </a:fld>
             <a:endParaRPr lang="en-US"/>
           </a:p>
@@ -1026,7 +1026,7 @@
           <a:p>
             <a:fld id="{553A844F-FF5C-934C-B225-48B8FD889570}" type="datetimeFigureOut">
               <a:rPr lang="en-US" smtClean="0"/>
-              <a:t>11/5/2017</a:t>
+              <a:t>11/6/2017</a:t>
             </a:fld>
             <a:endParaRPr lang="en-US"/>
           </a:p>
@@ -1258,7 +1258,7 @@
           <a:p>
             <a:fld id="{553A844F-FF5C-934C-B225-48B8FD889570}" type="datetimeFigureOut">
               <a:rPr lang="en-US" smtClean="0"/>
-              <a:t>11/5/2017</a:t>
+              <a:t>11/6/2017</a:t>
             </a:fld>
             <a:endParaRPr lang="en-US"/>
           </a:p>
@@ -1625,7 +1625,7 @@
           <a:p>
             <a:fld id="{553A844F-FF5C-934C-B225-48B8FD889570}" type="datetimeFigureOut">
               <a:rPr lang="en-US" smtClean="0"/>
-              <a:t>11/5/2017</a:t>
+              <a:t>11/6/2017</a:t>
             </a:fld>
             <a:endParaRPr lang="en-US"/>
           </a:p>
@@ -1743,7 +1743,7 @@
           <a:p>
             <a:fld id="{553A844F-FF5C-934C-B225-48B8FD889570}" type="datetimeFigureOut">
               <a:rPr lang="en-US" smtClean="0"/>
-              <a:t>11/5/2017</a:t>
+              <a:t>11/6/2017</a:t>
             </a:fld>
             <a:endParaRPr lang="en-US"/>
           </a:p>
@@ -1838,7 +1838,7 @@
           <a:p>
             <a:fld id="{553A844F-FF5C-934C-B225-48B8FD889570}" type="datetimeFigureOut">
               <a:rPr lang="en-US" smtClean="0"/>
-              <a:t>11/5/2017</a:t>
+              <a:t>11/6/2017</a:t>
             </a:fld>
             <a:endParaRPr lang="en-US"/>
           </a:p>
@@ -2115,7 +2115,7 @@
           <a:p>
             <a:fld id="{553A844F-FF5C-934C-B225-48B8FD889570}" type="datetimeFigureOut">
               <a:rPr lang="en-US" smtClean="0"/>
-              <a:t>11/5/2017</a:t>
+              <a:t>11/6/2017</a:t>
             </a:fld>
             <a:endParaRPr lang="en-US"/>
           </a:p>
@@ -2368,7 +2368,7 @@
           <a:p>
             <a:fld id="{553A844F-FF5C-934C-B225-48B8FD889570}" type="datetimeFigureOut">
               <a:rPr lang="en-US" smtClean="0"/>
-              <a:t>11/5/2017</a:t>
+              <a:t>11/6/2017</a:t>
             </a:fld>
             <a:endParaRPr lang="en-US"/>
           </a:p>
@@ -2581,7 +2581,7 @@
           <a:p>
             <a:fld id="{553A844F-FF5C-934C-B225-48B8FD889570}" type="datetimeFigureOut">
               <a:rPr lang="en-US" smtClean="0"/>
-              <a:t>11/5/2017</a:t>
+              <a:t>11/6/2017</a:t>
             </a:fld>
             <a:endParaRPr lang="en-US"/>
           </a:p>
@@ -3076,7 +3076,7 @@
           <p:nvPr>
             <p:extLst>
               <p:ext uri="{D42A27DB-BD31-4B8C-83A1-F6EECF244321}">
-                <p14:modId xmlns:p14="http://schemas.microsoft.com/office/powerpoint/2010/main" val="1192012182"/>
+                <p14:modId xmlns:p14="http://schemas.microsoft.com/office/powerpoint/2010/main" val="3473387843"/>
               </p:ext>
             </p:extLst>
           </p:nvPr>
@@ -3287,33 +3287,33 @@
                         <a:rPr lang="en-US" dirty="0" smtClean="0">
                           <a:latin typeface="+mn-lt"/>
                         </a:rPr>
-                        <a:t>FRR: 0.00892</a:t>
-                      </a:r>
-                    </a:p>
-                    <a:p>
-                      <a:r>
-                        <a:rPr lang="en-US" dirty="0" smtClean="0">
-                          <a:latin typeface="+mn-lt"/>
-                        </a:rPr>
-                        <a:t>FAR: 0.00337</a:t>
-                      </a:r>
-                      <a:endParaRPr lang="en-US" dirty="0">
-                        <a:latin typeface="+mn-lt"/>
-                      </a:endParaRPr>
-                    </a:p>
-                  </a:txBody>
-                  <a:tcPr/>
-                </a:tc>
-                <a:tc>
-                  <a:txBody>
-                    <a:bodyPr/>
-                    <a:lstStyle/>
-                    <a:p>
-                      <a:r>
-                        <a:rPr lang="en-US" dirty="0" smtClean="0">
-                          <a:latin typeface="+mn-lt"/>
-                        </a:rPr>
-                        <a:t>FRR: 0.10526</a:t>
+                        <a:t>FRR: 0.00446</a:t>
+                      </a:r>
+                    </a:p>
+                    <a:p>
+                      <a:r>
+                        <a:rPr lang="en-US" dirty="0" smtClean="0">
+                          <a:latin typeface="+mn-lt"/>
+                        </a:rPr>
+                        <a:t>FAR: 0.00506</a:t>
+                      </a:r>
+                      <a:endParaRPr lang="en-US" dirty="0">
+                        <a:latin typeface="+mn-lt"/>
+                      </a:endParaRPr>
+                    </a:p>
+                  </a:txBody>
+                  <a:tcPr/>
+                </a:tc>
+                <a:tc>
+                  <a:txBody>
+                    <a:bodyPr/>
+                    <a:lstStyle/>
+                    <a:p>
+                      <a:r>
+                        <a:rPr lang="en-US" dirty="0" smtClean="0">
+                          <a:latin typeface="+mn-lt"/>
+                        </a:rPr>
+                        <a:t>FRR: 0.02632</a:t>
                       </a:r>
                     </a:p>
                     <a:p>
@@ -3339,59 +3339,33 @@
                         <a:rPr lang="en-US" dirty="0" smtClean="0">
                           <a:latin typeface="+mn-lt"/>
                         </a:rPr>
-                        <a:t>FRR: 0.03278</a:t>
-                      </a:r>
-                    </a:p>
-                    <a:p>
-                      <a:r>
-                        <a:rPr lang="en-US" dirty="0" smtClean="0">
-                          <a:latin typeface="+mn-lt"/>
-                        </a:rPr>
-                        <a:t>FAR: 0.0</a:t>
-                      </a:r>
-                      <a:endParaRPr lang="en-US" dirty="0">
-                        <a:latin typeface="+mn-lt"/>
-                      </a:endParaRPr>
-                    </a:p>
-                  </a:txBody>
-                  <a:tcPr/>
-                </a:tc>
-                <a:tc>
-                  <a:txBody>
-                    <a:bodyPr/>
-                    <a:lstStyle/>
-                    <a:p>
-                      <a:r>
-                        <a:rPr lang="en-US" dirty="0" smtClean="0">
-                          <a:latin typeface="+mn-lt"/>
-                        </a:rPr>
-                        <a:t>FRR: 0.0</a:t>
-                      </a:r>
-                    </a:p>
-                    <a:p>
-                      <a:r>
-                        <a:rPr lang="en-US" dirty="0" smtClean="0">
-                          <a:latin typeface="+mn-lt"/>
-                        </a:rPr>
-                        <a:t>FAR: 0.0</a:t>
-                      </a:r>
-                      <a:endParaRPr lang="en-US" dirty="0">
-                        <a:latin typeface="+mn-lt"/>
-                      </a:endParaRPr>
-                    </a:p>
-                  </a:txBody>
-                  <a:tcPr/>
-                </a:tc>
-                <a:tc>
-                  <a:txBody>
-                    <a:bodyPr/>
-                    <a:lstStyle/>
-                    <a:p>
-                      <a:r>
-                        <a:rPr lang="en-US" dirty="0" smtClean="0">
-                          <a:latin typeface="+mn-lt"/>
-                        </a:rPr>
-                        <a:t>FRR: 0.00901</a:t>
+                        <a:t>FRR: 0.00000</a:t>
+                      </a:r>
+                    </a:p>
+                    <a:p>
+                      <a:r>
+                        <a:rPr lang="en-US" dirty="0" smtClean="0">
+                          <a:latin typeface="+mn-lt"/>
+                        </a:rPr>
+                        <a:t>FAR: 0.00234</a:t>
+                      </a:r>
+                      <a:endParaRPr lang="en-US" dirty="0">
+                        <a:latin typeface="+mn-lt"/>
+                      </a:endParaRPr>
+                    </a:p>
+                  </a:txBody>
+                  <a:tcPr/>
+                </a:tc>
+                <a:tc>
+                  <a:txBody>
+                    <a:bodyPr/>
+                    <a:lstStyle/>
+                    <a:p>
+                      <a:r>
+                        <a:rPr lang="en-US" dirty="0" smtClean="0">
+                          <a:latin typeface="+mn-lt"/>
+                        </a:rPr>
+                        <a:t>FRR: 0.00000</a:t>
                       </a:r>
                     </a:p>
                     <a:p>
@@ -3401,7 +3375,33 @@
                         </a:rPr>
                         <a:t>FAR: 0.00000</a:t>
                       </a:r>
-                      <a:endParaRPr lang="en-US" dirty="0">
+                      <a:endParaRPr lang="en-US" dirty="0" smtClean="0">
+                        <a:latin typeface="+mn-lt"/>
+                      </a:endParaRPr>
+                    </a:p>
+                  </a:txBody>
+                  <a:tcPr/>
+                </a:tc>
+                <a:tc>
+                  <a:txBody>
+                    <a:bodyPr/>
+                    <a:lstStyle/>
+                    <a:p>
+                      <a:r>
+                        <a:rPr lang="en-US" dirty="0" smtClean="0">
+                          <a:latin typeface="+mn-lt"/>
+                        </a:rPr>
+                        <a:t>FRR: 0.00000</a:t>
+                      </a:r>
+                    </a:p>
+                    <a:p>
+                      <a:r>
+                        <a:rPr lang="en-US" dirty="0" smtClean="0">
+                          <a:latin typeface="+mn-lt"/>
+                        </a:rPr>
+                        <a:t>FAR: 0.00000</a:t>
+                      </a:r>
+                      <a:endParaRPr lang="en-US" dirty="0" smtClean="0">
                         <a:latin typeface="+mn-lt"/>
                       </a:endParaRPr>
                     </a:p>
@@ -3442,41 +3442,41 @@
                         <a:rPr lang="en-US" dirty="0" smtClean="0">
                           <a:latin typeface="+mn-lt"/>
                         </a:rPr>
-                        <a:t>FRR: 0.01265</a:t>
-                      </a:r>
-                    </a:p>
-                    <a:p>
-                      <a:r>
-                        <a:rPr lang="en-US" dirty="0" smtClean="0">
-                          <a:latin typeface="+mn-lt"/>
-                        </a:rPr>
-                        <a:t>FAR: 0.00170</a:t>
-                      </a:r>
-                      <a:endParaRPr lang="en-US" dirty="0">
-                        <a:latin typeface="+mn-lt"/>
-                      </a:endParaRPr>
-                    </a:p>
-                  </a:txBody>
-                  <a:tcPr/>
-                </a:tc>
-                <a:tc>
-                  <a:txBody>
-                    <a:bodyPr/>
-                    <a:lstStyle/>
-                    <a:p>
-                      <a:r>
-                        <a:rPr lang="en-US" dirty="0" smtClean="0">
-                          <a:latin typeface="+mn-lt"/>
-                        </a:rPr>
-                        <a:t>FRR: 0.09302</a:t>
-                      </a:r>
-                    </a:p>
-                    <a:p>
-                      <a:r>
-                        <a:rPr lang="en-US" dirty="0" smtClean="0">
-                          <a:latin typeface="+mn-lt"/>
-                        </a:rPr>
-                        <a:t>FAR: 0.00531</a:t>
+                        <a:t>FRR: 0.01688</a:t>
+                      </a:r>
+                    </a:p>
+                    <a:p>
+                      <a:r>
+                        <a:rPr lang="en-US" dirty="0" smtClean="0">
+                          <a:latin typeface="+mn-lt"/>
+                        </a:rPr>
+                        <a:t>FAR: 0.00512</a:t>
+                      </a:r>
+                      <a:endParaRPr lang="en-US" dirty="0">
+                        <a:latin typeface="+mn-lt"/>
+                      </a:endParaRPr>
+                    </a:p>
+                  </a:txBody>
+                  <a:tcPr/>
+                </a:tc>
+                <a:tc>
+                  <a:txBody>
+                    <a:bodyPr/>
+                    <a:lstStyle/>
+                    <a:p>
+                      <a:r>
+                        <a:rPr lang="en-US" dirty="0" smtClean="0">
+                          <a:latin typeface="+mn-lt"/>
+                        </a:rPr>
+                        <a:t>FRR: 0.04651</a:t>
+                      </a:r>
+                    </a:p>
+                    <a:p>
+                      <a:r>
+                        <a:rPr lang="en-US" dirty="0" smtClean="0">
+                          <a:latin typeface="+mn-lt"/>
+                        </a:rPr>
+                        <a:t>FAR: 0.01064</a:t>
                       </a:r>
                       <a:endParaRPr lang="en-US" dirty="0">
                         <a:latin typeface="+mn-lt"/>
@@ -3511,551 +3511,9 @@
                         <a:rPr lang="en-US" dirty="0" smtClean="0">
                           <a:latin typeface="+mn-lt"/>
                         </a:rPr>
-                        <a:t>FRR: 0.0</a:t>
-                      </a:r>
-                    </a:p>
-                    <a:p>
-                      <a:r>
-                        <a:rPr lang="en-US" dirty="0" smtClean="0">
-                          <a:latin typeface="+mn-lt"/>
-                        </a:rPr>
-                        <a:t>FAR: 0.00253</a:t>
-                      </a:r>
-                      <a:endParaRPr lang="en-US" dirty="0">
-                        <a:latin typeface="+mn-lt"/>
-                      </a:endParaRPr>
-                    </a:p>
-                  </a:txBody>
-                  <a:tcPr/>
-                </a:tc>
-                <a:tc>
-                  <a:txBody>
-                    <a:bodyPr/>
-                    <a:lstStyle/>
-                    <a:p>
-                      <a:r>
-                        <a:rPr lang="en-US" dirty="0" smtClean="0">
-                          <a:latin typeface="+mn-lt"/>
-                        </a:rPr>
-                        <a:t>FRR: 0.01041</a:t>
-                      </a:r>
-                    </a:p>
-                    <a:p>
-                      <a:r>
-                        <a:rPr lang="en-US" dirty="0" smtClean="0">
-                          <a:latin typeface="+mn-lt"/>
-                        </a:rPr>
-                        <a:t>FAR: 0.00455</a:t>
-                      </a:r>
-                      <a:endParaRPr lang="en-US" dirty="0">
-                        <a:latin typeface="+mn-lt"/>
-                      </a:endParaRPr>
-                    </a:p>
-                  </a:txBody>
-                  <a:tcPr/>
-                </a:tc>
-                <a:tc>
-                  <a:txBody>
-                    <a:bodyPr/>
-                    <a:lstStyle/>
-                    <a:p>
-                      <a:r>
-                        <a:rPr lang="en-US" dirty="0" smtClean="0">
-                          <a:latin typeface="+mn-lt"/>
-                        </a:rPr>
-                        <a:t>FRR: 0.01277</a:t>
-                      </a:r>
-                    </a:p>
-                    <a:p>
-                      <a:r>
-                        <a:rPr lang="en-US" dirty="0" smtClean="0">
-                          <a:latin typeface="+mn-lt"/>
-                        </a:rPr>
-                        <a:t>FAR: 0.00255</a:t>
-                      </a:r>
-                      <a:endParaRPr lang="en-US" dirty="0">
-                        <a:latin typeface="+mn-lt"/>
-                      </a:endParaRPr>
-                    </a:p>
-                  </a:txBody>
-                  <a:tcPr/>
-                </a:tc>
-                <a:extLst>
-                  <a:ext uri="{0D108BD9-81ED-4DB2-BD59-A6C34878D82A}">
-                    <a16:rowId xmlns:a16="http://schemas.microsoft.com/office/drawing/2014/main" val="10002"/>
-                  </a:ext>
-                </a:extLst>
-              </a:tr>
-              <a:tr h="370840">
-                <a:tc>
-                  <a:txBody>
-                    <a:bodyPr/>
-                    <a:lstStyle/>
-                    <a:p>
-                      <a:r>
-                        <a:rPr lang="en-US" dirty="0" smtClean="0">
-                          <a:latin typeface="+mn-lt"/>
-                        </a:rPr>
-                        <a:t>User 3</a:t>
-                      </a:r>
-                      <a:endParaRPr lang="en-US" dirty="0">
-                        <a:latin typeface="+mn-lt"/>
-                      </a:endParaRPr>
-                    </a:p>
-                  </a:txBody>
-                  <a:tcPr/>
-                </a:tc>
-                <a:tc>
-                  <a:txBody>
-                    <a:bodyPr/>
-                    <a:lstStyle/>
-                    <a:p>
-                      <a:r>
-                        <a:rPr lang="en-US" dirty="0" smtClean="0">
-                          <a:latin typeface="+mn-lt"/>
-                        </a:rPr>
-                        <a:t>FRR: 0.02857</a:t>
-                      </a:r>
-                    </a:p>
-                    <a:p>
-                      <a:r>
-                        <a:rPr lang="en-US" dirty="0" smtClean="0">
-                          <a:latin typeface="+mn-lt"/>
-                        </a:rPr>
-                        <a:t>FAR: 0.00601</a:t>
-                      </a:r>
-                      <a:endParaRPr lang="en-US" dirty="0">
-                        <a:latin typeface="+mn-lt"/>
-                      </a:endParaRPr>
-                    </a:p>
-                  </a:txBody>
-                  <a:tcPr/>
-                </a:tc>
-                <a:tc>
-                  <a:txBody>
-                    <a:bodyPr/>
-                    <a:lstStyle/>
-                    <a:p>
-                      <a:r>
-                        <a:rPr lang="en-US" dirty="0" smtClean="0">
-                          <a:latin typeface="+mn-lt"/>
-                        </a:rPr>
-                        <a:t>FRR: 0.10666</a:t>
-                      </a:r>
-                    </a:p>
-                    <a:p>
-                      <a:r>
-                        <a:rPr lang="en-US" dirty="0" smtClean="0">
-                          <a:latin typeface="+mn-lt"/>
-                        </a:rPr>
-                        <a:t>FAR: 0.01808</a:t>
-                      </a:r>
-                      <a:endParaRPr lang="en-US" dirty="0">
-                        <a:latin typeface="+mn-lt"/>
-                      </a:endParaRPr>
-                    </a:p>
-                  </a:txBody>
-                  <a:tcPr/>
-                </a:tc>
-                <a:tc>
-                  <a:txBody>
-                    <a:bodyPr/>
-                    <a:lstStyle/>
-                    <a:p>
-                      <a:r>
-                        <a:rPr lang="en-US" dirty="0" smtClean="0">
-                          <a:latin typeface="+mn-lt"/>
-                        </a:rPr>
-                        <a:t>FRR: 0.01162</a:t>
-                      </a:r>
-                    </a:p>
-                    <a:p>
-                      <a:r>
-                        <a:rPr lang="en-US" dirty="0" smtClean="0">
-                          <a:latin typeface="+mn-lt"/>
-                        </a:rPr>
-                        <a:t>FAR: 0.0</a:t>
-                      </a:r>
-                      <a:endParaRPr lang="en-US" dirty="0">
-                        <a:latin typeface="+mn-lt"/>
-                      </a:endParaRPr>
-                    </a:p>
-                  </a:txBody>
-                  <a:tcPr/>
-                </a:tc>
-                <a:tc>
-                  <a:txBody>
-                    <a:bodyPr/>
-                    <a:lstStyle/>
-                    <a:p>
-                      <a:r>
-                        <a:rPr lang="en-US" dirty="0" smtClean="0">
-                          <a:latin typeface="+mn-lt"/>
-                        </a:rPr>
-                        <a:t>FRR: 0.09210</a:t>
-                      </a:r>
-                    </a:p>
-                    <a:p>
-                      <a:r>
-                        <a:rPr lang="en-US" dirty="0" smtClean="0">
-                          <a:latin typeface="+mn-lt"/>
-                        </a:rPr>
-                        <a:t>FAR: 0.00435</a:t>
-                      </a:r>
-                      <a:endParaRPr lang="en-US" dirty="0">
-                        <a:latin typeface="+mn-lt"/>
-                      </a:endParaRPr>
-                    </a:p>
-                  </a:txBody>
-                  <a:tcPr/>
-                </a:tc>
-                <a:tc>
-                  <a:txBody>
-                    <a:bodyPr/>
-                    <a:lstStyle/>
-                    <a:p>
-                      <a:r>
-                        <a:rPr lang="en-US" dirty="0" smtClean="0">
-                          <a:latin typeface="+mn-lt"/>
-                        </a:rPr>
-                        <a:t>FRR: 0.00407</a:t>
-                      </a:r>
-                    </a:p>
-                    <a:p>
-                      <a:r>
-                        <a:rPr lang="en-US" dirty="0" smtClean="0">
-                          <a:latin typeface="+mn-lt"/>
-                        </a:rPr>
-                        <a:t>FAR: 0.00600</a:t>
-                      </a:r>
-                      <a:endParaRPr lang="en-US" dirty="0">
-                        <a:latin typeface="+mn-lt"/>
-                      </a:endParaRPr>
-                    </a:p>
-                  </a:txBody>
-                  <a:tcPr/>
-                </a:tc>
-                <a:extLst>
-                  <a:ext uri="{0D108BD9-81ED-4DB2-BD59-A6C34878D82A}">
-                    <a16:rowId xmlns:a16="http://schemas.microsoft.com/office/drawing/2014/main" val="10003"/>
-                  </a:ext>
-                </a:extLst>
-              </a:tr>
-              <a:tr h="370840">
-                <a:tc>
-                  <a:txBody>
-                    <a:bodyPr/>
-                    <a:lstStyle/>
-                    <a:p>
-                      <a:r>
-                        <a:rPr lang="en-US" dirty="0" smtClean="0">
-                          <a:latin typeface="+mn-lt"/>
-                        </a:rPr>
-                        <a:t>User 4</a:t>
-                      </a:r>
-                      <a:endParaRPr lang="en-US" dirty="0">
-                        <a:latin typeface="+mn-lt"/>
-                      </a:endParaRPr>
-                    </a:p>
-                  </a:txBody>
-                  <a:tcPr/>
-                </a:tc>
-                <a:tc>
-                  <a:txBody>
-                    <a:bodyPr/>
-                    <a:lstStyle/>
-                    <a:p>
-                      <a:r>
-                        <a:rPr lang="en-US" dirty="0" smtClean="0">
-                          <a:latin typeface="+mn-lt"/>
-                        </a:rPr>
-                        <a:t>FRR: 0.01746</a:t>
-                      </a:r>
-                    </a:p>
-                    <a:p>
-                      <a:r>
-                        <a:rPr lang="en-US" dirty="0" smtClean="0">
-                          <a:latin typeface="+mn-lt"/>
-                        </a:rPr>
-                        <a:t>FAR: 0.00508</a:t>
-                      </a:r>
-                      <a:endParaRPr lang="en-US" dirty="0">
-                        <a:latin typeface="+mn-lt"/>
-                      </a:endParaRPr>
-                    </a:p>
-                  </a:txBody>
-                  <a:tcPr/>
-                </a:tc>
-                <a:tc>
-                  <a:txBody>
-                    <a:bodyPr/>
-                    <a:lstStyle/>
-                    <a:p>
-                      <a:r>
-                        <a:rPr lang="en-US" dirty="0" smtClean="0">
-                          <a:latin typeface="+mn-lt"/>
-                        </a:rPr>
-                        <a:t>FRR: 0.02816</a:t>
-                      </a:r>
-                    </a:p>
-                    <a:p>
-                      <a:r>
-                        <a:rPr lang="en-US" dirty="0" smtClean="0">
-                          <a:latin typeface="+mn-lt"/>
-                        </a:rPr>
-                        <a:t>FAR: 0.00767</a:t>
-                      </a:r>
-                      <a:endParaRPr lang="en-US" dirty="0">
-                        <a:latin typeface="+mn-lt"/>
-                      </a:endParaRPr>
-                    </a:p>
-                  </a:txBody>
-                  <a:tcPr/>
-                </a:tc>
-                <a:tc>
-                  <a:txBody>
-                    <a:bodyPr/>
-                    <a:lstStyle/>
-                    <a:p>
-                      <a:r>
-                        <a:rPr lang="en-US" dirty="0" smtClean="0">
-                          <a:latin typeface="+mn-lt"/>
-                        </a:rPr>
-                        <a:t>FRR: 0.03529</a:t>
-                      </a:r>
-                    </a:p>
-                    <a:p>
-                      <a:r>
-                        <a:rPr lang="en-US" dirty="0" smtClean="0">
-                          <a:latin typeface="+mn-lt"/>
-                        </a:rPr>
-                        <a:t>FAR:  0.00742</a:t>
-                      </a:r>
-                      <a:endParaRPr lang="en-US" dirty="0">
-                        <a:latin typeface="+mn-lt"/>
-                      </a:endParaRPr>
-                    </a:p>
-                  </a:txBody>
-                  <a:tcPr/>
-                </a:tc>
-                <a:tc>
-                  <a:txBody>
-                    <a:bodyPr/>
-                    <a:lstStyle/>
-                    <a:p>
-                      <a:r>
-                        <a:rPr lang="en-US" dirty="0" smtClean="0">
-                          <a:latin typeface="+mn-lt"/>
-                        </a:rPr>
-                        <a:t>FRR: 0.01123</a:t>
-                      </a:r>
-                    </a:p>
-                    <a:p>
-                      <a:r>
-                        <a:rPr lang="en-US" dirty="0" smtClean="0">
-                          <a:latin typeface="+mn-lt"/>
-                        </a:rPr>
-                        <a:t>FAR: 0.0</a:t>
-                      </a:r>
-                      <a:endParaRPr lang="en-US" dirty="0">
-                        <a:latin typeface="+mn-lt"/>
-                      </a:endParaRPr>
-                    </a:p>
-                  </a:txBody>
-                  <a:tcPr/>
-                </a:tc>
-                <a:tc>
-                  <a:txBody>
-                    <a:bodyPr/>
-                    <a:lstStyle/>
-                    <a:p>
-                      <a:r>
-                        <a:rPr lang="en-US" dirty="0" smtClean="0">
-                          <a:latin typeface="+mn-lt"/>
-                        </a:rPr>
-                        <a:t>FRR: 0.00408</a:t>
-                      </a:r>
-                    </a:p>
-                    <a:p>
-                      <a:r>
-                        <a:rPr lang="en-US" dirty="0" smtClean="0">
-                          <a:latin typeface="+mn-lt"/>
-                        </a:rPr>
-                        <a:t>FAR: 0.00000</a:t>
-                      </a:r>
-                      <a:endParaRPr lang="en-US" dirty="0">
-                        <a:latin typeface="+mn-lt"/>
-                      </a:endParaRPr>
-                    </a:p>
-                  </a:txBody>
-                  <a:tcPr/>
-                </a:tc>
-                <a:extLst>
-                  <a:ext uri="{0D108BD9-81ED-4DB2-BD59-A6C34878D82A}">
-                    <a16:rowId xmlns:a16="http://schemas.microsoft.com/office/drawing/2014/main" val="10004"/>
-                  </a:ext>
-                </a:extLst>
-              </a:tr>
-              <a:tr h="370840">
-                <a:tc>
-                  <a:txBody>
-                    <a:bodyPr/>
-                    <a:lstStyle/>
-                    <a:p>
-                      <a:r>
-                        <a:rPr lang="en-US" dirty="0" smtClean="0">
-                          <a:latin typeface="+mn-lt"/>
-                        </a:rPr>
-                        <a:t>User 5</a:t>
-                      </a:r>
-                      <a:endParaRPr lang="en-US" dirty="0">
-                        <a:latin typeface="+mn-lt"/>
-                      </a:endParaRPr>
-                    </a:p>
-                  </a:txBody>
-                  <a:tcPr/>
-                </a:tc>
-                <a:tc>
-                  <a:txBody>
-                    <a:bodyPr/>
-                    <a:lstStyle/>
-                    <a:p>
-                      <a:r>
-                        <a:rPr lang="en-US" dirty="0" smtClean="0">
-                          <a:latin typeface="+mn-lt"/>
-                        </a:rPr>
-                        <a:t>FRR: 0.01333</a:t>
-                      </a:r>
-                    </a:p>
-                    <a:p>
-                      <a:r>
-                        <a:rPr lang="en-US" dirty="0" smtClean="0">
-                          <a:latin typeface="+mn-lt"/>
-                        </a:rPr>
-                        <a:t>FAR: 0.00337</a:t>
-                      </a:r>
-                      <a:endParaRPr lang="en-US" dirty="0">
-                        <a:latin typeface="+mn-lt"/>
-                      </a:endParaRPr>
-                    </a:p>
-                  </a:txBody>
-                  <a:tcPr/>
-                </a:tc>
-                <a:tc>
-                  <a:txBody>
-                    <a:bodyPr/>
-                    <a:lstStyle/>
-                    <a:p>
-                      <a:r>
-                        <a:rPr lang="en-US" dirty="0" smtClean="0">
-                          <a:latin typeface="+mn-lt"/>
-                        </a:rPr>
-                        <a:t>FRR: 0.0</a:t>
-                      </a:r>
-                    </a:p>
-                    <a:p>
-                      <a:r>
-                        <a:rPr lang="en-US" dirty="0" smtClean="0">
-                          <a:latin typeface="+mn-lt"/>
-                        </a:rPr>
-                        <a:t>FAR: 0.01265</a:t>
-                      </a:r>
-                      <a:endParaRPr lang="en-US" dirty="0">
-                        <a:latin typeface="+mn-lt"/>
-                      </a:endParaRPr>
-                    </a:p>
-                  </a:txBody>
-                  <a:tcPr/>
-                </a:tc>
-                <a:tc>
-                  <a:txBody>
-                    <a:bodyPr/>
-                    <a:lstStyle/>
-                    <a:p>
-                      <a:r>
-                        <a:rPr lang="en-US" dirty="0" smtClean="0">
-                          <a:latin typeface="+mn-lt"/>
-                        </a:rPr>
-                        <a:t>FRR: 0.04166</a:t>
-                      </a:r>
-                    </a:p>
-                    <a:p>
-                      <a:r>
-                        <a:rPr lang="en-US" dirty="0" smtClean="0">
-                          <a:latin typeface="+mn-lt"/>
-                        </a:rPr>
-                        <a:t>FAR: 0.0</a:t>
-                      </a:r>
-                      <a:endParaRPr lang="en-US" dirty="0">
-                        <a:latin typeface="+mn-lt"/>
-                      </a:endParaRPr>
-                    </a:p>
-                  </a:txBody>
-                  <a:tcPr/>
-                </a:tc>
-                <a:tc>
-                  <a:txBody>
-                    <a:bodyPr/>
-                    <a:lstStyle/>
-                    <a:p>
-                      <a:r>
-                        <a:rPr lang="en-US" dirty="0" smtClean="0">
-                          <a:latin typeface="+mn-lt"/>
-                        </a:rPr>
-                        <a:t>FRR: 0.05797</a:t>
-                      </a:r>
-                    </a:p>
-                    <a:p>
-                      <a:r>
-                        <a:rPr lang="en-US" dirty="0" smtClean="0">
-                          <a:latin typeface="+mn-lt"/>
-                        </a:rPr>
-                        <a:t>FAR: 0.01072</a:t>
-                      </a:r>
-                      <a:endParaRPr lang="en-US" dirty="0">
-                        <a:latin typeface="+mn-lt"/>
-                      </a:endParaRPr>
-                    </a:p>
-                  </a:txBody>
-                  <a:tcPr/>
-                </a:tc>
-                <a:tc>
-                  <a:txBody>
-                    <a:bodyPr/>
-                    <a:lstStyle/>
-                    <a:p>
-                      <a:r>
-                        <a:rPr lang="en-US" dirty="0" smtClean="0">
-                          <a:latin typeface="+mn-lt"/>
-                        </a:rPr>
-                        <a:t>FRR: 0.03587</a:t>
-                      </a:r>
-                    </a:p>
-                    <a:p>
-                      <a:r>
-                        <a:rPr lang="en-US" dirty="0" smtClean="0">
-                          <a:latin typeface="+mn-lt"/>
-                        </a:rPr>
-                        <a:t>FAR: 0.00252</a:t>
-                      </a:r>
-                      <a:endParaRPr lang="en-US" dirty="0">
-                        <a:latin typeface="+mn-lt"/>
-                      </a:endParaRPr>
-                    </a:p>
-                  </a:txBody>
-                  <a:tcPr/>
-                </a:tc>
-                <a:extLst>
-                  <a:ext uri="{0D108BD9-81ED-4DB2-BD59-A6C34878D82A}">
-                    <a16:rowId xmlns:a16="http://schemas.microsoft.com/office/drawing/2014/main" val="10005"/>
-                  </a:ext>
-                </a:extLst>
-              </a:tr>
-              <a:tr h="370840">
-                <a:tc>
-                  <a:txBody>
-                    <a:bodyPr/>
-                    <a:lstStyle/>
+                        <a:t>FRR: 0.00000</a:t>
+                      </a:r>
+                    </a:p>
                     <a:p>
                       <a:pPr marL="0" marR="0" lvl="0" indent="0" algn="l" defTabSz="914400" rtl="0" eaLnBrk="1" fontAlgn="auto" latinLnBrk="0" hangingPunct="1">
                         <a:lnSpc>
@@ -4078,6 +3536,565 @@
                         <a:rPr lang="en-US" dirty="0" smtClean="0">
                           <a:latin typeface="+mn-lt"/>
                         </a:rPr>
+                        <a:t>FAR: 0.00000</a:t>
+                      </a:r>
+                      <a:endParaRPr lang="en-US" dirty="0">
+                        <a:latin typeface="+mn-lt"/>
+                      </a:endParaRPr>
+                    </a:p>
+                  </a:txBody>
+                  <a:tcPr/>
+                </a:tc>
+                <a:tc>
+                  <a:txBody>
+                    <a:bodyPr/>
+                    <a:lstStyle/>
+                    <a:p>
+                      <a:r>
+                        <a:rPr lang="en-US" dirty="0" smtClean="0">
+                          <a:latin typeface="+mn-lt"/>
+                        </a:rPr>
+                        <a:t>FRR: 0.00000</a:t>
+                      </a:r>
+                    </a:p>
+                    <a:p>
+                      <a:r>
+                        <a:rPr lang="en-US" dirty="0" smtClean="0">
+                          <a:latin typeface="+mn-lt"/>
+                        </a:rPr>
+                        <a:t>FAR: 0.00000</a:t>
+                      </a:r>
+                      <a:endParaRPr lang="en-US" dirty="0">
+                        <a:latin typeface="+mn-lt"/>
+                      </a:endParaRPr>
+                    </a:p>
+                  </a:txBody>
+                  <a:tcPr/>
+                </a:tc>
+                <a:tc>
+                  <a:txBody>
+                    <a:bodyPr/>
+                    <a:lstStyle/>
+                    <a:p>
+                      <a:r>
+                        <a:rPr lang="en-US" dirty="0" smtClean="0">
+                          <a:latin typeface="+mn-lt"/>
+                        </a:rPr>
+                        <a:t>FRR: 0.00000</a:t>
+                      </a:r>
+                    </a:p>
+                    <a:p>
+                      <a:r>
+                        <a:rPr lang="en-US" dirty="0" smtClean="0">
+                          <a:latin typeface="+mn-lt"/>
+                        </a:rPr>
+                        <a:t>FAR: 0.00170</a:t>
+                      </a:r>
+                      <a:endParaRPr lang="en-US" dirty="0">
+                        <a:latin typeface="+mn-lt"/>
+                      </a:endParaRPr>
+                    </a:p>
+                  </a:txBody>
+                  <a:tcPr/>
+                </a:tc>
+                <a:extLst>
+                  <a:ext uri="{0D108BD9-81ED-4DB2-BD59-A6C34878D82A}">
+                    <a16:rowId xmlns:a16="http://schemas.microsoft.com/office/drawing/2014/main" val="10002"/>
+                  </a:ext>
+                </a:extLst>
+              </a:tr>
+              <a:tr h="370840">
+                <a:tc>
+                  <a:txBody>
+                    <a:bodyPr/>
+                    <a:lstStyle/>
+                    <a:p>
+                      <a:r>
+                        <a:rPr lang="en-US" dirty="0" smtClean="0">
+                          <a:latin typeface="+mn-lt"/>
+                        </a:rPr>
+                        <a:t>User 3</a:t>
+                      </a:r>
+                      <a:endParaRPr lang="en-US" dirty="0">
+                        <a:latin typeface="+mn-lt"/>
+                      </a:endParaRPr>
+                    </a:p>
+                  </a:txBody>
+                  <a:tcPr/>
+                </a:tc>
+                <a:tc>
+                  <a:txBody>
+                    <a:bodyPr/>
+                    <a:lstStyle/>
+                    <a:p>
+                      <a:r>
+                        <a:rPr lang="en-US" dirty="0" smtClean="0">
+                          <a:latin typeface="+mn-lt"/>
+                        </a:rPr>
+                        <a:t>FRR: 0.04490</a:t>
+                      </a:r>
+                    </a:p>
+                    <a:p>
+                      <a:r>
+                        <a:rPr lang="en-US" dirty="0" smtClean="0">
+                          <a:latin typeface="+mn-lt"/>
+                        </a:rPr>
+                        <a:t>FAR: 0.00687</a:t>
+                      </a:r>
+                      <a:endParaRPr lang="en-US" dirty="0">
+                        <a:latin typeface="+mn-lt"/>
+                      </a:endParaRPr>
+                    </a:p>
+                  </a:txBody>
+                  <a:tcPr/>
+                </a:tc>
+                <a:tc>
+                  <a:txBody>
+                    <a:bodyPr/>
+                    <a:lstStyle/>
+                    <a:p>
+                      <a:r>
+                        <a:rPr lang="en-US" dirty="0" smtClean="0">
+                          <a:latin typeface="+mn-lt"/>
+                        </a:rPr>
+                        <a:t>FRR: 0.06667</a:t>
+                      </a:r>
+                    </a:p>
+                    <a:p>
+                      <a:r>
+                        <a:rPr lang="en-US" dirty="0" smtClean="0">
+                          <a:latin typeface="+mn-lt"/>
+                        </a:rPr>
+                        <a:t>FAR: 0.01809</a:t>
+                      </a:r>
+                      <a:endParaRPr lang="en-US" dirty="0">
+                        <a:latin typeface="+mn-lt"/>
+                      </a:endParaRPr>
+                    </a:p>
+                  </a:txBody>
+                  <a:tcPr/>
+                </a:tc>
+                <a:tc>
+                  <a:txBody>
+                    <a:bodyPr/>
+                    <a:lstStyle/>
+                    <a:p>
+                      <a:r>
+                        <a:rPr lang="en-US" dirty="0" smtClean="0">
+                          <a:latin typeface="+mn-lt"/>
+                        </a:rPr>
+                        <a:t>FRR: 0.00000</a:t>
+                      </a:r>
+                    </a:p>
+                    <a:p>
+                      <a:r>
+                        <a:rPr lang="en-US" dirty="0" smtClean="0">
+                          <a:latin typeface="+mn-lt"/>
+                        </a:rPr>
+                        <a:t>FAR: 0.00000</a:t>
+                      </a:r>
+                      <a:endParaRPr lang="en-US" dirty="0">
+                        <a:latin typeface="+mn-lt"/>
+                      </a:endParaRPr>
+                    </a:p>
+                  </a:txBody>
+                  <a:tcPr/>
+                </a:tc>
+                <a:tc>
+                  <a:txBody>
+                    <a:bodyPr/>
+                    <a:lstStyle/>
+                    <a:p>
+                      <a:r>
+                        <a:rPr lang="en-US" dirty="0" smtClean="0">
+                          <a:latin typeface="+mn-lt"/>
+                        </a:rPr>
+                        <a:t>FRR: 0.00000</a:t>
+                      </a:r>
+                    </a:p>
+                    <a:p>
+                      <a:r>
+                        <a:rPr lang="en-US" dirty="0" smtClean="0">
+                          <a:latin typeface="+mn-lt"/>
+                        </a:rPr>
+                        <a:t>FAR: 0.00218</a:t>
+                      </a:r>
+                      <a:endParaRPr lang="en-US" dirty="0">
+                        <a:latin typeface="+mn-lt"/>
+                      </a:endParaRPr>
+                    </a:p>
+                  </a:txBody>
+                  <a:tcPr/>
+                </a:tc>
+                <a:tc>
+                  <a:txBody>
+                    <a:bodyPr/>
+                    <a:lstStyle/>
+                    <a:p>
+                      <a:r>
+                        <a:rPr lang="en-US" dirty="0" smtClean="0">
+                          <a:latin typeface="+mn-lt"/>
+                        </a:rPr>
+                        <a:t>FRR: 0.00813</a:t>
+                      </a:r>
+                    </a:p>
+                    <a:p>
+                      <a:r>
+                        <a:rPr lang="en-US" dirty="0" smtClean="0">
+                          <a:latin typeface="+mn-lt"/>
+                        </a:rPr>
+                        <a:t>FAR: 0.00086</a:t>
+                      </a:r>
+                      <a:endParaRPr lang="en-US" dirty="0">
+                        <a:latin typeface="+mn-lt"/>
+                      </a:endParaRPr>
+                    </a:p>
+                  </a:txBody>
+                  <a:tcPr/>
+                </a:tc>
+                <a:extLst>
+                  <a:ext uri="{0D108BD9-81ED-4DB2-BD59-A6C34878D82A}">
+                    <a16:rowId xmlns:a16="http://schemas.microsoft.com/office/drawing/2014/main" val="10003"/>
+                  </a:ext>
+                </a:extLst>
+              </a:tr>
+              <a:tr h="370840">
+                <a:tc>
+                  <a:txBody>
+                    <a:bodyPr/>
+                    <a:lstStyle/>
+                    <a:p>
+                      <a:r>
+                        <a:rPr lang="en-US" dirty="0" smtClean="0">
+                          <a:latin typeface="+mn-lt"/>
+                        </a:rPr>
+                        <a:t>User 4</a:t>
+                      </a:r>
+                      <a:endParaRPr lang="en-US" dirty="0">
+                        <a:latin typeface="+mn-lt"/>
+                      </a:endParaRPr>
+                    </a:p>
+                  </a:txBody>
+                  <a:tcPr/>
+                </a:tc>
+                <a:tc>
+                  <a:txBody>
+                    <a:bodyPr/>
+                    <a:lstStyle/>
+                    <a:p>
+                      <a:r>
+                        <a:rPr lang="en-US" dirty="0" smtClean="0">
+                          <a:latin typeface="+mn-lt"/>
+                        </a:rPr>
+                        <a:t>FRR: 0.03930</a:t>
+                      </a:r>
+                    </a:p>
+                    <a:p>
+                      <a:r>
+                        <a:rPr lang="en-US" dirty="0" smtClean="0">
+                          <a:latin typeface="+mn-lt"/>
+                        </a:rPr>
+                        <a:t>FAR: 0.00508</a:t>
+                      </a:r>
+                      <a:endParaRPr lang="en-US" dirty="0">
+                        <a:latin typeface="+mn-lt"/>
+                      </a:endParaRPr>
+                    </a:p>
+                  </a:txBody>
+                  <a:tcPr/>
+                </a:tc>
+                <a:tc>
+                  <a:txBody>
+                    <a:bodyPr/>
+                    <a:lstStyle/>
+                    <a:p>
+                      <a:r>
+                        <a:rPr lang="en-US" dirty="0" smtClean="0">
+                          <a:latin typeface="+mn-lt"/>
+                        </a:rPr>
+                        <a:t>FRR: 0.04225</a:t>
+                      </a:r>
+                    </a:p>
+                    <a:p>
+                      <a:r>
+                        <a:rPr lang="en-US" dirty="0" smtClean="0">
+                          <a:latin typeface="+mn-lt"/>
+                        </a:rPr>
+                        <a:t>FAR: 0.00512</a:t>
+                      </a:r>
+                      <a:endParaRPr lang="en-US" dirty="0">
+                        <a:latin typeface="+mn-lt"/>
+                      </a:endParaRPr>
+                    </a:p>
+                  </a:txBody>
+                  <a:tcPr/>
+                </a:tc>
+                <a:tc>
+                  <a:txBody>
+                    <a:bodyPr/>
+                    <a:lstStyle/>
+                    <a:p>
+                      <a:r>
+                        <a:rPr lang="en-US" dirty="0" smtClean="0">
+                          <a:latin typeface="+mn-lt"/>
+                        </a:rPr>
+                        <a:t>FRR: 0.00000</a:t>
+                      </a:r>
+                    </a:p>
+                    <a:p>
+                      <a:r>
+                        <a:rPr lang="en-US" dirty="0" smtClean="0">
+                          <a:latin typeface="+mn-lt"/>
+                        </a:rPr>
+                        <a:t>FAR: 0.00000</a:t>
+                      </a:r>
+                      <a:endParaRPr lang="en-US" dirty="0">
+                        <a:latin typeface="+mn-lt"/>
+                      </a:endParaRPr>
+                    </a:p>
+                  </a:txBody>
+                  <a:tcPr/>
+                </a:tc>
+                <a:tc>
+                  <a:txBody>
+                    <a:bodyPr/>
+                    <a:lstStyle/>
+                    <a:p>
+                      <a:r>
+                        <a:rPr lang="en-US" dirty="0" smtClean="0">
+                          <a:latin typeface="+mn-lt"/>
+                        </a:rPr>
+                        <a:t>FRR: 0.01124</a:t>
+                      </a:r>
+                    </a:p>
+                    <a:p>
+                      <a:r>
+                        <a:rPr lang="en-US" dirty="0" smtClean="0">
+                          <a:latin typeface="+mn-lt"/>
+                        </a:rPr>
+                        <a:t>FAR: 0.00000</a:t>
+                      </a:r>
+                      <a:endParaRPr lang="en-US" dirty="0">
+                        <a:latin typeface="+mn-lt"/>
+                      </a:endParaRPr>
+                    </a:p>
+                  </a:txBody>
+                  <a:tcPr/>
+                </a:tc>
+                <a:tc>
+                  <a:txBody>
+                    <a:bodyPr/>
+                    <a:lstStyle/>
+                    <a:p>
+                      <a:r>
+                        <a:rPr lang="en-US" dirty="0" smtClean="0">
+                          <a:latin typeface="+mn-lt"/>
+                        </a:rPr>
+                        <a:t>FRR: 0.00000</a:t>
+                      </a:r>
+                    </a:p>
+                    <a:p>
+                      <a:r>
+                        <a:rPr lang="en-US" dirty="0" smtClean="0">
+                          <a:latin typeface="+mn-lt"/>
+                        </a:rPr>
+                        <a:t>FAR: 0.00000</a:t>
+                      </a:r>
+                      <a:endParaRPr lang="en-US" dirty="0">
+                        <a:latin typeface="+mn-lt"/>
+                      </a:endParaRPr>
+                    </a:p>
+                  </a:txBody>
+                  <a:tcPr/>
+                </a:tc>
+                <a:extLst>
+                  <a:ext uri="{0D108BD9-81ED-4DB2-BD59-A6C34878D82A}">
+                    <a16:rowId xmlns:a16="http://schemas.microsoft.com/office/drawing/2014/main" val="10004"/>
+                  </a:ext>
+                </a:extLst>
+              </a:tr>
+              <a:tr h="370840">
+                <a:tc>
+                  <a:txBody>
+                    <a:bodyPr/>
+                    <a:lstStyle/>
+                    <a:p>
+                      <a:r>
+                        <a:rPr lang="en-US" dirty="0" smtClean="0">
+                          <a:latin typeface="+mn-lt"/>
+                        </a:rPr>
+                        <a:t>User 5</a:t>
+                      </a:r>
+                      <a:endParaRPr lang="en-US" dirty="0">
+                        <a:latin typeface="+mn-lt"/>
+                      </a:endParaRPr>
+                    </a:p>
+                  </a:txBody>
+                  <a:tcPr/>
+                </a:tc>
+                <a:tc>
+                  <a:txBody>
+                    <a:bodyPr/>
+                    <a:lstStyle/>
+                    <a:p>
+                      <a:r>
+                        <a:rPr lang="en-US" dirty="0" smtClean="0">
+                          <a:latin typeface="+mn-lt"/>
+                        </a:rPr>
+                        <a:t>FRR: 0.02222</a:t>
+                      </a:r>
+                    </a:p>
+                    <a:p>
+                      <a:r>
+                        <a:rPr lang="en-US" dirty="0" smtClean="0">
+                          <a:latin typeface="+mn-lt"/>
+                        </a:rPr>
+                        <a:t>FAR: 0.00422</a:t>
+                      </a:r>
+                      <a:endParaRPr lang="en-US" dirty="0">
+                        <a:latin typeface="+mn-lt"/>
+                      </a:endParaRPr>
+                    </a:p>
+                  </a:txBody>
+                  <a:tcPr/>
+                </a:tc>
+                <a:tc>
+                  <a:txBody>
+                    <a:bodyPr/>
+                    <a:lstStyle/>
+                    <a:p>
+                      <a:r>
+                        <a:rPr lang="en-US" dirty="0" smtClean="0">
+                          <a:latin typeface="+mn-lt"/>
+                        </a:rPr>
+                        <a:t>FRR: 0.02985</a:t>
+                      </a:r>
+                    </a:p>
+                    <a:p>
+                      <a:r>
+                        <a:rPr lang="en-US" dirty="0" smtClean="0">
+                          <a:latin typeface="+mn-lt"/>
+                        </a:rPr>
+                        <a:t>FAR: 0.00253</a:t>
+                      </a:r>
+                      <a:endParaRPr lang="en-US" dirty="0" smtClean="0">
+                        <a:latin typeface="+mn-lt"/>
+                      </a:endParaRPr>
+                    </a:p>
+                  </a:txBody>
+                  <a:tcPr/>
+                </a:tc>
+                <a:tc>
+                  <a:txBody>
+                    <a:bodyPr/>
+                    <a:lstStyle/>
+                    <a:p>
+                      <a:r>
+                        <a:rPr lang="en-US" dirty="0" smtClean="0">
+                          <a:latin typeface="+mn-lt"/>
+                        </a:rPr>
+                        <a:t>FRR: 0.00000</a:t>
+                      </a:r>
+                    </a:p>
+                    <a:p>
+                      <a:r>
+                        <a:rPr lang="en-US" dirty="0" smtClean="0">
+                          <a:latin typeface="+mn-lt"/>
+                        </a:rPr>
+                        <a:t>FAR: 0.00000</a:t>
+                      </a:r>
+                      <a:endParaRPr lang="en-US" dirty="0">
+                        <a:latin typeface="+mn-lt"/>
+                      </a:endParaRPr>
+                    </a:p>
+                  </a:txBody>
+                  <a:tcPr/>
+                </a:tc>
+                <a:tc>
+                  <a:txBody>
+                    <a:bodyPr/>
+                    <a:lstStyle/>
+                    <a:p>
+                      <a:r>
+                        <a:rPr lang="en-US" dirty="0" smtClean="0">
+                          <a:latin typeface="+mn-lt"/>
+                        </a:rPr>
+                        <a:t>FRR: 0.00000</a:t>
+                      </a:r>
+                    </a:p>
+                    <a:p>
+                      <a:r>
+                        <a:rPr lang="en-US" dirty="0" smtClean="0">
+                          <a:latin typeface="+mn-lt"/>
+                        </a:rPr>
+                        <a:t>FAR: 0.00000</a:t>
+                      </a:r>
+                      <a:endParaRPr lang="en-US" dirty="0">
+                        <a:latin typeface="+mn-lt"/>
+                      </a:endParaRPr>
+                    </a:p>
+                  </a:txBody>
+                  <a:tcPr/>
+                </a:tc>
+                <a:tc>
+                  <a:txBody>
+                    <a:bodyPr/>
+                    <a:lstStyle/>
+                    <a:p>
+                      <a:r>
+                        <a:rPr lang="en-US" dirty="0" smtClean="0">
+                          <a:latin typeface="+mn-lt"/>
+                        </a:rPr>
+                        <a:t>FRR: 0.00448</a:t>
+                      </a:r>
+                    </a:p>
+                    <a:p>
+                      <a:r>
+                        <a:rPr lang="en-US" dirty="0" smtClean="0">
+                          <a:latin typeface="+mn-lt"/>
+                        </a:rPr>
+                        <a:t>FAR: 0.00000</a:t>
+                      </a:r>
+                      <a:endParaRPr lang="en-US" dirty="0" smtClean="0">
+                        <a:latin typeface="+mn-lt"/>
+                      </a:endParaRPr>
+                    </a:p>
+                  </a:txBody>
+                  <a:tcPr/>
+                </a:tc>
+                <a:extLst>
+                  <a:ext uri="{0D108BD9-81ED-4DB2-BD59-A6C34878D82A}">
+                    <a16:rowId xmlns:a16="http://schemas.microsoft.com/office/drawing/2014/main" val="10005"/>
+                  </a:ext>
+                </a:extLst>
+              </a:tr>
+              <a:tr h="370840">
+                <a:tc>
+                  <a:txBody>
+                    <a:bodyPr/>
+                    <a:lstStyle/>
+                    <a:p>
+                      <a:pPr marL="0" marR="0" lvl="0" indent="0" algn="l" defTabSz="914400" rtl="0" eaLnBrk="1" fontAlgn="auto" latinLnBrk="0" hangingPunct="1">
+                        <a:lnSpc>
+                          <a:spcPct val="100000"/>
+                        </a:lnSpc>
+                        <a:spcBef>
+                          <a:spcPts val="0"/>
+                        </a:spcBef>
+                        <a:spcAft>
+                          <a:spcPts val="0"/>
+                        </a:spcAft>
+                        <a:buClrTx/>
+                        <a:buSzTx/>
+                        <a:buFontTx/>
+                        <a:buNone/>
+                        <a:tabLst/>
+                        <a:defRPr/>
+                      </a:pPr>
+                      <a:r>
+                        <a:rPr lang="en-US" dirty="0" smtClean="0">
+                          <a:latin typeface="+mn-lt"/>
+                        </a:rPr>
                         <a:t>User 6</a:t>
                       </a:r>
                     </a:p>
@@ -4093,119 +4110,119 @@
                         <a:rPr lang="en-US" dirty="0" smtClean="0">
                           <a:latin typeface="+mn-lt"/>
                         </a:rPr>
-                        <a:t>FRR: 0.02811</a:t>
-                      </a:r>
-                    </a:p>
-                    <a:p>
-                      <a:r>
-                        <a:rPr lang="en-US" dirty="0" smtClean="0">
-                          <a:latin typeface="+mn-lt"/>
-                        </a:rPr>
-                        <a:t>FAR: 0.00258</a:t>
-                      </a:r>
-                      <a:endParaRPr lang="en-US" dirty="0">
-                        <a:latin typeface="+mn-lt"/>
-                      </a:endParaRPr>
-                    </a:p>
-                  </a:txBody>
-                  <a:tcPr/>
-                </a:tc>
-                <a:tc>
-                  <a:txBody>
-                    <a:bodyPr/>
-                    <a:lstStyle/>
-                    <a:p>
-                      <a:r>
-                        <a:rPr lang="en-US" dirty="0" smtClean="0">
-                          <a:latin typeface="+mn-lt"/>
-                        </a:rPr>
-                        <a:t>FRR: 0.0</a:t>
-                      </a:r>
-                    </a:p>
-                    <a:p>
-                      <a:r>
-                        <a:rPr lang="en-US" dirty="0" smtClean="0">
-                          <a:latin typeface="+mn-lt"/>
-                        </a:rPr>
-                        <a:t>FAR: 0.01866</a:t>
-                      </a:r>
-                      <a:endParaRPr lang="en-US" dirty="0">
-                        <a:latin typeface="+mn-lt"/>
-                      </a:endParaRPr>
-                    </a:p>
-                  </a:txBody>
-                  <a:tcPr/>
-                </a:tc>
-                <a:tc>
-                  <a:txBody>
-                    <a:bodyPr/>
-                    <a:lstStyle/>
-                    <a:p>
-                      <a:r>
-                        <a:rPr lang="en-US" dirty="0" smtClean="0">
-                          <a:latin typeface="+mn-lt"/>
-                        </a:rPr>
-                        <a:t>FRR: 0.0</a:t>
-                      </a:r>
-                    </a:p>
-                    <a:p>
-                      <a:r>
-                        <a:rPr lang="en-US" dirty="0" smtClean="0">
-                          <a:latin typeface="+mn-lt"/>
-                        </a:rPr>
-                        <a:t>FAR: 0.01253</a:t>
-                      </a:r>
-                      <a:endParaRPr lang="en-US" dirty="0">
-                        <a:latin typeface="+mn-lt"/>
-                      </a:endParaRPr>
-                    </a:p>
-                  </a:txBody>
-                  <a:tcPr/>
-                </a:tc>
-                <a:tc>
-                  <a:txBody>
-                    <a:bodyPr/>
-                    <a:lstStyle/>
-                    <a:p>
-                      <a:r>
-                        <a:rPr lang="en-US" dirty="0" smtClean="0">
-                          <a:latin typeface="+mn-lt"/>
-                        </a:rPr>
-                        <a:t>FRR: 0.0</a:t>
-                      </a:r>
-                    </a:p>
-                    <a:p>
-                      <a:r>
-                        <a:rPr lang="en-US" dirty="0" smtClean="0">
-                          <a:latin typeface="+mn-lt"/>
-                        </a:rPr>
-                        <a:t>FAR: 0.00975</a:t>
-                      </a:r>
-                      <a:endParaRPr lang="en-US" dirty="0">
-                        <a:latin typeface="+mn-lt"/>
-                      </a:endParaRPr>
-                    </a:p>
-                  </a:txBody>
-                  <a:tcPr/>
-                </a:tc>
-                <a:tc>
-                  <a:txBody>
-                    <a:bodyPr/>
-                    <a:lstStyle/>
-                    <a:p>
-                      <a:r>
-                        <a:rPr lang="en-US" dirty="0" smtClean="0">
-                          <a:latin typeface="+mn-lt"/>
-                        </a:rPr>
-                        <a:t>RR: 0.00000</a:t>
-                      </a:r>
-                    </a:p>
-                    <a:p>
-                      <a:r>
-                        <a:rPr lang="en-US" dirty="0" smtClean="0">
-                          <a:latin typeface="+mn-lt"/>
-                        </a:rPr>
-                        <a:t>FAR: 0.00171</a:t>
+                        <a:t>FRR: 0.00803</a:t>
+                      </a:r>
+                    </a:p>
+                    <a:p>
+                      <a:r>
+                        <a:rPr lang="en-US" dirty="0" smtClean="0">
+                          <a:latin typeface="+mn-lt"/>
+                        </a:rPr>
+                        <a:t>FAR: 0.00086</a:t>
+                      </a:r>
+                      <a:endParaRPr lang="en-US" dirty="0">
+                        <a:latin typeface="+mn-lt"/>
+                      </a:endParaRPr>
+                    </a:p>
+                  </a:txBody>
+                  <a:tcPr/>
+                </a:tc>
+                <a:tc>
+                  <a:txBody>
+                    <a:bodyPr/>
+                    <a:lstStyle/>
+                    <a:p>
+                      <a:r>
+                        <a:rPr lang="en-US" dirty="0" smtClean="0">
+                          <a:latin typeface="+mn-lt"/>
+                        </a:rPr>
+                        <a:t>FRR: 0.02299</a:t>
+                      </a:r>
+                    </a:p>
+                    <a:p>
+                      <a:r>
+                        <a:rPr lang="en-US" dirty="0" smtClean="0">
+                          <a:latin typeface="+mn-lt"/>
+                        </a:rPr>
+                        <a:t>FAR: 0.00533</a:t>
+                      </a:r>
+                      <a:endParaRPr lang="en-US" dirty="0">
+                        <a:latin typeface="+mn-lt"/>
+                      </a:endParaRPr>
+                    </a:p>
+                  </a:txBody>
+                  <a:tcPr/>
+                </a:tc>
+                <a:tc>
+                  <a:txBody>
+                    <a:bodyPr/>
+                    <a:lstStyle/>
+                    <a:p>
+                      <a:r>
+                        <a:rPr lang="en-US" dirty="0" smtClean="0">
+                          <a:latin typeface="+mn-lt"/>
+                        </a:rPr>
+                        <a:t>FRR: 0.01111</a:t>
+                      </a:r>
+                    </a:p>
+                    <a:p>
+                      <a:r>
+                        <a:rPr lang="en-US" dirty="0" smtClean="0">
+                          <a:latin typeface="+mn-lt"/>
+                        </a:rPr>
+                        <a:t>FAR: 0.00000</a:t>
+                      </a:r>
+                      <a:endParaRPr lang="en-US" dirty="0">
+                        <a:latin typeface="+mn-lt"/>
+                      </a:endParaRPr>
+                    </a:p>
+                  </a:txBody>
+                  <a:tcPr/>
+                </a:tc>
+                <a:tc>
+                  <a:txBody>
+                    <a:bodyPr/>
+                    <a:lstStyle/>
+                    <a:p>
+                      <a:r>
+                        <a:rPr lang="en-US" dirty="0" smtClean="0">
+                          <a:latin typeface="+mn-lt"/>
+                        </a:rPr>
+                        <a:t>FRR: 0.00800</a:t>
+                      </a:r>
+                    </a:p>
+                    <a:p>
+                      <a:r>
+                        <a:rPr lang="en-US" dirty="0" smtClean="0">
+                          <a:latin typeface="+mn-lt"/>
+                        </a:rPr>
+                        <a:t>FAR: 0.00244</a:t>
+                      </a:r>
+                      <a:endParaRPr lang="en-US" dirty="0">
+                        <a:latin typeface="+mn-lt"/>
+                      </a:endParaRPr>
+                    </a:p>
+                  </a:txBody>
+                  <a:tcPr/>
+                </a:tc>
+                <a:tc>
+                  <a:txBody>
+                    <a:bodyPr/>
+                    <a:lstStyle/>
+                    <a:p>
+                      <a:r>
+                        <a:rPr lang="en-US" dirty="0" smtClean="0">
+                          <a:latin typeface="+mn-lt"/>
+                        </a:rPr>
+                        <a:t>FRR: 0.00000</a:t>
+                      </a:r>
+                    </a:p>
+                    <a:p>
+                      <a:r>
+                        <a:rPr lang="en-US" dirty="0" smtClean="0">
+                          <a:latin typeface="+mn-lt"/>
+                        </a:rPr>
+                        <a:t>FAR: 0.00000</a:t>
                       </a:r>
                       <a:endParaRPr lang="en-US" dirty="0">
                         <a:latin typeface="+mn-lt"/>
@@ -4254,119 +4271,119 @@
                         <a:rPr lang="en-US" dirty="0" smtClean="0">
                           <a:latin typeface="+mn-lt"/>
                         </a:rPr>
-                        <a:t>FRR: 0.01817</a:t>
-                      </a:r>
-                    </a:p>
-                    <a:p>
-                      <a:r>
-                        <a:rPr lang="en-US" dirty="0" smtClean="0">
-                          <a:latin typeface="+mn-lt"/>
-                        </a:rPr>
-                        <a:t>FAR: 0.00369</a:t>
-                      </a:r>
-                      <a:endParaRPr lang="en-US" dirty="0">
-                        <a:latin typeface="+mn-lt"/>
-                      </a:endParaRPr>
-                    </a:p>
-                  </a:txBody>
-                  <a:tcPr/>
-                </a:tc>
-                <a:tc>
-                  <a:txBody>
-                    <a:bodyPr/>
-                    <a:lstStyle/>
-                    <a:p>
-                      <a:r>
-                        <a:rPr lang="en-US" dirty="0" smtClean="0">
-                          <a:latin typeface="+mn-lt"/>
-                        </a:rPr>
-                        <a:t>FRR: 0.05552</a:t>
-                      </a:r>
-                    </a:p>
-                    <a:p>
-                      <a:r>
-                        <a:rPr lang="en-US" dirty="0" smtClean="0">
-                          <a:latin typeface="+mn-lt"/>
-                        </a:rPr>
-                        <a:t>FAR: 0.01126</a:t>
-                      </a:r>
-                      <a:endParaRPr lang="en-US" dirty="0">
-                        <a:latin typeface="+mn-lt"/>
-                      </a:endParaRPr>
-                    </a:p>
-                  </a:txBody>
-                  <a:tcPr/>
-                </a:tc>
-                <a:tc>
-                  <a:txBody>
-                    <a:bodyPr/>
-                    <a:lstStyle/>
-                    <a:p>
-                      <a:r>
-                        <a:rPr lang="en-US" dirty="0" smtClean="0">
-                          <a:latin typeface="+mn-lt"/>
-                        </a:rPr>
-                        <a:t>FRR: 0.02022</a:t>
-                      </a:r>
-                    </a:p>
-                    <a:p>
-                      <a:r>
-                        <a:rPr lang="en-US" dirty="0" smtClean="0">
-                          <a:latin typeface="+mn-lt"/>
-                        </a:rPr>
-                        <a:t>FAR: 0.00374</a:t>
-                      </a:r>
-                      <a:endParaRPr lang="en-US" dirty="0">
-                        <a:latin typeface="+mn-lt"/>
-                      </a:endParaRPr>
-                    </a:p>
-                  </a:txBody>
-                  <a:tcPr/>
-                </a:tc>
-                <a:tc>
-                  <a:txBody>
-                    <a:bodyPr/>
-                    <a:lstStyle/>
-                    <a:p>
-                      <a:r>
-                        <a:rPr lang="en-US" dirty="0" smtClean="0">
-                          <a:latin typeface="+mn-lt"/>
-                        </a:rPr>
-                        <a:t>FRR: 0.02862</a:t>
-                      </a:r>
-                    </a:p>
-                    <a:p>
-                      <a:r>
-                        <a:rPr lang="en-US" dirty="0" smtClean="0">
-                          <a:latin typeface="+mn-lt"/>
-                        </a:rPr>
-                        <a:t>FAR: 0.00489</a:t>
-                      </a:r>
-                      <a:endParaRPr lang="en-US" dirty="0">
-                        <a:latin typeface="+mn-lt"/>
-                      </a:endParaRPr>
-                    </a:p>
-                  </a:txBody>
-                  <a:tcPr/>
-                </a:tc>
-                <a:tc>
-                  <a:txBody>
-                    <a:bodyPr/>
-                    <a:lstStyle/>
-                    <a:p>
-                      <a:r>
-                        <a:rPr lang="en-US" dirty="0" smtClean="0">
-                          <a:latin typeface="+mn-lt"/>
-                        </a:rPr>
-                        <a:t>FRR: 0.01097</a:t>
-                      </a:r>
-                    </a:p>
-                    <a:p>
-                      <a:r>
-                        <a:rPr lang="en-US" dirty="0" smtClean="0">
-                          <a:latin typeface="+mn-lt"/>
-                        </a:rPr>
-                        <a:t>FAR: 0.00213</a:t>
+                        <a:t>FRR: 0.02263</a:t>
+                      </a:r>
+                    </a:p>
+                    <a:p>
+                      <a:r>
+                        <a:rPr lang="en-US" dirty="0" smtClean="0">
+                          <a:latin typeface="+mn-lt"/>
+                        </a:rPr>
+                        <a:t>FAR: 0.00454</a:t>
+                      </a:r>
+                      <a:endParaRPr lang="en-US" dirty="0">
+                        <a:latin typeface="+mn-lt"/>
+                      </a:endParaRPr>
+                    </a:p>
+                  </a:txBody>
+                  <a:tcPr/>
+                </a:tc>
+                <a:tc>
+                  <a:txBody>
+                    <a:bodyPr/>
+                    <a:lstStyle/>
+                    <a:p>
+                      <a:r>
+                        <a:rPr lang="en-US" dirty="0" smtClean="0">
+                          <a:latin typeface="+mn-lt"/>
+                        </a:rPr>
+                        <a:t>FRR: 0.03910</a:t>
+                      </a:r>
+                    </a:p>
+                    <a:p>
+                      <a:r>
+                        <a:rPr lang="en-US" dirty="0" smtClean="0">
+                          <a:latin typeface="+mn-lt"/>
+                        </a:rPr>
+                        <a:t>FAR: 0.00781</a:t>
+                      </a:r>
+                      <a:endParaRPr lang="en-US" dirty="0">
+                        <a:latin typeface="+mn-lt"/>
+                      </a:endParaRPr>
+                    </a:p>
+                  </a:txBody>
+                  <a:tcPr/>
+                </a:tc>
+                <a:tc>
+                  <a:txBody>
+                    <a:bodyPr/>
+                    <a:lstStyle/>
+                    <a:p>
+                      <a:r>
+                        <a:rPr lang="en-US" dirty="0" smtClean="0">
+                          <a:latin typeface="+mn-lt"/>
+                        </a:rPr>
+                        <a:t>FRR: 0.00185</a:t>
+                      </a:r>
+                    </a:p>
+                    <a:p>
+                      <a:r>
+                        <a:rPr lang="en-US" dirty="0" smtClean="0">
+                          <a:latin typeface="+mn-lt"/>
+                        </a:rPr>
+                        <a:t>FAR: 0.00039</a:t>
+                      </a:r>
+                      <a:endParaRPr lang="en-US" dirty="0">
+                        <a:latin typeface="+mn-lt"/>
+                      </a:endParaRPr>
+                    </a:p>
+                  </a:txBody>
+                  <a:tcPr/>
+                </a:tc>
+                <a:tc>
+                  <a:txBody>
+                    <a:bodyPr/>
+                    <a:lstStyle/>
+                    <a:p>
+                      <a:r>
+                        <a:rPr lang="en-US" dirty="0" smtClean="0">
+                          <a:latin typeface="+mn-lt"/>
+                        </a:rPr>
+                        <a:t>FRR: 0.00321</a:t>
+                      </a:r>
+                    </a:p>
+                    <a:p>
+                      <a:r>
+                        <a:rPr lang="en-US" dirty="0" smtClean="0">
+                          <a:latin typeface="+mn-lt"/>
+                        </a:rPr>
+                        <a:t>FAR: 0.00077</a:t>
+                      </a:r>
+                      <a:endParaRPr lang="en-US" dirty="0">
+                        <a:latin typeface="+mn-lt"/>
+                      </a:endParaRPr>
+                    </a:p>
+                  </a:txBody>
+                  <a:tcPr/>
+                </a:tc>
+                <a:tc>
+                  <a:txBody>
+                    <a:bodyPr/>
+                    <a:lstStyle/>
+                    <a:p>
+                      <a:r>
+                        <a:rPr lang="en-US" dirty="0" smtClean="0">
+                          <a:latin typeface="+mn-lt"/>
+                        </a:rPr>
+                        <a:t>FRR: 0.00210</a:t>
+                      </a:r>
+                    </a:p>
+                    <a:p>
+                      <a:r>
+                        <a:rPr lang="en-US" dirty="0" smtClean="0">
+                          <a:latin typeface="+mn-lt"/>
+                        </a:rPr>
+                        <a:t>FAR: 0.00043</a:t>
                       </a:r>
                       <a:endParaRPr lang="en-US" dirty="0">
                         <a:latin typeface="+mn-lt"/>
@@ -4488,7 +4505,7 @@
           <p:nvPr>
             <p:extLst>
               <p:ext uri="{D42A27DB-BD31-4B8C-83A1-F6EECF244321}">
-                <p14:modId xmlns:p14="http://schemas.microsoft.com/office/powerpoint/2010/main" val="398163053"/>
+                <p14:modId xmlns:p14="http://schemas.microsoft.com/office/powerpoint/2010/main" val="910553627"/>
               </p:ext>
             </p:extLst>
           </p:nvPr>
@@ -4699,111 +4716,111 @@
                         <a:rPr lang="en-US" dirty="0" smtClean="0">
                           <a:latin typeface="+mn-lt"/>
                         </a:rPr>
-                        <a:t>FRR: 0.02678</a:t>
-                      </a:r>
-                    </a:p>
-                    <a:p>
-                      <a:r>
-                        <a:rPr lang="en-US" dirty="0" smtClean="0">
-                          <a:latin typeface="+mn-lt"/>
-                        </a:rPr>
-                        <a:t>FAR: 0.00253</a:t>
-                      </a:r>
-                      <a:endParaRPr lang="en-US" dirty="0">
-                        <a:latin typeface="+mn-lt"/>
-                      </a:endParaRPr>
-                    </a:p>
-                  </a:txBody>
-                  <a:tcPr/>
-                </a:tc>
-                <a:tc>
-                  <a:txBody>
-                    <a:bodyPr/>
-                    <a:lstStyle/>
-                    <a:p>
-                      <a:r>
-                        <a:rPr lang="en-US" dirty="0" smtClean="0">
-                          <a:latin typeface="+mn-lt"/>
-                        </a:rPr>
-                        <a:t>FRR: 0.13157</a:t>
-                      </a:r>
-                    </a:p>
-                    <a:p>
-                      <a:r>
-                        <a:rPr lang="en-US" dirty="0" smtClean="0">
-                          <a:latin typeface="+mn-lt"/>
-                        </a:rPr>
-                        <a:t>FAR: 0.00259</a:t>
-                      </a:r>
-                      <a:endParaRPr lang="en-US" dirty="0">
-                        <a:latin typeface="+mn-lt"/>
-                      </a:endParaRPr>
-                    </a:p>
-                  </a:txBody>
-                  <a:tcPr/>
-                </a:tc>
-                <a:tc>
-                  <a:txBody>
-                    <a:bodyPr/>
-                    <a:lstStyle/>
-                    <a:p>
-                      <a:r>
-                        <a:rPr lang="en-US" dirty="0" smtClean="0">
-                          <a:latin typeface="+mn-lt"/>
-                        </a:rPr>
-                        <a:t>FRR: 0.03278</a:t>
-                      </a:r>
-                    </a:p>
-                    <a:p>
-                      <a:r>
-                        <a:rPr lang="en-US" dirty="0" smtClean="0">
-                          <a:latin typeface="+mn-lt"/>
-                        </a:rPr>
-                        <a:t>FAR: 0.0</a:t>
-                      </a:r>
-                      <a:endParaRPr lang="en-US" dirty="0">
-                        <a:latin typeface="+mn-lt"/>
-                      </a:endParaRPr>
-                    </a:p>
-                  </a:txBody>
-                  <a:tcPr/>
-                </a:tc>
-                <a:tc>
-                  <a:txBody>
-                    <a:bodyPr/>
-                    <a:lstStyle/>
-                    <a:p>
-                      <a:r>
-                        <a:rPr lang="en-US" dirty="0" smtClean="0">
-                          <a:latin typeface="+mn-lt"/>
-                        </a:rPr>
-                        <a:t>FRR: 0.02500</a:t>
-                      </a:r>
-                    </a:p>
-                    <a:p>
-                      <a:r>
-                        <a:rPr lang="en-US" dirty="0" smtClean="0">
-                          <a:latin typeface="+mn-lt"/>
-                        </a:rPr>
-                        <a:t>FAR: 0.0</a:t>
-                      </a:r>
-                      <a:endParaRPr lang="en-US" dirty="0">
-                        <a:latin typeface="+mn-lt"/>
-                      </a:endParaRPr>
-                    </a:p>
-                  </a:txBody>
-                  <a:tcPr/>
-                </a:tc>
-                <a:tc>
-                  <a:txBody>
-                    <a:bodyPr/>
-                    <a:lstStyle/>
-                    <a:p>
-                      <a:r>
-                        <a:rPr lang="en-US" dirty="0" smtClean="0">
-                          <a:latin typeface="+mn-lt"/>
-                        </a:rPr>
-                        <a:t>FRR: 0.01351</a:t>
+                        <a:t>FRR: 0.00893</a:t>
+                      </a:r>
+                    </a:p>
+                    <a:p>
+                      <a:r>
+                        <a:rPr lang="en-US" dirty="0" smtClean="0">
+                          <a:latin typeface="+mn-lt"/>
+                        </a:rPr>
+                        <a:t>FAR: 0.01097</a:t>
+                      </a:r>
+                      <a:endParaRPr lang="en-US" dirty="0">
+                        <a:latin typeface="+mn-lt"/>
+                      </a:endParaRPr>
+                    </a:p>
+                  </a:txBody>
+                  <a:tcPr/>
+                </a:tc>
+                <a:tc>
+                  <a:txBody>
+                    <a:bodyPr/>
+                    <a:lstStyle/>
+                    <a:p>
+                      <a:r>
+                        <a:rPr lang="en-US" dirty="0" smtClean="0">
+                          <a:latin typeface="+mn-lt"/>
+                        </a:rPr>
+                        <a:t>FRR: 0.06579</a:t>
+                      </a:r>
+                    </a:p>
+                    <a:p>
+                      <a:r>
+                        <a:rPr lang="en-US" dirty="0" smtClean="0">
+                          <a:latin typeface="+mn-lt"/>
+                        </a:rPr>
+                        <a:t>FAR: 0.00777</a:t>
+                      </a:r>
+                      <a:endParaRPr lang="en-US" dirty="0">
+                        <a:latin typeface="+mn-lt"/>
+                      </a:endParaRPr>
+                    </a:p>
+                  </a:txBody>
+                  <a:tcPr/>
+                </a:tc>
+                <a:tc>
+                  <a:txBody>
+                    <a:bodyPr/>
+                    <a:lstStyle/>
+                    <a:p>
+                      <a:r>
+                        <a:rPr lang="en-US" dirty="0" smtClean="0">
+                          <a:latin typeface="+mn-lt"/>
+                        </a:rPr>
+                        <a:t>FRR: 0.00000</a:t>
+                      </a:r>
+                    </a:p>
+                    <a:p>
+                      <a:r>
+                        <a:rPr lang="en-US" dirty="0" smtClean="0">
+                          <a:latin typeface="+mn-lt"/>
+                        </a:rPr>
+                        <a:t>FAR: 0.00000</a:t>
+                      </a:r>
+                      <a:endParaRPr lang="en-US" dirty="0">
+                        <a:latin typeface="+mn-lt"/>
+                      </a:endParaRPr>
+                    </a:p>
+                  </a:txBody>
+                  <a:tcPr/>
+                </a:tc>
+                <a:tc>
+                  <a:txBody>
+                    <a:bodyPr/>
+                    <a:lstStyle/>
+                    <a:p>
+                      <a:r>
+                        <a:rPr lang="en-US" dirty="0" smtClean="0">
+                          <a:latin typeface="+mn-lt"/>
+                        </a:rPr>
+                        <a:t>FRR: 0.01250</a:t>
+                      </a:r>
+                    </a:p>
+                    <a:p>
+                      <a:r>
+                        <a:rPr lang="en-US" dirty="0" smtClean="0">
+                          <a:latin typeface="+mn-lt"/>
+                        </a:rPr>
+                        <a:t>FAR: 0.00000</a:t>
+                      </a:r>
+                      <a:endParaRPr lang="en-US" dirty="0">
+                        <a:latin typeface="+mn-lt"/>
+                      </a:endParaRPr>
+                    </a:p>
+                  </a:txBody>
+                  <a:tcPr/>
+                </a:tc>
+                <a:tc>
+                  <a:txBody>
+                    <a:bodyPr/>
+                    <a:lstStyle/>
+                    <a:p>
+                      <a:r>
+                        <a:rPr lang="en-US" dirty="0" smtClean="0">
+                          <a:latin typeface="+mn-lt"/>
+                        </a:rPr>
+                        <a:t>FRR: 0.00000</a:t>
                       </a:r>
                     </a:p>
                     <a:p>
@@ -4854,7 +4871,7 @@
                         <a:rPr lang="en-US" dirty="0" smtClean="0">
                           <a:latin typeface="+mn-lt"/>
                         </a:rPr>
-                        <a:t>FRR: 0.02953</a:t>
+                        <a:t>FRR: 0.04219</a:t>
                       </a:r>
                     </a:p>
                     <a:p>
@@ -4888,85 +4905,85 @@
                         <a:rPr lang="en-US" dirty="0" smtClean="0">
                           <a:latin typeface="+mn-lt"/>
                         </a:rPr>
-                        <a:t>FAR: 0.01063</a:t>
-                      </a:r>
-                      <a:endParaRPr lang="en-US" dirty="0">
-                        <a:latin typeface="+mn-lt"/>
-                      </a:endParaRPr>
-                    </a:p>
-                  </a:txBody>
-                  <a:tcPr/>
-                </a:tc>
-                <a:tc>
-                  <a:txBody>
-                    <a:bodyPr/>
-                    <a:lstStyle/>
-                    <a:p>
-                      <a:r>
-                        <a:rPr lang="en-US" dirty="0" smtClean="0">
-                          <a:latin typeface="+mn-lt"/>
-                        </a:rPr>
-                        <a:t>FRR: 0.02105</a:t>
-                      </a:r>
-                    </a:p>
-                    <a:p>
-                      <a:r>
-                        <a:rPr lang="en-US" dirty="0" smtClean="0">
-                          <a:latin typeface="+mn-lt"/>
-                        </a:rPr>
-                        <a:t>FAR: 0.00253</a:t>
-                      </a:r>
-                      <a:endParaRPr lang="en-US" dirty="0">
-                        <a:latin typeface="+mn-lt"/>
-                      </a:endParaRPr>
-                    </a:p>
-                  </a:txBody>
-                  <a:tcPr/>
-                </a:tc>
-                <a:tc>
-                  <a:txBody>
-                    <a:bodyPr/>
-                    <a:lstStyle/>
-                    <a:p>
-                      <a:r>
-                        <a:rPr lang="en-US" dirty="0" smtClean="0">
-                          <a:latin typeface="+mn-lt"/>
-                        </a:rPr>
-                        <a:t>FRR: 0.0</a:t>
-                      </a:r>
-                    </a:p>
-                    <a:p>
-                      <a:r>
-                        <a:rPr lang="en-US" dirty="0" smtClean="0">
-                          <a:latin typeface="+mn-lt"/>
-                        </a:rPr>
-                        <a:t>FAR: 0.00455</a:t>
-                      </a:r>
-                      <a:endParaRPr lang="en-US" dirty="0">
-                        <a:latin typeface="+mn-lt"/>
-                      </a:endParaRPr>
-                    </a:p>
-                  </a:txBody>
-                  <a:tcPr/>
-                </a:tc>
-                <a:tc>
-                  <a:txBody>
-                    <a:bodyPr/>
-                    <a:lstStyle/>
-                    <a:p>
-                      <a:r>
-                        <a:rPr lang="en-US" dirty="0" smtClean="0">
-                          <a:latin typeface="+mn-lt"/>
-                        </a:rPr>
-                        <a:t>FRR: 0.01277</a:t>
-                      </a:r>
-                    </a:p>
-                    <a:p>
-                      <a:r>
-                        <a:rPr lang="en-US" dirty="0" smtClean="0">
-                          <a:latin typeface="+mn-lt"/>
-                        </a:rPr>
-                        <a:t>FAR: 0.00170</a:t>
+                        <a:t>FAR: 0.01596</a:t>
+                      </a:r>
+                      <a:endParaRPr lang="en-US" dirty="0">
+                        <a:latin typeface="+mn-lt"/>
+                      </a:endParaRPr>
+                    </a:p>
+                  </a:txBody>
+                  <a:tcPr/>
+                </a:tc>
+                <a:tc>
+                  <a:txBody>
+                    <a:bodyPr/>
+                    <a:lstStyle/>
+                    <a:p>
+                      <a:r>
+                        <a:rPr lang="en-US" dirty="0" smtClean="0">
+                          <a:latin typeface="+mn-lt"/>
+                        </a:rPr>
+                        <a:t>FRR: 0.00000</a:t>
+                      </a:r>
+                    </a:p>
+                    <a:p>
+                      <a:r>
+                        <a:rPr lang="en-US" dirty="0" smtClean="0">
+                          <a:latin typeface="+mn-lt"/>
+                        </a:rPr>
+                        <a:t>FAR: 0.00000</a:t>
+                      </a:r>
+                      <a:endParaRPr lang="en-US" dirty="0">
+                        <a:latin typeface="+mn-lt"/>
+                      </a:endParaRPr>
+                    </a:p>
+                  </a:txBody>
+                  <a:tcPr/>
+                </a:tc>
+                <a:tc>
+                  <a:txBody>
+                    <a:bodyPr/>
+                    <a:lstStyle/>
+                    <a:p>
+                      <a:r>
+                        <a:rPr lang="en-US" dirty="0" smtClean="0">
+                          <a:latin typeface="+mn-lt"/>
+                        </a:rPr>
+                        <a:t>FRR: 0.00000</a:t>
+                      </a:r>
+                    </a:p>
+                    <a:p>
+                      <a:r>
+                        <a:rPr lang="en-US" dirty="0" smtClean="0">
+                          <a:latin typeface="+mn-lt"/>
+                        </a:rPr>
+                        <a:t>FAR: 0.00000</a:t>
+                      </a:r>
+                      <a:endParaRPr lang="en-US" dirty="0" smtClean="0">
+                        <a:latin typeface="+mn-lt"/>
+                      </a:endParaRPr>
+                    </a:p>
+                  </a:txBody>
+                  <a:tcPr/>
+                </a:tc>
+                <a:tc>
+                  <a:txBody>
+                    <a:bodyPr/>
+                    <a:lstStyle/>
+                    <a:p>
+                      <a:r>
+                        <a:rPr lang="en-US" dirty="0" smtClean="0">
+                          <a:latin typeface="+mn-lt"/>
+                        </a:rPr>
+                        <a:t>FRR: 0.00426</a:t>
+                      </a:r>
+                    </a:p>
+                    <a:p>
+                      <a:r>
+                        <a:rPr lang="en-US" dirty="0" smtClean="0">
+                          <a:latin typeface="+mn-lt"/>
+                        </a:rPr>
+                        <a:t>FAR: 0.00085</a:t>
                       </a:r>
                       <a:endParaRPr lang="en-US" dirty="0">
                         <a:latin typeface="+mn-lt"/>
@@ -5009,95 +5026,95 @@
                         <a:rPr lang="en-US" dirty="0" smtClean="0">
                           <a:latin typeface="+mn-lt"/>
                         </a:rPr>
-                        <a:t>FRR: 0.02857</a:t>
-                      </a:r>
-                    </a:p>
-                    <a:p>
-                      <a:r>
-                        <a:rPr lang="en-US" dirty="0" smtClean="0">
-                          <a:latin typeface="+mn-lt"/>
-                        </a:rPr>
-                        <a:t>FAR: 0.01288</a:t>
-                      </a:r>
-                      <a:endParaRPr lang="en-US" dirty="0">
-                        <a:latin typeface="+mn-lt"/>
-                      </a:endParaRPr>
-                    </a:p>
-                  </a:txBody>
-                  <a:tcPr/>
-                </a:tc>
-                <a:tc>
-                  <a:txBody>
-                    <a:bodyPr/>
-                    <a:lstStyle/>
-                    <a:p>
-                      <a:r>
-                        <a:rPr lang="en-US" dirty="0" smtClean="0">
-                          <a:latin typeface="+mn-lt"/>
-                        </a:rPr>
-                        <a:t>FRR: 0.14666</a:t>
-                      </a:r>
-                    </a:p>
-                    <a:p>
-                      <a:r>
-                        <a:rPr lang="en-US" dirty="0" smtClean="0">
-                          <a:latin typeface="+mn-lt"/>
-                        </a:rPr>
-                        <a:t>FAR: 0.03617</a:t>
-                      </a:r>
-                      <a:endParaRPr lang="en-US" dirty="0">
-                        <a:latin typeface="+mn-lt"/>
-                      </a:endParaRPr>
-                    </a:p>
-                  </a:txBody>
-                  <a:tcPr/>
-                </a:tc>
-                <a:tc>
-                  <a:txBody>
-                    <a:bodyPr/>
-                    <a:lstStyle/>
-                    <a:p>
-                      <a:r>
-                        <a:rPr lang="en-US" dirty="0" smtClean="0">
-                          <a:latin typeface="+mn-lt"/>
-                        </a:rPr>
-                        <a:t>FRR: 0.01162</a:t>
-                      </a:r>
-                    </a:p>
-                    <a:p>
-                      <a:r>
-                        <a:rPr lang="en-US" dirty="0" smtClean="0">
-                          <a:latin typeface="+mn-lt"/>
-                        </a:rPr>
-                        <a:t>FAR: 0.0</a:t>
-                      </a:r>
-                      <a:endParaRPr lang="en-US" dirty="0">
-                        <a:latin typeface="+mn-lt"/>
-                      </a:endParaRPr>
-                    </a:p>
-                  </a:txBody>
-                  <a:tcPr/>
-                </a:tc>
-                <a:tc>
-                  <a:txBody>
-                    <a:bodyPr/>
-                    <a:lstStyle/>
-                    <a:p>
-                      <a:r>
-                        <a:rPr lang="en-US" dirty="0" smtClean="0">
-                          <a:latin typeface="+mn-lt"/>
-                        </a:rPr>
-                        <a:t>FRR: 0.09210</a:t>
-                      </a:r>
-                    </a:p>
-                    <a:p>
-                      <a:r>
-                        <a:rPr lang="en-US" dirty="0" smtClean="0">
-                          <a:latin typeface="+mn-lt"/>
-                        </a:rPr>
-                        <a:t>FAR: 0.00217</a:t>
-                      </a:r>
-                      <a:endParaRPr lang="en-US" dirty="0">
+                        <a:t>FRR: 0.05714</a:t>
+                      </a:r>
+                    </a:p>
+                    <a:p>
+                      <a:r>
+                        <a:rPr lang="en-US" dirty="0" smtClean="0">
+                          <a:latin typeface="+mn-lt"/>
+                        </a:rPr>
+                        <a:t>FAR: 0.01375</a:t>
+                      </a:r>
+                      <a:endParaRPr lang="en-US" dirty="0">
+                        <a:latin typeface="+mn-lt"/>
+                      </a:endParaRPr>
+                    </a:p>
+                  </a:txBody>
+                  <a:tcPr/>
+                </a:tc>
+                <a:tc>
+                  <a:txBody>
+                    <a:bodyPr/>
+                    <a:lstStyle/>
+                    <a:p>
+                      <a:r>
+                        <a:rPr lang="en-US" dirty="0" smtClean="0">
+                          <a:latin typeface="+mn-lt"/>
+                        </a:rPr>
+                        <a:t>FRR: 0.12000</a:t>
+                      </a:r>
+                    </a:p>
+                    <a:p>
+                      <a:r>
+                        <a:rPr lang="en-US" dirty="0" smtClean="0">
+                          <a:latin typeface="+mn-lt"/>
+                        </a:rPr>
+                        <a:t>FAR: 0.03101</a:t>
+                      </a:r>
+                      <a:endParaRPr lang="en-US" dirty="0">
+                        <a:latin typeface="+mn-lt"/>
+                      </a:endParaRPr>
+                    </a:p>
+                  </a:txBody>
+                  <a:tcPr/>
+                </a:tc>
+                <a:tc>
+                  <a:txBody>
+                    <a:bodyPr/>
+                    <a:lstStyle/>
+                    <a:p>
+                      <a:r>
+                        <a:rPr lang="en-US" dirty="0" smtClean="0">
+                          <a:latin typeface="+mn-lt"/>
+                        </a:rPr>
+                        <a:t>FRR: 0.00000</a:t>
+                      </a:r>
+                    </a:p>
+                    <a:p>
+                      <a:r>
+                        <a:rPr lang="en-US" dirty="0" smtClean="0">
+                          <a:latin typeface="+mn-lt"/>
+                        </a:rPr>
+                        <a:t>FAR: 0.00248</a:t>
+                      </a:r>
+                      <a:endParaRPr lang="en-US" dirty="0">
+                        <a:latin typeface="+mn-lt"/>
+                      </a:endParaRPr>
+                    </a:p>
+                  </a:txBody>
+                  <a:tcPr/>
+                </a:tc>
+                <a:tc>
+                  <a:txBody>
+                    <a:bodyPr/>
+                    <a:lstStyle/>
+                    <a:p>
+                      <a:r>
+                        <a:rPr lang="en-US" dirty="0" smtClean="0">
+                          <a:latin typeface="+mn-lt"/>
+                        </a:rPr>
+                        <a:t>FRR: 0.00000</a:t>
+                      </a:r>
+                    </a:p>
+                    <a:p>
+                      <a:r>
+                        <a:rPr lang="en-US" dirty="0" smtClean="0">
+                          <a:latin typeface="+mn-lt"/>
+                        </a:rPr>
+                        <a:t>FAR: 0.00000</a:t>
+                      </a:r>
+                      <a:endParaRPr lang="en-US" dirty="0" smtClean="0">
                         <a:latin typeface="+mn-lt"/>
                       </a:endParaRPr>
                     </a:p>
@@ -5121,7 +5138,7 @@
                         <a:rPr lang="en-US" dirty="0" smtClean="0">
                           <a:latin typeface="+mn-lt"/>
                         </a:rPr>
-                        <a:t>FAR: 0.01029</a:t>
+                        <a:t>FAR: 0.00172</a:t>
                       </a:r>
                       <a:endParaRPr lang="en-US" dirty="0">
                         <a:latin typeface="+mn-lt"/>
@@ -5164,33 +5181,33 @@
                         <a:rPr lang="en-US" dirty="0" smtClean="0">
                           <a:latin typeface="+mn-lt"/>
                         </a:rPr>
-                        <a:t>FRR: 0.02183</a:t>
-                      </a:r>
-                    </a:p>
-                    <a:p>
-                      <a:r>
-                        <a:rPr lang="en-US" dirty="0" smtClean="0">
-                          <a:latin typeface="+mn-lt"/>
-                        </a:rPr>
-                        <a:t>FAR: 0.00508</a:t>
-                      </a:r>
-                      <a:endParaRPr lang="en-US" dirty="0">
-                        <a:latin typeface="+mn-lt"/>
-                      </a:endParaRPr>
-                    </a:p>
-                  </a:txBody>
-                  <a:tcPr/>
-                </a:tc>
-                <a:tc>
-                  <a:txBody>
-                    <a:bodyPr/>
-                    <a:lstStyle/>
-                    <a:p>
-                      <a:r>
-                        <a:rPr lang="en-US" dirty="0" smtClean="0">
-                          <a:latin typeface="+mn-lt"/>
-                        </a:rPr>
-                        <a:t>FRR: 0.02816</a:t>
+                        <a:t>FRR: 0.05240</a:t>
+                      </a:r>
+                    </a:p>
+                    <a:p>
+                      <a:r>
+                        <a:rPr lang="en-US" dirty="0" smtClean="0">
+                          <a:latin typeface="+mn-lt"/>
+                        </a:rPr>
+                        <a:t>FAR: 0.00678</a:t>
+                      </a:r>
+                      <a:endParaRPr lang="en-US" dirty="0">
+                        <a:latin typeface="+mn-lt"/>
+                      </a:endParaRPr>
+                    </a:p>
+                  </a:txBody>
+                  <a:tcPr/>
+                </a:tc>
+                <a:tc>
+                  <a:txBody>
+                    <a:bodyPr/>
+                    <a:lstStyle/>
+                    <a:p>
+                      <a:r>
+                        <a:rPr lang="en-US" dirty="0" smtClean="0">
+                          <a:latin typeface="+mn-lt"/>
+                        </a:rPr>
+                        <a:t>FRR: 0.05634</a:t>
                       </a:r>
                     </a:p>
                     <a:p>
@@ -5216,59 +5233,59 @@
                         <a:rPr lang="en-US" dirty="0" smtClean="0">
                           <a:latin typeface="+mn-lt"/>
                         </a:rPr>
-                        <a:t>FRR: 0.03529</a:t>
-                      </a:r>
-                    </a:p>
-                    <a:p>
-                      <a:r>
-                        <a:rPr lang="en-US" dirty="0" smtClean="0">
-                          <a:latin typeface="+mn-lt"/>
-                        </a:rPr>
-                        <a:t>FAR: 0.02475</a:t>
-                      </a:r>
-                      <a:endParaRPr lang="en-US" dirty="0">
-                        <a:latin typeface="+mn-lt"/>
-                      </a:endParaRPr>
-                    </a:p>
-                  </a:txBody>
-                  <a:tcPr/>
-                </a:tc>
-                <a:tc>
-                  <a:txBody>
-                    <a:bodyPr/>
-                    <a:lstStyle/>
-                    <a:p>
-                      <a:r>
-                        <a:rPr lang="en-US" dirty="0" smtClean="0">
-                          <a:latin typeface="+mn-lt"/>
-                        </a:rPr>
-                        <a:t>FRR: 0.02247</a:t>
-                      </a:r>
-                    </a:p>
-                    <a:p>
-                      <a:r>
-                        <a:rPr lang="en-US" dirty="0" smtClean="0">
-                          <a:latin typeface="+mn-lt"/>
-                        </a:rPr>
-                        <a:t>FAR: 0.0</a:t>
-                      </a:r>
-                      <a:endParaRPr lang="en-US" dirty="0">
-                        <a:latin typeface="+mn-lt"/>
-                      </a:endParaRPr>
-                    </a:p>
-                  </a:txBody>
-                  <a:tcPr/>
-                </a:tc>
-                <a:tc>
-                  <a:txBody>
-                    <a:bodyPr/>
-                    <a:lstStyle/>
-                    <a:p>
-                      <a:r>
-                        <a:rPr lang="en-US" dirty="0" smtClean="0">
-                          <a:latin typeface="+mn-lt"/>
-                        </a:rPr>
-                        <a:t>FRR: 0.00816</a:t>
+                        <a:t>FRR: 0.01176</a:t>
+                      </a:r>
+                    </a:p>
+                    <a:p>
+                      <a:r>
+                        <a:rPr lang="en-US" dirty="0" smtClean="0">
+                          <a:latin typeface="+mn-lt"/>
+                        </a:rPr>
+                        <a:t>FAR: 0.00248</a:t>
+                      </a:r>
+                      <a:endParaRPr lang="en-US" dirty="0">
+                        <a:latin typeface="+mn-lt"/>
+                      </a:endParaRPr>
+                    </a:p>
+                  </a:txBody>
+                  <a:tcPr/>
+                </a:tc>
+                <a:tc>
+                  <a:txBody>
+                    <a:bodyPr/>
+                    <a:lstStyle/>
+                    <a:p>
+                      <a:r>
+                        <a:rPr lang="en-US" smtClean="0">
+                          <a:latin typeface="+mn-lt"/>
+                        </a:rPr>
+                        <a:t>FRR: 0.01124</a:t>
+                      </a:r>
+                    </a:p>
+                    <a:p>
+                      <a:r>
+                        <a:rPr lang="en-US" smtClean="0">
+                          <a:latin typeface="+mn-lt"/>
+                        </a:rPr>
+                        <a:t>FAR: 0.00224</a:t>
+                      </a:r>
+                      <a:endParaRPr lang="en-US" dirty="0">
+                        <a:latin typeface="+mn-lt"/>
+                      </a:endParaRPr>
+                    </a:p>
+                  </a:txBody>
+                  <a:tcPr/>
+                </a:tc>
+                <a:tc>
+                  <a:txBody>
+                    <a:bodyPr/>
+                    <a:lstStyle/>
+                    <a:p>
+                      <a:r>
+                        <a:rPr lang="en-US" dirty="0" smtClean="0">
+                          <a:latin typeface="+mn-lt"/>
+                        </a:rPr>
+                        <a:t>FRR: 0.00000</a:t>
                       </a:r>
                     </a:p>
                     <a:p>
@@ -5319,119 +5336,116 @@
                         <a:rPr lang="en-US" dirty="0" smtClean="0">
                           <a:latin typeface="+mn-lt"/>
                         </a:rPr>
-                        <a:t>FRR: 0.01777</a:t>
-                      </a:r>
-                    </a:p>
-                    <a:p>
-                      <a:r>
-                        <a:rPr lang="en-US" dirty="0" smtClean="0">
-                          <a:latin typeface="+mn-lt"/>
-                        </a:rPr>
-                        <a:t>FAR: 0.00422</a:t>
-                      </a:r>
-                      <a:endParaRPr lang="en-US" dirty="0">
-                        <a:latin typeface="+mn-lt"/>
-                      </a:endParaRPr>
-                    </a:p>
-                  </a:txBody>
-                  <a:tcPr/>
-                </a:tc>
-                <a:tc>
-                  <a:txBody>
-                    <a:bodyPr/>
-                    <a:lstStyle/>
-                    <a:p>
-                      <a:r>
-                        <a:rPr lang="en-US" dirty="0" smtClean="0">
-                          <a:latin typeface="+mn-lt"/>
-                        </a:rPr>
-                        <a:t>FRR: 0.04477</a:t>
-                      </a:r>
-                    </a:p>
-                    <a:p>
-                      <a:r>
-                        <a:rPr lang="en-US" dirty="0" smtClean="0">
-                          <a:latin typeface="+mn-lt"/>
-                        </a:rPr>
-                        <a:t>FAR: 0.01518</a:t>
-                      </a:r>
-                      <a:endParaRPr lang="en-US" dirty="0">
-                        <a:latin typeface="+mn-lt"/>
-                      </a:endParaRPr>
-                    </a:p>
-                  </a:txBody>
-                  <a:tcPr/>
-                </a:tc>
-                <a:tc>
-                  <a:txBody>
-                    <a:bodyPr/>
-                    <a:lstStyle/>
-                    <a:p>
-                      <a:r>
-                        <a:rPr lang="en-US" dirty="0" smtClean="0">
-                          <a:latin typeface="+mn-lt"/>
-                        </a:rPr>
-                        <a:t>FRR: 0.06944</a:t>
-                      </a:r>
-                    </a:p>
-                    <a:p>
-                      <a:r>
-                        <a:rPr lang="en-US" dirty="0" smtClean="0">
-                          <a:latin typeface="+mn-lt"/>
-                        </a:rPr>
-                        <a:t>FAR: 0.0</a:t>
-                      </a:r>
-                      <a:endParaRPr lang="en-US" dirty="0">
-                        <a:latin typeface="+mn-lt"/>
-                      </a:endParaRPr>
-                    </a:p>
-                  </a:txBody>
-                  <a:tcPr/>
-                </a:tc>
-                <a:tc>
-                  <a:txBody>
-                    <a:bodyPr/>
-                    <a:lstStyle/>
-                    <a:p>
-                      <a:r>
-                        <a:rPr lang="en-US" dirty="0" smtClean="0">
-                          <a:latin typeface="+mn-lt"/>
-                        </a:rPr>
-                        <a:t>FRR: 0.04347</a:t>
-                      </a:r>
-                    </a:p>
-                    <a:p>
-                      <a:r>
-                        <a:rPr lang="en-US" dirty="0" smtClean="0">
-                          <a:latin typeface="+mn-lt"/>
-                        </a:rPr>
-                        <a:t>FAR: 0.00429</a:t>
-                      </a:r>
-                      <a:endParaRPr lang="en-US" dirty="0">
-                        <a:latin typeface="+mn-lt"/>
-                      </a:endParaRPr>
-                    </a:p>
-                  </a:txBody>
-                  <a:tcPr/>
-                </a:tc>
-                <a:tc>
-                  <a:txBody>
-                    <a:bodyPr/>
-                    <a:lstStyle/>
-                    <a:p>
-                      <a:r>
-                        <a:rPr lang="en-US" dirty="0" smtClean="0">
-                          <a:latin typeface="+mn-lt"/>
-                        </a:rPr>
-                        <a:t>FRR: 0.03139</a:t>
-                      </a:r>
-                    </a:p>
-                    <a:p>
-                      <a:r>
-                        <a:rPr lang="en-US" dirty="0" smtClean="0">
-                          <a:latin typeface="+mn-lt"/>
-                        </a:rPr>
-                        <a:t>FAR: 0.00168</a:t>
+                        <a:t>FRR: 0.04000</a:t>
+                      </a:r>
+                    </a:p>
+                    <a:p>
+                      <a:r>
+                        <a:rPr lang="en-US" dirty="0" smtClean="0">
+                          <a:latin typeface="+mn-lt"/>
+                        </a:rPr>
+                        <a:t>FAR: 0.00760</a:t>
+                      </a:r>
+                      <a:endParaRPr lang="en-US" dirty="0">
+                        <a:latin typeface="+mn-lt"/>
+                      </a:endParaRPr>
+                    </a:p>
+                  </a:txBody>
+                  <a:tcPr/>
+                </a:tc>
+                <a:tc>
+                  <a:txBody>
+                    <a:bodyPr/>
+                    <a:lstStyle/>
+                    <a:p>
+                      <a:r>
+                        <a:rPr lang="en-US" dirty="0" smtClean="0">
+                          <a:latin typeface="+mn-lt"/>
+                        </a:rPr>
+                        <a:t>FRR: 0.00000</a:t>
+                      </a:r>
+                    </a:p>
+                    <a:p>
+                      <a:r>
+                        <a:rPr lang="en-US" dirty="0" smtClean="0">
+                          <a:latin typeface="+mn-lt"/>
+                        </a:rPr>
+                        <a:t>FAR: 0.00253</a:t>
+                      </a:r>
+                      <a:endParaRPr lang="en-US" dirty="0">
+                        <a:latin typeface="+mn-lt"/>
+                      </a:endParaRPr>
+                    </a:p>
+                  </a:txBody>
+                  <a:tcPr/>
+                </a:tc>
+                <a:tc>
+                  <a:txBody>
+                    <a:bodyPr/>
+                    <a:lstStyle/>
+                    <a:p>
+                      <a:r>
+                        <a:rPr lang="en-US" dirty="0" smtClean="0">
+                          <a:latin typeface="+mn-lt"/>
+                        </a:rPr>
+                        <a:t>FRR: 0.00000</a:t>
+                      </a:r>
+                    </a:p>
+                    <a:p>
+                      <a:r>
+                        <a:rPr lang="en-US" dirty="0" smtClean="0">
+                          <a:latin typeface="+mn-lt"/>
+                        </a:rPr>
+                        <a:t>FAR: 0.00000</a:t>
+                      </a:r>
+                    </a:p>
+                  </a:txBody>
+                  <a:tcPr/>
+                </a:tc>
+                <a:tc>
+                  <a:txBody>
+                    <a:bodyPr/>
+                    <a:lstStyle/>
+                    <a:p>
+                      <a:r>
+                        <a:rPr lang="en-US" dirty="0" smtClean="0">
+                          <a:latin typeface="+mn-lt"/>
+                        </a:rPr>
+                        <a:t>FRR: 0.00000</a:t>
+                      </a:r>
+                    </a:p>
+                    <a:p>
+                      <a:r>
+                        <a:rPr lang="en-US" dirty="0" smtClean="0">
+                          <a:latin typeface="+mn-lt"/>
+                        </a:rPr>
+                        <a:t>FAR: 0.00000</a:t>
+                      </a:r>
+                      <a:endParaRPr lang="en-US" dirty="0">
+                        <a:latin typeface="+mn-lt"/>
+                      </a:endParaRPr>
+                    </a:p>
+                  </a:txBody>
+                  <a:tcPr/>
+                </a:tc>
+                <a:tc>
+                  <a:txBody>
+                    <a:bodyPr/>
+                    <a:lstStyle/>
+                    <a:p>
+                      <a:r>
+                        <a:rPr lang="en-US" dirty="0" smtClean="0">
+                          <a:latin typeface="+mn-lt"/>
+                        </a:rPr>
+                        <a:t>FRR: 0.00448</a:t>
+                      </a:r>
+                    </a:p>
+                    <a:p>
+                      <a:r>
+                        <a:rPr lang="en-US" dirty="0" smtClean="0">
+                          <a:latin typeface="+mn-lt"/>
+                        </a:rPr>
+                        <a:t>FAR: 0.00000</a:t>
                       </a:r>
                       <a:endParaRPr lang="en-US" dirty="0">
                         <a:latin typeface="+mn-lt"/>
@@ -5488,41 +5502,41 @@
                         <a:rPr lang="en-US" dirty="0" smtClean="0">
                           <a:latin typeface="+mn-lt"/>
                         </a:rPr>
-                        <a:t>FRR: 0.02409</a:t>
-                      </a:r>
-                    </a:p>
-                    <a:p>
-                      <a:r>
-                        <a:rPr lang="en-US" dirty="0" smtClean="0">
-                          <a:latin typeface="+mn-lt"/>
-                        </a:rPr>
-                        <a:t>FAR: 0.00172</a:t>
-                      </a:r>
-                      <a:endParaRPr lang="en-US" dirty="0">
-                        <a:latin typeface="+mn-lt"/>
-                      </a:endParaRPr>
-                    </a:p>
-                  </a:txBody>
-                  <a:tcPr/>
-                </a:tc>
-                <a:tc>
-                  <a:txBody>
-                    <a:bodyPr/>
-                    <a:lstStyle/>
-                    <a:p>
-                      <a:r>
-                        <a:rPr lang="en-US" dirty="0" smtClean="0">
-                          <a:latin typeface="+mn-lt"/>
-                        </a:rPr>
-                        <a:t>FRR: 0.02298</a:t>
-                      </a:r>
-                    </a:p>
-                    <a:p>
-                      <a:r>
-                        <a:rPr lang="en-US" dirty="0" smtClean="0">
-                          <a:latin typeface="+mn-lt"/>
-                        </a:rPr>
-                        <a:t>FAR: 0.021333</a:t>
+                        <a:t>FRR: 0.01606</a:t>
+                      </a:r>
+                    </a:p>
+                    <a:p>
+                      <a:r>
+                        <a:rPr lang="en-US" dirty="0" smtClean="0">
+                          <a:latin typeface="+mn-lt"/>
+                        </a:rPr>
+                        <a:t>FAR: 0.00086</a:t>
+                      </a:r>
+                      <a:endParaRPr lang="en-US" dirty="0">
+                        <a:latin typeface="+mn-lt"/>
+                      </a:endParaRPr>
+                    </a:p>
+                  </a:txBody>
+                  <a:tcPr/>
+                </a:tc>
+                <a:tc>
+                  <a:txBody>
+                    <a:bodyPr/>
+                    <a:lstStyle/>
+                    <a:p>
+                      <a:r>
+                        <a:rPr lang="en-US" dirty="0" smtClean="0">
+                          <a:latin typeface="+mn-lt"/>
+                        </a:rPr>
+                        <a:t>FRR: 0.00000</a:t>
+                      </a:r>
+                    </a:p>
+                    <a:p>
+                      <a:r>
+                        <a:rPr lang="en-US" dirty="0" smtClean="0">
+                          <a:latin typeface="+mn-lt"/>
+                        </a:rPr>
+                        <a:t>FAR: 0.00267</a:t>
                       </a:r>
                       <a:endParaRPr lang="en-US" dirty="0">
                         <a:latin typeface="+mn-lt"/>
@@ -5548,59 +5562,59 @@
                         <a:rPr lang="en-US" dirty="0" smtClean="0">
                           <a:latin typeface="+mn-lt"/>
                         </a:rPr>
-                        <a:t>FAR: 0.010025</a:t>
-                      </a:r>
-                      <a:endParaRPr lang="en-US" dirty="0">
-                        <a:latin typeface="+mn-lt"/>
-                      </a:endParaRPr>
-                    </a:p>
-                  </a:txBody>
-                  <a:tcPr/>
-                </a:tc>
-                <a:tc>
-                  <a:txBody>
-                    <a:bodyPr/>
-                    <a:lstStyle/>
-                    <a:p>
-                      <a:r>
-                        <a:rPr lang="en-US" dirty="0" smtClean="0">
-                          <a:latin typeface="+mn-lt"/>
-                        </a:rPr>
-                        <a:t>FRR: 0.0</a:t>
-                      </a:r>
-                    </a:p>
-                    <a:p>
-                      <a:r>
-                        <a:rPr lang="en-US" dirty="0" smtClean="0">
-                          <a:latin typeface="+mn-lt"/>
-                        </a:rPr>
-                        <a:t>FAR: 0.02195</a:t>
-                      </a:r>
-                      <a:endParaRPr lang="en-US" dirty="0">
-                        <a:latin typeface="+mn-lt"/>
-                      </a:endParaRPr>
-                    </a:p>
-                  </a:txBody>
-                  <a:tcPr/>
-                </a:tc>
-                <a:tc>
-                  <a:txBody>
-                    <a:bodyPr/>
-                    <a:lstStyle/>
-                    <a:p>
-                      <a:r>
-                        <a:rPr lang="en-US" dirty="0" smtClean="0">
-                          <a:latin typeface="+mn-lt"/>
-                        </a:rPr>
-                        <a:t>FRR: 0.00830</a:t>
-                      </a:r>
-                    </a:p>
-                    <a:p>
-                      <a:r>
-                        <a:rPr lang="en-US" dirty="0" smtClean="0">
-                          <a:latin typeface="+mn-lt"/>
-                        </a:rPr>
-                        <a:t>FAR: 0.00171</a:t>
+                        <a:t>FAR: 0.00251</a:t>
+                      </a:r>
+                      <a:endParaRPr lang="en-US" dirty="0">
+                        <a:latin typeface="+mn-lt"/>
+                      </a:endParaRPr>
+                    </a:p>
+                  </a:txBody>
+                  <a:tcPr/>
+                </a:tc>
+                <a:tc>
+                  <a:txBody>
+                    <a:bodyPr/>
+                    <a:lstStyle/>
+                    <a:p>
+                      <a:r>
+                        <a:rPr lang="en-US" dirty="0" smtClean="0">
+                          <a:latin typeface="+mn-lt"/>
+                        </a:rPr>
+                        <a:t>FRR: 0.00000</a:t>
+                      </a:r>
+                    </a:p>
+                    <a:p>
+                      <a:r>
+                        <a:rPr lang="en-US" dirty="0" smtClean="0">
+                          <a:latin typeface="+mn-lt"/>
+                        </a:rPr>
+                        <a:t>FAR: 0.00244</a:t>
+                      </a:r>
+                      <a:endParaRPr lang="en-US" dirty="0">
+                        <a:latin typeface="+mn-lt"/>
+                      </a:endParaRPr>
+                    </a:p>
+                  </a:txBody>
+                  <a:tcPr/>
+                </a:tc>
+                <a:tc>
+                  <a:txBody>
+                    <a:bodyPr/>
+                    <a:lstStyle/>
+                    <a:p>
+                      <a:r>
+                        <a:rPr lang="en-US" dirty="0" smtClean="0">
+                          <a:latin typeface="+mn-lt"/>
+                        </a:rPr>
+                        <a:t>FRR: 0.00000</a:t>
+                      </a:r>
+                    </a:p>
+                    <a:p>
+                      <a:r>
+                        <a:rPr lang="en-US" dirty="0" smtClean="0">
+                          <a:latin typeface="+mn-lt"/>
+                        </a:rPr>
+                        <a:t>FAR: 0.00000</a:t>
                       </a:r>
                       <a:endParaRPr lang="en-US" dirty="0">
                         <a:latin typeface="+mn-lt"/>
@@ -5649,119 +5663,119 @@
                         <a:rPr lang="en-US" dirty="0" smtClean="0">
                           <a:latin typeface="+mn-lt"/>
                         </a:rPr>
-                        <a:t>FRR: 0.02476</a:t>
-                      </a:r>
-                    </a:p>
-                    <a:p>
-                      <a:r>
-                        <a:rPr lang="en-US" dirty="0" smtClean="0">
-                          <a:latin typeface="+mn-lt"/>
-                        </a:rPr>
-                        <a:t>FAR: 0.00497</a:t>
-                      </a:r>
-                      <a:endParaRPr lang="en-US" dirty="0">
-                        <a:latin typeface="+mn-lt"/>
-                      </a:endParaRPr>
-                    </a:p>
-                  </a:txBody>
-                  <a:tcPr/>
-                </a:tc>
-                <a:tc>
-                  <a:txBody>
-                    <a:bodyPr/>
-                    <a:lstStyle/>
-                    <a:p>
-                      <a:r>
-                        <a:rPr lang="en-US" dirty="0" smtClean="0">
-                          <a:latin typeface="+mn-lt"/>
-                        </a:rPr>
-                        <a:t>FRR: 0.07786</a:t>
-                      </a:r>
-                    </a:p>
-                    <a:p>
-                      <a:r>
-                        <a:rPr lang="en-US" dirty="0" smtClean="0">
-                          <a:latin typeface="+mn-lt"/>
-                        </a:rPr>
-                        <a:t>FAR: 0.01560</a:t>
-                      </a:r>
-                      <a:endParaRPr lang="en-US" dirty="0">
-                        <a:latin typeface="+mn-lt"/>
-                      </a:endParaRPr>
-                    </a:p>
-                  </a:txBody>
-                  <a:tcPr/>
-                </a:tc>
-                <a:tc>
-                  <a:txBody>
-                    <a:bodyPr/>
-                    <a:lstStyle/>
-                    <a:p>
-                      <a:r>
-                        <a:rPr lang="en-US" dirty="0" smtClean="0">
-                          <a:latin typeface="+mn-lt"/>
-                        </a:rPr>
-                        <a:t>FRR: 0.03207</a:t>
-                      </a:r>
-                    </a:p>
-                    <a:p>
-                      <a:r>
-                        <a:rPr lang="en-US" dirty="0" smtClean="0">
-                          <a:latin typeface="+mn-lt"/>
-                        </a:rPr>
-                        <a:t>FAR: 0.00621</a:t>
-                      </a:r>
-                      <a:endParaRPr lang="en-US" dirty="0">
-                        <a:latin typeface="+mn-lt"/>
-                      </a:endParaRPr>
-                    </a:p>
-                  </a:txBody>
-                  <a:tcPr/>
-                </a:tc>
-                <a:tc>
-                  <a:txBody>
-                    <a:bodyPr/>
-                    <a:lstStyle/>
-                    <a:p>
-                      <a:r>
-                        <a:rPr lang="en-US" dirty="0" smtClean="0">
-                          <a:latin typeface="+mn-lt"/>
-                        </a:rPr>
-                        <a:t>FRR: 0.03050</a:t>
-                      </a:r>
-                    </a:p>
-                    <a:p>
-                      <a:r>
-                        <a:rPr lang="en-US" dirty="0" smtClean="0">
-                          <a:latin typeface="+mn-lt"/>
-                        </a:rPr>
-                        <a:t>FAR: 0.00549</a:t>
-                      </a:r>
-                      <a:endParaRPr lang="en-US" dirty="0">
-                        <a:latin typeface="+mn-lt"/>
-                      </a:endParaRPr>
-                    </a:p>
-                  </a:txBody>
-                  <a:tcPr/>
-                </a:tc>
-                <a:tc>
-                  <a:txBody>
-                    <a:bodyPr/>
-                    <a:lstStyle/>
-                    <a:p>
-                      <a:r>
-                        <a:rPr lang="en-US" dirty="0" smtClean="0">
-                          <a:latin typeface="+mn-lt"/>
-                        </a:rPr>
-                        <a:t>FRR: 0.01303</a:t>
-                      </a:r>
-                    </a:p>
-                    <a:p>
-                      <a:r>
-                        <a:rPr lang="en-US" dirty="0" smtClean="0">
-                          <a:latin typeface="+mn-lt"/>
-                        </a:rPr>
-                        <a:t>FAR: 0.00256</a:t>
+                        <a:t>FRR: 0.03612</a:t>
+                      </a:r>
+                    </a:p>
+                    <a:p>
+                      <a:r>
+                        <a:rPr lang="en-US" dirty="0" smtClean="0">
+                          <a:latin typeface="+mn-lt"/>
+                        </a:rPr>
+                        <a:t>FAR: 0.00723</a:t>
+                      </a:r>
+                      <a:endParaRPr lang="en-US" dirty="0">
+                        <a:latin typeface="+mn-lt"/>
+                      </a:endParaRPr>
+                    </a:p>
+                  </a:txBody>
+                  <a:tcPr/>
+                </a:tc>
+                <a:tc>
+                  <a:txBody>
+                    <a:bodyPr/>
+                    <a:lstStyle/>
+                    <a:p>
+                      <a:r>
+                        <a:rPr lang="en-US" dirty="0" smtClean="0">
+                          <a:latin typeface="+mn-lt"/>
+                        </a:rPr>
+                        <a:t>FRR: 0.05586</a:t>
+                      </a:r>
+                    </a:p>
+                    <a:p>
+                      <a:r>
+                        <a:rPr lang="en-US" dirty="0" smtClean="0">
+                          <a:latin typeface="+mn-lt"/>
+                        </a:rPr>
+                        <a:t>FAR: 0.01127</a:t>
+                      </a:r>
+                      <a:endParaRPr lang="en-US" dirty="0" smtClean="0">
+                        <a:latin typeface="+mn-lt"/>
+                      </a:endParaRPr>
+                    </a:p>
+                  </a:txBody>
+                  <a:tcPr/>
+                </a:tc>
+                <a:tc>
+                  <a:txBody>
+                    <a:bodyPr/>
+                    <a:lstStyle/>
+                    <a:p>
+                      <a:r>
+                        <a:rPr lang="en-US" dirty="0" smtClean="0">
+                          <a:latin typeface="+mn-lt"/>
+                        </a:rPr>
+                        <a:t>FRR: 0.00566</a:t>
+                      </a:r>
+                    </a:p>
+                    <a:p>
+                      <a:r>
+                        <a:rPr lang="en-US" dirty="0" smtClean="0">
+                          <a:latin typeface="+mn-lt"/>
+                        </a:rPr>
+                        <a:t>FAR: 0.00124</a:t>
+                      </a:r>
+                      <a:endParaRPr lang="en-US" dirty="0">
+                        <a:latin typeface="+mn-lt"/>
+                      </a:endParaRPr>
+                    </a:p>
+                  </a:txBody>
+                  <a:tcPr/>
+                </a:tc>
+                <a:tc>
+                  <a:txBody>
+                    <a:bodyPr/>
+                    <a:lstStyle/>
+                    <a:p>
+                      <a:r>
+                        <a:rPr lang="en-US" dirty="0" smtClean="0">
+                          <a:latin typeface="+mn-lt"/>
+                        </a:rPr>
+                        <a:t>FRR: 0.00396</a:t>
+                      </a:r>
+                    </a:p>
+                    <a:p>
+                      <a:r>
+                        <a:rPr lang="en-US" dirty="0" smtClean="0">
+                          <a:latin typeface="+mn-lt"/>
+                        </a:rPr>
+                        <a:t>FAR: 0.00078</a:t>
+                      </a:r>
+                      <a:endParaRPr lang="en-US" dirty="0">
+                        <a:latin typeface="+mn-lt"/>
+                      </a:endParaRPr>
+                    </a:p>
+                  </a:txBody>
+                  <a:tcPr/>
+                </a:tc>
+                <a:tc>
+                  <a:txBody>
+                    <a:bodyPr/>
+                    <a:lstStyle/>
+                    <a:p>
+                      <a:r>
+                        <a:rPr lang="en-US" dirty="0" smtClean="0">
+                          <a:latin typeface="+mn-lt"/>
+                        </a:rPr>
+                        <a:t>FRR: 0.00213</a:t>
+                      </a:r>
+                    </a:p>
+                    <a:p>
+                      <a:r>
+                        <a:rPr lang="en-US" dirty="0" smtClean="0">
+                          <a:latin typeface="+mn-lt"/>
+                        </a:rPr>
+                        <a:t>FAR: 0.00043</a:t>
                       </a:r>
                       <a:endParaRPr lang="en-US" dirty="0">
                         <a:latin typeface="+mn-lt"/>
@@ -10481,9 +10495,6 @@
                         </a:rPr>
                         <a:t>FAR: 0.07196</a:t>
                       </a:r>
-                      <a:endParaRPr lang="en-US" dirty="0" smtClean="0">
-                        <a:latin typeface="+mn-lt"/>
-                      </a:endParaRPr>
                     </a:p>
                   </a:txBody>
                   <a:tcPr/>

--- a/report SVM handcrafted and PCA/IDENTIFICATION.pptx
+++ b/report SVM handcrafted and PCA/IDENTIFICATION.pptx
@@ -260,7 +260,7 @@
           <a:p>
             <a:fld id="{553A844F-FF5C-934C-B225-48B8FD889570}" type="datetimeFigureOut">
               <a:rPr lang="en-US" smtClean="0"/>
-              <a:t>11/6/2017</a:t>
+              <a:t>11/11/2017</a:t>
             </a:fld>
             <a:endParaRPr lang="en-US"/>
           </a:p>
@@ -430,7 +430,7 @@
           <a:p>
             <a:fld id="{553A844F-FF5C-934C-B225-48B8FD889570}" type="datetimeFigureOut">
               <a:rPr lang="en-US" smtClean="0"/>
-              <a:t>11/6/2017</a:t>
+              <a:t>11/11/2017</a:t>
             </a:fld>
             <a:endParaRPr lang="en-US"/>
           </a:p>
@@ -610,7 +610,7 @@
           <a:p>
             <a:fld id="{553A844F-FF5C-934C-B225-48B8FD889570}" type="datetimeFigureOut">
               <a:rPr lang="en-US" smtClean="0"/>
-              <a:t>11/6/2017</a:t>
+              <a:t>11/11/2017</a:t>
             </a:fld>
             <a:endParaRPr lang="en-US"/>
           </a:p>
@@ -780,7 +780,7 @@
           <a:p>
             <a:fld id="{553A844F-FF5C-934C-B225-48B8FD889570}" type="datetimeFigureOut">
               <a:rPr lang="en-US" smtClean="0"/>
-              <a:t>11/6/2017</a:t>
+              <a:t>11/11/2017</a:t>
             </a:fld>
             <a:endParaRPr lang="en-US"/>
           </a:p>
@@ -1026,7 +1026,7 @@
           <a:p>
             <a:fld id="{553A844F-FF5C-934C-B225-48B8FD889570}" type="datetimeFigureOut">
               <a:rPr lang="en-US" smtClean="0"/>
-              <a:t>11/6/2017</a:t>
+              <a:t>11/11/2017</a:t>
             </a:fld>
             <a:endParaRPr lang="en-US"/>
           </a:p>
@@ -1258,7 +1258,7 @@
           <a:p>
             <a:fld id="{553A844F-FF5C-934C-B225-48B8FD889570}" type="datetimeFigureOut">
               <a:rPr lang="en-US" smtClean="0"/>
-              <a:t>11/6/2017</a:t>
+              <a:t>11/11/2017</a:t>
             </a:fld>
             <a:endParaRPr lang="en-US"/>
           </a:p>
@@ -1625,7 +1625,7 @@
           <a:p>
             <a:fld id="{553A844F-FF5C-934C-B225-48B8FD889570}" type="datetimeFigureOut">
               <a:rPr lang="en-US" smtClean="0"/>
-              <a:t>11/6/2017</a:t>
+              <a:t>11/11/2017</a:t>
             </a:fld>
             <a:endParaRPr lang="en-US"/>
           </a:p>
@@ -1743,7 +1743,7 @@
           <a:p>
             <a:fld id="{553A844F-FF5C-934C-B225-48B8FD889570}" type="datetimeFigureOut">
               <a:rPr lang="en-US" smtClean="0"/>
-              <a:t>11/6/2017</a:t>
+              <a:t>11/11/2017</a:t>
             </a:fld>
             <a:endParaRPr lang="en-US"/>
           </a:p>
@@ -1838,7 +1838,7 @@
           <a:p>
             <a:fld id="{553A844F-FF5C-934C-B225-48B8FD889570}" type="datetimeFigureOut">
               <a:rPr lang="en-US" smtClean="0"/>
-              <a:t>11/6/2017</a:t>
+              <a:t>11/11/2017</a:t>
             </a:fld>
             <a:endParaRPr lang="en-US"/>
           </a:p>
@@ -2115,7 +2115,7 @@
           <a:p>
             <a:fld id="{553A844F-FF5C-934C-B225-48B8FD889570}" type="datetimeFigureOut">
               <a:rPr lang="en-US" smtClean="0"/>
-              <a:t>11/6/2017</a:t>
+              <a:t>11/11/2017</a:t>
             </a:fld>
             <a:endParaRPr lang="en-US"/>
           </a:p>
@@ -2368,7 +2368,7 @@
           <a:p>
             <a:fld id="{553A844F-FF5C-934C-B225-48B8FD889570}" type="datetimeFigureOut">
               <a:rPr lang="en-US" smtClean="0"/>
-              <a:t>11/6/2017</a:t>
+              <a:t>11/11/2017</a:t>
             </a:fld>
             <a:endParaRPr lang="en-US"/>
           </a:p>
@@ -2581,7 +2581,7 @@
           <a:p>
             <a:fld id="{553A844F-FF5C-934C-B225-48B8FD889570}" type="datetimeFigureOut">
               <a:rPr lang="en-US" smtClean="0"/>
-              <a:t>11/6/2017</a:t>
+              <a:t>11/11/2017</a:t>
             </a:fld>
             <a:endParaRPr lang="en-US"/>
           </a:p>
@@ -3076,7 +3076,7 @@
           <p:nvPr>
             <p:extLst>
               <p:ext uri="{D42A27DB-BD31-4B8C-83A1-F6EECF244321}">
-                <p14:modId xmlns:p14="http://schemas.microsoft.com/office/powerpoint/2010/main" val="3473387843"/>
+                <p14:modId xmlns:p14="http://schemas.microsoft.com/office/powerpoint/2010/main" val="1192012182"/>
               </p:ext>
             </p:extLst>
           </p:nvPr>
@@ -3095,42 +3095,42 @@
                 <a:gridCol w="2631776">
                   <a:extLst>
                     <a:ext uri="{9D8B030D-6E8A-4147-A177-3AD203B41FA5}">
-                      <a16:colId xmlns:a16="http://schemas.microsoft.com/office/drawing/2014/main" val="20000"/>
+                      <a16:colId xmlns:a16="http://schemas.microsoft.com/office/drawing/2014/main" xmlns="" val="20000"/>
                     </a:ext>
                   </a:extLst>
                 </a:gridCol>
                 <a:gridCol w="1680247">
                   <a:extLst>
                     <a:ext uri="{9D8B030D-6E8A-4147-A177-3AD203B41FA5}">
-                      <a16:colId xmlns:a16="http://schemas.microsoft.com/office/drawing/2014/main" val="20001"/>
+                      <a16:colId xmlns:a16="http://schemas.microsoft.com/office/drawing/2014/main" xmlns="" val="20001"/>
                     </a:ext>
                   </a:extLst>
                 </a:gridCol>
                 <a:gridCol w="1685365">
                   <a:extLst>
                     <a:ext uri="{9D8B030D-6E8A-4147-A177-3AD203B41FA5}">
-                      <a16:colId xmlns:a16="http://schemas.microsoft.com/office/drawing/2014/main" val="20002"/>
+                      <a16:colId xmlns:a16="http://schemas.microsoft.com/office/drawing/2014/main" xmlns="" val="20002"/>
                     </a:ext>
                   </a:extLst>
                 </a:gridCol>
                 <a:gridCol w="1748118">
                   <a:extLst>
                     <a:ext uri="{9D8B030D-6E8A-4147-A177-3AD203B41FA5}">
-                      <a16:colId xmlns:a16="http://schemas.microsoft.com/office/drawing/2014/main" val="20003"/>
+                      <a16:colId xmlns:a16="http://schemas.microsoft.com/office/drawing/2014/main" xmlns="" val="20003"/>
                     </a:ext>
                   </a:extLst>
                 </a:gridCol>
                 <a:gridCol w="1550894">
                   <a:extLst>
                     <a:ext uri="{9D8B030D-6E8A-4147-A177-3AD203B41FA5}">
-                      <a16:colId xmlns:a16="http://schemas.microsoft.com/office/drawing/2014/main" val="20004"/>
+                      <a16:colId xmlns:a16="http://schemas.microsoft.com/office/drawing/2014/main" xmlns="" val="20004"/>
                     </a:ext>
                   </a:extLst>
                 </a:gridCol>
                 <a:gridCol w="1712258">
                   <a:extLst>
                     <a:ext uri="{9D8B030D-6E8A-4147-A177-3AD203B41FA5}">
-                      <a16:colId xmlns:a16="http://schemas.microsoft.com/office/drawing/2014/main" val="20005"/>
+                      <a16:colId xmlns:a16="http://schemas.microsoft.com/office/drawing/2014/main" xmlns="" val="20005"/>
                     </a:ext>
                   </a:extLst>
                 </a:gridCol>
@@ -3255,7 +3255,7 @@
                 </a:tc>
                 <a:extLst>
                   <a:ext uri="{0D108BD9-81ED-4DB2-BD59-A6C34878D82A}">
-                    <a16:rowId xmlns:a16="http://schemas.microsoft.com/office/drawing/2014/main" val="10000"/>
+                    <a16:rowId xmlns:a16="http://schemas.microsoft.com/office/drawing/2014/main" xmlns="" val="10000"/>
                   </a:ext>
                 </a:extLst>
               </a:tr>
@@ -3287,33 +3287,33 @@
                         <a:rPr lang="en-US" dirty="0" smtClean="0">
                           <a:latin typeface="+mn-lt"/>
                         </a:rPr>
-                        <a:t>FRR: 0.00446</a:t>
-                      </a:r>
-                    </a:p>
-                    <a:p>
-                      <a:r>
-                        <a:rPr lang="en-US" dirty="0" smtClean="0">
-                          <a:latin typeface="+mn-lt"/>
-                        </a:rPr>
-                        <a:t>FAR: 0.00506</a:t>
-                      </a:r>
-                      <a:endParaRPr lang="en-US" dirty="0">
-                        <a:latin typeface="+mn-lt"/>
-                      </a:endParaRPr>
-                    </a:p>
-                  </a:txBody>
-                  <a:tcPr/>
-                </a:tc>
-                <a:tc>
-                  <a:txBody>
-                    <a:bodyPr/>
-                    <a:lstStyle/>
-                    <a:p>
-                      <a:r>
-                        <a:rPr lang="en-US" dirty="0" smtClean="0">
-                          <a:latin typeface="+mn-lt"/>
-                        </a:rPr>
-                        <a:t>FRR: 0.02632</a:t>
+                        <a:t>FRR: 0.00892</a:t>
+                      </a:r>
+                    </a:p>
+                    <a:p>
+                      <a:r>
+                        <a:rPr lang="en-US" dirty="0" smtClean="0">
+                          <a:latin typeface="+mn-lt"/>
+                        </a:rPr>
+                        <a:t>FAR: 0.00337</a:t>
+                      </a:r>
+                      <a:endParaRPr lang="en-US" dirty="0">
+                        <a:latin typeface="+mn-lt"/>
+                      </a:endParaRPr>
+                    </a:p>
+                  </a:txBody>
+                  <a:tcPr/>
+                </a:tc>
+                <a:tc>
+                  <a:txBody>
+                    <a:bodyPr/>
+                    <a:lstStyle/>
+                    <a:p>
+                      <a:r>
+                        <a:rPr lang="en-US" dirty="0" smtClean="0">
+                          <a:latin typeface="+mn-lt"/>
+                        </a:rPr>
+                        <a:t>FRR: 0.10526</a:t>
                       </a:r>
                     </a:p>
                     <a:p>
@@ -3339,33 +3339,59 @@
                         <a:rPr lang="en-US" dirty="0" smtClean="0">
                           <a:latin typeface="+mn-lt"/>
                         </a:rPr>
-                        <a:t>FRR: 0.00000</a:t>
-                      </a:r>
-                    </a:p>
-                    <a:p>
-                      <a:r>
-                        <a:rPr lang="en-US" dirty="0" smtClean="0">
-                          <a:latin typeface="+mn-lt"/>
-                        </a:rPr>
-                        <a:t>FAR: 0.00234</a:t>
-                      </a:r>
-                      <a:endParaRPr lang="en-US" dirty="0">
-                        <a:latin typeface="+mn-lt"/>
-                      </a:endParaRPr>
-                    </a:p>
-                  </a:txBody>
-                  <a:tcPr/>
-                </a:tc>
-                <a:tc>
-                  <a:txBody>
-                    <a:bodyPr/>
-                    <a:lstStyle/>
-                    <a:p>
-                      <a:r>
-                        <a:rPr lang="en-US" dirty="0" smtClean="0">
-                          <a:latin typeface="+mn-lt"/>
-                        </a:rPr>
-                        <a:t>FRR: 0.00000</a:t>
+                        <a:t>FRR: 0.03278</a:t>
+                      </a:r>
+                    </a:p>
+                    <a:p>
+                      <a:r>
+                        <a:rPr lang="en-US" dirty="0" smtClean="0">
+                          <a:latin typeface="+mn-lt"/>
+                        </a:rPr>
+                        <a:t>FAR: 0.0</a:t>
+                      </a:r>
+                      <a:endParaRPr lang="en-US" dirty="0">
+                        <a:latin typeface="+mn-lt"/>
+                      </a:endParaRPr>
+                    </a:p>
+                  </a:txBody>
+                  <a:tcPr/>
+                </a:tc>
+                <a:tc>
+                  <a:txBody>
+                    <a:bodyPr/>
+                    <a:lstStyle/>
+                    <a:p>
+                      <a:r>
+                        <a:rPr lang="en-US" dirty="0" smtClean="0">
+                          <a:latin typeface="+mn-lt"/>
+                        </a:rPr>
+                        <a:t>FRR: 0.0</a:t>
+                      </a:r>
+                    </a:p>
+                    <a:p>
+                      <a:r>
+                        <a:rPr lang="en-US" dirty="0" smtClean="0">
+                          <a:latin typeface="+mn-lt"/>
+                        </a:rPr>
+                        <a:t>FAR: 0.0</a:t>
+                      </a:r>
+                      <a:endParaRPr lang="en-US" dirty="0">
+                        <a:latin typeface="+mn-lt"/>
+                      </a:endParaRPr>
+                    </a:p>
+                  </a:txBody>
+                  <a:tcPr/>
+                </a:tc>
+                <a:tc>
+                  <a:txBody>
+                    <a:bodyPr/>
+                    <a:lstStyle/>
+                    <a:p>
+                      <a:r>
+                        <a:rPr lang="en-US" dirty="0" smtClean="0">
+                          <a:latin typeface="+mn-lt"/>
+                        </a:rPr>
+                        <a:t>FRR: 0.00901</a:t>
                       </a:r>
                     </a:p>
                     <a:p>
@@ -3375,33 +3401,7 @@
                         </a:rPr>
                         <a:t>FAR: 0.00000</a:t>
                       </a:r>
-                      <a:endParaRPr lang="en-US" dirty="0" smtClean="0">
-                        <a:latin typeface="+mn-lt"/>
-                      </a:endParaRPr>
-                    </a:p>
-                  </a:txBody>
-                  <a:tcPr/>
-                </a:tc>
-                <a:tc>
-                  <a:txBody>
-                    <a:bodyPr/>
-                    <a:lstStyle/>
-                    <a:p>
-                      <a:r>
-                        <a:rPr lang="en-US" dirty="0" smtClean="0">
-                          <a:latin typeface="+mn-lt"/>
-                        </a:rPr>
-                        <a:t>FRR: 0.00000</a:t>
-                      </a:r>
-                    </a:p>
-                    <a:p>
-                      <a:r>
-                        <a:rPr lang="en-US" dirty="0" smtClean="0">
-                          <a:latin typeface="+mn-lt"/>
-                        </a:rPr>
-                        <a:t>FAR: 0.00000</a:t>
-                      </a:r>
-                      <a:endParaRPr lang="en-US" dirty="0" smtClean="0">
+                      <a:endParaRPr lang="en-US" dirty="0">
                         <a:latin typeface="+mn-lt"/>
                       </a:endParaRPr>
                     </a:p>
@@ -3410,7 +3410,7 @@
                 </a:tc>
                 <a:extLst>
                   <a:ext uri="{0D108BD9-81ED-4DB2-BD59-A6C34878D82A}">
-                    <a16:rowId xmlns:a16="http://schemas.microsoft.com/office/drawing/2014/main" val="10001"/>
+                    <a16:rowId xmlns:a16="http://schemas.microsoft.com/office/drawing/2014/main" xmlns="" val="10001"/>
                   </a:ext>
                 </a:extLst>
               </a:tr>
@@ -3442,41 +3442,41 @@
                         <a:rPr lang="en-US" dirty="0" smtClean="0">
                           <a:latin typeface="+mn-lt"/>
                         </a:rPr>
-                        <a:t>FRR: 0.01688</a:t>
-                      </a:r>
-                    </a:p>
-                    <a:p>
-                      <a:r>
-                        <a:rPr lang="en-US" dirty="0" smtClean="0">
-                          <a:latin typeface="+mn-lt"/>
-                        </a:rPr>
-                        <a:t>FAR: 0.00512</a:t>
-                      </a:r>
-                      <a:endParaRPr lang="en-US" dirty="0">
-                        <a:latin typeface="+mn-lt"/>
-                      </a:endParaRPr>
-                    </a:p>
-                  </a:txBody>
-                  <a:tcPr/>
-                </a:tc>
-                <a:tc>
-                  <a:txBody>
-                    <a:bodyPr/>
-                    <a:lstStyle/>
-                    <a:p>
-                      <a:r>
-                        <a:rPr lang="en-US" dirty="0" smtClean="0">
-                          <a:latin typeface="+mn-lt"/>
-                        </a:rPr>
-                        <a:t>FRR: 0.04651</a:t>
-                      </a:r>
-                    </a:p>
-                    <a:p>
-                      <a:r>
-                        <a:rPr lang="en-US" dirty="0" smtClean="0">
-                          <a:latin typeface="+mn-lt"/>
-                        </a:rPr>
-                        <a:t>FAR: 0.01064</a:t>
+                        <a:t>FRR: 0.01265</a:t>
+                      </a:r>
+                    </a:p>
+                    <a:p>
+                      <a:r>
+                        <a:rPr lang="en-US" dirty="0" smtClean="0">
+                          <a:latin typeface="+mn-lt"/>
+                        </a:rPr>
+                        <a:t>FAR: 0.00170</a:t>
+                      </a:r>
+                      <a:endParaRPr lang="en-US" dirty="0">
+                        <a:latin typeface="+mn-lt"/>
+                      </a:endParaRPr>
+                    </a:p>
+                  </a:txBody>
+                  <a:tcPr/>
+                </a:tc>
+                <a:tc>
+                  <a:txBody>
+                    <a:bodyPr/>
+                    <a:lstStyle/>
+                    <a:p>
+                      <a:r>
+                        <a:rPr lang="en-US" dirty="0" smtClean="0">
+                          <a:latin typeface="+mn-lt"/>
+                        </a:rPr>
+                        <a:t>FRR: 0.09302</a:t>
+                      </a:r>
+                    </a:p>
+                    <a:p>
+                      <a:r>
+                        <a:rPr lang="en-US" dirty="0" smtClean="0">
+                          <a:latin typeface="+mn-lt"/>
+                        </a:rPr>
+                        <a:t>FAR: 0.00531</a:t>
                       </a:r>
                       <a:endParaRPr lang="en-US" dirty="0">
                         <a:latin typeface="+mn-lt"/>
@@ -3511,9 +3511,551 @@
                         <a:rPr lang="en-US" dirty="0" smtClean="0">
                           <a:latin typeface="+mn-lt"/>
                         </a:rPr>
-                        <a:t>FRR: 0.00000</a:t>
-                      </a:r>
-                    </a:p>
+                        <a:t>FRR: 0.0</a:t>
+                      </a:r>
+                    </a:p>
+                    <a:p>
+                      <a:r>
+                        <a:rPr lang="en-US" dirty="0" smtClean="0">
+                          <a:latin typeface="+mn-lt"/>
+                        </a:rPr>
+                        <a:t>FAR: 0.00253</a:t>
+                      </a:r>
+                      <a:endParaRPr lang="en-US" dirty="0">
+                        <a:latin typeface="+mn-lt"/>
+                      </a:endParaRPr>
+                    </a:p>
+                  </a:txBody>
+                  <a:tcPr/>
+                </a:tc>
+                <a:tc>
+                  <a:txBody>
+                    <a:bodyPr/>
+                    <a:lstStyle/>
+                    <a:p>
+                      <a:r>
+                        <a:rPr lang="en-US" dirty="0" smtClean="0">
+                          <a:latin typeface="+mn-lt"/>
+                        </a:rPr>
+                        <a:t>FRR: 0.01041</a:t>
+                      </a:r>
+                    </a:p>
+                    <a:p>
+                      <a:r>
+                        <a:rPr lang="en-US" dirty="0" smtClean="0">
+                          <a:latin typeface="+mn-lt"/>
+                        </a:rPr>
+                        <a:t>FAR: 0.00455</a:t>
+                      </a:r>
+                      <a:endParaRPr lang="en-US" dirty="0">
+                        <a:latin typeface="+mn-lt"/>
+                      </a:endParaRPr>
+                    </a:p>
+                  </a:txBody>
+                  <a:tcPr/>
+                </a:tc>
+                <a:tc>
+                  <a:txBody>
+                    <a:bodyPr/>
+                    <a:lstStyle/>
+                    <a:p>
+                      <a:r>
+                        <a:rPr lang="en-US" dirty="0" smtClean="0">
+                          <a:latin typeface="+mn-lt"/>
+                        </a:rPr>
+                        <a:t>FRR: 0.01277</a:t>
+                      </a:r>
+                    </a:p>
+                    <a:p>
+                      <a:r>
+                        <a:rPr lang="en-US" dirty="0" smtClean="0">
+                          <a:latin typeface="+mn-lt"/>
+                        </a:rPr>
+                        <a:t>FAR: 0.00255</a:t>
+                      </a:r>
+                      <a:endParaRPr lang="en-US" dirty="0">
+                        <a:latin typeface="+mn-lt"/>
+                      </a:endParaRPr>
+                    </a:p>
+                  </a:txBody>
+                  <a:tcPr/>
+                </a:tc>
+                <a:extLst>
+                  <a:ext uri="{0D108BD9-81ED-4DB2-BD59-A6C34878D82A}">
+                    <a16:rowId xmlns:a16="http://schemas.microsoft.com/office/drawing/2014/main" xmlns="" val="10002"/>
+                  </a:ext>
+                </a:extLst>
+              </a:tr>
+              <a:tr h="370840">
+                <a:tc>
+                  <a:txBody>
+                    <a:bodyPr/>
+                    <a:lstStyle/>
+                    <a:p>
+                      <a:r>
+                        <a:rPr lang="en-US" dirty="0" smtClean="0">
+                          <a:latin typeface="+mn-lt"/>
+                        </a:rPr>
+                        <a:t>User 3</a:t>
+                      </a:r>
+                      <a:endParaRPr lang="en-US" dirty="0">
+                        <a:latin typeface="+mn-lt"/>
+                      </a:endParaRPr>
+                    </a:p>
+                  </a:txBody>
+                  <a:tcPr/>
+                </a:tc>
+                <a:tc>
+                  <a:txBody>
+                    <a:bodyPr/>
+                    <a:lstStyle/>
+                    <a:p>
+                      <a:r>
+                        <a:rPr lang="en-US" dirty="0" smtClean="0">
+                          <a:latin typeface="+mn-lt"/>
+                        </a:rPr>
+                        <a:t>FRR: 0.02857</a:t>
+                      </a:r>
+                    </a:p>
+                    <a:p>
+                      <a:r>
+                        <a:rPr lang="en-US" dirty="0" smtClean="0">
+                          <a:latin typeface="+mn-lt"/>
+                        </a:rPr>
+                        <a:t>FAR: 0.00601</a:t>
+                      </a:r>
+                      <a:endParaRPr lang="en-US" dirty="0">
+                        <a:latin typeface="+mn-lt"/>
+                      </a:endParaRPr>
+                    </a:p>
+                  </a:txBody>
+                  <a:tcPr/>
+                </a:tc>
+                <a:tc>
+                  <a:txBody>
+                    <a:bodyPr/>
+                    <a:lstStyle/>
+                    <a:p>
+                      <a:r>
+                        <a:rPr lang="en-US" dirty="0" smtClean="0">
+                          <a:latin typeface="+mn-lt"/>
+                        </a:rPr>
+                        <a:t>FRR: 0.10666</a:t>
+                      </a:r>
+                    </a:p>
+                    <a:p>
+                      <a:r>
+                        <a:rPr lang="en-US" dirty="0" smtClean="0">
+                          <a:latin typeface="+mn-lt"/>
+                        </a:rPr>
+                        <a:t>FAR: 0.01808</a:t>
+                      </a:r>
+                      <a:endParaRPr lang="en-US" dirty="0">
+                        <a:latin typeface="+mn-lt"/>
+                      </a:endParaRPr>
+                    </a:p>
+                  </a:txBody>
+                  <a:tcPr/>
+                </a:tc>
+                <a:tc>
+                  <a:txBody>
+                    <a:bodyPr/>
+                    <a:lstStyle/>
+                    <a:p>
+                      <a:r>
+                        <a:rPr lang="en-US" dirty="0" smtClean="0">
+                          <a:latin typeface="+mn-lt"/>
+                        </a:rPr>
+                        <a:t>FRR: 0.01162</a:t>
+                      </a:r>
+                    </a:p>
+                    <a:p>
+                      <a:r>
+                        <a:rPr lang="en-US" dirty="0" smtClean="0">
+                          <a:latin typeface="+mn-lt"/>
+                        </a:rPr>
+                        <a:t>FAR: 0.0</a:t>
+                      </a:r>
+                      <a:endParaRPr lang="en-US" dirty="0">
+                        <a:latin typeface="+mn-lt"/>
+                      </a:endParaRPr>
+                    </a:p>
+                  </a:txBody>
+                  <a:tcPr/>
+                </a:tc>
+                <a:tc>
+                  <a:txBody>
+                    <a:bodyPr/>
+                    <a:lstStyle/>
+                    <a:p>
+                      <a:r>
+                        <a:rPr lang="en-US" dirty="0" smtClean="0">
+                          <a:latin typeface="+mn-lt"/>
+                        </a:rPr>
+                        <a:t>FRR: 0.09210</a:t>
+                      </a:r>
+                    </a:p>
+                    <a:p>
+                      <a:r>
+                        <a:rPr lang="en-US" dirty="0" smtClean="0">
+                          <a:latin typeface="+mn-lt"/>
+                        </a:rPr>
+                        <a:t>FAR: 0.00435</a:t>
+                      </a:r>
+                      <a:endParaRPr lang="en-US" dirty="0">
+                        <a:latin typeface="+mn-lt"/>
+                      </a:endParaRPr>
+                    </a:p>
+                  </a:txBody>
+                  <a:tcPr/>
+                </a:tc>
+                <a:tc>
+                  <a:txBody>
+                    <a:bodyPr/>
+                    <a:lstStyle/>
+                    <a:p>
+                      <a:r>
+                        <a:rPr lang="en-US" dirty="0" smtClean="0">
+                          <a:latin typeface="+mn-lt"/>
+                        </a:rPr>
+                        <a:t>FRR: 0.00407</a:t>
+                      </a:r>
+                    </a:p>
+                    <a:p>
+                      <a:r>
+                        <a:rPr lang="en-US" dirty="0" smtClean="0">
+                          <a:latin typeface="+mn-lt"/>
+                        </a:rPr>
+                        <a:t>FAR: 0.00600</a:t>
+                      </a:r>
+                      <a:endParaRPr lang="en-US" dirty="0">
+                        <a:latin typeface="+mn-lt"/>
+                      </a:endParaRPr>
+                    </a:p>
+                  </a:txBody>
+                  <a:tcPr/>
+                </a:tc>
+                <a:extLst>
+                  <a:ext uri="{0D108BD9-81ED-4DB2-BD59-A6C34878D82A}">
+                    <a16:rowId xmlns:a16="http://schemas.microsoft.com/office/drawing/2014/main" xmlns="" val="10003"/>
+                  </a:ext>
+                </a:extLst>
+              </a:tr>
+              <a:tr h="370840">
+                <a:tc>
+                  <a:txBody>
+                    <a:bodyPr/>
+                    <a:lstStyle/>
+                    <a:p>
+                      <a:r>
+                        <a:rPr lang="en-US" dirty="0" smtClean="0">
+                          <a:latin typeface="+mn-lt"/>
+                        </a:rPr>
+                        <a:t>User 4</a:t>
+                      </a:r>
+                      <a:endParaRPr lang="en-US" dirty="0">
+                        <a:latin typeface="+mn-lt"/>
+                      </a:endParaRPr>
+                    </a:p>
+                  </a:txBody>
+                  <a:tcPr/>
+                </a:tc>
+                <a:tc>
+                  <a:txBody>
+                    <a:bodyPr/>
+                    <a:lstStyle/>
+                    <a:p>
+                      <a:r>
+                        <a:rPr lang="en-US" dirty="0" smtClean="0">
+                          <a:latin typeface="+mn-lt"/>
+                        </a:rPr>
+                        <a:t>FRR: 0.01746</a:t>
+                      </a:r>
+                    </a:p>
+                    <a:p>
+                      <a:r>
+                        <a:rPr lang="en-US" dirty="0" smtClean="0">
+                          <a:latin typeface="+mn-lt"/>
+                        </a:rPr>
+                        <a:t>FAR: 0.00508</a:t>
+                      </a:r>
+                      <a:endParaRPr lang="en-US" dirty="0">
+                        <a:latin typeface="+mn-lt"/>
+                      </a:endParaRPr>
+                    </a:p>
+                  </a:txBody>
+                  <a:tcPr/>
+                </a:tc>
+                <a:tc>
+                  <a:txBody>
+                    <a:bodyPr/>
+                    <a:lstStyle/>
+                    <a:p>
+                      <a:r>
+                        <a:rPr lang="en-US" dirty="0" smtClean="0">
+                          <a:latin typeface="+mn-lt"/>
+                        </a:rPr>
+                        <a:t>FRR: 0.02816</a:t>
+                      </a:r>
+                    </a:p>
+                    <a:p>
+                      <a:r>
+                        <a:rPr lang="en-US" dirty="0" smtClean="0">
+                          <a:latin typeface="+mn-lt"/>
+                        </a:rPr>
+                        <a:t>FAR: 0.00767</a:t>
+                      </a:r>
+                      <a:endParaRPr lang="en-US" dirty="0">
+                        <a:latin typeface="+mn-lt"/>
+                      </a:endParaRPr>
+                    </a:p>
+                  </a:txBody>
+                  <a:tcPr/>
+                </a:tc>
+                <a:tc>
+                  <a:txBody>
+                    <a:bodyPr/>
+                    <a:lstStyle/>
+                    <a:p>
+                      <a:r>
+                        <a:rPr lang="en-US" dirty="0" smtClean="0">
+                          <a:latin typeface="+mn-lt"/>
+                        </a:rPr>
+                        <a:t>FRR: 0.03529</a:t>
+                      </a:r>
+                    </a:p>
+                    <a:p>
+                      <a:r>
+                        <a:rPr lang="en-US" dirty="0" smtClean="0">
+                          <a:latin typeface="+mn-lt"/>
+                        </a:rPr>
+                        <a:t>FAR:  0.00742</a:t>
+                      </a:r>
+                      <a:endParaRPr lang="en-US" dirty="0">
+                        <a:latin typeface="+mn-lt"/>
+                      </a:endParaRPr>
+                    </a:p>
+                  </a:txBody>
+                  <a:tcPr/>
+                </a:tc>
+                <a:tc>
+                  <a:txBody>
+                    <a:bodyPr/>
+                    <a:lstStyle/>
+                    <a:p>
+                      <a:r>
+                        <a:rPr lang="en-US" dirty="0" smtClean="0">
+                          <a:latin typeface="+mn-lt"/>
+                        </a:rPr>
+                        <a:t>FRR: 0.01123</a:t>
+                      </a:r>
+                    </a:p>
+                    <a:p>
+                      <a:r>
+                        <a:rPr lang="en-US" dirty="0" smtClean="0">
+                          <a:latin typeface="+mn-lt"/>
+                        </a:rPr>
+                        <a:t>FAR: 0.0</a:t>
+                      </a:r>
+                      <a:endParaRPr lang="en-US" dirty="0">
+                        <a:latin typeface="+mn-lt"/>
+                      </a:endParaRPr>
+                    </a:p>
+                  </a:txBody>
+                  <a:tcPr/>
+                </a:tc>
+                <a:tc>
+                  <a:txBody>
+                    <a:bodyPr/>
+                    <a:lstStyle/>
+                    <a:p>
+                      <a:r>
+                        <a:rPr lang="en-US" dirty="0" smtClean="0">
+                          <a:latin typeface="+mn-lt"/>
+                        </a:rPr>
+                        <a:t>FRR: 0.00408</a:t>
+                      </a:r>
+                    </a:p>
+                    <a:p>
+                      <a:r>
+                        <a:rPr lang="en-US" dirty="0" smtClean="0">
+                          <a:latin typeface="+mn-lt"/>
+                        </a:rPr>
+                        <a:t>FAR: 0.00000</a:t>
+                      </a:r>
+                      <a:endParaRPr lang="en-US" dirty="0">
+                        <a:latin typeface="+mn-lt"/>
+                      </a:endParaRPr>
+                    </a:p>
+                  </a:txBody>
+                  <a:tcPr/>
+                </a:tc>
+                <a:extLst>
+                  <a:ext uri="{0D108BD9-81ED-4DB2-BD59-A6C34878D82A}">
+                    <a16:rowId xmlns:a16="http://schemas.microsoft.com/office/drawing/2014/main" xmlns="" val="10004"/>
+                  </a:ext>
+                </a:extLst>
+              </a:tr>
+              <a:tr h="370840">
+                <a:tc>
+                  <a:txBody>
+                    <a:bodyPr/>
+                    <a:lstStyle/>
+                    <a:p>
+                      <a:r>
+                        <a:rPr lang="en-US" dirty="0" smtClean="0">
+                          <a:latin typeface="+mn-lt"/>
+                        </a:rPr>
+                        <a:t>User 5</a:t>
+                      </a:r>
+                      <a:endParaRPr lang="en-US" dirty="0">
+                        <a:latin typeface="+mn-lt"/>
+                      </a:endParaRPr>
+                    </a:p>
+                  </a:txBody>
+                  <a:tcPr/>
+                </a:tc>
+                <a:tc>
+                  <a:txBody>
+                    <a:bodyPr/>
+                    <a:lstStyle/>
+                    <a:p>
+                      <a:r>
+                        <a:rPr lang="en-US" dirty="0" smtClean="0">
+                          <a:latin typeface="+mn-lt"/>
+                        </a:rPr>
+                        <a:t>FRR: 0.01333</a:t>
+                      </a:r>
+                    </a:p>
+                    <a:p>
+                      <a:r>
+                        <a:rPr lang="en-US" dirty="0" smtClean="0">
+                          <a:latin typeface="+mn-lt"/>
+                        </a:rPr>
+                        <a:t>FAR: 0.00337</a:t>
+                      </a:r>
+                      <a:endParaRPr lang="en-US" dirty="0">
+                        <a:latin typeface="+mn-lt"/>
+                      </a:endParaRPr>
+                    </a:p>
+                  </a:txBody>
+                  <a:tcPr/>
+                </a:tc>
+                <a:tc>
+                  <a:txBody>
+                    <a:bodyPr/>
+                    <a:lstStyle/>
+                    <a:p>
+                      <a:r>
+                        <a:rPr lang="en-US" dirty="0" smtClean="0">
+                          <a:latin typeface="+mn-lt"/>
+                        </a:rPr>
+                        <a:t>FRR: 0.0</a:t>
+                      </a:r>
+                    </a:p>
+                    <a:p>
+                      <a:r>
+                        <a:rPr lang="en-US" dirty="0" smtClean="0">
+                          <a:latin typeface="+mn-lt"/>
+                        </a:rPr>
+                        <a:t>FAR: 0.01265</a:t>
+                      </a:r>
+                      <a:endParaRPr lang="en-US" dirty="0">
+                        <a:latin typeface="+mn-lt"/>
+                      </a:endParaRPr>
+                    </a:p>
+                  </a:txBody>
+                  <a:tcPr/>
+                </a:tc>
+                <a:tc>
+                  <a:txBody>
+                    <a:bodyPr/>
+                    <a:lstStyle/>
+                    <a:p>
+                      <a:r>
+                        <a:rPr lang="en-US" dirty="0" smtClean="0">
+                          <a:latin typeface="+mn-lt"/>
+                        </a:rPr>
+                        <a:t>FRR: 0.04166</a:t>
+                      </a:r>
+                    </a:p>
+                    <a:p>
+                      <a:r>
+                        <a:rPr lang="en-US" dirty="0" smtClean="0">
+                          <a:latin typeface="+mn-lt"/>
+                        </a:rPr>
+                        <a:t>FAR: 0.0</a:t>
+                      </a:r>
+                      <a:endParaRPr lang="en-US" dirty="0">
+                        <a:latin typeface="+mn-lt"/>
+                      </a:endParaRPr>
+                    </a:p>
+                  </a:txBody>
+                  <a:tcPr/>
+                </a:tc>
+                <a:tc>
+                  <a:txBody>
+                    <a:bodyPr/>
+                    <a:lstStyle/>
+                    <a:p>
+                      <a:r>
+                        <a:rPr lang="en-US" dirty="0" smtClean="0">
+                          <a:latin typeface="+mn-lt"/>
+                        </a:rPr>
+                        <a:t>FRR: 0.05797</a:t>
+                      </a:r>
+                    </a:p>
+                    <a:p>
+                      <a:r>
+                        <a:rPr lang="en-US" dirty="0" smtClean="0">
+                          <a:latin typeface="+mn-lt"/>
+                        </a:rPr>
+                        <a:t>FAR: 0.01072</a:t>
+                      </a:r>
+                      <a:endParaRPr lang="en-US" dirty="0">
+                        <a:latin typeface="+mn-lt"/>
+                      </a:endParaRPr>
+                    </a:p>
+                  </a:txBody>
+                  <a:tcPr/>
+                </a:tc>
+                <a:tc>
+                  <a:txBody>
+                    <a:bodyPr/>
+                    <a:lstStyle/>
+                    <a:p>
+                      <a:r>
+                        <a:rPr lang="en-US" dirty="0" smtClean="0">
+                          <a:latin typeface="+mn-lt"/>
+                        </a:rPr>
+                        <a:t>FRR: 0.03587</a:t>
+                      </a:r>
+                    </a:p>
+                    <a:p>
+                      <a:r>
+                        <a:rPr lang="en-US" dirty="0" smtClean="0">
+                          <a:latin typeface="+mn-lt"/>
+                        </a:rPr>
+                        <a:t>FAR: 0.00252</a:t>
+                      </a:r>
+                      <a:endParaRPr lang="en-US" dirty="0">
+                        <a:latin typeface="+mn-lt"/>
+                      </a:endParaRPr>
+                    </a:p>
+                  </a:txBody>
+                  <a:tcPr/>
+                </a:tc>
+                <a:extLst>
+                  <a:ext uri="{0D108BD9-81ED-4DB2-BD59-A6C34878D82A}">
+                    <a16:rowId xmlns:a16="http://schemas.microsoft.com/office/drawing/2014/main" xmlns="" val="10005"/>
+                  </a:ext>
+                </a:extLst>
+              </a:tr>
+              <a:tr h="370840">
+                <a:tc>
+                  <a:txBody>
+                    <a:bodyPr/>
+                    <a:lstStyle/>
                     <a:p>
                       <a:pPr marL="0" marR="0" lvl="0" indent="0" algn="l" defTabSz="914400" rtl="0" eaLnBrk="1" fontAlgn="auto" latinLnBrk="0" hangingPunct="1">
                         <a:lnSpc>
@@ -3536,59 +4078,134 @@
                         <a:rPr lang="en-US" dirty="0" smtClean="0">
                           <a:latin typeface="+mn-lt"/>
                         </a:rPr>
-                        <a:t>FAR: 0.00000</a:t>
-                      </a:r>
-                      <a:endParaRPr lang="en-US" dirty="0">
-                        <a:latin typeface="+mn-lt"/>
-                      </a:endParaRPr>
-                    </a:p>
-                  </a:txBody>
-                  <a:tcPr/>
-                </a:tc>
-                <a:tc>
-                  <a:txBody>
-                    <a:bodyPr/>
-                    <a:lstStyle/>
-                    <a:p>
-                      <a:r>
-                        <a:rPr lang="en-US" dirty="0" smtClean="0">
-                          <a:latin typeface="+mn-lt"/>
-                        </a:rPr>
-                        <a:t>FRR: 0.00000</a:t>
-                      </a:r>
-                    </a:p>
-                    <a:p>
-                      <a:r>
-                        <a:rPr lang="en-US" dirty="0" smtClean="0">
-                          <a:latin typeface="+mn-lt"/>
-                        </a:rPr>
-                        <a:t>FAR: 0.00000</a:t>
-                      </a:r>
-                      <a:endParaRPr lang="en-US" dirty="0">
-                        <a:latin typeface="+mn-lt"/>
-                      </a:endParaRPr>
-                    </a:p>
-                  </a:txBody>
-                  <a:tcPr/>
-                </a:tc>
-                <a:tc>
-                  <a:txBody>
-                    <a:bodyPr/>
-                    <a:lstStyle/>
-                    <a:p>
-                      <a:r>
-                        <a:rPr lang="en-US" dirty="0" smtClean="0">
-                          <a:latin typeface="+mn-lt"/>
-                        </a:rPr>
-                        <a:t>FRR: 0.00000</a:t>
-                      </a:r>
-                    </a:p>
-                    <a:p>
-                      <a:r>
-                        <a:rPr lang="en-US" dirty="0" smtClean="0">
-                          <a:latin typeface="+mn-lt"/>
-                        </a:rPr>
-                        <a:t>FAR: 0.00170</a:t>
+                        <a:t>User 6</a:t>
+                      </a:r>
+                    </a:p>
+                  </a:txBody>
+                  <a:tcPr/>
+                </a:tc>
+                <a:tc>
+                  <a:txBody>
+                    <a:bodyPr/>
+                    <a:lstStyle/>
+                    <a:p>
+                      <a:r>
+                        <a:rPr lang="en-US" dirty="0" smtClean="0">
+                          <a:latin typeface="+mn-lt"/>
+                        </a:rPr>
+                        <a:t>FRR: 0.02811</a:t>
+                      </a:r>
+                    </a:p>
+                    <a:p>
+                      <a:r>
+                        <a:rPr lang="en-US" dirty="0" smtClean="0">
+                          <a:latin typeface="+mn-lt"/>
+                        </a:rPr>
+                        <a:t>FAR: 0.00258</a:t>
+                      </a:r>
+                      <a:endParaRPr lang="en-US" dirty="0">
+                        <a:latin typeface="+mn-lt"/>
+                      </a:endParaRPr>
+                    </a:p>
+                  </a:txBody>
+                  <a:tcPr/>
+                </a:tc>
+                <a:tc>
+                  <a:txBody>
+                    <a:bodyPr/>
+                    <a:lstStyle/>
+                    <a:p>
+                      <a:r>
+                        <a:rPr lang="en-US" dirty="0" smtClean="0">
+                          <a:latin typeface="+mn-lt"/>
+                        </a:rPr>
+                        <a:t>FRR: 0.0</a:t>
+                      </a:r>
+                    </a:p>
+                    <a:p>
+                      <a:r>
+                        <a:rPr lang="en-US" dirty="0" smtClean="0">
+                          <a:latin typeface="+mn-lt"/>
+                        </a:rPr>
+                        <a:t>FAR: 0.01866</a:t>
+                      </a:r>
+                      <a:endParaRPr lang="en-US" dirty="0">
+                        <a:latin typeface="+mn-lt"/>
+                      </a:endParaRPr>
+                    </a:p>
+                  </a:txBody>
+                  <a:tcPr/>
+                </a:tc>
+                <a:tc>
+                  <a:txBody>
+                    <a:bodyPr/>
+                    <a:lstStyle/>
+                    <a:p>
+                      <a:r>
+                        <a:rPr lang="en-US" dirty="0" smtClean="0">
+                          <a:latin typeface="+mn-lt"/>
+                        </a:rPr>
+                        <a:t>FRR: 0.0</a:t>
+                      </a:r>
+                    </a:p>
+                    <a:p>
+                      <a:r>
+                        <a:rPr lang="en-US" dirty="0" smtClean="0">
+                          <a:latin typeface="+mn-lt"/>
+                        </a:rPr>
+                        <a:t>FAR: 0.01253</a:t>
+                      </a:r>
+                      <a:endParaRPr lang="en-US" dirty="0">
+                        <a:latin typeface="+mn-lt"/>
+                      </a:endParaRPr>
+                    </a:p>
+                  </a:txBody>
+                  <a:tcPr/>
+                </a:tc>
+                <a:tc>
+                  <a:txBody>
+                    <a:bodyPr/>
+                    <a:lstStyle/>
+                    <a:p>
+                      <a:r>
+                        <a:rPr lang="en-US" dirty="0" smtClean="0">
+                          <a:latin typeface="+mn-lt"/>
+                        </a:rPr>
+                        <a:t>FRR: 0.0</a:t>
+                      </a:r>
+                    </a:p>
+                    <a:p>
+                      <a:r>
+                        <a:rPr lang="en-US" dirty="0" smtClean="0">
+                          <a:latin typeface="+mn-lt"/>
+                        </a:rPr>
+                        <a:t>FAR: 0.00975</a:t>
+                      </a:r>
+                      <a:endParaRPr lang="en-US" dirty="0">
+                        <a:latin typeface="+mn-lt"/>
+                      </a:endParaRPr>
+                    </a:p>
+                  </a:txBody>
+                  <a:tcPr/>
+                </a:tc>
+                <a:tc>
+                  <a:txBody>
+                    <a:bodyPr/>
+                    <a:lstStyle/>
+                    <a:p>
+                      <a:r>
+                        <a:rPr lang="en-US" dirty="0" smtClean="0">
+                          <a:latin typeface="+mn-lt"/>
+                        </a:rPr>
+                        <a:t>RR: 0.00000</a:t>
+                      </a:r>
+                    </a:p>
+                    <a:p>
+                      <a:r>
+                        <a:rPr lang="en-US" dirty="0" smtClean="0">
+                          <a:latin typeface="+mn-lt"/>
+                        </a:rPr>
+                        <a:t>FAR: 0.00171</a:t>
                       </a:r>
                       <a:endParaRPr lang="en-US" dirty="0">
                         <a:latin typeface="+mn-lt"/>
@@ -3599,7 +4216,7 @@
                 </a:tc>
                 <a:extLst>
                   <a:ext uri="{0D108BD9-81ED-4DB2-BD59-A6C34878D82A}">
-                    <a16:rowId xmlns:a16="http://schemas.microsoft.com/office/drawing/2014/main" val="10002"/>
+                    <a16:rowId xmlns:a16="http://schemas.microsoft.com/office/drawing/2014/main" xmlns="" val="10006"/>
                   </a:ext>
                 </a:extLst>
               </a:tr>
@@ -3611,640 +4228,6 @@
                     <a:p>
                       <a:r>
                         <a:rPr lang="en-US" dirty="0" smtClean="0">
-                          <a:latin typeface="+mn-lt"/>
-                        </a:rPr>
-                        <a:t>User 3</a:t>
-                      </a:r>
-                      <a:endParaRPr lang="en-US" dirty="0">
-                        <a:latin typeface="+mn-lt"/>
-                      </a:endParaRPr>
-                    </a:p>
-                  </a:txBody>
-                  <a:tcPr/>
-                </a:tc>
-                <a:tc>
-                  <a:txBody>
-                    <a:bodyPr/>
-                    <a:lstStyle/>
-                    <a:p>
-                      <a:r>
-                        <a:rPr lang="en-US" dirty="0" smtClean="0">
-                          <a:latin typeface="+mn-lt"/>
-                        </a:rPr>
-                        <a:t>FRR: 0.04490</a:t>
-                      </a:r>
-                    </a:p>
-                    <a:p>
-                      <a:r>
-                        <a:rPr lang="en-US" dirty="0" smtClean="0">
-                          <a:latin typeface="+mn-lt"/>
-                        </a:rPr>
-                        <a:t>FAR: 0.00687</a:t>
-                      </a:r>
-                      <a:endParaRPr lang="en-US" dirty="0">
-                        <a:latin typeface="+mn-lt"/>
-                      </a:endParaRPr>
-                    </a:p>
-                  </a:txBody>
-                  <a:tcPr/>
-                </a:tc>
-                <a:tc>
-                  <a:txBody>
-                    <a:bodyPr/>
-                    <a:lstStyle/>
-                    <a:p>
-                      <a:r>
-                        <a:rPr lang="en-US" dirty="0" smtClean="0">
-                          <a:latin typeface="+mn-lt"/>
-                        </a:rPr>
-                        <a:t>FRR: 0.06667</a:t>
-                      </a:r>
-                    </a:p>
-                    <a:p>
-                      <a:r>
-                        <a:rPr lang="en-US" dirty="0" smtClean="0">
-                          <a:latin typeface="+mn-lt"/>
-                        </a:rPr>
-                        <a:t>FAR: 0.01809</a:t>
-                      </a:r>
-                      <a:endParaRPr lang="en-US" dirty="0">
-                        <a:latin typeface="+mn-lt"/>
-                      </a:endParaRPr>
-                    </a:p>
-                  </a:txBody>
-                  <a:tcPr/>
-                </a:tc>
-                <a:tc>
-                  <a:txBody>
-                    <a:bodyPr/>
-                    <a:lstStyle/>
-                    <a:p>
-                      <a:r>
-                        <a:rPr lang="en-US" dirty="0" smtClean="0">
-                          <a:latin typeface="+mn-lt"/>
-                        </a:rPr>
-                        <a:t>FRR: 0.00000</a:t>
-                      </a:r>
-                    </a:p>
-                    <a:p>
-                      <a:r>
-                        <a:rPr lang="en-US" dirty="0" smtClean="0">
-                          <a:latin typeface="+mn-lt"/>
-                        </a:rPr>
-                        <a:t>FAR: 0.00000</a:t>
-                      </a:r>
-                      <a:endParaRPr lang="en-US" dirty="0">
-                        <a:latin typeface="+mn-lt"/>
-                      </a:endParaRPr>
-                    </a:p>
-                  </a:txBody>
-                  <a:tcPr/>
-                </a:tc>
-                <a:tc>
-                  <a:txBody>
-                    <a:bodyPr/>
-                    <a:lstStyle/>
-                    <a:p>
-                      <a:r>
-                        <a:rPr lang="en-US" dirty="0" smtClean="0">
-                          <a:latin typeface="+mn-lt"/>
-                        </a:rPr>
-                        <a:t>FRR: 0.00000</a:t>
-                      </a:r>
-                    </a:p>
-                    <a:p>
-                      <a:r>
-                        <a:rPr lang="en-US" dirty="0" smtClean="0">
-                          <a:latin typeface="+mn-lt"/>
-                        </a:rPr>
-                        <a:t>FAR: 0.00218</a:t>
-                      </a:r>
-                      <a:endParaRPr lang="en-US" dirty="0">
-                        <a:latin typeface="+mn-lt"/>
-                      </a:endParaRPr>
-                    </a:p>
-                  </a:txBody>
-                  <a:tcPr/>
-                </a:tc>
-                <a:tc>
-                  <a:txBody>
-                    <a:bodyPr/>
-                    <a:lstStyle/>
-                    <a:p>
-                      <a:r>
-                        <a:rPr lang="en-US" dirty="0" smtClean="0">
-                          <a:latin typeface="+mn-lt"/>
-                        </a:rPr>
-                        <a:t>FRR: 0.00813</a:t>
-                      </a:r>
-                    </a:p>
-                    <a:p>
-                      <a:r>
-                        <a:rPr lang="en-US" dirty="0" smtClean="0">
-                          <a:latin typeface="+mn-lt"/>
-                        </a:rPr>
-                        <a:t>FAR: 0.00086</a:t>
-                      </a:r>
-                      <a:endParaRPr lang="en-US" dirty="0">
-                        <a:latin typeface="+mn-lt"/>
-                      </a:endParaRPr>
-                    </a:p>
-                  </a:txBody>
-                  <a:tcPr/>
-                </a:tc>
-                <a:extLst>
-                  <a:ext uri="{0D108BD9-81ED-4DB2-BD59-A6C34878D82A}">
-                    <a16:rowId xmlns:a16="http://schemas.microsoft.com/office/drawing/2014/main" val="10003"/>
-                  </a:ext>
-                </a:extLst>
-              </a:tr>
-              <a:tr h="370840">
-                <a:tc>
-                  <a:txBody>
-                    <a:bodyPr/>
-                    <a:lstStyle/>
-                    <a:p>
-                      <a:r>
-                        <a:rPr lang="en-US" dirty="0" smtClean="0">
-                          <a:latin typeface="+mn-lt"/>
-                        </a:rPr>
-                        <a:t>User 4</a:t>
-                      </a:r>
-                      <a:endParaRPr lang="en-US" dirty="0">
-                        <a:latin typeface="+mn-lt"/>
-                      </a:endParaRPr>
-                    </a:p>
-                  </a:txBody>
-                  <a:tcPr/>
-                </a:tc>
-                <a:tc>
-                  <a:txBody>
-                    <a:bodyPr/>
-                    <a:lstStyle/>
-                    <a:p>
-                      <a:r>
-                        <a:rPr lang="en-US" dirty="0" smtClean="0">
-                          <a:latin typeface="+mn-lt"/>
-                        </a:rPr>
-                        <a:t>FRR: 0.03930</a:t>
-                      </a:r>
-                    </a:p>
-                    <a:p>
-                      <a:r>
-                        <a:rPr lang="en-US" dirty="0" smtClean="0">
-                          <a:latin typeface="+mn-lt"/>
-                        </a:rPr>
-                        <a:t>FAR: 0.00508</a:t>
-                      </a:r>
-                      <a:endParaRPr lang="en-US" dirty="0">
-                        <a:latin typeface="+mn-lt"/>
-                      </a:endParaRPr>
-                    </a:p>
-                  </a:txBody>
-                  <a:tcPr/>
-                </a:tc>
-                <a:tc>
-                  <a:txBody>
-                    <a:bodyPr/>
-                    <a:lstStyle/>
-                    <a:p>
-                      <a:r>
-                        <a:rPr lang="en-US" dirty="0" smtClean="0">
-                          <a:latin typeface="+mn-lt"/>
-                        </a:rPr>
-                        <a:t>FRR: 0.04225</a:t>
-                      </a:r>
-                    </a:p>
-                    <a:p>
-                      <a:r>
-                        <a:rPr lang="en-US" dirty="0" smtClean="0">
-                          <a:latin typeface="+mn-lt"/>
-                        </a:rPr>
-                        <a:t>FAR: 0.00512</a:t>
-                      </a:r>
-                      <a:endParaRPr lang="en-US" dirty="0">
-                        <a:latin typeface="+mn-lt"/>
-                      </a:endParaRPr>
-                    </a:p>
-                  </a:txBody>
-                  <a:tcPr/>
-                </a:tc>
-                <a:tc>
-                  <a:txBody>
-                    <a:bodyPr/>
-                    <a:lstStyle/>
-                    <a:p>
-                      <a:r>
-                        <a:rPr lang="en-US" dirty="0" smtClean="0">
-                          <a:latin typeface="+mn-lt"/>
-                        </a:rPr>
-                        <a:t>FRR: 0.00000</a:t>
-                      </a:r>
-                    </a:p>
-                    <a:p>
-                      <a:r>
-                        <a:rPr lang="en-US" dirty="0" smtClean="0">
-                          <a:latin typeface="+mn-lt"/>
-                        </a:rPr>
-                        <a:t>FAR: 0.00000</a:t>
-                      </a:r>
-                      <a:endParaRPr lang="en-US" dirty="0">
-                        <a:latin typeface="+mn-lt"/>
-                      </a:endParaRPr>
-                    </a:p>
-                  </a:txBody>
-                  <a:tcPr/>
-                </a:tc>
-                <a:tc>
-                  <a:txBody>
-                    <a:bodyPr/>
-                    <a:lstStyle/>
-                    <a:p>
-                      <a:r>
-                        <a:rPr lang="en-US" dirty="0" smtClean="0">
-                          <a:latin typeface="+mn-lt"/>
-                        </a:rPr>
-                        <a:t>FRR: 0.01124</a:t>
-                      </a:r>
-                    </a:p>
-                    <a:p>
-                      <a:r>
-                        <a:rPr lang="en-US" dirty="0" smtClean="0">
-                          <a:latin typeface="+mn-lt"/>
-                        </a:rPr>
-                        <a:t>FAR: 0.00000</a:t>
-                      </a:r>
-                      <a:endParaRPr lang="en-US" dirty="0">
-                        <a:latin typeface="+mn-lt"/>
-                      </a:endParaRPr>
-                    </a:p>
-                  </a:txBody>
-                  <a:tcPr/>
-                </a:tc>
-                <a:tc>
-                  <a:txBody>
-                    <a:bodyPr/>
-                    <a:lstStyle/>
-                    <a:p>
-                      <a:r>
-                        <a:rPr lang="en-US" dirty="0" smtClean="0">
-                          <a:latin typeface="+mn-lt"/>
-                        </a:rPr>
-                        <a:t>FRR: 0.00000</a:t>
-                      </a:r>
-                    </a:p>
-                    <a:p>
-                      <a:r>
-                        <a:rPr lang="en-US" dirty="0" smtClean="0">
-                          <a:latin typeface="+mn-lt"/>
-                        </a:rPr>
-                        <a:t>FAR: 0.00000</a:t>
-                      </a:r>
-                      <a:endParaRPr lang="en-US" dirty="0">
-                        <a:latin typeface="+mn-lt"/>
-                      </a:endParaRPr>
-                    </a:p>
-                  </a:txBody>
-                  <a:tcPr/>
-                </a:tc>
-                <a:extLst>
-                  <a:ext uri="{0D108BD9-81ED-4DB2-BD59-A6C34878D82A}">
-                    <a16:rowId xmlns:a16="http://schemas.microsoft.com/office/drawing/2014/main" val="10004"/>
-                  </a:ext>
-                </a:extLst>
-              </a:tr>
-              <a:tr h="370840">
-                <a:tc>
-                  <a:txBody>
-                    <a:bodyPr/>
-                    <a:lstStyle/>
-                    <a:p>
-                      <a:r>
-                        <a:rPr lang="en-US" dirty="0" smtClean="0">
-                          <a:latin typeface="+mn-lt"/>
-                        </a:rPr>
-                        <a:t>User 5</a:t>
-                      </a:r>
-                      <a:endParaRPr lang="en-US" dirty="0">
-                        <a:latin typeface="+mn-lt"/>
-                      </a:endParaRPr>
-                    </a:p>
-                  </a:txBody>
-                  <a:tcPr/>
-                </a:tc>
-                <a:tc>
-                  <a:txBody>
-                    <a:bodyPr/>
-                    <a:lstStyle/>
-                    <a:p>
-                      <a:r>
-                        <a:rPr lang="en-US" dirty="0" smtClean="0">
-                          <a:latin typeface="+mn-lt"/>
-                        </a:rPr>
-                        <a:t>FRR: 0.02222</a:t>
-                      </a:r>
-                    </a:p>
-                    <a:p>
-                      <a:r>
-                        <a:rPr lang="en-US" dirty="0" smtClean="0">
-                          <a:latin typeface="+mn-lt"/>
-                        </a:rPr>
-                        <a:t>FAR: 0.00422</a:t>
-                      </a:r>
-                      <a:endParaRPr lang="en-US" dirty="0">
-                        <a:latin typeface="+mn-lt"/>
-                      </a:endParaRPr>
-                    </a:p>
-                  </a:txBody>
-                  <a:tcPr/>
-                </a:tc>
-                <a:tc>
-                  <a:txBody>
-                    <a:bodyPr/>
-                    <a:lstStyle/>
-                    <a:p>
-                      <a:r>
-                        <a:rPr lang="en-US" dirty="0" smtClean="0">
-                          <a:latin typeface="+mn-lt"/>
-                        </a:rPr>
-                        <a:t>FRR: 0.02985</a:t>
-                      </a:r>
-                    </a:p>
-                    <a:p>
-                      <a:r>
-                        <a:rPr lang="en-US" dirty="0" smtClean="0">
-                          <a:latin typeface="+mn-lt"/>
-                        </a:rPr>
-                        <a:t>FAR: 0.00253</a:t>
-                      </a:r>
-                      <a:endParaRPr lang="en-US" dirty="0" smtClean="0">
-                        <a:latin typeface="+mn-lt"/>
-                      </a:endParaRPr>
-                    </a:p>
-                  </a:txBody>
-                  <a:tcPr/>
-                </a:tc>
-                <a:tc>
-                  <a:txBody>
-                    <a:bodyPr/>
-                    <a:lstStyle/>
-                    <a:p>
-                      <a:r>
-                        <a:rPr lang="en-US" dirty="0" smtClean="0">
-                          <a:latin typeface="+mn-lt"/>
-                        </a:rPr>
-                        <a:t>FRR: 0.00000</a:t>
-                      </a:r>
-                    </a:p>
-                    <a:p>
-                      <a:r>
-                        <a:rPr lang="en-US" dirty="0" smtClean="0">
-                          <a:latin typeface="+mn-lt"/>
-                        </a:rPr>
-                        <a:t>FAR: 0.00000</a:t>
-                      </a:r>
-                      <a:endParaRPr lang="en-US" dirty="0">
-                        <a:latin typeface="+mn-lt"/>
-                      </a:endParaRPr>
-                    </a:p>
-                  </a:txBody>
-                  <a:tcPr/>
-                </a:tc>
-                <a:tc>
-                  <a:txBody>
-                    <a:bodyPr/>
-                    <a:lstStyle/>
-                    <a:p>
-                      <a:r>
-                        <a:rPr lang="en-US" dirty="0" smtClean="0">
-                          <a:latin typeface="+mn-lt"/>
-                        </a:rPr>
-                        <a:t>FRR: 0.00000</a:t>
-                      </a:r>
-                    </a:p>
-                    <a:p>
-                      <a:r>
-                        <a:rPr lang="en-US" dirty="0" smtClean="0">
-                          <a:latin typeface="+mn-lt"/>
-                        </a:rPr>
-                        <a:t>FAR: 0.00000</a:t>
-                      </a:r>
-                      <a:endParaRPr lang="en-US" dirty="0">
-                        <a:latin typeface="+mn-lt"/>
-                      </a:endParaRPr>
-                    </a:p>
-                  </a:txBody>
-                  <a:tcPr/>
-                </a:tc>
-                <a:tc>
-                  <a:txBody>
-                    <a:bodyPr/>
-                    <a:lstStyle/>
-                    <a:p>
-                      <a:r>
-                        <a:rPr lang="en-US" dirty="0" smtClean="0">
-                          <a:latin typeface="+mn-lt"/>
-                        </a:rPr>
-                        <a:t>FRR: 0.00448</a:t>
-                      </a:r>
-                    </a:p>
-                    <a:p>
-                      <a:r>
-                        <a:rPr lang="en-US" dirty="0" smtClean="0">
-                          <a:latin typeface="+mn-lt"/>
-                        </a:rPr>
-                        <a:t>FAR: 0.00000</a:t>
-                      </a:r>
-                      <a:endParaRPr lang="en-US" dirty="0" smtClean="0">
-                        <a:latin typeface="+mn-lt"/>
-                      </a:endParaRPr>
-                    </a:p>
-                  </a:txBody>
-                  <a:tcPr/>
-                </a:tc>
-                <a:extLst>
-                  <a:ext uri="{0D108BD9-81ED-4DB2-BD59-A6C34878D82A}">
-                    <a16:rowId xmlns:a16="http://schemas.microsoft.com/office/drawing/2014/main" val="10005"/>
-                  </a:ext>
-                </a:extLst>
-              </a:tr>
-              <a:tr h="370840">
-                <a:tc>
-                  <a:txBody>
-                    <a:bodyPr/>
-                    <a:lstStyle/>
-                    <a:p>
-                      <a:pPr marL="0" marR="0" lvl="0" indent="0" algn="l" defTabSz="914400" rtl="0" eaLnBrk="1" fontAlgn="auto" latinLnBrk="0" hangingPunct="1">
-                        <a:lnSpc>
-                          <a:spcPct val="100000"/>
-                        </a:lnSpc>
-                        <a:spcBef>
-                          <a:spcPts val="0"/>
-                        </a:spcBef>
-                        <a:spcAft>
-                          <a:spcPts val="0"/>
-                        </a:spcAft>
-                        <a:buClrTx/>
-                        <a:buSzTx/>
-                        <a:buFontTx/>
-                        <a:buNone/>
-                        <a:tabLst/>
-                        <a:defRPr/>
-                      </a:pPr>
-                      <a:r>
-                        <a:rPr lang="en-US" dirty="0" smtClean="0">
-                          <a:latin typeface="+mn-lt"/>
-                        </a:rPr>
-                        <a:t>User 6</a:t>
-                      </a:r>
-                    </a:p>
-                  </a:txBody>
-                  <a:tcPr/>
-                </a:tc>
-                <a:tc>
-                  <a:txBody>
-                    <a:bodyPr/>
-                    <a:lstStyle/>
-                    <a:p>
-                      <a:r>
-                        <a:rPr lang="en-US" dirty="0" smtClean="0">
-                          <a:latin typeface="+mn-lt"/>
-                        </a:rPr>
-                        <a:t>FRR: 0.00803</a:t>
-                      </a:r>
-                    </a:p>
-                    <a:p>
-                      <a:r>
-                        <a:rPr lang="en-US" dirty="0" smtClean="0">
-                          <a:latin typeface="+mn-lt"/>
-                        </a:rPr>
-                        <a:t>FAR: 0.00086</a:t>
-                      </a:r>
-                      <a:endParaRPr lang="en-US" dirty="0">
-                        <a:latin typeface="+mn-lt"/>
-                      </a:endParaRPr>
-                    </a:p>
-                  </a:txBody>
-                  <a:tcPr/>
-                </a:tc>
-                <a:tc>
-                  <a:txBody>
-                    <a:bodyPr/>
-                    <a:lstStyle/>
-                    <a:p>
-                      <a:r>
-                        <a:rPr lang="en-US" dirty="0" smtClean="0">
-                          <a:latin typeface="+mn-lt"/>
-                        </a:rPr>
-                        <a:t>FRR: 0.02299</a:t>
-                      </a:r>
-                    </a:p>
-                    <a:p>
-                      <a:r>
-                        <a:rPr lang="en-US" dirty="0" smtClean="0">
-                          <a:latin typeface="+mn-lt"/>
-                        </a:rPr>
-                        <a:t>FAR: 0.00533</a:t>
-                      </a:r>
-                      <a:endParaRPr lang="en-US" dirty="0">
-                        <a:latin typeface="+mn-lt"/>
-                      </a:endParaRPr>
-                    </a:p>
-                  </a:txBody>
-                  <a:tcPr/>
-                </a:tc>
-                <a:tc>
-                  <a:txBody>
-                    <a:bodyPr/>
-                    <a:lstStyle/>
-                    <a:p>
-                      <a:r>
-                        <a:rPr lang="en-US" dirty="0" smtClean="0">
-                          <a:latin typeface="+mn-lt"/>
-                        </a:rPr>
-                        <a:t>FRR: 0.01111</a:t>
-                      </a:r>
-                    </a:p>
-                    <a:p>
-                      <a:r>
-                        <a:rPr lang="en-US" dirty="0" smtClean="0">
-                          <a:latin typeface="+mn-lt"/>
-                        </a:rPr>
-                        <a:t>FAR: 0.00000</a:t>
-                      </a:r>
-                      <a:endParaRPr lang="en-US" dirty="0">
-                        <a:latin typeface="+mn-lt"/>
-                      </a:endParaRPr>
-                    </a:p>
-                  </a:txBody>
-                  <a:tcPr/>
-                </a:tc>
-                <a:tc>
-                  <a:txBody>
-                    <a:bodyPr/>
-                    <a:lstStyle/>
-                    <a:p>
-                      <a:r>
-                        <a:rPr lang="en-US" dirty="0" smtClean="0">
-                          <a:latin typeface="+mn-lt"/>
-                        </a:rPr>
-                        <a:t>FRR: 0.00800</a:t>
-                      </a:r>
-                    </a:p>
-                    <a:p>
-                      <a:r>
-                        <a:rPr lang="en-US" dirty="0" smtClean="0">
-                          <a:latin typeface="+mn-lt"/>
-                        </a:rPr>
-                        <a:t>FAR: 0.00244</a:t>
-                      </a:r>
-                      <a:endParaRPr lang="en-US" dirty="0">
-                        <a:latin typeface="+mn-lt"/>
-                      </a:endParaRPr>
-                    </a:p>
-                  </a:txBody>
-                  <a:tcPr/>
-                </a:tc>
-                <a:tc>
-                  <a:txBody>
-                    <a:bodyPr/>
-                    <a:lstStyle/>
-                    <a:p>
-                      <a:r>
-                        <a:rPr lang="en-US" dirty="0" smtClean="0">
-                          <a:latin typeface="+mn-lt"/>
-                        </a:rPr>
-                        <a:t>FRR: 0.00000</a:t>
-                      </a:r>
-                    </a:p>
-                    <a:p>
-                      <a:r>
-                        <a:rPr lang="en-US" dirty="0" smtClean="0">
-                          <a:latin typeface="+mn-lt"/>
-                        </a:rPr>
-                        <a:t>FAR: 0.00000</a:t>
-                      </a:r>
-                      <a:endParaRPr lang="en-US" dirty="0">
-                        <a:latin typeface="+mn-lt"/>
-                      </a:endParaRPr>
-                    </a:p>
-                  </a:txBody>
-                  <a:tcPr/>
-                </a:tc>
-                <a:extLst>
-                  <a:ext uri="{0D108BD9-81ED-4DB2-BD59-A6C34878D82A}">
-                    <a16:rowId xmlns:a16="http://schemas.microsoft.com/office/drawing/2014/main" val="10006"/>
-                  </a:ext>
-                </a:extLst>
-              </a:tr>
-              <a:tr h="370840">
-                <a:tc>
-                  <a:txBody>
-                    <a:bodyPr/>
-                    <a:lstStyle/>
-                    <a:p>
-                      <a:r>
-                        <a:rPr lang="en-US" dirty="0" smtClean="0">
                           <a:solidFill>
                             <a:srgbClr val="FF0000"/>
                           </a:solidFill>
@@ -4271,119 +4254,119 @@
                         <a:rPr lang="en-US" dirty="0" smtClean="0">
                           <a:latin typeface="+mn-lt"/>
                         </a:rPr>
-                        <a:t>FRR: 0.02263</a:t>
-                      </a:r>
-                    </a:p>
-                    <a:p>
-                      <a:r>
-                        <a:rPr lang="en-US" dirty="0" smtClean="0">
-                          <a:latin typeface="+mn-lt"/>
-                        </a:rPr>
-                        <a:t>FAR: 0.00454</a:t>
-                      </a:r>
-                      <a:endParaRPr lang="en-US" dirty="0">
-                        <a:latin typeface="+mn-lt"/>
-                      </a:endParaRPr>
-                    </a:p>
-                  </a:txBody>
-                  <a:tcPr/>
-                </a:tc>
-                <a:tc>
-                  <a:txBody>
-                    <a:bodyPr/>
-                    <a:lstStyle/>
-                    <a:p>
-                      <a:r>
-                        <a:rPr lang="en-US" dirty="0" smtClean="0">
-                          <a:latin typeface="+mn-lt"/>
-                        </a:rPr>
-                        <a:t>FRR: 0.03910</a:t>
-                      </a:r>
-                    </a:p>
-                    <a:p>
-                      <a:r>
-                        <a:rPr lang="en-US" dirty="0" smtClean="0">
-                          <a:latin typeface="+mn-lt"/>
-                        </a:rPr>
-                        <a:t>FAR: 0.00781</a:t>
-                      </a:r>
-                      <a:endParaRPr lang="en-US" dirty="0">
-                        <a:latin typeface="+mn-lt"/>
-                      </a:endParaRPr>
-                    </a:p>
-                  </a:txBody>
-                  <a:tcPr/>
-                </a:tc>
-                <a:tc>
-                  <a:txBody>
-                    <a:bodyPr/>
-                    <a:lstStyle/>
-                    <a:p>
-                      <a:r>
-                        <a:rPr lang="en-US" dirty="0" smtClean="0">
-                          <a:latin typeface="+mn-lt"/>
-                        </a:rPr>
-                        <a:t>FRR: 0.00185</a:t>
-                      </a:r>
-                    </a:p>
-                    <a:p>
-                      <a:r>
-                        <a:rPr lang="en-US" dirty="0" smtClean="0">
-                          <a:latin typeface="+mn-lt"/>
-                        </a:rPr>
-                        <a:t>FAR: 0.00039</a:t>
-                      </a:r>
-                      <a:endParaRPr lang="en-US" dirty="0">
-                        <a:latin typeface="+mn-lt"/>
-                      </a:endParaRPr>
-                    </a:p>
-                  </a:txBody>
-                  <a:tcPr/>
-                </a:tc>
-                <a:tc>
-                  <a:txBody>
-                    <a:bodyPr/>
-                    <a:lstStyle/>
-                    <a:p>
-                      <a:r>
-                        <a:rPr lang="en-US" dirty="0" smtClean="0">
-                          <a:latin typeface="+mn-lt"/>
-                        </a:rPr>
-                        <a:t>FRR: 0.00321</a:t>
-                      </a:r>
-                    </a:p>
-                    <a:p>
-                      <a:r>
-                        <a:rPr lang="en-US" dirty="0" smtClean="0">
-                          <a:latin typeface="+mn-lt"/>
-                        </a:rPr>
-                        <a:t>FAR: 0.00077</a:t>
-                      </a:r>
-                      <a:endParaRPr lang="en-US" dirty="0">
-                        <a:latin typeface="+mn-lt"/>
-                      </a:endParaRPr>
-                    </a:p>
-                  </a:txBody>
-                  <a:tcPr/>
-                </a:tc>
-                <a:tc>
-                  <a:txBody>
-                    <a:bodyPr/>
-                    <a:lstStyle/>
-                    <a:p>
-                      <a:r>
-                        <a:rPr lang="en-US" dirty="0" smtClean="0">
-                          <a:latin typeface="+mn-lt"/>
-                        </a:rPr>
-                        <a:t>FRR: 0.00210</a:t>
-                      </a:r>
-                    </a:p>
-                    <a:p>
-                      <a:r>
-                        <a:rPr lang="en-US" dirty="0" smtClean="0">
-                          <a:latin typeface="+mn-lt"/>
-                        </a:rPr>
-                        <a:t>FAR: 0.00043</a:t>
+                        <a:t>FRR: 0.01817</a:t>
+                      </a:r>
+                    </a:p>
+                    <a:p>
+                      <a:r>
+                        <a:rPr lang="en-US" dirty="0" smtClean="0">
+                          <a:latin typeface="+mn-lt"/>
+                        </a:rPr>
+                        <a:t>FAR: 0.00369</a:t>
+                      </a:r>
+                      <a:endParaRPr lang="en-US" dirty="0">
+                        <a:latin typeface="+mn-lt"/>
+                      </a:endParaRPr>
+                    </a:p>
+                  </a:txBody>
+                  <a:tcPr/>
+                </a:tc>
+                <a:tc>
+                  <a:txBody>
+                    <a:bodyPr/>
+                    <a:lstStyle/>
+                    <a:p>
+                      <a:r>
+                        <a:rPr lang="en-US" dirty="0" smtClean="0">
+                          <a:latin typeface="+mn-lt"/>
+                        </a:rPr>
+                        <a:t>FRR: 0.05552</a:t>
+                      </a:r>
+                    </a:p>
+                    <a:p>
+                      <a:r>
+                        <a:rPr lang="en-US" dirty="0" smtClean="0">
+                          <a:latin typeface="+mn-lt"/>
+                        </a:rPr>
+                        <a:t>FAR: 0.01126</a:t>
+                      </a:r>
+                      <a:endParaRPr lang="en-US" dirty="0">
+                        <a:latin typeface="+mn-lt"/>
+                      </a:endParaRPr>
+                    </a:p>
+                  </a:txBody>
+                  <a:tcPr/>
+                </a:tc>
+                <a:tc>
+                  <a:txBody>
+                    <a:bodyPr/>
+                    <a:lstStyle/>
+                    <a:p>
+                      <a:r>
+                        <a:rPr lang="en-US" dirty="0" smtClean="0">
+                          <a:latin typeface="+mn-lt"/>
+                        </a:rPr>
+                        <a:t>FRR: 0.02022</a:t>
+                      </a:r>
+                    </a:p>
+                    <a:p>
+                      <a:r>
+                        <a:rPr lang="en-US" dirty="0" smtClean="0">
+                          <a:latin typeface="+mn-lt"/>
+                        </a:rPr>
+                        <a:t>FAR: 0.00374</a:t>
+                      </a:r>
+                      <a:endParaRPr lang="en-US" dirty="0">
+                        <a:latin typeface="+mn-lt"/>
+                      </a:endParaRPr>
+                    </a:p>
+                  </a:txBody>
+                  <a:tcPr/>
+                </a:tc>
+                <a:tc>
+                  <a:txBody>
+                    <a:bodyPr/>
+                    <a:lstStyle/>
+                    <a:p>
+                      <a:r>
+                        <a:rPr lang="en-US" dirty="0" smtClean="0">
+                          <a:latin typeface="+mn-lt"/>
+                        </a:rPr>
+                        <a:t>FRR: 0.02862</a:t>
+                      </a:r>
+                    </a:p>
+                    <a:p>
+                      <a:r>
+                        <a:rPr lang="en-US" dirty="0" smtClean="0">
+                          <a:latin typeface="+mn-lt"/>
+                        </a:rPr>
+                        <a:t>FAR: 0.00489</a:t>
+                      </a:r>
+                      <a:endParaRPr lang="en-US" dirty="0">
+                        <a:latin typeface="+mn-lt"/>
+                      </a:endParaRPr>
+                    </a:p>
+                  </a:txBody>
+                  <a:tcPr/>
+                </a:tc>
+                <a:tc>
+                  <a:txBody>
+                    <a:bodyPr/>
+                    <a:lstStyle/>
+                    <a:p>
+                      <a:r>
+                        <a:rPr lang="en-US" dirty="0" smtClean="0">
+                          <a:latin typeface="+mn-lt"/>
+                        </a:rPr>
+                        <a:t>FRR: 0.01097</a:t>
+                      </a:r>
+                    </a:p>
+                    <a:p>
+                      <a:r>
+                        <a:rPr lang="en-US" dirty="0" smtClean="0">
+                          <a:latin typeface="+mn-lt"/>
+                        </a:rPr>
+                        <a:t>FAR: 0.00213</a:t>
                       </a:r>
                       <a:endParaRPr lang="en-US" dirty="0">
                         <a:latin typeface="+mn-lt"/>
@@ -4394,7 +4377,7 @@
                 </a:tc>
                 <a:extLst>
                   <a:ext uri="{0D108BD9-81ED-4DB2-BD59-A6C34878D82A}">
-                    <a16:rowId xmlns:a16="http://schemas.microsoft.com/office/drawing/2014/main" val="10007"/>
+                    <a16:rowId xmlns:a16="http://schemas.microsoft.com/office/drawing/2014/main" xmlns="" val="10007"/>
                   </a:ext>
                 </a:extLst>
               </a:tr>
@@ -4505,7 +4488,7 @@
           <p:nvPr>
             <p:extLst>
               <p:ext uri="{D42A27DB-BD31-4B8C-83A1-F6EECF244321}">
-                <p14:modId xmlns:p14="http://schemas.microsoft.com/office/powerpoint/2010/main" val="910553627"/>
+                <p14:modId xmlns:p14="http://schemas.microsoft.com/office/powerpoint/2010/main" val="398163053"/>
               </p:ext>
             </p:extLst>
           </p:nvPr>
@@ -4524,42 +4507,42 @@
                 <a:gridCol w="2631776">
                   <a:extLst>
                     <a:ext uri="{9D8B030D-6E8A-4147-A177-3AD203B41FA5}">
-                      <a16:colId xmlns:a16="http://schemas.microsoft.com/office/drawing/2014/main" val="20000"/>
+                      <a16:colId xmlns:a16="http://schemas.microsoft.com/office/drawing/2014/main" xmlns="" val="20000"/>
                     </a:ext>
                   </a:extLst>
                 </a:gridCol>
                 <a:gridCol w="1680247">
                   <a:extLst>
                     <a:ext uri="{9D8B030D-6E8A-4147-A177-3AD203B41FA5}">
-                      <a16:colId xmlns:a16="http://schemas.microsoft.com/office/drawing/2014/main" val="20001"/>
+                      <a16:colId xmlns:a16="http://schemas.microsoft.com/office/drawing/2014/main" xmlns="" val="20001"/>
                     </a:ext>
                   </a:extLst>
                 </a:gridCol>
                 <a:gridCol w="1685365">
                   <a:extLst>
                     <a:ext uri="{9D8B030D-6E8A-4147-A177-3AD203B41FA5}">
-                      <a16:colId xmlns:a16="http://schemas.microsoft.com/office/drawing/2014/main" val="20002"/>
+                      <a16:colId xmlns:a16="http://schemas.microsoft.com/office/drawing/2014/main" xmlns="" val="20002"/>
                     </a:ext>
                   </a:extLst>
                 </a:gridCol>
                 <a:gridCol w="1748118">
                   <a:extLst>
                     <a:ext uri="{9D8B030D-6E8A-4147-A177-3AD203B41FA5}">
-                      <a16:colId xmlns:a16="http://schemas.microsoft.com/office/drawing/2014/main" val="20003"/>
+                      <a16:colId xmlns:a16="http://schemas.microsoft.com/office/drawing/2014/main" xmlns="" val="20003"/>
                     </a:ext>
                   </a:extLst>
                 </a:gridCol>
                 <a:gridCol w="1550894">
                   <a:extLst>
                     <a:ext uri="{9D8B030D-6E8A-4147-A177-3AD203B41FA5}">
-                      <a16:colId xmlns:a16="http://schemas.microsoft.com/office/drawing/2014/main" val="20004"/>
+                      <a16:colId xmlns:a16="http://schemas.microsoft.com/office/drawing/2014/main" xmlns="" val="20004"/>
                     </a:ext>
                   </a:extLst>
                 </a:gridCol>
                 <a:gridCol w="1712258">
                   <a:extLst>
                     <a:ext uri="{9D8B030D-6E8A-4147-A177-3AD203B41FA5}">
-                      <a16:colId xmlns:a16="http://schemas.microsoft.com/office/drawing/2014/main" val="20005"/>
+                      <a16:colId xmlns:a16="http://schemas.microsoft.com/office/drawing/2014/main" xmlns="" val="20005"/>
                     </a:ext>
                   </a:extLst>
                 </a:gridCol>
@@ -4684,7 +4667,7 @@
                 </a:tc>
                 <a:extLst>
                   <a:ext uri="{0D108BD9-81ED-4DB2-BD59-A6C34878D82A}">
-                    <a16:rowId xmlns:a16="http://schemas.microsoft.com/office/drawing/2014/main" val="10000"/>
+                    <a16:rowId xmlns:a16="http://schemas.microsoft.com/office/drawing/2014/main" xmlns="" val="10000"/>
                   </a:ext>
                 </a:extLst>
               </a:tr>
@@ -4716,111 +4699,111 @@
                         <a:rPr lang="en-US" dirty="0" smtClean="0">
                           <a:latin typeface="+mn-lt"/>
                         </a:rPr>
-                        <a:t>FRR: 0.00893</a:t>
-                      </a:r>
-                    </a:p>
-                    <a:p>
-                      <a:r>
-                        <a:rPr lang="en-US" dirty="0" smtClean="0">
-                          <a:latin typeface="+mn-lt"/>
-                        </a:rPr>
-                        <a:t>FAR: 0.01097</a:t>
-                      </a:r>
-                      <a:endParaRPr lang="en-US" dirty="0">
-                        <a:latin typeface="+mn-lt"/>
-                      </a:endParaRPr>
-                    </a:p>
-                  </a:txBody>
-                  <a:tcPr/>
-                </a:tc>
-                <a:tc>
-                  <a:txBody>
-                    <a:bodyPr/>
-                    <a:lstStyle/>
-                    <a:p>
-                      <a:r>
-                        <a:rPr lang="en-US" dirty="0" smtClean="0">
-                          <a:latin typeface="+mn-lt"/>
-                        </a:rPr>
-                        <a:t>FRR: 0.06579</a:t>
-                      </a:r>
-                    </a:p>
-                    <a:p>
-                      <a:r>
-                        <a:rPr lang="en-US" dirty="0" smtClean="0">
-                          <a:latin typeface="+mn-lt"/>
-                        </a:rPr>
-                        <a:t>FAR: 0.00777</a:t>
-                      </a:r>
-                      <a:endParaRPr lang="en-US" dirty="0">
-                        <a:latin typeface="+mn-lt"/>
-                      </a:endParaRPr>
-                    </a:p>
-                  </a:txBody>
-                  <a:tcPr/>
-                </a:tc>
-                <a:tc>
-                  <a:txBody>
-                    <a:bodyPr/>
-                    <a:lstStyle/>
-                    <a:p>
-                      <a:r>
-                        <a:rPr lang="en-US" dirty="0" smtClean="0">
-                          <a:latin typeface="+mn-lt"/>
-                        </a:rPr>
-                        <a:t>FRR: 0.00000</a:t>
-                      </a:r>
-                    </a:p>
-                    <a:p>
-                      <a:r>
-                        <a:rPr lang="en-US" dirty="0" smtClean="0">
-                          <a:latin typeface="+mn-lt"/>
-                        </a:rPr>
-                        <a:t>FAR: 0.00000</a:t>
-                      </a:r>
-                      <a:endParaRPr lang="en-US" dirty="0">
-                        <a:latin typeface="+mn-lt"/>
-                      </a:endParaRPr>
-                    </a:p>
-                  </a:txBody>
-                  <a:tcPr/>
-                </a:tc>
-                <a:tc>
-                  <a:txBody>
-                    <a:bodyPr/>
-                    <a:lstStyle/>
-                    <a:p>
-                      <a:r>
-                        <a:rPr lang="en-US" dirty="0" smtClean="0">
-                          <a:latin typeface="+mn-lt"/>
-                        </a:rPr>
-                        <a:t>FRR: 0.01250</a:t>
-                      </a:r>
-                    </a:p>
-                    <a:p>
-                      <a:r>
-                        <a:rPr lang="en-US" dirty="0" smtClean="0">
-                          <a:latin typeface="+mn-lt"/>
-                        </a:rPr>
-                        <a:t>FAR: 0.00000</a:t>
-                      </a:r>
-                      <a:endParaRPr lang="en-US" dirty="0">
-                        <a:latin typeface="+mn-lt"/>
-                      </a:endParaRPr>
-                    </a:p>
-                  </a:txBody>
-                  <a:tcPr/>
-                </a:tc>
-                <a:tc>
-                  <a:txBody>
-                    <a:bodyPr/>
-                    <a:lstStyle/>
-                    <a:p>
-                      <a:r>
-                        <a:rPr lang="en-US" dirty="0" smtClean="0">
-                          <a:latin typeface="+mn-lt"/>
-                        </a:rPr>
-                        <a:t>FRR: 0.00000</a:t>
+                        <a:t>FRR: 0.02678</a:t>
+                      </a:r>
+                    </a:p>
+                    <a:p>
+                      <a:r>
+                        <a:rPr lang="en-US" dirty="0" smtClean="0">
+                          <a:latin typeface="+mn-lt"/>
+                        </a:rPr>
+                        <a:t>FAR: 0.00253</a:t>
+                      </a:r>
+                      <a:endParaRPr lang="en-US" dirty="0">
+                        <a:latin typeface="+mn-lt"/>
+                      </a:endParaRPr>
+                    </a:p>
+                  </a:txBody>
+                  <a:tcPr/>
+                </a:tc>
+                <a:tc>
+                  <a:txBody>
+                    <a:bodyPr/>
+                    <a:lstStyle/>
+                    <a:p>
+                      <a:r>
+                        <a:rPr lang="en-US" dirty="0" smtClean="0">
+                          <a:latin typeface="+mn-lt"/>
+                        </a:rPr>
+                        <a:t>FRR: 0.13157</a:t>
+                      </a:r>
+                    </a:p>
+                    <a:p>
+                      <a:r>
+                        <a:rPr lang="en-US" dirty="0" smtClean="0">
+                          <a:latin typeface="+mn-lt"/>
+                        </a:rPr>
+                        <a:t>FAR: 0.00259</a:t>
+                      </a:r>
+                      <a:endParaRPr lang="en-US" dirty="0">
+                        <a:latin typeface="+mn-lt"/>
+                      </a:endParaRPr>
+                    </a:p>
+                  </a:txBody>
+                  <a:tcPr/>
+                </a:tc>
+                <a:tc>
+                  <a:txBody>
+                    <a:bodyPr/>
+                    <a:lstStyle/>
+                    <a:p>
+                      <a:r>
+                        <a:rPr lang="en-US" dirty="0" smtClean="0">
+                          <a:latin typeface="+mn-lt"/>
+                        </a:rPr>
+                        <a:t>FRR: 0.03278</a:t>
+                      </a:r>
+                    </a:p>
+                    <a:p>
+                      <a:r>
+                        <a:rPr lang="en-US" dirty="0" smtClean="0">
+                          <a:latin typeface="+mn-lt"/>
+                        </a:rPr>
+                        <a:t>FAR: 0.0</a:t>
+                      </a:r>
+                      <a:endParaRPr lang="en-US" dirty="0">
+                        <a:latin typeface="+mn-lt"/>
+                      </a:endParaRPr>
+                    </a:p>
+                  </a:txBody>
+                  <a:tcPr/>
+                </a:tc>
+                <a:tc>
+                  <a:txBody>
+                    <a:bodyPr/>
+                    <a:lstStyle/>
+                    <a:p>
+                      <a:r>
+                        <a:rPr lang="en-US" dirty="0" smtClean="0">
+                          <a:latin typeface="+mn-lt"/>
+                        </a:rPr>
+                        <a:t>FRR: 0.02500</a:t>
+                      </a:r>
+                    </a:p>
+                    <a:p>
+                      <a:r>
+                        <a:rPr lang="en-US" dirty="0" smtClean="0">
+                          <a:latin typeface="+mn-lt"/>
+                        </a:rPr>
+                        <a:t>FAR: 0.0</a:t>
+                      </a:r>
+                      <a:endParaRPr lang="en-US" dirty="0">
+                        <a:latin typeface="+mn-lt"/>
+                      </a:endParaRPr>
+                    </a:p>
+                  </a:txBody>
+                  <a:tcPr/>
+                </a:tc>
+                <a:tc>
+                  <a:txBody>
+                    <a:bodyPr/>
+                    <a:lstStyle/>
+                    <a:p>
+                      <a:r>
+                        <a:rPr lang="en-US" dirty="0" smtClean="0">
+                          <a:latin typeface="+mn-lt"/>
+                        </a:rPr>
+                        <a:t>FRR: 0.01351</a:t>
                       </a:r>
                     </a:p>
                     <a:p>
@@ -4839,7 +4822,7 @@
                 </a:tc>
                 <a:extLst>
                   <a:ext uri="{0D108BD9-81ED-4DB2-BD59-A6C34878D82A}">
-                    <a16:rowId xmlns:a16="http://schemas.microsoft.com/office/drawing/2014/main" val="10001"/>
+                    <a16:rowId xmlns:a16="http://schemas.microsoft.com/office/drawing/2014/main" xmlns="" val="10001"/>
                   </a:ext>
                 </a:extLst>
               </a:tr>
@@ -4871,7 +4854,7 @@
                         <a:rPr lang="en-US" dirty="0" smtClean="0">
                           <a:latin typeface="+mn-lt"/>
                         </a:rPr>
-                        <a:t>FRR: 0.04219</a:t>
+                        <a:t>FRR: 0.02953</a:t>
                       </a:r>
                     </a:p>
                     <a:p>
@@ -4905,85 +4888,85 @@
                         <a:rPr lang="en-US" dirty="0" smtClean="0">
                           <a:latin typeface="+mn-lt"/>
                         </a:rPr>
-                        <a:t>FAR: 0.01596</a:t>
-                      </a:r>
-                      <a:endParaRPr lang="en-US" dirty="0">
-                        <a:latin typeface="+mn-lt"/>
-                      </a:endParaRPr>
-                    </a:p>
-                  </a:txBody>
-                  <a:tcPr/>
-                </a:tc>
-                <a:tc>
-                  <a:txBody>
-                    <a:bodyPr/>
-                    <a:lstStyle/>
-                    <a:p>
-                      <a:r>
-                        <a:rPr lang="en-US" dirty="0" smtClean="0">
-                          <a:latin typeface="+mn-lt"/>
-                        </a:rPr>
-                        <a:t>FRR: 0.00000</a:t>
-                      </a:r>
-                    </a:p>
-                    <a:p>
-                      <a:r>
-                        <a:rPr lang="en-US" dirty="0" smtClean="0">
-                          <a:latin typeface="+mn-lt"/>
-                        </a:rPr>
-                        <a:t>FAR: 0.00000</a:t>
-                      </a:r>
-                      <a:endParaRPr lang="en-US" dirty="0">
-                        <a:latin typeface="+mn-lt"/>
-                      </a:endParaRPr>
-                    </a:p>
-                  </a:txBody>
-                  <a:tcPr/>
-                </a:tc>
-                <a:tc>
-                  <a:txBody>
-                    <a:bodyPr/>
-                    <a:lstStyle/>
-                    <a:p>
-                      <a:r>
-                        <a:rPr lang="en-US" dirty="0" smtClean="0">
-                          <a:latin typeface="+mn-lt"/>
-                        </a:rPr>
-                        <a:t>FRR: 0.00000</a:t>
-                      </a:r>
-                    </a:p>
-                    <a:p>
-                      <a:r>
-                        <a:rPr lang="en-US" dirty="0" smtClean="0">
-                          <a:latin typeface="+mn-lt"/>
-                        </a:rPr>
-                        <a:t>FAR: 0.00000</a:t>
-                      </a:r>
-                      <a:endParaRPr lang="en-US" dirty="0" smtClean="0">
-                        <a:latin typeface="+mn-lt"/>
-                      </a:endParaRPr>
-                    </a:p>
-                  </a:txBody>
-                  <a:tcPr/>
-                </a:tc>
-                <a:tc>
-                  <a:txBody>
-                    <a:bodyPr/>
-                    <a:lstStyle/>
-                    <a:p>
-                      <a:r>
-                        <a:rPr lang="en-US" dirty="0" smtClean="0">
-                          <a:latin typeface="+mn-lt"/>
-                        </a:rPr>
-                        <a:t>FRR: 0.00426</a:t>
-                      </a:r>
-                    </a:p>
-                    <a:p>
-                      <a:r>
-                        <a:rPr lang="en-US" dirty="0" smtClean="0">
-                          <a:latin typeface="+mn-lt"/>
-                        </a:rPr>
-                        <a:t>FAR: 0.00085</a:t>
+                        <a:t>FAR: 0.01063</a:t>
+                      </a:r>
+                      <a:endParaRPr lang="en-US" dirty="0">
+                        <a:latin typeface="+mn-lt"/>
+                      </a:endParaRPr>
+                    </a:p>
+                  </a:txBody>
+                  <a:tcPr/>
+                </a:tc>
+                <a:tc>
+                  <a:txBody>
+                    <a:bodyPr/>
+                    <a:lstStyle/>
+                    <a:p>
+                      <a:r>
+                        <a:rPr lang="en-US" dirty="0" smtClean="0">
+                          <a:latin typeface="+mn-lt"/>
+                        </a:rPr>
+                        <a:t>FRR: 0.02105</a:t>
+                      </a:r>
+                    </a:p>
+                    <a:p>
+                      <a:r>
+                        <a:rPr lang="en-US" dirty="0" smtClean="0">
+                          <a:latin typeface="+mn-lt"/>
+                        </a:rPr>
+                        <a:t>FAR: 0.00253</a:t>
+                      </a:r>
+                      <a:endParaRPr lang="en-US" dirty="0">
+                        <a:latin typeface="+mn-lt"/>
+                      </a:endParaRPr>
+                    </a:p>
+                  </a:txBody>
+                  <a:tcPr/>
+                </a:tc>
+                <a:tc>
+                  <a:txBody>
+                    <a:bodyPr/>
+                    <a:lstStyle/>
+                    <a:p>
+                      <a:r>
+                        <a:rPr lang="en-US" dirty="0" smtClean="0">
+                          <a:latin typeface="+mn-lt"/>
+                        </a:rPr>
+                        <a:t>FRR: 0.0</a:t>
+                      </a:r>
+                    </a:p>
+                    <a:p>
+                      <a:r>
+                        <a:rPr lang="en-US" dirty="0" smtClean="0">
+                          <a:latin typeface="+mn-lt"/>
+                        </a:rPr>
+                        <a:t>FAR: 0.00455</a:t>
+                      </a:r>
+                      <a:endParaRPr lang="en-US" dirty="0">
+                        <a:latin typeface="+mn-lt"/>
+                      </a:endParaRPr>
+                    </a:p>
+                  </a:txBody>
+                  <a:tcPr/>
+                </a:tc>
+                <a:tc>
+                  <a:txBody>
+                    <a:bodyPr/>
+                    <a:lstStyle/>
+                    <a:p>
+                      <a:r>
+                        <a:rPr lang="en-US" dirty="0" smtClean="0">
+                          <a:latin typeface="+mn-lt"/>
+                        </a:rPr>
+                        <a:t>FRR: 0.01277</a:t>
+                      </a:r>
+                    </a:p>
+                    <a:p>
+                      <a:r>
+                        <a:rPr lang="en-US" dirty="0" smtClean="0">
+                          <a:latin typeface="+mn-lt"/>
+                        </a:rPr>
+                        <a:t>FAR: 0.00170</a:t>
                       </a:r>
                       <a:endParaRPr lang="en-US" dirty="0">
                         <a:latin typeface="+mn-lt"/>
@@ -4994,7 +4977,7 @@
                 </a:tc>
                 <a:extLst>
                   <a:ext uri="{0D108BD9-81ED-4DB2-BD59-A6C34878D82A}">
-                    <a16:rowId xmlns:a16="http://schemas.microsoft.com/office/drawing/2014/main" val="10002"/>
+                    <a16:rowId xmlns:a16="http://schemas.microsoft.com/office/drawing/2014/main" xmlns="" val="10002"/>
                   </a:ext>
                 </a:extLst>
               </a:tr>
@@ -5026,95 +5009,95 @@
                         <a:rPr lang="en-US" dirty="0" smtClean="0">
                           <a:latin typeface="+mn-lt"/>
                         </a:rPr>
-                        <a:t>FRR: 0.05714</a:t>
-                      </a:r>
-                    </a:p>
-                    <a:p>
-                      <a:r>
-                        <a:rPr lang="en-US" dirty="0" smtClean="0">
-                          <a:latin typeface="+mn-lt"/>
-                        </a:rPr>
-                        <a:t>FAR: 0.01375</a:t>
-                      </a:r>
-                      <a:endParaRPr lang="en-US" dirty="0">
-                        <a:latin typeface="+mn-lt"/>
-                      </a:endParaRPr>
-                    </a:p>
-                  </a:txBody>
-                  <a:tcPr/>
-                </a:tc>
-                <a:tc>
-                  <a:txBody>
-                    <a:bodyPr/>
-                    <a:lstStyle/>
-                    <a:p>
-                      <a:r>
-                        <a:rPr lang="en-US" dirty="0" smtClean="0">
-                          <a:latin typeface="+mn-lt"/>
-                        </a:rPr>
-                        <a:t>FRR: 0.12000</a:t>
-                      </a:r>
-                    </a:p>
-                    <a:p>
-                      <a:r>
-                        <a:rPr lang="en-US" dirty="0" smtClean="0">
-                          <a:latin typeface="+mn-lt"/>
-                        </a:rPr>
-                        <a:t>FAR: 0.03101</a:t>
-                      </a:r>
-                      <a:endParaRPr lang="en-US" dirty="0">
-                        <a:latin typeface="+mn-lt"/>
-                      </a:endParaRPr>
-                    </a:p>
-                  </a:txBody>
-                  <a:tcPr/>
-                </a:tc>
-                <a:tc>
-                  <a:txBody>
-                    <a:bodyPr/>
-                    <a:lstStyle/>
-                    <a:p>
-                      <a:r>
-                        <a:rPr lang="en-US" dirty="0" smtClean="0">
-                          <a:latin typeface="+mn-lt"/>
-                        </a:rPr>
-                        <a:t>FRR: 0.00000</a:t>
-                      </a:r>
-                    </a:p>
-                    <a:p>
-                      <a:r>
-                        <a:rPr lang="en-US" dirty="0" smtClean="0">
-                          <a:latin typeface="+mn-lt"/>
-                        </a:rPr>
-                        <a:t>FAR: 0.00248</a:t>
-                      </a:r>
-                      <a:endParaRPr lang="en-US" dirty="0">
-                        <a:latin typeface="+mn-lt"/>
-                      </a:endParaRPr>
-                    </a:p>
-                  </a:txBody>
-                  <a:tcPr/>
-                </a:tc>
-                <a:tc>
-                  <a:txBody>
-                    <a:bodyPr/>
-                    <a:lstStyle/>
-                    <a:p>
-                      <a:r>
-                        <a:rPr lang="en-US" dirty="0" smtClean="0">
-                          <a:latin typeface="+mn-lt"/>
-                        </a:rPr>
-                        <a:t>FRR: 0.00000</a:t>
-                      </a:r>
-                    </a:p>
-                    <a:p>
-                      <a:r>
-                        <a:rPr lang="en-US" dirty="0" smtClean="0">
-                          <a:latin typeface="+mn-lt"/>
-                        </a:rPr>
-                        <a:t>FAR: 0.00000</a:t>
-                      </a:r>
-                      <a:endParaRPr lang="en-US" dirty="0" smtClean="0">
+                        <a:t>FRR: 0.02857</a:t>
+                      </a:r>
+                    </a:p>
+                    <a:p>
+                      <a:r>
+                        <a:rPr lang="en-US" dirty="0" smtClean="0">
+                          <a:latin typeface="+mn-lt"/>
+                        </a:rPr>
+                        <a:t>FAR: 0.01288</a:t>
+                      </a:r>
+                      <a:endParaRPr lang="en-US" dirty="0">
+                        <a:latin typeface="+mn-lt"/>
+                      </a:endParaRPr>
+                    </a:p>
+                  </a:txBody>
+                  <a:tcPr/>
+                </a:tc>
+                <a:tc>
+                  <a:txBody>
+                    <a:bodyPr/>
+                    <a:lstStyle/>
+                    <a:p>
+                      <a:r>
+                        <a:rPr lang="en-US" dirty="0" smtClean="0">
+                          <a:latin typeface="+mn-lt"/>
+                        </a:rPr>
+                        <a:t>FRR: 0.14666</a:t>
+                      </a:r>
+                    </a:p>
+                    <a:p>
+                      <a:r>
+                        <a:rPr lang="en-US" dirty="0" smtClean="0">
+                          <a:latin typeface="+mn-lt"/>
+                        </a:rPr>
+                        <a:t>FAR: 0.03617</a:t>
+                      </a:r>
+                      <a:endParaRPr lang="en-US" dirty="0">
+                        <a:latin typeface="+mn-lt"/>
+                      </a:endParaRPr>
+                    </a:p>
+                  </a:txBody>
+                  <a:tcPr/>
+                </a:tc>
+                <a:tc>
+                  <a:txBody>
+                    <a:bodyPr/>
+                    <a:lstStyle/>
+                    <a:p>
+                      <a:r>
+                        <a:rPr lang="en-US" dirty="0" smtClean="0">
+                          <a:latin typeface="+mn-lt"/>
+                        </a:rPr>
+                        <a:t>FRR: 0.01162</a:t>
+                      </a:r>
+                    </a:p>
+                    <a:p>
+                      <a:r>
+                        <a:rPr lang="en-US" dirty="0" smtClean="0">
+                          <a:latin typeface="+mn-lt"/>
+                        </a:rPr>
+                        <a:t>FAR: 0.0</a:t>
+                      </a:r>
+                      <a:endParaRPr lang="en-US" dirty="0">
+                        <a:latin typeface="+mn-lt"/>
+                      </a:endParaRPr>
+                    </a:p>
+                  </a:txBody>
+                  <a:tcPr/>
+                </a:tc>
+                <a:tc>
+                  <a:txBody>
+                    <a:bodyPr/>
+                    <a:lstStyle/>
+                    <a:p>
+                      <a:r>
+                        <a:rPr lang="en-US" dirty="0" smtClean="0">
+                          <a:latin typeface="+mn-lt"/>
+                        </a:rPr>
+                        <a:t>FRR: 0.09210</a:t>
+                      </a:r>
+                    </a:p>
+                    <a:p>
+                      <a:r>
+                        <a:rPr lang="en-US" dirty="0" smtClean="0">
+                          <a:latin typeface="+mn-lt"/>
+                        </a:rPr>
+                        <a:t>FAR: 0.00217</a:t>
+                      </a:r>
+                      <a:endParaRPr lang="en-US" dirty="0">
                         <a:latin typeface="+mn-lt"/>
                       </a:endParaRPr>
                     </a:p>
@@ -5138,7 +5121,7 @@
                         <a:rPr lang="en-US" dirty="0" smtClean="0">
                           <a:latin typeface="+mn-lt"/>
                         </a:rPr>
-                        <a:t>FAR: 0.00172</a:t>
+                        <a:t>FAR: 0.01029</a:t>
                       </a:r>
                       <a:endParaRPr lang="en-US" dirty="0">
                         <a:latin typeface="+mn-lt"/>
@@ -5149,7 +5132,7 @@
                 </a:tc>
                 <a:extLst>
                   <a:ext uri="{0D108BD9-81ED-4DB2-BD59-A6C34878D82A}">
-                    <a16:rowId xmlns:a16="http://schemas.microsoft.com/office/drawing/2014/main" val="10003"/>
+                    <a16:rowId xmlns:a16="http://schemas.microsoft.com/office/drawing/2014/main" xmlns="" val="10003"/>
                   </a:ext>
                 </a:extLst>
               </a:tr>
@@ -5181,33 +5164,33 @@
                         <a:rPr lang="en-US" dirty="0" smtClean="0">
                           <a:latin typeface="+mn-lt"/>
                         </a:rPr>
-                        <a:t>FRR: 0.05240</a:t>
-                      </a:r>
-                    </a:p>
-                    <a:p>
-                      <a:r>
-                        <a:rPr lang="en-US" dirty="0" smtClean="0">
-                          <a:latin typeface="+mn-lt"/>
-                        </a:rPr>
-                        <a:t>FAR: 0.00678</a:t>
-                      </a:r>
-                      <a:endParaRPr lang="en-US" dirty="0">
-                        <a:latin typeface="+mn-lt"/>
-                      </a:endParaRPr>
-                    </a:p>
-                  </a:txBody>
-                  <a:tcPr/>
-                </a:tc>
-                <a:tc>
-                  <a:txBody>
-                    <a:bodyPr/>
-                    <a:lstStyle/>
-                    <a:p>
-                      <a:r>
-                        <a:rPr lang="en-US" dirty="0" smtClean="0">
-                          <a:latin typeface="+mn-lt"/>
-                        </a:rPr>
-                        <a:t>FRR: 0.05634</a:t>
+                        <a:t>FRR: 0.02183</a:t>
+                      </a:r>
+                    </a:p>
+                    <a:p>
+                      <a:r>
+                        <a:rPr lang="en-US" dirty="0" smtClean="0">
+                          <a:latin typeface="+mn-lt"/>
+                        </a:rPr>
+                        <a:t>FAR: 0.00508</a:t>
+                      </a:r>
+                      <a:endParaRPr lang="en-US" dirty="0">
+                        <a:latin typeface="+mn-lt"/>
+                      </a:endParaRPr>
+                    </a:p>
+                  </a:txBody>
+                  <a:tcPr/>
+                </a:tc>
+                <a:tc>
+                  <a:txBody>
+                    <a:bodyPr/>
+                    <a:lstStyle/>
+                    <a:p>
+                      <a:r>
+                        <a:rPr lang="en-US" dirty="0" smtClean="0">
+                          <a:latin typeface="+mn-lt"/>
+                        </a:rPr>
+                        <a:t>FRR: 0.02816</a:t>
                       </a:r>
                     </a:p>
                     <a:p>
@@ -5233,59 +5216,59 @@
                         <a:rPr lang="en-US" dirty="0" smtClean="0">
                           <a:latin typeface="+mn-lt"/>
                         </a:rPr>
-                        <a:t>FRR: 0.01176</a:t>
-                      </a:r>
-                    </a:p>
-                    <a:p>
-                      <a:r>
-                        <a:rPr lang="en-US" dirty="0" smtClean="0">
-                          <a:latin typeface="+mn-lt"/>
-                        </a:rPr>
-                        <a:t>FAR: 0.00248</a:t>
-                      </a:r>
-                      <a:endParaRPr lang="en-US" dirty="0">
-                        <a:latin typeface="+mn-lt"/>
-                      </a:endParaRPr>
-                    </a:p>
-                  </a:txBody>
-                  <a:tcPr/>
-                </a:tc>
-                <a:tc>
-                  <a:txBody>
-                    <a:bodyPr/>
-                    <a:lstStyle/>
-                    <a:p>
-                      <a:r>
-                        <a:rPr lang="en-US" smtClean="0">
-                          <a:latin typeface="+mn-lt"/>
-                        </a:rPr>
-                        <a:t>FRR: 0.01124</a:t>
-                      </a:r>
-                    </a:p>
-                    <a:p>
-                      <a:r>
-                        <a:rPr lang="en-US" smtClean="0">
-                          <a:latin typeface="+mn-lt"/>
-                        </a:rPr>
-                        <a:t>FAR: 0.00224</a:t>
-                      </a:r>
-                      <a:endParaRPr lang="en-US" dirty="0">
-                        <a:latin typeface="+mn-lt"/>
-                      </a:endParaRPr>
-                    </a:p>
-                  </a:txBody>
-                  <a:tcPr/>
-                </a:tc>
-                <a:tc>
-                  <a:txBody>
-                    <a:bodyPr/>
-                    <a:lstStyle/>
-                    <a:p>
-                      <a:r>
-                        <a:rPr lang="en-US" dirty="0" smtClean="0">
-                          <a:latin typeface="+mn-lt"/>
-                        </a:rPr>
-                        <a:t>FRR: 0.00000</a:t>
+                        <a:t>FRR: 0.03529</a:t>
+                      </a:r>
+                    </a:p>
+                    <a:p>
+                      <a:r>
+                        <a:rPr lang="en-US" dirty="0" smtClean="0">
+                          <a:latin typeface="+mn-lt"/>
+                        </a:rPr>
+                        <a:t>FAR: 0.02475</a:t>
+                      </a:r>
+                      <a:endParaRPr lang="en-US" dirty="0">
+                        <a:latin typeface="+mn-lt"/>
+                      </a:endParaRPr>
+                    </a:p>
+                  </a:txBody>
+                  <a:tcPr/>
+                </a:tc>
+                <a:tc>
+                  <a:txBody>
+                    <a:bodyPr/>
+                    <a:lstStyle/>
+                    <a:p>
+                      <a:r>
+                        <a:rPr lang="en-US" dirty="0" smtClean="0">
+                          <a:latin typeface="+mn-lt"/>
+                        </a:rPr>
+                        <a:t>FRR: 0.02247</a:t>
+                      </a:r>
+                    </a:p>
+                    <a:p>
+                      <a:r>
+                        <a:rPr lang="en-US" dirty="0" smtClean="0">
+                          <a:latin typeface="+mn-lt"/>
+                        </a:rPr>
+                        <a:t>FAR: 0.0</a:t>
+                      </a:r>
+                      <a:endParaRPr lang="en-US" dirty="0">
+                        <a:latin typeface="+mn-lt"/>
+                      </a:endParaRPr>
+                    </a:p>
+                  </a:txBody>
+                  <a:tcPr/>
+                </a:tc>
+                <a:tc>
+                  <a:txBody>
+                    <a:bodyPr/>
+                    <a:lstStyle/>
+                    <a:p>
+                      <a:r>
+                        <a:rPr lang="en-US" dirty="0" smtClean="0">
+                          <a:latin typeface="+mn-lt"/>
+                        </a:rPr>
+                        <a:t>FRR: 0.00816</a:t>
                       </a:r>
                     </a:p>
                     <a:p>
@@ -5304,7 +5287,7 @@
                 </a:tc>
                 <a:extLst>
                   <a:ext uri="{0D108BD9-81ED-4DB2-BD59-A6C34878D82A}">
-                    <a16:rowId xmlns:a16="http://schemas.microsoft.com/office/drawing/2014/main" val="10004"/>
+                    <a16:rowId xmlns:a16="http://schemas.microsoft.com/office/drawing/2014/main" xmlns="" val="10004"/>
                   </a:ext>
                 </a:extLst>
               </a:tr>
@@ -5336,116 +5319,119 @@
                         <a:rPr lang="en-US" dirty="0" smtClean="0">
                           <a:latin typeface="+mn-lt"/>
                         </a:rPr>
-                        <a:t>FRR: 0.04000</a:t>
-                      </a:r>
-                    </a:p>
-                    <a:p>
-                      <a:r>
-                        <a:rPr lang="en-US" dirty="0" smtClean="0">
-                          <a:latin typeface="+mn-lt"/>
-                        </a:rPr>
-                        <a:t>FAR: 0.00760</a:t>
-                      </a:r>
-                      <a:endParaRPr lang="en-US" dirty="0">
-                        <a:latin typeface="+mn-lt"/>
-                      </a:endParaRPr>
-                    </a:p>
-                  </a:txBody>
-                  <a:tcPr/>
-                </a:tc>
-                <a:tc>
-                  <a:txBody>
-                    <a:bodyPr/>
-                    <a:lstStyle/>
-                    <a:p>
-                      <a:r>
-                        <a:rPr lang="en-US" dirty="0" smtClean="0">
-                          <a:latin typeface="+mn-lt"/>
-                        </a:rPr>
-                        <a:t>FRR: 0.00000</a:t>
-                      </a:r>
-                    </a:p>
-                    <a:p>
-                      <a:r>
-                        <a:rPr lang="en-US" dirty="0" smtClean="0">
-                          <a:latin typeface="+mn-lt"/>
-                        </a:rPr>
-                        <a:t>FAR: 0.00253</a:t>
-                      </a:r>
-                      <a:endParaRPr lang="en-US" dirty="0">
-                        <a:latin typeface="+mn-lt"/>
-                      </a:endParaRPr>
-                    </a:p>
-                  </a:txBody>
-                  <a:tcPr/>
-                </a:tc>
-                <a:tc>
-                  <a:txBody>
-                    <a:bodyPr/>
-                    <a:lstStyle/>
-                    <a:p>
-                      <a:r>
-                        <a:rPr lang="en-US" dirty="0" smtClean="0">
-                          <a:latin typeface="+mn-lt"/>
-                        </a:rPr>
-                        <a:t>FRR: 0.00000</a:t>
-                      </a:r>
-                    </a:p>
-                    <a:p>
-                      <a:r>
-                        <a:rPr lang="en-US" dirty="0" smtClean="0">
-                          <a:latin typeface="+mn-lt"/>
-                        </a:rPr>
-                        <a:t>FAR: 0.00000</a:t>
-                      </a:r>
-                    </a:p>
-                  </a:txBody>
-                  <a:tcPr/>
-                </a:tc>
-                <a:tc>
-                  <a:txBody>
-                    <a:bodyPr/>
-                    <a:lstStyle/>
-                    <a:p>
-                      <a:r>
-                        <a:rPr lang="en-US" dirty="0" smtClean="0">
-                          <a:latin typeface="+mn-lt"/>
-                        </a:rPr>
-                        <a:t>FRR: 0.00000</a:t>
-                      </a:r>
-                    </a:p>
-                    <a:p>
-                      <a:r>
-                        <a:rPr lang="en-US" dirty="0" smtClean="0">
-                          <a:latin typeface="+mn-lt"/>
-                        </a:rPr>
-                        <a:t>FAR: 0.00000</a:t>
-                      </a:r>
-                      <a:endParaRPr lang="en-US" dirty="0">
-                        <a:latin typeface="+mn-lt"/>
-                      </a:endParaRPr>
-                    </a:p>
-                  </a:txBody>
-                  <a:tcPr/>
-                </a:tc>
-                <a:tc>
-                  <a:txBody>
-                    <a:bodyPr/>
-                    <a:lstStyle/>
-                    <a:p>
-                      <a:r>
-                        <a:rPr lang="en-US" dirty="0" smtClean="0">
-                          <a:latin typeface="+mn-lt"/>
-                        </a:rPr>
-                        <a:t>FRR: 0.00448</a:t>
-                      </a:r>
-                    </a:p>
-                    <a:p>
-                      <a:r>
-                        <a:rPr lang="en-US" dirty="0" smtClean="0">
-                          <a:latin typeface="+mn-lt"/>
-                        </a:rPr>
-                        <a:t>FAR: 0.00000</a:t>
+                        <a:t>FRR: 0.01777</a:t>
+                      </a:r>
+                    </a:p>
+                    <a:p>
+                      <a:r>
+                        <a:rPr lang="en-US" dirty="0" smtClean="0">
+                          <a:latin typeface="+mn-lt"/>
+                        </a:rPr>
+                        <a:t>FAR: 0.00422</a:t>
+                      </a:r>
+                      <a:endParaRPr lang="en-US" dirty="0">
+                        <a:latin typeface="+mn-lt"/>
+                      </a:endParaRPr>
+                    </a:p>
+                  </a:txBody>
+                  <a:tcPr/>
+                </a:tc>
+                <a:tc>
+                  <a:txBody>
+                    <a:bodyPr/>
+                    <a:lstStyle/>
+                    <a:p>
+                      <a:r>
+                        <a:rPr lang="en-US" dirty="0" smtClean="0">
+                          <a:latin typeface="+mn-lt"/>
+                        </a:rPr>
+                        <a:t>FRR: 0.04477</a:t>
+                      </a:r>
+                    </a:p>
+                    <a:p>
+                      <a:r>
+                        <a:rPr lang="en-US" dirty="0" smtClean="0">
+                          <a:latin typeface="+mn-lt"/>
+                        </a:rPr>
+                        <a:t>FAR: 0.01518</a:t>
+                      </a:r>
+                      <a:endParaRPr lang="en-US" dirty="0">
+                        <a:latin typeface="+mn-lt"/>
+                      </a:endParaRPr>
+                    </a:p>
+                  </a:txBody>
+                  <a:tcPr/>
+                </a:tc>
+                <a:tc>
+                  <a:txBody>
+                    <a:bodyPr/>
+                    <a:lstStyle/>
+                    <a:p>
+                      <a:r>
+                        <a:rPr lang="en-US" dirty="0" smtClean="0">
+                          <a:latin typeface="+mn-lt"/>
+                        </a:rPr>
+                        <a:t>FRR: 0.06944</a:t>
+                      </a:r>
+                    </a:p>
+                    <a:p>
+                      <a:r>
+                        <a:rPr lang="en-US" dirty="0" smtClean="0">
+                          <a:latin typeface="+mn-lt"/>
+                        </a:rPr>
+                        <a:t>FAR: 0.0</a:t>
+                      </a:r>
+                      <a:endParaRPr lang="en-US" dirty="0">
+                        <a:latin typeface="+mn-lt"/>
+                      </a:endParaRPr>
+                    </a:p>
+                  </a:txBody>
+                  <a:tcPr/>
+                </a:tc>
+                <a:tc>
+                  <a:txBody>
+                    <a:bodyPr/>
+                    <a:lstStyle/>
+                    <a:p>
+                      <a:r>
+                        <a:rPr lang="en-US" dirty="0" smtClean="0">
+                          <a:latin typeface="+mn-lt"/>
+                        </a:rPr>
+                        <a:t>FRR: 0.04347</a:t>
+                      </a:r>
+                    </a:p>
+                    <a:p>
+                      <a:r>
+                        <a:rPr lang="en-US" dirty="0" smtClean="0">
+                          <a:latin typeface="+mn-lt"/>
+                        </a:rPr>
+                        <a:t>FAR: 0.00429</a:t>
+                      </a:r>
+                      <a:endParaRPr lang="en-US" dirty="0">
+                        <a:latin typeface="+mn-lt"/>
+                      </a:endParaRPr>
+                    </a:p>
+                  </a:txBody>
+                  <a:tcPr/>
+                </a:tc>
+                <a:tc>
+                  <a:txBody>
+                    <a:bodyPr/>
+                    <a:lstStyle/>
+                    <a:p>
+                      <a:r>
+                        <a:rPr lang="en-US" dirty="0" smtClean="0">
+                          <a:latin typeface="+mn-lt"/>
+                        </a:rPr>
+                        <a:t>FRR: 0.03139</a:t>
+                      </a:r>
+                    </a:p>
+                    <a:p>
+                      <a:r>
+                        <a:rPr lang="en-US" dirty="0" smtClean="0">
+                          <a:latin typeface="+mn-lt"/>
+                        </a:rPr>
+                        <a:t>FAR: 0.00168</a:t>
                       </a:r>
                       <a:endParaRPr lang="en-US" dirty="0">
                         <a:latin typeface="+mn-lt"/>
@@ -5456,7 +5442,7 @@
                 </a:tc>
                 <a:extLst>
                   <a:ext uri="{0D108BD9-81ED-4DB2-BD59-A6C34878D82A}">
-                    <a16:rowId xmlns:a16="http://schemas.microsoft.com/office/drawing/2014/main" val="10005"/>
+                    <a16:rowId xmlns:a16="http://schemas.microsoft.com/office/drawing/2014/main" xmlns="" val="10005"/>
                   </a:ext>
                 </a:extLst>
               </a:tr>
@@ -5502,41 +5488,41 @@
                         <a:rPr lang="en-US" dirty="0" smtClean="0">
                           <a:latin typeface="+mn-lt"/>
                         </a:rPr>
-                        <a:t>FRR: 0.01606</a:t>
-                      </a:r>
-                    </a:p>
-                    <a:p>
-                      <a:r>
-                        <a:rPr lang="en-US" dirty="0" smtClean="0">
-                          <a:latin typeface="+mn-lt"/>
-                        </a:rPr>
-                        <a:t>FAR: 0.00086</a:t>
-                      </a:r>
-                      <a:endParaRPr lang="en-US" dirty="0">
-                        <a:latin typeface="+mn-lt"/>
-                      </a:endParaRPr>
-                    </a:p>
-                  </a:txBody>
-                  <a:tcPr/>
-                </a:tc>
-                <a:tc>
-                  <a:txBody>
-                    <a:bodyPr/>
-                    <a:lstStyle/>
-                    <a:p>
-                      <a:r>
-                        <a:rPr lang="en-US" dirty="0" smtClean="0">
-                          <a:latin typeface="+mn-lt"/>
-                        </a:rPr>
-                        <a:t>FRR: 0.00000</a:t>
-                      </a:r>
-                    </a:p>
-                    <a:p>
-                      <a:r>
-                        <a:rPr lang="en-US" dirty="0" smtClean="0">
-                          <a:latin typeface="+mn-lt"/>
-                        </a:rPr>
-                        <a:t>FAR: 0.00267</a:t>
+                        <a:t>FRR: 0.02409</a:t>
+                      </a:r>
+                    </a:p>
+                    <a:p>
+                      <a:r>
+                        <a:rPr lang="en-US" dirty="0" smtClean="0">
+                          <a:latin typeface="+mn-lt"/>
+                        </a:rPr>
+                        <a:t>FAR: 0.00172</a:t>
+                      </a:r>
+                      <a:endParaRPr lang="en-US" dirty="0">
+                        <a:latin typeface="+mn-lt"/>
+                      </a:endParaRPr>
+                    </a:p>
+                  </a:txBody>
+                  <a:tcPr/>
+                </a:tc>
+                <a:tc>
+                  <a:txBody>
+                    <a:bodyPr/>
+                    <a:lstStyle/>
+                    <a:p>
+                      <a:r>
+                        <a:rPr lang="en-US" dirty="0" smtClean="0">
+                          <a:latin typeface="+mn-lt"/>
+                        </a:rPr>
+                        <a:t>FRR: 0.02298</a:t>
+                      </a:r>
+                    </a:p>
+                    <a:p>
+                      <a:r>
+                        <a:rPr lang="en-US" dirty="0" smtClean="0">
+                          <a:latin typeface="+mn-lt"/>
+                        </a:rPr>
+                        <a:t>FAR: 0.021333</a:t>
                       </a:r>
                       <a:endParaRPr lang="en-US" dirty="0">
                         <a:latin typeface="+mn-lt"/>
@@ -5562,59 +5548,59 @@
                         <a:rPr lang="en-US" dirty="0" smtClean="0">
                           <a:latin typeface="+mn-lt"/>
                         </a:rPr>
-                        <a:t>FAR: 0.00251</a:t>
-                      </a:r>
-                      <a:endParaRPr lang="en-US" dirty="0">
-                        <a:latin typeface="+mn-lt"/>
-                      </a:endParaRPr>
-                    </a:p>
-                  </a:txBody>
-                  <a:tcPr/>
-                </a:tc>
-                <a:tc>
-                  <a:txBody>
-                    <a:bodyPr/>
-                    <a:lstStyle/>
-                    <a:p>
-                      <a:r>
-                        <a:rPr lang="en-US" dirty="0" smtClean="0">
-                          <a:latin typeface="+mn-lt"/>
-                        </a:rPr>
-                        <a:t>FRR: 0.00000</a:t>
-                      </a:r>
-                    </a:p>
-                    <a:p>
-                      <a:r>
-                        <a:rPr lang="en-US" dirty="0" smtClean="0">
-                          <a:latin typeface="+mn-lt"/>
-                        </a:rPr>
-                        <a:t>FAR: 0.00244</a:t>
-                      </a:r>
-                      <a:endParaRPr lang="en-US" dirty="0">
-                        <a:latin typeface="+mn-lt"/>
-                      </a:endParaRPr>
-                    </a:p>
-                  </a:txBody>
-                  <a:tcPr/>
-                </a:tc>
-                <a:tc>
-                  <a:txBody>
-                    <a:bodyPr/>
-                    <a:lstStyle/>
-                    <a:p>
-                      <a:r>
-                        <a:rPr lang="en-US" dirty="0" smtClean="0">
-                          <a:latin typeface="+mn-lt"/>
-                        </a:rPr>
-                        <a:t>FRR: 0.00000</a:t>
-                      </a:r>
-                    </a:p>
-                    <a:p>
-                      <a:r>
-                        <a:rPr lang="en-US" dirty="0" smtClean="0">
-                          <a:latin typeface="+mn-lt"/>
-                        </a:rPr>
-                        <a:t>FAR: 0.00000</a:t>
+                        <a:t>FAR: 0.010025</a:t>
+                      </a:r>
+                      <a:endParaRPr lang="en-US" dirty="0">
+                        <a:latin typeface="+mn-lt"/>
+                      </a:endParaRPr>
+                    </a:p>
+                  </a:txBody>
+                  <a:tcPr/>
+                </a:tc>
+                <a:tc>
+                  <a:txBody>
+                    <a:bodyPr/>
+                    <a:lstStyle/>
+                    <a:p>
+                      <a:r>
+                        <a:rPr lang="en-US" dirty="0" smtClean="0">
+                          <a:latin typeface="+mn-lt"/>
+                        </a:rPr>
+                        <a:t>FRR: 0.0</a:t>
+                      </a:r>
+                    </a:p>
+                    <a:p>
+                      <a:r>
+                        <a:rPr lang="en-US" dirty="0" smtClean="0">
+                          <a:latin typeface="+mn-lt"/>
+                        </a:rPr>
+                        <a:t>FAR: 0.02195</a:t>
+                      </a:r>
+                      <a:endParaRPr lang="en-US" dirty="0">
+                        <a:latin typeface="+mn-lt"/>
+                      </a:endParaRPr>
+                    </a:p>
+                  </a:txBody>
+                  <a:tcPr/>
+                </a:tc>
+                <a:tc>
+                  <a:txBody>
+                    <a:bodyPr/>
+                    <a:lstStyle/>
+                    <a:p>
+                      <a:r>
+                        <a:rPr lang="en-US" dirty="0" smtClean="0">
+                          <a:latin typeface="+mn-lt"/>
+                        </a:rPr>
+                        <a:t>FRR: 0.00830</a:t>
+                      </a:r>
+                    </a:p>
+                    <a:p>
+                      <a:r>
+                        <a:rPr lang="en-US" dirty="0" smtClean="0">
+                          <a:latin typeface="+mn-lt"/>
+                        </a:rPr>
+                        <a:t>FAR: 0.00171</a:t>
                       </a:r>
                       <a:endParaRPr lang="en-US" dirty="0">
                         <a:latin typeface="+mn-lt"/>
@@ -5625,7 +5611,7 @@
                 </a:tc>
                 <a:extLst>
                   <a:ext uri="{0D108BD9-81ED-4DB2-BD59-A6C34878D82A}">
-                    <a16:rowId xmlns:a16="http://schemas.microsoft.com/office/drawing/2014/main" val="10006"/>
+                    <a16:rowId xmlns:a16="http://schemas.microsoft.com/office/drawing/2014/main" xmlns="" val="10006"/>
                   </a:ext>
                 </a:extLst>
               </a:tr>
@@ -5663,119 +5649,119 @@
                         <a:rPr lang="en-US" dirty="0" smtClean="0">
                           <a:latin typeface="+mn-lt"/>
                         </a:rPr>
-                        <a:t>FRR: 0.03612</a:t>
-                      </a:r>
-                    </a:p>
-                    <a:p>
-                      <a:r>
-                        <a:rPr lang="en-US" dirty="0" smtClean="0">
-                          <a:latin typeface="+mn-lt"/>
-                        </a:rPr>
-                        <a:t>FAR: 0.00723</a:t>
-                      </a:r>
-                      <a:endParaRPr lang="en-US" dirty="0">
-                        <a:latin typeface="+mn-lt"/>
-                      </a:endParaRPr>
-                    </a:p>
-                  </a:txBody>
-                  <a:tcPr/>
-                </a:tc>
-                <a:tc>
-                  <a:txBody>
-                    <a:bodyPr/>
-                    <a:lstStyle/>
-                    <a:p>
-                      <a:r>
-                        <a:rPr lang="en-US" dirty="0" smtClean="0">
-                          <a:latin typeface="+mn-lt"/>
-                        </a:rPr>
-                        <a:t>FRR: 0.05586</a:t>
-                      </a:r>
-                    </a:p>
-                    <a:p>
-                      <a:r>
-                        <a:rPr lang="en-US" dirty="0" smtClean="0">
-                          <a:latin typeface="+mn-lt"/>
-                        </a:rPr>
-                        <a:t>FAR: 0.01127</a:t>
-                      </a:r>
-                      <a:endParaRPr lang="en-US" dirty="0" smtClean="0">
-                        <a:latin typeface="+mn-lt"/>
-                      </a:endParaRPr>
-                    </a:p>
-                  </a:txBody>
-                  <a:tcPr/>
-                </a:tc>
-                <a:tc>
-                  <a:txBody>
-                    <a:bodyPr/>
-                    <a:lstStyle/>
-                    <a:p>
-                      <a:r>
-                        <a:rPr lang="en-US" dirty="0" smtClean="0">
-                          <a:latin typeface="+mn-lt"/>
-                        </a:rPr>
-                        <a:t>FRR: 0.00566</a:t>
-                      </a:r>
-                    </a:p>
-                    <a:p>
-                      <a:r>
-                        <a:rPr lang="en-US" dirty="0" smtClean="0">
-                          <a:latin typeface="+mn-lt"/>
-                        </a:rPr>
-                        <a:t>FAR: 0.00124</a:t>
-                      </a:r>
-                      <a:endParaRPr lang="en-US" dirty="0">
-                        <a:latin typeface="+mn-lt"/>
-                      </a:endParaRPr>
-                    </a:p>
-                  </a:txBody>
-                  <a:tcPr/>
-                </a:tc>
-                <a:tc>
-                  <a:txBody>
-                    <a:bodyPr/>
-                    <a:lstStyle/>
-                    <a:p>
-                      <a:r>
-                        <a:rPr lang="en-US" dirty="0" smtClean="0">
-                          <a:latin typeface="+mn-lt"/>
-                        </a:rPr>
-                        <a:t>FRR: 0.00396</a:t>
-                      </a:r>
-                    </a:p>
-                    <a:p>
-                      <a:r>
-                        <a:rPr lang="en-US" dirty="0" smtClean="0">
-                          <a:latin typeface="+mn-lt"/>
-                        </a:rPr>
-                        <a:t>FAR: 0.00078</a:t>
-                      </a:r>
-                      <a:endParaRPr lang="en-US" dirty="0">
-                        <a:latin typeface="+mn-lt"/>
-                      </a:endParaRPr>
-                    </a:p>
-                  </a:txBody>
-                  <a:tcPr/>
-                </a:tc>
-                <a:tc>
-                  <a:txBody>
-                    <a:bodyPr/>
-                    <a:lstStyle/>
-                    <a:p>
-                      <a:r>
-                        <a:rPr lang="en-US" dirty="0" smtClean="0">
-                          <a:latin typeface="+mn-lt"/>
-                        </a:rPr>
-                        <a:t>FRR: 0.00213</a:t>
-                      </a:r>
-                    </a:p>
-                    <a:p>
-                      <a:r>
-                        <a:rPr lang="en-US" dirty="0" smtClean="0">
-                          <a:latin typeface="+mn-lt"/>
-                        </a:rPr>
-                        <a:t>FAR: 0.00043</a:t>
+                        <a:t>FRR: 0.02476</a:t>
+                      </a:r>
+                    </a:p>
+                    <a:p>
+                      <a:r>
+                        <a:rPr lang="en-US" dirty="0" smtClean="0">
+                          <a:latin typeface="+mn-lt"/>
+                        </a:rPr>
+                        <a:t>FAR: 0.00497</a:t>
+                      </a:r>
+                      <a:endParaRPr lang="en-US" dirty="0">
+                        <a:latin typeface="+mn-lt"/>
+                      </a:endParaRPr>
+                    </a:p>
+                  </a:txBody>
+                  <a:tcPr/>
+                </a:tc>
+                <a:tc>
+                  <a:txBody>
+                    <a:bodyPr/>
+                    <a:lstStyle/>
+                    <a:p>
+                      <a:r>
+                        <a:rPr lang="en-US" dirty="0" smtClean="0">
+                          <a:latin typeface="+mn-lt"/>
+                        </a:rPr>
+                        <a:t>FRR: 0.07786</a:t>
+                      </a:r>
+                    </a:p>
+                    <a:p>
+                      <a:r>
+                        <a:rPr lang="en-US" dirty="0" smtClean="0">
+                          <a:latin typeface="+mn-lt"/>
+                        </a:rPr>
+                        <a:t>FAR: 0.01560</a:t>
+                      </a:r>
+                      <a:endParaRPr lang="en-US" dirty="0">
+                        <a:latin typeface="+mn-lt"/>
+                      </a:endParaRPr>
+                    </a:p>
+                  </a:txBody>
+                  <a:tcPr/>
+                </a:tc>
+                <a:tc>
+                  <a:txBody>
+                    <a:bodyPr/>
+                    <a:lstStyle/>
+                    <a:p>
+                      <a:r>
+                        <a:rPr lang="en-US" dirty="0" smtClean="0">
+                          <a:latin typeface="+mn-lt"/>
+                        </a:rPr>
+                        <a:t>FRR: 0.03207</a:t>
+                      </a:r>
+                    </a:p>
+                    <a:p>
+                      <a:r>
+                        <a:rPr lang="en-US" dirty="0" smtClean="0">
+                          <a:latin typeface="+mn-lt"/>
+                        </a:rPr>
+                        <a:t>FAR: 0.00621</a:t>
+                      </a:r>
+                      <a:endParaRPr lang="en-US" dirty="0">
+                        <a:latin typeface="+mn-lt"/>
+                      </a:endParaRPr>
+                    </a:p>
+                  </a:txBody>
+                  <a:tcPr/>
+                </a:tc>
+                <a:tc>
+                  <a:txBody>
+                    <a:bodyPr/>
+                    <a:lstStyle/>
+                    <a:p>
+                      <a:r>
+                        <a:rPr lang="en-US" dirty="0" smtClean="0">
+                          <a:latin typeface="+mn-lt"/>
+                        </a:rPr>
+                        <a:t>FRR: 0.03050</a:t>
+                      </a:r>
+                    </a:p>
+                    <a:p>
+                      <a:r>
+                        <a:rPr lang="en-US" dirty="0" smtClean="0">
+                          <a:latin typeface="+mn-lt"/>
+                        </a:rPr>
+                        <a:t>FAR: 0.00549</a:t>
+                      </a:r>
+                      <a:endParaRPr lang="en-US" dirty="0">
+                        <a:latin typeface="+mn-lt"/>
+                      </a:endParaRPr>
+                    </a:p>
+                  </a:txBody>
+                  <a:tcPr/>
+                </a:tc>
+                <a:tc>
+                  <a:txBody>
+                    <a:bodyPr/>
+                    <a:lstStyle/>
+                    <a:p>
+                      <a:r>
+                        <a:rPr lang="en-US" dirty="0" smtClean="0">
+                          <a:latin typeface="+mn-lt"/>
+                        </a:rPr>
+                        <a:t>FRR: 0.01303</a:t>
+                      </a:r>
+                    </a:p>
+                    <a:p>
+                      <a:r>
+                        <a:rPr lang="en-US" dirty="0" smtClean="0">
+                          <a:latin typeface="+mn-lt"/>
+                        </a:rPr>
+                        <a:t>FAR: 0.00256</a:t>
                       </a:r>
                       <a:endParaRPr lang="en-US" dirty="0">
                         <a:latin typeface="+mn-lt"/>
@@ -5786,7 +5772,7 @@
                 </a:tc>
                 <a:extLst>
                   <a:ext uri="{0D108BD9-81ED-4DB2-BD59-A6C34878D82A}">
-                    <a16:rowId xmlns:a16="http://schemas.microsoft.com/office/drawing/2014/main" val="10007"/>
+                    <a16:rowId xmlns:a16="http://schemas.microsoft.com/office/drawing/2014/main" xmlns="" val="10007"/>
                   </a:ext>
                 </a:extLst>
               </a:tr>
@@ -5877,7 +5863,7 @@
           <p:nvPr>
             <p:extLst>
               <p:ext uri="{D42A27DB-BD31-4B8C-83A1-F6EECF244321}">
-                <p14:modId xmlns:p14="http://schemas.microsoft.com/office/powerpoint/2010/main" val="4239905543"/>
+                <p14:modId xmlns:p14="http://schemas.microsoft.com/office/powerpoint/2010/main" val="3755750473"/>
               </p:ext>
             </p:extLst>
           </p:nvPr>
@@ -5896,42 +5882,42 @@
                 <a:gridCol w="2631776">
                   <a:extLst>
                     <a:ext uri="{9D8B030D-6E8A-4147-A177-3AD203B41FA5}">
-                      <a16:colId xmlns:a16="http://schemas.microsoft.com/office/drawing/2014/main" val="20000"/>
+                      <a16:colId xmlns:a16="http://schemas.microsoft.com/office/drawing/2014/main" xmlns="" val="20000"/>
                     </a:ext>
                   </a:extLst>
                 </a:gridCol>
                 <a:gridCol w="1680247">
                   <a:extLst>
                     <a:ext uri="{9D8B030D-6E8A-4147-A177-3AD203B41FA5}">
-                      <a16:colId xmlns:a16="http://schemas.microsoft.com/office/drawing/2014/main" val="20001"/>
+                      <a16:colId xmlns:a16="http://schemas.microsoft.com/office/drawing/2014/main" xmlns="" val="20001"/>
                     </a:ext>
                   </a:extLst>
                 </a:gridCol>
                 <a:gridCol w="1685365">
                   <a:extLst>
                     <a:ext uri="{9D8B030D-6E8A-4147-A177-3AD203B41FA5}">
-                      <a16:colId xmlns:a16="http://schemas.microsoft.com/office/drawing/2014/main" val="20002"/>
+                      <a16:colId xmlns:a16="http://schemas.microsoft.com/office/drawing/2014/main" xmlns="" val="20002"/>
                     </a:ext>
                   </a:extLst>
                 </a:gridCol>
                 <a:gridCol w="1748118">
                   <a:extLst>
                     <a:ext uri="{9D8B030D-6E8A-4147-A177-3AD203B41FA5}">
-                      <a16:colId xmlns:a16="http://schemas.microsoft.com/office/drawing/2014/main" val="20003"/>
+                      <a16:colId xmlns:a16="http://schemas.microsoft.com/office/drawing/2014/main" xmlns="" val="20003"/>
                     </a:ext>
                   </a:extLst>
                 </a:gridCol>
                 <a:gridCol w="1550894">
                   <a:extLst>
                     <a:ext uri="{9D8B030D-6E8A-4147-A177-3AD203B41FA5}">
-                      <a16:colId xmlns:a16="http://schemas.microsoft.com/office/drawing/2014/main" val="20004"/>
+                      <a16:colId xmlns:a16="http://schemas.microsoft.com/office/drawing/2014/main" xmlns="" val="20004"/>
                     </a:ext>
                   </a:extLst>
                 </a:gridCol>
                 <a:gridCol w="1712258">
                   <a:extLst>
                     <a:ext uri="{9D8B030D-6E8A-4147-A177-3AD203B41FA5}">
-                      <a16:colId xmlns:a16="http://schemas.microsoft.com/office/drawing/2014/main" val="20005"/>
+                      <a16:colId xmlns:a16="http://schemas.microsoft.com/office/drawing/2014/main" xmlns="" val="20005"/>
                     </a:ext>
                   </a:extLst>
                 </a:gridCol>
@@ -6056,7 +6042,7 @@
                 </a:tc>
                 <a:extLst>
                   <a:ext uri="{0D108BD9-81ED-4DB2-BD59-A6C34878D82A}">
-                    <a16:rowId xmlns:a16="http://schemas.microsoft.com/office/drawing/2014/main" val="10000"/>
+                    <a16:rowId xmlns:a16="http://schemas.microsoft.com/office/drawing/2014/main" xmlns="" val="10000"/>
                   </a:ext>
                 </a:extLst>
               </a:tr>
@@ -6088,119 +6074,119 @@
                         <a:rPr lang="en-US" dirty="0" smtClean="0">
                           <a:latin typeface="+mn-lt"/>
                         </a:rPr>
-                        <a:t>FRR: 0.17857</a:t>
-                      </a:r>
-                    </a:p>
-                    <a:p>
-                      <a:r>
-                        <a:rPr lang="en-US" dirty="0" smtClean="0">
-                          <a:latin typeface="+mn-lt"/>
-                        </a:rPr>
-                        <a:t>FAR: 0.01518</a:t>
-                      </a:r>
-                      <a:endParaRPr lang="en-US" dirty="0">
-                        <a:latin typeface="+mn-lt"/>
-                      </a:endParaRPr>
-                    </a:p>
-                  </a:txBody>
-                  <a:tcPr/>
-                </a:tc>
-                <a:tc>
-                  <a:txBody>
-                    <a:bodyPr/>
-                    <a:lstStyle/>
-                    <a:p>
-                      <a:r>
-                        <a:rPr lang="en-US" dirty="0" smtClean="0">
-                          <a:latin typeface="+mn-lt"/>
-                        </a:rPr>
-                        <a:t>FRR: 0.52631</a:t>
-                      </a:r>
-                    </a:p>
-                    <a:p>
-                      <a:r>
-                        <a:rPr lang="en-US" dirty="0" smtClean="0">
-                          <a:latin typeface="+mn-lt"/>
-                        </a:rPr>
-                        <a:t>FAR: 0.17098</a:t>
-                      </a:r>
-                      <a:endParaRPr lang="en-US" dirty="0">
-                        <a:latin typeface="+mn-lt"/>
-                      </a:endParaRPr>
-                    </a:p>
-                  </a:txBody>
-                  <a:tcPr/>
-                </a:tc>
-                <a:tc>
-                  <a:txBody>
-                    <a:bodyPr/>
-                    <a:lstStyle/>
-                    <a:p>
-                      <a:r>
-                        <a:rPr lang="en-US" dirty="0" smtClean="0">
-                          <a:latin typeface="+mn-lt"/>
-                        </a:rPr>
-                        <a:t>FRR: 0.78688</a:t>
-                      </a:r>
-                    </a:p>
-                    <a:p>
-                      <a:r>
-                        <a:rPr lang="en-US" dirty="0" smtClean="0">
-                          <a:latin typeface="+mn-lt"/>
-                        </a:rPr>
-                        <a:t>FAR: 0.04672</a:t>
-                      </a:r>
-                      <a:endParaRPr lang="en-US" dirty="0">
-                        <a:latin typeface="+mn-lt"/>
-                      </a:endParaRPr>
-                    </a:p>
-                  </a:txBody>
-                  <a:tcPr/>
-                </a:tc>
-                <a:tc>
-                  <a:txBody>
-                    <a:bodyPr/>
-                    <a:lstStyle/>
-                    <a:p>
-                      <a:r>
-                        <a:rPr lang="en-US" dirty="0" smtClean="0">
-                          <a:latin typeface="+mn-lt"/>
-                        </a:rPr>
-                        <a:t>FRR: 0.47499</a:t>
-                      </a:r>
-                    </a:p>
-                    <a:p>
-                      <a:r>
-                        <a:rPr lang="en-US" dirty="0" smtClean="0">
-                          <a:latin typeface="+mn-lt"/>
-                        </a:rPr>
-                        <a:t>FAR: 0.06153</a:t>
-                      </a:r>
-                      <a:endParaRPr lang="en-US" dirty="0">
-                        <a:latin typeface="+mn-lt"/>
-                      </a:endParaRPr>
-                    </a:p>
-                  </a:txBody>
-                  <a:tcPr/>
-                </a:tc>
-                <a:tc>
-                  <a:txBody>
-                    <a:bodyPr/>
-                    <a:lstStyle/>
-                    <a:p>
-                      <a:r>
-                        <a:rPr lang="en-US" dirty="0" smtClean="0">
-                          <a:latin typeface="+mn-lt"/>
-                        </a:rPr>
-                        <a:t>FRR: 0.19369</a:t>
-                      </a:r>
-                    </a:p>
-                    <a:p>
-                      <a:r>
-                        <a:rPr lang="en-US" dirty="0" smtClean="0">
-                          <a:latin typeface="+mn-lt"/>
-                        </a:rPr>
-                        <a:t>FAR: 0.03697</a:t>
+                        <a:t>FRR: 0.13839</a:t>
+                      </a:r>
+                    </a:p>
+                    <a:p>
+                      <a:r>
+                        <a:rPr lang="en-US" dirty="0" smtClean="0">
+                          <a:latin typeface="+mn-lt"/>
+                        </a:rPr>
+                        <a:t>FAR: 0.03882</a:t>
+                      </a:r>
+                      <a:endParaRPr lang="en-US" dirty="0">
+                        <a:latin typeface="+mn-lt"/>
+                      </a:endParaRPr>
+                    </a:p>
+                  </a:txBody>
+                  <a:tcPr/>
+                </a:tc>
+                <a:tc>
+                  <a:txBody>
+                    <a:bodyPr/>
+                    <a:lstStyle/>
+                    <a:p>
+                      <a:r>
+                        <a:rPr lang="en-US" dirty="0" smtClean="0">
+                          <a:latin typeface="+mn-lt"/>
+                        </a:rPr>
+                        <a:t>FRR: 0.09211</a:t>
+                      </a:r>
+                    </a:p>
+                    <a:p>
+                      <a:r>
+                        <a:rPr lang="en-US" dirty="0" smtClean="0">
+                          <a:latin typeface="+mn-lt"/>
+                        </a:rPr>
+                        <a:t>FAR: 0.06477</a:t>
+                      </a:r>
+                      <a:endParaRPr lang="en-US" dirty="0">
+                        <a:latin typeface="+mn-lt"/>
+                      </a:endParaRPr>
+                    </a:p>
+                  </a:txBody>
+                  <a:tcPr/>
+                </a:tc>
+                <a:tc>
+                  <a:txBody>
+                    <a:bodyPr/>
+                    <a:lstStyle/>
+                    <a:p>
+                      <a:r>
+                        <a:rPr lang="en-US" dirty="0" smtClean="0">
+                          <a:latin typeface="+mn-lt"/>
+                        </a:rPr>
+                        <a:t>FRR: 0.32787</a:t>
+                      </a:r>
+                    </a:p>
+                    <a:p>
+                      <a:r>
+                        <a:rPr lang="en-US" dirty="0" smtClean="0">
+                          <a:latin typeface="+mn-lt"/>
+                        </a:rPr>
+                        <a:t>FAR: 0.03738</a:t>
+                      </a:r>
+                      <a:endParaRPr lang="en-US" dirty="0">
+                        <a:latin typeface="+mn-lt"/>
+                      </a:endParaRPr>
+                    </a:p>
+                  </a:txBody>
+                  <a:tcPr/>
+                </a:tc>
+                <a:tc>
+                  <a:txBody>
+                    <a:bodyPr/>
+                    <a:lstStyle/>
+                    <a:p>
+                      <a:r>
+                        <a:rPr lang="en-US" dirty="0" smtClean="0">
+                          <a:latin typeface="+mn-lt"/>
+                        </a:rPr>
+                        <a:t>FRR: 0.22500</a:t>
+                      </a:r>
+                    </a:p>
+                    <a:p>
+                      <a:r>
+                        <a:rPr lang="en-US" dirty="0" smtClean="0">
+                          <a:latin typeface="+mn-lt"/>
+                        </a:rPr>
+                        <a:t>FAR: 0.09451</a:t>
+                      </a:r>
+                      <a:endParaRPr lang="en-US" dirty="0">
+                        <a:latin typeface="+mn-lt"/>
+                      </a:endParaRPr>
+                    </a:p>
+                  </a:txBody>
+                  <a:tcPr/>
+                </a:tc>
+                <a:tc>
+                  <a:txBody>
+                    <a:bodyPr/>
+                    <a:lstStyle/>
+                    <a:p>
+                      <a:r>
+                        <a:rPr lang="en-US" dirty="0" smtClean="0">
+                          <a:latin typeface="+mn-lt"/>
+                        </a:rPr>
+                        <a:t>FRR: 0.17117</a:t>
+                      </a:r>
+                    </a:p>
+                    <a:p>
+                      <a:r>
+                        <a:rPr lang="en-US" dirty="0" smtClean="0">
+                          <a:latin typeface="+mn-lt"/>
+                        </a:rPr>
+                        <a:t>FAR: 0.04958</a:t>
                       </a:r>
                       <a:endParaRPr lang="en-US" dirty="0">
                         <a:latin typeface="+mn-lt"/>
@@ -6211,7 +6197,7 @@
                 </a:tc>
                 <a:extLst>
                   <a:ext uri="{0D108BD9-81ED-4DB2-BD59-A6C34878D82A}">
-                    <a16:rowId xmlns:a16="http://schemas.microsoft.com/office/drawing/2014/main" val="10001"/>
+                    <a16:rowId xmlns:a16="http://schemas.microsoft.com/office/drawing/2014/main" xmlns="" val="10001"/>
                   </a:ext>
                 </a:extLst>
               </a:tr>
@@ -6243,121 +6229,121 @@
                         <a:rPr lang="en-US" dirty="0" smtClean="0">
                           <a:latin typeface="+mn-lt"/>
                         </a:rPr>
-                        <a:t>FRR: 0.27848</a:t>
-                      </a:r>
-                    </a:p>
-                    <a:p>
-                      <a:r>
-                        <a:rPr lang="en-US" dirty="0" smtClean="0">
-                          <a:latin typeface="+mn-lt"/>
-                        </a:rPr>
-                        <a:t>FAR: 0.034982</a:t>
-                      </a:r>
-                      <a:endParaRPr lang="en-US" dirty="0">
-                        <a:latin typeface="+mn-lt"/>
-                      </a:endParaRPr>
-                    </a:p>
-                  </a:txBody>
-                  <a:tcPr/>
-                </a:tc>
-                <a:tc>
-                  <a:txBody>
-                    <a:bodyPr/>
-                    <a:lstStyle/>
-                    <a:p>
-                      <a:r>
-                        <a:rPr lang="en-US" dirty="0" smtClean="0">
-                          <a:latin typeface="+mn-lt"/>
-                        </a:rPr>
-                        <a:t>FRR: 0.56976</a:t>
-                      </a:r>
-                    </a:p>
-                    <a:p>
-                      <a:r>
-                        <a:rPr lang="en-US" dirty="0" smtClean="0">
-                          <a:latin typeface="+mn-lt"/>
-                        </a:rPr>
-                        <a:t>FAR: 0.09840</a:t>
-                      </a:r>
-                      <a:endParaRPr lang="en-US" dirty="0">
-                        <a:latin typeface="+mn-lt"/>
-                      </a:endParaRPr>
-                    </a:p>
-                  </a:txBody>
-                  <a:tcPr/>
-                </a:tc>
-                <a:tc>
-                  <a:txBody>
-                    <a:bodyPr/>
-                    <a:lstStyle/>
-                    <a:p>
-                      <a:r>
-                        <a:rPr lang="en-US" dirty="0" smtClean="0">
-                          <a:latin typeface="+mn-lt"/>
-                        </a:rPr>
-                        <a:t>FRR: 0.08421</a:t>
-                      </a:r>
-                    </a:p>
-                    <a:p>
-                      <a:r>
-                        <a:rPr lang="en-US" dirty="0" smtClean="0">
-                          <a:latin typeface="+mn-lt"/>
-                        </a:rPr>
-                        <a:t>FAR: 0.16243</a:t>
-                      </a:r>
-                      <a:endParaRPr lang="en-US" dirty="0">
-                        <a:latin typeface="+mn-lt"/>
-                      </a:endParaRPr>
-                    </a:p>
-                  </a:txBody>
-                  <a:tcPr/>
-                </a:tc>
-                <a:tc>
-                  <a:txBody>
-                    <a:bodyPr/>
-                    <a:lstStyle/>
-                    <a:p>
-                      <a:r>
-                        <a:rPr lang="en-US" dirty="0" smtClean="0">
-                          <a:latin typeface="+mn-lt"/>
-                        </a:rPr>
-                        <a:t>FRR: 0.11458</a:t>
-                      </a:r>
-                    </a:p>
-                    <a:p>
-                      <a:r>
-                        <a:rPr lang="en-US" dirty="0" smtClean="0">
-                          <a:latin typeface="+mn-lt"/>
-                        </a:rPr>
-                        <a:t>FAR: 0.07061</a:t>
-                      </a:r>
-                      <a:endParaRPr lang="en-US" dirty="0">
-                        <a:latin typeface="+mn-lt"/>
-                      </a:endParaRPr>
-                    </a:p>
-                  </a:txBody>
-                  <a:tcPr/>
-                </a:tc>
-                <a:tc>
-                  <a:txBody>
-                    <a:bodyPr/>
-                    <a:lstStyle/>
-                    <a:p>
-                      <a:r>
-                        <a:rPr lang="en-US" dirty="0" smtClean="0">
-                          <a:latin typeface="+mn-lt"/>
-                        </a:rPr>
-                        <a:t>FRR: 0.18723</a:t>
-                      </a:r>
-                    </a:p>
-                    <a:p>
-                      <a:r>
-                        <a:rPr lang="en-US" dirty="0" smtClean="0">
-                          <a:latin typeface="+mn-lt"/>
-                        </a:rPr>
-                        <a:t>FAR: 0.05013</a:t>
-                      </a:r>
-                      <a:endParaRPr lang="en-US" dirty="0">
+                        <a:t>FRR: 0.18565</a:t>
+                      </a:r>
+                    </a:p>
+                    <a:p>
+                      <a:r>
+                        <a:rPr lang="en-US" dirty="0" smtClean="0">
+                          <a:latin typeface="+mn-lt"/>
+                        </a:rPr>
+                        <a:t>FAR: 0.02816</a:t>
+                      </a:r>
+                      <a:endParaRPr lang="en-US" dirty="0">
+                        <a:latin typeface="+mn-lt"/>
+                      </a:endParaRPr>
+                    </a:p>
+                  </a:txBody>
+                  <a:tcPr/>
+                </a:tc>
+                <a:tc>
+                  <a:txBody>
+                    <a:bodyPr/>
+                    <a:lstStyle/>
+                    <a:p>
+                      <a:r>
+                        <a:rPr lang="en-US" dirty="0" smtClean="0">
+                          <a:latin typeface="+mn-lt"/>
+                        </a:rPr>
+                        <a:t>FRR: 0.31395</a:t>
+                      </a:r>
+                    </a:p>
+                    <a:p>
+                      <a:r>
+                        <a:rPr lang="en-US" dirty="0" smtClean="0">
+                          <a:latin typeface="+mn-lt"/>
+                        </a:rPr>
+                        <a:t>FAR: 0.02394</a:t>
+                      </a:r>
+                      <a:endParaRPr lang="en-US" dirty="0">
+                        <a:latin typeface="+mn-lt"/>
+                      </a:endParaRPr>
+                    </a:p>
+                  </a:txBody>
+                  <a:tcPr/>
+                </a:tc>
+                <a:tc>
+                  <a:txBody>
+                    <a:bodyPr/>
+                    <a:lstStyle/>
+                    <a:p>
+                      <a:r>
+                        <a:rPr lang="en-US" dirty="0" smtClean="0">
+                          <a:latin typeface="+mn-lt"/>
+                        </a:rPr>
+                        <a:t>FRR: 0.23158</a:t>
+                      </a:r>
+                    </a:p>
+                    <a:p>
+                      <a:r>
+                        <a:rPr lang="en-US" dirty="0" smtClean="0">
+                          <a:latin typeface="+mn-lt"/>
+                        </a:rPr>
+                        <a:t>FAR: 0.10406</a:t>
+                      </a:r>
+                      <a:endParaRPr lang="en-US" dirty="0">
+                        <a:latin typeface="+mn-lt"/>
+                      </a:endParaRPr>
+                    </a:p>
+                  </a:txBody>
+                  <a:tcPr/>
+                </a:tc>
+                <a:tc>
+                  <a:txBody>
+                    <a:bodyPr/>
+                    <a:lstStyle/>
+                    <a:p>
+                      <a:r>
+                        <a:rPr lang="en-US" dirty="0" smtClean="0">
+                          <a:latin typeface="+mn-lt"/>
+                        </a:rPr>
+                        <a:t>FRR: 0.31250</a:t>
+                      </a:r>
+                    </a:p>
+                    <a:p>
+                      <a:r>
+                        <a:rPr lang="en-US" dirty="0" smtClean="0">
+                          <a:latin typeface="+mn-lt"/>
+                        </a:rPr>
+                        <a:t>FAR: 0.05695</a:t>
+                      </a:r>
+                      <a:endParaRPr lang="en-US" dirty="0">
+                        <a:latin typeface="+mn-lt"/>
+                      </a:endParaRPr>
+                    </a:p>
+                  </a:txBody>
+                  <a:tcPr/>
+                </a:tc>
+                <a:tc>
+                  <a:txBody>
+                    <a:bodyPr/>
+                    <a:lstStyle/>
+                    <a:p>
+                      <a:r>
+                        <a:rPr lang="en-US" dirty="0" smtClean="0">
+                          <a:latin typeface="+mn-lt"/>
+                        </a:rPr>
+                        <a:t>FRR: 0.20851</a:t>
+                      </a:r>
+                    </a:p>
+                    <a:p>
+                      <a:r>
+                        <a:rPr lang="en-US" dirty="0" smtClean="0">
+                          <a:latin typeface="+mn-lt"/>
+                        </a:rPr>
+                        <a:t>FAR: 0.03653</a:t>
+                      </a:r>
+                      <a:endParaRPr lang="en-US" dirty="0" smtClean="0">
                         <a:latin typeface="+mn-lt"/>
                       </a:endParaRPr>
                     </a:p>
@@ -6366,7 +6352,7 @@
                 </a:tc>
                 <a:extLst>
                   <a:ext uri="{0D108BD9-81ED-4DB2-BD59-A6C34878D82A}">
-                    <a16:rowId xmlns:a16="http://schemas.microsoft.com/office/drawing/2014/main" val="10002"/>
+                    <a16:rowId xmlns:a16="http://schemas.microsoft.com/office/drawing/2014/main" xmlns="" val="10002"/>
                   </a:ext>
                 </a:extLst>
               </a:tr>
@@ -6398,119 +6384,119 @@
                         <a:rPr lang="en-US" dirty="0" smtClean="0">
                           <a:latin typeface="+mn-lt"/>
                         </a:rPr>
-                        <a:t>FRR: 0.04081</a:t>
-                      </a:r>
-                    </a:p>
-                    <a:p>
-                      <a:r>
-                        <a:rPr lang="en-US" dirty="0" smtClean="0">
-                          <a:latin typeface="+mn-lt"/>
-                        </a:rPr>
-                        <a:t>FAR: 0.07130</a:t>
-                      </a:r>
-                      <a:endParaRPr lang="en-US" dirty="0">
-                        <a:latin typeface="+mn-lt"/>
-                      </a:endParaRPr>
-                    </a:p>
-                  </a:txBody>
-                  <a:tcPr/>
-                </a:tc>
-                <a:tc>
-                  <a:txBody>
-                    <a:bodyPr/>
-                    <a:lstStyle/>
-                    <a:p>
-                      <a:r>
-                        <a:rPr lang="en-US" dirty="0" smtClean="0">
-                          <a:latin typeface="+mn-lt"/>
-                        </a:rPr>
-                        <a:t>FRR: 0.28000</a:t>
-                      </a:r>
-                    </a:p>
-                    <a:p>
-                      <a:r>
-                        <a:rPr lang="en-US" dirty="0" smtClean="0">
-                          <a:latin typeface="+mn-lt"/>
-                        </a:rPr>
-                        <a:t>FAR: 0.17312</a:t>
-                      </a:r>
-                      <a:endParaRPr lang="en-US" dirty="0">
-                        <a:latin typeface="+mn-lt"/>
-                      </a:endParaRPr>
-                    </a:p>
-                  </a:txBody>
-                  <a:tcPr/>
-                </a:tc>
-                <a:tc>
-                  <a:txBody>
-                    <a:bodyPr/>
-                    <a:lstStyle/>
-                    <a:p>
-                      <a:r>
-                        <a:rPr lang="en-US" dirty="0" smtClean="0">
-                          <a:latin typeface="+mn-lt"/>
-                        </a:rPr>
-                        <a:t>FRR: 0.51162</a:t>
-                      </a:r>
-                    </a:p>
-                    <a:p>
-                      <a:r>
-                        <a:rPr lang="en-US" dirty="0" smtClean="0">
-                          <a:latin typeface="+mn-lt"/>
-                        </a:rPr>
-                        <a:t>FAR: 0.08684</a:t>
-                      </a:r>
-                      <a:endParaRPr lang="en-US" dirty="0">
-                        <a:latin typeface="+mn-lt"/>
-                      </a:endParaRPr>
-                    </a:p>
-                  </a:txBody>
-                  <a:tcPr/>
-                </a:tc>
-                <a:tc>
-                  <a:txBody>
-                    <a:bodyPr/>
-                    <a:lstStyle/>
-                    <a:p>
-                      <a:r>
-                        <a:rPr lang="en-US" dirty="0" smtClean="0">
-                          <a:latin typeface="+mn-lt"/>
-                        </a:rPr>
-                        <a:t>FRR: 0.36842</a:t>
-                      </a:r>
-                    </a:p>
-                    <a:p>
-                      <a:r>
-                        <a:rPr lang="en-US" dirty="0" smtClean="0">
-                          <a:latin typeface="+mn-lt"/>
-                        </a:rPr>
-                        <a:t>FAR: 0.06100</a:t>
-                      </a:r>
-                      <a:endParaRPr lang="en-US" dirty="0">
-                        <a:latin typeface="+mn-lt"/>
-                      </a:endParaRPr>
-                    </a:p>
-                  </a:txBody>
-                  <a:tcPr/>
-                </a:tc>
-                <a:tc>
-                  <a:txBody>
-                    <a:bodyPr/>
-                    <a:lstStyle/>
-                    <a:p>
-                      <a:r>
-                        <a:rPr lang="en-US" dirty="0" smtClean="0">
-                          <a:latin typeface="+mn-lt"/>
-                        </a:rPr>
-                        <a:t>FRR: 0.00407</a:t>
-                      </a:r>
-                    </a:p>
-                    <a:p>
-                      <a:r>
-                        <a:rPr lang="en-US" dirty="0" smtClean="0">
-                          <a:latin typeface="+mn-lt"/>
-                        </a:rPr>
-                        <a:t>FAR: 0.04460</a:t>
+                        <a:t>FRR: 0.06531</a:t>
+                      </a:r>
+                    </a:p>
+                    <a:p>
+                      <a:r>
+                        <a:rPr lang="en-US" dirty="0" smtClean="0">
+                          <a:latin typeface="+mn-lt"/>
+                        </a:rPr>
+                        <a:t>FAR: 0.03866</a:t>
+                      </a:r>
+                      <a:endParaRPr lang="en-US" dirty="0">
+                        <a:latin typeface="+mn-lt"/>
+                      </a:endParaRPr>
+                    </a:p>
+                  </a:txBody>
+                  <a:tcPr/>
+                </a:tc>
+                <a:tc>
+                  <a:txBody>
+                    <a:bodyPr/>
+                    <a:lstStyle/>
+                    <a:p>
+                      <a:r>
+                        <a:rPr lang="en-US" dirty="0" smtClean="0">
+                          <a:latin typeface="+mn-lt"/>
+                        </a:rPr>
+                        <a:t>FRR: 0.10667</a:t>
+                      </a:r>
+                    </a:p>
+                    <a:p>
+                      <a:r>
+                        <a:rPr lang="en-US" dirty="0" smtClean="0">
+                          <a:latin typeface="+mn-lt"/>
+                        </a:rPr>
+                        <a:t>FAR: 0.06202</a:t>
+                      </a:r>
+                      <a:endParaRPr lang="en-US" dirty="0">
+                        <a:latin typeface="+mn-lt"/>
+                      </a:endParaRPr>
+                    </a:p>
+                  </a:txBody>
+                  <a:tcPr/>
+                </a:tc>
+                <a:tc>
+                  <a:txBody>
+                    <a:bodyPr/>
+                    <a:lstStyle/>
+                    <a:p>
+                      <a:r>
+                        <a:rPr lang="en-US" dirty="0" smtClean="0">
+                          <a:latin typeface="+mn-lt"/>
+                        </a:rPr>
+                        <a:t>FRR: 0.53488</a:t>
+                      </a:r>
+                    </a:p>
+                    <a:p>
+                      <a:r>
+                        <a:rPr lang="en-US" dirty="0" smtClean="0">
+                          <a:latin typeface="+mn-lt"/>
+                        </a:rPr>
+                        <a:t>FAR: 0.01737</a:t>
+                      </a:r>
+                      <a:endParaRPr lang="en-US" dirty="0">
+                        <a:latin typeface="+mn-lt"/>
+                      </a:endParaRPr>
+                    </a:p>
+                  </a:txBody>
+                  <a:tcPr/>
+                </a:tc>
+                <a:tc>
+                  <a:txBody>
+                    <a:bodyPr/>
+                    <a:lstStyle/>
+                    <a:p>
+                      <a:r>
+                        <a:rPr lang="en-US" dirty="0" smtClean="0">
+                          <a:latin typeface="+mn-lt"/>
+                        </a:rPr>
+                        <a:t>FRR: 0.28947</a:t>
+                      </a:r>
+                    </a:p>
+                    <a:p>
+                      <a:r>
+                        <a:rPr lang="en-US" dirty="0" smtClean="0">
+                          <a:latin typeface="+mn-lt"/>
+                        </a:rPr>
+                        <a:t>FAR: 0.06972</a:t>
+                      </a:r>
+                      <a:endParaRPr lang="en-US" dirty="0">
+                        <a:latin typeface="+mn-lt"/>
+                      </a:endParaRPr>
+                    </a:p>
+                  </a:txBody>
+                  <a:tcPr/>
+                </a:tc>
+                <a:tc>
+                  <a:txBody>
+                    <a:bodyPr/>
+                    <a:lstStyle/>
+                    <a:p>
+                      <a:r>
+                        <a:rPr lang="en-US" dirty="0" smtClean="0">
+                          <a:latin typeface="+mn-lt"/>
+                        </a:rPr>
+                        <a:t>FRR: 0.14228</a:t>
+                      </a:r>
+                    </a:p>
+                    <a:p>
+                      <a:r>
+                        <a:rPr lang="en-US" dirty="0" smtClean="0">
+                          <a:latin typeface="+mn-lt"/>
+                        </a:rPr>
+                        <a:t>FAR: 0.05746</a:t>
                       </a:r>
                       <a:endParaRPr lang="en-US" dirty="0">
                         <a:latin typeface="+mn-lt"/>
@@ -6521,7 +6507,7 @@
                 </a:tc>
                 <a:extLst>
                   <a:ext uri="{0D108BD9-81ED-4DB2-BD59-A6C34878D82A}">
-                    <a16:rowId xmlns:a16="http://schemas.microsoft.com/office/drawing/2014/main" val="10003"/>
+                    <a16:rowId xmlns:a16="http://schemas.microsoft.com/office/drawing/2014/main" xmlns="" val="10003"/>
                   </a:ext>
                 </a:extLst>
               </a:tr>
@@ -6553,119 +6539,119 @@
                         <a:rPr lang="en-US" dirty="0" smtClean="0">
                           <a:latin typeface="+mn-lt"/>
                         </a:rPr>
-                        <a:t>FRR: 0.18777</a:t>
-                      </a:r>
-                    </a:p>
-                    <a:p>
-                      <a:r>
-                        <a:rPr lang="en-US" dirty="0" smtClean="0">
-                          <a:latin typeface="+mn-lt"/>
-                        </a:rPr>
-                        <a:t>FAR: 0.03220</a:t>
-                      </a:r>
-                      <a:endParaRPr lang="en-US" dirty="0">
-                        <a:latin typeface="+mn-lt"/>
-                      </a:endParaRPr>
-                    </a:p>
-                  </a:txBody>
-                  <a:tcPr/>
-                </a:tc>
-                <a:tc>
-                  <a:txBody>
-                    <a:bodyPr/>
-                    <a:lstStyle/>
-                    <a:p>
-                      <a:r>
-                        <a:rPr lang="en-US" dirty="0" smtClean="0">
-                          <a:latin typeface="+mn-lt"/>
-                        </a:rPr>
-                        <a:t>FRR: 0.80281</a:t>
-                      </a:r>
-                    </a:p>
-                    <a:p>
-                      <a:r>
-                        <a:rPr lang="en-US" dirty="0" smtClean="0">
-                          <a:latin typeface="+mn-lt"/>
-                        </a:rPr>
-                        <a:t>FAR: 0.03324</a:t>
-                      </a:r>
-                      <a:endParaRPr lang="en-US" dirty="0">
-                        <a:latin typeface="+mn-lt"/>
-                      </a:endParaRPr>
-                    </a:p>
-                  </a:txBody>
-                  <a:tcPr/>
-                </a:tc>
-                <a:tc>
-                  <a:txBody>
-                    <a:bodyPr/>
-                    <a:lstStyle/>
-                    <a:p>
-                      <a:r>
-                        <a:rPr lang="en-US" dirty="0" smtClean="0">
-                          <a:latin typeface="+mn-lt"/>
-                        </a:rPr>
-                        <a:t>FRR: 0.35294</a:t>
-                      </a:r>
-                    </a:p>
-                    <a:p>
-                      <a:r>
-                        <a:rPr lang="en-US" dirty="0" smtClean="0">
-                          <a:latin typeface="+mn-lt"/>
-                        </a:rPr>
-                        <a:t>FAR: 0.04455</a:t>
-                      </a:r>
-                      <a:endParaRPr lang="en-US" dirty="0">
-                        <a:latin typeface="+mn-lt"/>
-                      </a:endParaRPr>
-                    </a:p>
-                  </a:txBody>
-                  <a:tcPr/>
-                </a:tc>
-                <a:tc>
-                  <a:txBody>
-                    <a:bodyPr/>
-                    <a:lstStyle/>
-                    <a:p>
-                      <a:r>
-                        <a:rPr lang="en-US" dirty="0" smtClean="0">
-                          <a:latin typeface="+mn-lt"/>
-                        </a:rPr>
-                        <a:t>FRR: 0.61797</a:t>
-                      </a:r>
-                    </a:p>
-                    <a:p>
-                      <a:r>
-                        <a:rPr lang="en-US" dirty="0" smtClean="0">
-                          <a:latin typeface="+mn-lt"/>
-                        </a:rPr>
-                        <a:t>FAR: 0.07623</a:t>
-                      </a:r>
-                      <a:endParaRPr lang="en-US" dirty="0">
-                        <a:latin typeface="+mn-lt"/>
-                      </a:endParaRPr>
-                    </a:p>
-                  </a:txBody>
-                  <a:tcPr/>
-                </a:tc>
-                <a:tc>
-                  <a:txBody>
-                    <a:bodyPr/>
-                    <a:lstStyle/>
-                    <a:p>
-                      <a:r>
-                        <a:rPr lang="en-US" dirty="0" smtClean="0">
-                          <a:latin typeface="+mn-lt"/>
-                        </a:rPr>
-                        <a:t>FRR: 0.37551</a:t>
-                      </a:r>
-                    </a:p>
-                    <a:p>
-                      <a:r>
-                        <a:rPr lang="en-US" dirty="0" smtClean="0">
-                          <a:latin typeface="+mn-lt"/>
-                        </a:rPr>
-                        <a:t>FAR: 0.02742</a:t>
+                        <a:t>FRR: 0.22271</a:t>
+                      </a:r>
+                    </a:p>
+                    <a:p>
+                      <a:r>
+                        <a:rPr lang="en-US" dirty="0" smtClean="0">
+                          <a:latin typeface="+mn-lt"/>
+                        </a:rPr>
+                        <a:t>FAR: 0.02373</a:t>
+                      </a:r>
+                      <a:endParaRPr lang="en-US" dirty="0">
+                        <a:latin typeface="+mn-lt"/>
+                      </a:endParaRPr>
+                    </a:p>
+                  </a:txBody>
+                  <a:tcPr/>
+                </a:tc>
+                <a:tc>
+                  <a:txBody>
+                    <a:bodyPr/>
+                    <a:lstStyle/>
+                    <a:p>
+                      <a:r>
+                        <a:rPr lang="en-US" dirty="0" smtClean="0">
+                          <a:latin typeface="+mn-lt"/>
+                        </a:rPr>
+                        <a:t>FRR: 0.45070</a:t>
+                      </a:r>
+                    </a:p>
+                    <a:p>
+                      <a:r>
+                        <a:rPr lang="en-US" dirty="0" smtClean="0">
+                          <a:latin typeface="+mn-lt"/>
+                        </a:rPr>
+                        <a:t>FAR: 0.02558</a:t>
+                      </a:r>
+                      <a:endParaRPr lang="en-US" dirty="0" smtClean="0">
+                        <a:latin typeface="+mn-lt"/>
+                      </a:endParaRPr>
+                    </a:p>
+                  </a:txBody>
+                  <a:tcPr/>
+                </a:tc>
+                <a:tc>
+                  <a:txBody>
+                    <a:bodyPr/>
+                    <a:lstStyle/>
+                    <a:p>
+                      <a:r>
+                        <a:rPr lang="en-US" dirty="0" smtClean="0">
+                          <a:latin typeface="+mn-lt"/>
+                        </a:rPr>
+                        <a:t>FRR: 0.21176</a:t>
+                      </a:r>
+                    </a:p>
+                    <a:p>
+                      <a:r>
+                        <a:rPr lang="en-US" dirty="0" smtClean="0">
+                          <a:latin typeface="+mn-lt"/>
+                        </a:rPr>
+                        <a:t>FAR: 0.07921</a:t>
+                      </a:r>
+                      <a:endParaRPr lang="en-US" dirty="0">
+                        <a:latin typeface="+mn-lt"/>
+                      </a:endParaRPr>
+                    </a:p>
+                  </a:txBody>
+                  <a:tcPr/>
+                </a:tc>
+                <a:tc>
+                  <a:txBody>
+                    <a:bodyPr/>
+                    <a:lstStyle/>
+                    <a:p>
+                      <a:r>
+                        <a:rPr lang="en-US" dirty="0" smtClean="0">
+                          <a:latin typeface="+mn-lt"/>
+                        </a:rPr>
+                        <a:t>FRR: 0.51685</a:t>
+                      </a:r>
+                    </a:p>
+                    <a:p>
+                      <a:r>
+                        <a:rPr lang="en-US" dirty="0" smtClean="0">
+                          <a:latin typeface="+mn-lt"/>
+                        </a:rPr>
+                        <a:t>FAR: 0.07848</a:t>
+                      </a:r>
+                      <a:endParaRPr lang="en-US" dirty="0">
+                        <a:latin typeface="+mn-lt"/>
+                      </a:endParaRPr>
+                    </a:p>
+                  </a:txBody>
+                  <a:tcPr/>
+                </a:tc>
+                <a:tc>
+                  <a:txBody>
+                    <a:bodyPr/>
+                    <a:lstStyle/>
+                    <a:p>
+                      <a:r>
+                        <a:rPr lang="en-US" dirty="0" smtClean="0">
+                          <a:latin typeface="+mn-lt"/>
+                        </a:rPr>
+                        <a:t>FRR: 0.24898</a:t>
+                      </a:r>
+                    </a:p>
+                    <a:p>
+                      <a:r>
+                        <a:rPr lang="en-US" dirty="0" smtClean="0">
+                          <a:latin typeface="+mn-lt"/>
+                        </a:rPr>
+                        <a:t>FAR: 0.03171</a:t>
                       </a:r>
                       <a:endParaRPr lang="en-US" dirty="0">
                         <a:latin typeface="+mn-lt"/>
@@ -6676,7 +6662,7 @@
                 </a:tc>
                 <a:extLst>
                   <a:ext uri="{0D108BD9-81ED-4DB2-BD59-A6C34878D82A}">
-                    <a16:rowId xmlns:a16="http://schemas.microsoft.com/office/drawing/2014/main" val="10004"/>
+                    <a16:rowId xmlns:a16="http://schemas.microsoft.com/office/drawing/2014/main" xmlns="" val="10004"/>
                   </a:ext>
                 </a:extLst>
               </a:tr>
@@ -6708,33 +6694,33 @@
                         <a:rPr lang="en-US" dirty="0" smtClean="0">
                           <a:latin typeface="+mn-lt"/>
                         </a:rPr>
-                        <a:t>FRR: 0.23999</a:t>
-                      </a:r>
-                    </a:p>
-                    <a:p>
-                      <a:r>
-                        <a:rPr lang="en-US" dirty="0" smtClean="0">
-                          <a:latin typeface="+mn-lt"/>
-                        </a:rPr>
-                        <a:t>FAR: 0.02533</a:t>
-                      </a:r>
-                      <a:endParaRPr lang="en-US" dirty="0">
-                        <a:latin typeface="+mn-lt"/>
-                      </a:endParaRPr>
-                    </a:p>
-                  </a:txBody>
-                  <a:tcPr/>
-                </a:tc>
-                <a:tc>
-                  <a:txBody>
-                    <a:bodyPr/>
-                    <a:lstStyle/>
-                    <a:p>
-                      <a:r>
-                        <a:rPr lang="en-US" dirty="0" smtClean="0">
-                          <a:latin typeface="+mn-lt"/>
-                        </a:rPr>
-                        <a:t>FRR: 0.71641</a:t>
+                        <a:t>FRR: 0.22222</a:t>
+                      </a:r>
+                    </a:p>
+                    <a:p>
+                      <a:r>
+                        <a:rPr lang="en-US" dirty="0" smtClean="0">
+                          <a:latin typeface="+mn-lt"/>
+                        </a:rPr>
+                        <a:t>FAR: 0.03041</a:t>
+                      </a:r>
+                      <a:endParaRPr lang="en-US" dirty="0" smtClean="0">
+                        <a:latin typeface="+mn-lt"/>
+                      </a:endParaRPr>
+                    </a:p>
+                  </a:txBody>
+                  <a:tcPr/>
+                </a:tc>
+                <a:tc>
+                  <a:txBody>
+                    <a:bodyPr/>
+                    <a:lstStyle/>
+                    <a:p>
+                      <a:r>
+                        <a:rPr lang="en-US" dirty="0" smtClean="0">
+                          <a:latin typeface="+mn-lt"/>
+                        </a:rPr>
+                        <a:t>FRR: 0.26866</a:t>
                       </a:r>
                     </a:p>
                     <a:p>
@@ -6760,67 +6746,67 @@
                         <a:rPr lang="en-US" dirty="0" smtClean="0">
                           <a:latin typeface="+mn-lt"/>
                         </a:rPr>
-                        <a:t>FRR: 0.88888</a:t>
-                      </a:r>
-                    </a:p>
-                    <a:p>
-                      <a:r>
-                        <a:rPr lang="en-US" dirty="0" smtClean="0">
-                          <a:latin typeface="+mn-lt"/>
-                        </a:rPr>
-                        <a:t>FAR: 0.02158</a:t>
-                      </a:r>
-                      <a:endParaRPr lang="en-US" dirty="0">
-                        <a:latin typeface="+mn-lt"/>
-                      </a:endParaRPr>
-                    </a:p>
-                  </a:txBody>
-                  <a:tcPr/>
-                </a:tc>
-                <a:tc>
-                  <a:txBody>
-                    <a:bodyPr/>
-                    <a:lstStyle/>
-                    <a:p>
-                      <a:r>
-                        <a:rPr lang="en-US" dirty="0" smtClean="0">
-                          <a:latin typeface="+mn-lt"/>
-                        </a:rPr>
-                        <a:t>FRR: 0.65217</a:t>
-                      </a:r>
-                    </a:p>
-                    <a:p>
-                      <a:r>
-                        <a:rPr lang="en-US" dirty="0" smtClean="0">
-                          <a:latin typeface="+mn-lt"/>
-                        </a:rPr>
-                        <a:t>FAR: 0.02789</a:t>
-                      </a:r>
-                      <a:endParaRPr lang="en-US" dirty="0">
-                        <a:latin typeface="+mn-lt"/>
-                      </a:endParaRPr>
-                    </a:p>
-                  </a:txBody>
-                  <a:tcPr/>
-                </a:tc>
-                <a:tc>
-                  <a:txBody>
-                    <a:bodyPr/>
-                    <a:lstStyle/>
-                    <a:p>
-                      <a:r>
-                        <a:rPr lang="en-US" dirty="0" smtClean="0">
-                          <a:latin typeface="+mn-lt"/>
-                        </a:rPr>
-                        <a:t>FRR: 0.16143</a:t>
-                      </a:r>
-                    </a:p>
-                    <a:p>
-                      <a:r>
-                        <a:rPr lang="en-US" dirty="0" smtClean="0">
-                          <a:latin typeface="+mn-lt"/>
-                        </a:rPr>
-                        <a:t>FAR: 0.02439</a:t>
+                        <a:t>FRR: 0.38889</a:t>
+                      </a:r>
+                    </a:p>
+                    <a:p>
+                      <a:r>
+                        <a:rPr lang="en-US" dirty="0" smtClean="0">
+                          <a:latin typeface="+mn-lt"/>
+                        </a:rPr>
+                        <a:t>FAR: 0.04556</a:t>
+                      </a:r>
+                      <a:endParaRPr lang="en-US" dirty="0">
+                        <a:latin typeface="+mn-lt"/>
+                      </a:endParaRPr>
+                    </a:p>
+                  </a:txBody>
+                  <a:tcPr/>
+                </a:tc>
+                <a:tc>
+                  <a:txBody>
+                    <a:bodyPr/>
+                    <a:lstStyle/>
+                    <a:p>
+                      <a:r>
+                        <a:rPr lang="en-US" dirty="0" smtClean="0">
+                          <a:latin typeface="+mn-lt"/>
+                        </a:rPr>
+                        <a:t>FRR: 0.50725</a:t>
+                      </a:r>
+                    </a:p>
+                    <a:p>
+                      <a:r>
+                        <a:rPr lang="en-US" dirty="0" smtClean="0">
+                          <a:latin typeface="+mn-lt"/>
+                        </a:rPr>
+                        <a:t>FAR: 0.01502</a:t>
+                      </a:r>
+                      <a:endParaRPr lang="en-US" dirty="0">
+                        <a:latin typeface="+mn-lt"/>
+                      </a:endParaRPr>
+                    </a:p>
+                  </a:txBody>
+                  <a:tcPr/>
+                </a:tc>
+                <a:tc>
+                  <a:txBody>
+                    <a:bodyPr/>
+                    <a:lstStyle/>
+                    <a:p>
+                      <a:r>
+                        <a:rPr lang="en-US" dirty="0" smtClean="0">
+                          <a:latin typeface="+mn-lt"/>
+                        </a:rPr>
+                        <a:t>FRR: 0.26009</a:t>
+                      </a:r>
+                    </a:p>
+                    <a:p>
+                      <a:r>
+                        <a:rPr lang="en-US" dirty="0" smtClean="0">
+                          <a:latin typeface="+mn-lt"/>
+                        </a:rPr>
+                        <a:t>FAR: 0.02607</a:t>
                       </a:r>
                       <a:endParaRPr lang="en-US" dirty="0">
                         <a:latin typeface="+mn-lt"/>
@@ -6831,7 +6817,7 @@
                 </a:tc>
                 <a:extLst>
                   <a:ext uri="{0D108BD9-81ED-4DB2-BD59-A6C34878D82A}">
-                    <a16:rowId xmlns:a16="http://schemas.microsoft.com/office/drawing/2014/main" val="10005"/>
+                    <a16:rowId xmlns:a16="http://schemas.microsoft.com/office/drawing/2014/main" xmlns="" val="10005"/>
                   </a:ext>
                 </a:extLst>
               </a:tr>
@@ -6877,119 +6863,119 @@
                         <a:rPr lang="en-US" dirty="0" smtClean="0">
                           <a:latin typeface="+mn-lt"/>
                         </a:rPr>
-                        <a:t>FRR: 0.14056</a:t>
-                      </a:r>
-                    </a:p>
-                    <a:p>
-                      <a:r>
-                        <a:rPr lang="en-US" dirty="0" smtClean="0">
-                          <a:latin typeface="+mn-lt"/>
-                        </a:rPr>
-                        <a:t>FAR: 0.03275</a:t>
-                      </a:r>
-                      <a:endParaRPr lang="en-US" dirty="0">
-                        <a:latin typeface="+mn-lt"/>
-                      </a:endParaRPr>
-                    </a:p>
-                  </a:txBody>
-                  <a:tcPr/>
-                </a:tc>
-                <a:tc>
-                  <a:txBody>
-                    <a:bodyPr/>
-                    <a:lstStyle/>
-                    <a:p>
-                      <a:r>
-                        <a:rPr lang="en-US" dirty="0" smtClean="0">
-                          <a:latin typeface="+mn-lt"/>
-                        </a:rPr>
-                        <a:t>FRR: 0.21839</a:t>
-                      </a:r>
-                    </a:p>
-                    <a:p>
-                      <a:r>
-                        <a:rPr lang="en-US" dirty="0" smtClean="0">
-                          <a:latin typeface="+mn-lt"/>
-                        </a:rPr>
-                        <a:t>FAR: 0.09866</a:t>
-                      </a:r>
-                      <a:endParaRPr lang="en-US" dirty="0">
-                        <a:latin typeface="+mn-lt"/>
-                      </a:endParaRPr>
-                    </a:p>
-                  </a:txBody>
-                  <a:tcPr/>
-                </a:tc>
-                <a:tc>
-                  <a:txBody>
-                    <a:bodyPr/>
-                    <a:lstStyle/>
-                    <a:p>
-                      <a:r>
-                        <a:rPr lang="en-US" dirty="0" smtClean="0">
-                          <a:latin typeface="+mn-lt"/>
-                        </a:rPr>
-                        <a:t>FRR: 0.05555</a:t>
-                      </a:r>
-                    </a:p>
-                    <a:p>
-                      <a:r>
-                        <a:rPr lang="en-US" dirty="0" smtClean="0">
-                          <a:latin typeface="+mn-lt"/>
-                        </a:rPr>
-                        <a:t>FAR: 0.13283</a:t>
-                      </a:r>
-                      <a:endParaRPr lang="en-US" dirty="0">
-                        <a:latin typeface="+mn-lt"/>
-                      </a:endParaRPr>
-                    </a:p>
-                  </a:txBody>
-                  <a:tcPr/>
-                </a:tc>
-                <a:tc>
-                  <a:txBody>
-                    <a:bodyPr/>
-                    <a:lstStyle/>
-                    <a:p>
-                      <a:r>
-                        <a:rPr lang="en-US" dirty="0" smtClean="0">
-                          <a:latin typeface="+mn-lt"/>
-                        </a:rPr>
-                        <a:t>FRR: 0.03200</a:t>
-                      </a:r>
-                    </a:p>
-                    <a:p>
-                      <a:r>
-                        <a:rPr lang="en-US" dirty="0" smtClean="0">
-                          <a:latin typeface="+mn-lt"/>
-                        </a:rPr>
-                        <a:t>FAR: 0.11463</a:t>
-                      </a:r>
-                      <a:endParaRPr lang="en-US" dirty="0">
-                        <a:latin typeface="+mn-lt"/>
-                      </a:endParaRPr>
-                    </a:p>
-                  </a:txBody>
-                  <a:tcPr/>
-                </a:tc>
-                <a:tc>
-                  <a:txBody>
-                    <a:bodyPr/>
-                    <a:lstStyle/>
-                    <a:p>
-                      <a:r>
-                        <a:rPr lang="en-US" dirty="0" smtClean="0">
-                          <a:latin typeface="+mn-lt"/>
-                        </a:rPr>
-                        <a:t>FRR: 0.15353</a:t>
-                      </a:r>
-                    </a:p>
-                    <a:p>
-                      <a:r>
-                        <a:rPr lang="en-US" dirty="0" smtClean="0">
-                          <a:latin typeface="+mn-lt"/>
-                        </a:rPr>
-                        <a:t>FAR: 0.03160</a:t>
+                        <a:t>FRR: 0.08032</a:t>
+                      </a:r>
+                    </a:p>
+                    <a:p>
+                      <a:r>
+                        <a:rPr lang="en-US" dirty="0" smtClean="0">
+                          <a:latin typeface="+mn-lt"/>
+                        </a:rPr>
+                        <a:t>FAR: 0.02069</a:t>
+                      </a:r>
+                      <a:endParaRPr lang="en-US" dirty="0">
+                        <a:latin typeface="+mn-lt"/>
+                      </a:endParaRPr>
+                    </a:p>
+                  </a:txBody>
+                  <a:tcPr/>
+                </a:tc>
+                <a:tc>
+                  <a:txBody>
+                    <a:bodyPr/>
+                    <a:lstStyle/>
+                    <a:p>
+                      <a:r>
+                        <a:rPr lang="en-US" dirty="0" smtClean="0">
+                          <a:latin typeface="+mn-lt"/>
+                        </a:rPr>
+                        <a:t>FRR: 0.02299</a:t>
+                      </a:r>
+                    </a:p>
+                    <a:p>
+                      <a:r>
+                        <a:rPr lang="en-US" dirty="0" smtClean="0">
+                          <a:latin typeface="+mn-lt"/>
+                        </a:rPr>
+                        <a:t>FAR: 0.03200</a:t>
+                      </a:r>
+                      <a:endParaRPr lang="en-US" dirty="0" smtClean="0">
+                        <a:latin typeface="+mn-lt"/>
+                      </a:endParaRPr>
+                    </a:p>
+                  </a:txBody>
+                  <a:tcPr/>
+                </a:tc>
+                <a:tc>
+                  <a:txBody>
+                    <a:bodyPr/>
+                    <a:lstStyle/>
+                    <a:p>
+                      <a:r>
+                        <a:rPr lang="en-US" dirty="0" smtClean="0">
+                          <a:latin typeface="+mn-lt"/>
+                        </a:rPr>
+                        <a:t>FRR: 0.12222</a:t>
+                      </a:r>
+                    </a:p>
+                    <a:p>
+                      <a:r>
+                        <a:rPr lang="en-US" dirty="0" smtClean="0">
+                          <a:latin typeface="+mn-lt"/>
+                        </a:rPr>
+                        <a:t>FAR: 0.07519</a:t>
+                      </a:r>
+                      <a:endParaRPr lang="en-US" dirty="0">
+                        <a:latin typeface="+mn-lt"/>
+                      </a:endParaRPr>
+                    </a:p>
+                  </a:txBody>
+                  <a:tcPr/>
+                </a:tc>
+                <a:tc>
+                  <a:txBody>
+                    <a:bodyPr/>
+                    <a:lstStyle/>
+                    <a:p>
+                      <a:r>
+                        <a:rPr lang="en-US" dirty="0" smtClean="0">
+                          <a:latin typeface="+mn-lt"/>
+                        </a:rPr>
+                        <a:t>FRR: 0.20800</a:t>
+                      </a:r>
+                    </a:p>
+                    <a:p>
+                      <a:r>
+                        <a:rPr lang="en-US" dirty="0" smtClean="0">
+                          <a:latin typeface="+mn-lt"/>
+                        </a:rPr>
+                        <a:t>FAR: 0.08537</a:t>
+                      </a:r>
+                      <a:endParaRPr lang="en-US" dirty="0">
+                        <a:latin typeface="+mn-lt"/>
+                      </a:endParaRPr>
+                    </a:p>
+                  </a:txBody>
+                  <a:tcPr/>
+                </a:tc>
+                <a:tc>
+                  <a:txBody>
+                    <a:bodyPr/>
+                    <a:lstStyle/>
+                    <a:p>
+                      <a:r>
+                        <a:rPr lang="en-US" dirty="0" smtClean="0">
+                          <a:latin typeface="+mn-lt"/>
+                        </a:rPr>
+                        <a:t>FRR: 0.09544</a:t>
+                      </a:r>
+                    </a:p>
+                    <a:p>
+                      <a:r>
+                        <a:rPr lang="en-US" dirty="0" smtClean="0">
+                          <a:latin typeface="+mn-lt"/>
+                        </a:rPr>
+                        <a:t>FAR: 0.02306</a:t>
                       </a:r>
                       <a:endParaRPr lang="en-US" dirty="0">
                         <a:latin typeface="+mn-lt"/>
@@ -7000,7 +6986,7 @@
                 </a:tc>
                 <a:extLst>
                   <a:ext uri="{0D108BD9-81ED-4DB2-BD59-A6C34878D82A}">
-                    <a16:rowId xmlns:a16="http://schemas.microsoft.com/office/drawing/2014/main" val="10006"/>
+                    <a16:rowId xmlns:a16="http://schemas.microsoft.com/office/drawing/2014/main" xmlns="" val="10006"/>
                   </a:ext>
                 </a:extLst>
               </a:tr>
@@ -7038,119 +7024,119 @@
                         <a:rPr lang="en-US" dirty="0" smtClean="0">
                           <a:latin typeface="+mn-lt"/>
                         </a:rPr>
-                        <a:t>FRR: 0.17770</a:t>
-                      </a:r>
-                    </a:p>
-                    <a:p>
-                      <a:r>
-                        <a:rPr lang="en-US" dirty="0" smtClean="0">
-                          <a:latin typeface="+mn-lt"/>
-                        </a:rPr>
-                        <a:t>FAR: 0.03529</a:t>
-                      </a:r>
-                      <a:endParaRPr lang="en-US" dirty="0">
-                        <a:latin typeface="+mn-lt"/>
-                      </a:endParaRPr>
-                    </a:p>
-                  </a:txBody>
-                  <a:tcPr/>
-                </a:tc>
-                <a:tc>
-                  <a:txBody>
-                    <a:bodyPr/>
-                    <a:lstStyle/>
-                    <a:p>
-                      <a:r>
-                        <a:rPr lang="en-US" dirty="0" smtClean="0">
-                          <a:latin typeface="+mn-lt"/>
-                        </a:rPr>
-                        <a:t>FRR: 0.5189</a:t>
-                      </a:r>
-                    </a:p>
-                    <a:p>
-                      <a:r>
-                        <a:rPr lang="en-US" dirty="0" smtClean="0">
-                          <a:latin typeface="+mn-lt"/>
-                        </a:rPr>
-                        <a:t>FAR: 0.10164</a:t>
-                      </a:r>
-                      <a:endParaRPr lang="en-US" dirty="0">
-                        <a:latin typeface="+mn-lt"/>
-                      </a:endParaRPr>
-                    </a:p>
-                  </a:txBody>
-                  <a:tcPr/>
-                </a:tc>
-                <a:tc>
-                  <a:txBody>
-                    <a:bodyPr/>
-                    <a:lstStyle/>
-                    <a:p>
-                      <a:r>
-                        <a:rPr lang="en-US" dirty="0" smtClean="0">
-                          <a:latin typeface="+mn-lt"/>
-                        </a:rPr>
-                        <a:t>FRR: 0.44668</a:t>
-                      </a:r>
-                    </a:p>
-                    <a:p>
-                      <a:r>
-                        <a:rPr lang="en-US" dirty="0" smtClean="0">
-                          <a:latin typeface="+mn-lt"/>
-                        </a:rPr>
-                        <a:t>FAR: 0.08249</a:t>
-                      </a:r>
-                      <a:endParaRPr lang="en-US" dirty="0">
-                        <a:latin typeface="+mn-lt"/>
-                      </a:endParaRPr>
-                    </a:p>
-                  </a:txBody>
-                  <a:tcPr/>
-                </a:tc>
-                <a:tc>
-                  <a:txBody>
-                    <a:bodyPr/>
-                    <a:lstStyle/>
-                    <a:p>
-                      <a:r>
-                        <a:rPr lang="en-US" dirty="0" smtClean="0">
-                          <a:latin typeface="+mn-lt"/>
-                        </a:rPr>
-                        <a:t>FRR: 0.37669</a:t>
-                      </a:r>
-                    </a:p>
-                    <a:p>
-                      <a:r>
-                        <a:rPr lang="en-US" dirty="0" smtClean="0">
-                          <a:latin typeface="+mn-lt"/>
-                        </a:rPr>
-                        <a:t>FAR: 0.06865</a:t>
-                      </a:r>
-                      <a:endParaRPr lang="en-US" dirty="0">
-                        <a:latin typeface="+mn-lt"/>
-                      </a:endParaRPr>
-                    </a:p>
-                  </a:txBody>
-                  <a:tcPr/>
-                </a:tc>
-                <a:tc>
-                  <a:txBody>
-                    <a:bodyPr/>
-                    <a:lstStyle/>
-                    <a:p>
-                      <a:r>
-                        <a:rPr lang="en-US" dirty="0" smtClean="0">
-                          <a:latin typeface="+mn-lt"/>
-                        </a:rPr>
-                        <a:t>FRR: 0.17924</a:t>
-                      </a:r>
-                    </a:p>
-                    <a:p>
-                      <a:r>
-                        <a:rPr lang="en-US" dirty="0" smtClean="0">
-                          <a:latin typeface="+mn-lt"/>
-                        </a:rPr>
-                        <a:t>FAR: 0.03585</a:t>
+                        <a:t>FRR: 0.15243</a:t>
+                      </a:r>
+                    </a:p>
+                    <a:p>
+                      <a:r>
+                        <a:rPr lang="en-US" dirty="0" smtClean="0">
+                          <a:latin typeface="+mn-lt"/>
+                        </a:rPr>
+                        <a:t>FAR: 0.03008</a:t>
+                      </a:r>
+                      <a:endParaRPr lang="en-US" dirty="0">
+                        <a:latin typeface="+mn-lt"/>
+                      </a:endParaRPr>
+                    </a:p>
+                  </a:txBody>
+                  <a:tcPr/>
+                </a:tc>
+                <a:tc>
+                  <a:txBody>
+                    <a:bodyPr/>
+                    <a:lstStyle/>
+                    <a:p>
+                      <a:r>
+                        <a:rPr lang="en-US" dirty="0" smtClean="0">
+                          <a:latin typeface="+mn-lt"/>
+                        </a:rPr>
+                        <a:t>FRR: 0.20918</a:t>
+                      </a:r>
+                    </a:p>
+                    <a:p>
+                      <a:r>
+                        <a:rPr lang="en-US" dirty="0" smtClean="0">
+                          <a:latin typeface="+mn-lt"/>
+                        </a:rPr>
+                        <a:t>FAR: 0.04062</a:t>
+                      </a:r>
+                      <a:endParaRPr lang="en-US" dirty="0" smtClean="0">
+                        <a:latin typeface="+mn-lt"/>
+                      </a:endParaRPr>
+                    </a:p>
+                  </a:txBody>
+                  <a:tcPr/>
+                </a:tc>
+                <a:tc>
+                  <a:txBody>
+                    <a:bodyPr/>
+                    <a:lstStyle/>
+                    <a:p>
+                      <a:r>
+                        <a:rPr lang="en-US" dirty="0" smtClean="0">
+                          <a:latin typeface="+mn-lt"/>
+                        </a:rPr>
+                        <a:t>FRR: 0.30287</a:t>
+                      </a:r>
+                    </a:p>
+                    <a:p>
+                      <a:r>
+                        <a:rPr lang="en-US" dirty="0" smtClean="0">
+                          <a:latin typeface="+mn-lt"/>
+                        </a:rPr>
+                        <a:t>FAR: 0.05980</a:t>
+                      </a:r>
+                      <a:endParaRPr lang="en-US" dirty="0" smtClean="0">
+                        <a:latin typeface="+mn-lt"/>
+                      </a:endParaRPr>
+                    </a:p>
+                  </a:txBody>
+                  <a:tcPr/>
+                </a:tc>
+                <a:tc>
+                  <a:txBody>
+                    <a:bodyPr/>
+                    <a:lstStyle/>
+                    <a:p>
+                      <a:r>
+                        <a:rPr lang="en-US" dirty="0" smtClean="0">
+                          <a:latin typeface="+mn-lt"/>
+                        </a:rPr>
+                        <a:t>FRR: 0.34318</a:t>
+                      </a:r>
+                    </a:p>
+                    <a:p>
+                      <a:r>
+                        <a:rPr lang="en-US" dirty="0" smtClean="0">
+                          <a:latin typeface="+mn-lt"/>
+                        </a:rPr>
+                        <a:t>FAR: 0.06667</a:t>
+                      </a:r>
+                      <a:endParaRPr lang="en-US" dirty="0">
+                        <a:latin typeface="+mn-lt"/>
+                      </a:endParaRPr>
+                    </a:p>
+                  </a:txBody>
+                  <a:tcPr/>
+                </a:tc>
+                <a:tc>
+                  <a:txBody>
+                    <a:bodyPr/>
+                    <a:lstStyle/>
+                    <a:p>
+                      <a:r>
+                        <a:rPr lang="en-US" dirty="0" smtClean="0">
+                          <a:latin typeface="+mn-lt"/>
+                        </a:rPr>
+                        <a:t>FRR: 0.18774</a:t>
+                      </a:r>
+                    </a:p>
+                    <a:p>
+                      <a:r>
+                        <a:rPr lang="en-US" dirty="0" smtClean="0">
+                          <a:latin typeface="+mn-lt"/>
+                        </a:rPr>
+                        <a:t>FAR: 0.03740</a:t>
                       </a:r>
                       <a:endParaRPr lang="en-US" dirty="0">
                         <a:latin typeface="+mn-lt"/>
@@ -7161,7 +7147,7 @@
                 </a:tc>
                 <a:extLst>
                   <a:ext uri="{0D108BD9-81ED-4DB2-BD59-A6C34878D82A}">
-                    <a16:rowId xmlns:a16="http://schemas.microsoft.com/office/drawing/2014/main" val="10007"/>
+                    <a16:rowId xmlns:a16="http://schemas.microsoft.com/office/drawing/2014/main" xmlns="" val="10007"/>
                   </a:ext>
                 </a:extLst>
               </a:tr>
@@ -7252,7 +7238,7 @@
           <p:nvPr>
             <p:extLst>
               <p:ext uri="{D42A27DB-BD31-4B8C-83A1-F6EECF244321}">
-                <p14:modId xmlns:p14="http://schemas.microsoft.com/office/powerpoint/2010/main" val="3155415327"/>
+                <p14:modId xmlns:p14="http://schemas.microsoft.com/office/powerpoint/2010/main" val="257823119"/>
               </p:ext>
             </p:extLst>
           </p:nvPr>
@@ -7271,42 +7257,42 @@
                 <a:gridCol w="2631776">
                   <a:extLst>
                     <a:ext uri="{9D8B030D-6E8A-4147-A177-3AD203B41FA5}">
-                      <a16:colId xmlns:a16="http://schemas.microsoft.com/office/drawing/2014/main" val="20000"/>
+                      <a16:colId xmlns:a16="http://schemas.microsoft.com/office/drawing/2014/main" xmlns="" val="20000"/>
                     </a:ext>
                   </a:extLst>
                 </a:gridCol>
                 <a:gridCol w="1680247">
                   <a:extLst>
                     <a:ext uri="{9D8B030D-6E8A-4147-A177-3AD203B41FA5}">
-                      <a16:colId xmlns:a16="http://schemas.microsoft.com/office/drawing/2014/main" val="20001"/>
+                      <a16:colId xmlns:a16="http://schemas.microsoft.com/office/drawing/2014/main" xmlns="" val="20001"/>
                     </a:ext>
                   </a:extLst>
                 </a:gridCol>
                 <a:gridCol w="1685365">
                   <a:extLst>
                     <a:ext uri="{9D8B030D-6E8A-4147-A177-3AD203B41FA5}">
-                      <a16:colId xmlns:a16="http://schemas.microsoft.com/office/drawing/2014/main" val="20002"/>
+                      <a16:colId xmlns:a16="http://schemas.microsoft.com/office/drawing/2014/main" xmlns="" val="20002"/>
                     </a:ext>
                   </a:extLst>
                 </a:gridCol>
                 <a:gridCol w="1748118">
                   <a:extLst>
                     <a:ext uri="{9D8B030D-6E8A-4147-A177-3AD203B41FA5}">
-                      <a16:colId xmlns:a16="http://schemas.microsoft.com/office/drawing/2014/main" val="20003"/>
+                      <a16:colId xmlns:a16="http://schemas.microsoft.com/office/drawing/2014/main" xmlns="" val="20003"/>
                     </a:ext>
                   </a:extLst>
                 </a:gridCol>
-                <a:gridCol w="1550894">
+                <a:gridCol w="1564341">
                   <a:extLst>
                     <a:ext uri="{9D8B030D-6E8A-4147-A177-3AD203B41FA5}">
-                      <a16:colId xmlns:a16="http://schemas.microsoft.com/office/drawing/2014/main" val="20004"/>
+                      <a16:colId xmlns:a16="http://schemas.microsoft.com/office/drawing/2014/main" xmlns="" val="20004"/>
                     </a:ext>
                   </a:extLst>
                 </a:gridCol>
-                <a:gridCol w="1712258">
+                <a:gridCol w="1698811">
                   <a:extLst>
                     <a:ext uri="{9D8B030D-6E8A-4147-A177-3AD203B41FA5}">
-                      <a16:colId xmlns:a16="http://schemas.microsoft.com/office/drawing/2014/main" val="20005"/>
+                      <a16:colId xmlns:a16="http://schemas.microsoft.com/office/drawing/2014/main" xmlns="" val="20005"/>
                     </a:ext>
                   </a:extLst>
                 </a:gridCol>
@@ -7431,7 +7417,7 @@
                 </a:tc>
                 <a:extLst>
                   <a:ext uri="{0D108BD9-81ED-4DB2-BD59-A6C34878D82A}">
-                    <a16:rowId xmlns:a16="http://schemas.microsoft.com/office/drawing/2014/main" val="10000"/>
+                    <a16:rowId xmlns:a16="http://schemas.microsoft.com/office/drawing/2014/main" xmlns="" val="10000"/>
                   </a:ext>
                 </a:extLst>
               </a:tr>
@@ -7463,119 +7449,119 @@
                         <a:rPr lang="en-US" dirty="0" smtClean="0">
                           <a:latin typeface="+mn-lt"/>
                         </a:rPr>
-                        <a:t>FRR: 0.23214</a:t>
-                      </a:r>
-                    </a:p>
-                    <a:p>
-                      <a:r>
-                        <a:rPr lang="en-US" dirty="0" smtClean="0">
-                          <a:latin typeface="+mn-lt"/>
-                        </a:rPr>
-                        <a:t>FAR: 0.03713</a:t>
-                      </a:r>
-                      <a:endParaRPr lang="en-US" dirty="0">
-                        <a:latin typeface="+mn-lt"/>
-                      </a:endParaRPr>
-                    </a:p>
-                  </a:txBody>
-                  <a:tcPr/>
-                </a:tc>
-                <a:tc>
-                  <a:txBody>
-                    <a:bodyPr/>
-                    <a:lstStyle/>
-                    <a:p>
-                      <a:r>
-                        <a:rPr lang="en-US" dirty="0" smtClean="0">
-                          <a:latin typeface="+mn-lt"/>
-                        </a:rPr>
-                        <a:t>FRR: 0.65789</a:t>
-                      </a:r>
-                    </a:p>
-                    <a:p>
-                      <a:r>
-                        <a:rPr lang="en-US" dirty="0" smtClean="0">
-                          <a:latin typeface="+mn-lt"/>
-                        </a:rPr>
-                        <a:t>FAR: 0.12176</a:t>
-                      </a:r>
-                      <a:endParaRPr lang="en-US" dirty="0">
-                        <a:latin typeface="+mn-lt"/>
-                      </a:endParaRPr>
-                    </a:p>
-                  </a:txBody>
-                  <a:tcPr/>
-                </a:tc>
-                <a:tc>
-                  <a:txBody>
-                    <a:bodyPr/>
-                    <a:lstStyle/>
-                    <a:p>
-                      <a:r>
-                        <a:rPr lang="en-US" dirty="0" smtClean="0">
-                          <a:latin typeface="+mn-lt"/>
-                        </a:rPr>
-                        <a:t>FRR: 0.67213</a:t>
-                      </a:r>
-                    </a:p>
-                    <a:p>
-                      <a:r>
-                        <a:rPr lang="en-US" dirty="0" smtClean="0">
-                          <a:latin typeface="+mn-lt"/>
-                        </a:rPr>
-                        <a:t>FAR: 0.03037</a:t>
-                      </a:r>
-                      <a:endParaRPr lang="en-US" dirty="0">
-                        <a:latin typeface="+mn-lt"/>
-                      </a:endParaRPr>
-                    </a:p>
-                  </a:txBody>
-                  <a:tcPr/>
-                </a:tc>
-                <a:tc>
-                  <a:txBody>
-                    <a:bodyPr/>
-                    <a:lstStyle/>
-                    <a:p>
-                      <a:r>
-                        <a:rPr lang="en-US" dirty="0" smtClean="0">
-                          <a:latin typeface="+mn-lt"/>
-                        </a:rPr>
-                        <a:t>FRR: 0.51249</a:t>
-                      </a:r>
-                    </a:p>
-                    <a:p>
-                      <a:r>
-                        <a:rPr lang="en-US" dirty="0" smtClean="0">
-                          <a:latin typeface="+mn-lt"/>
-                        </a:rPr>
-                        <a:t>FAR: 0.08571</a:t>
-                      </a:r>
-                      <a:endParaRPr lang="en-US" dirty="0">
-                        <a:latin typeface="+mn-lt"/>
-                      </a:endParaRPr>
-                    </a:p>
-                  </a:txBody>
-                  <a:tcPr/>
-                </a:tc>
-                <a:tc>
-                  <a:txBody>
-                    <a:bodyPr/>
-                    <a:lstStyle/>
-                    <a:p>
-                      <a:r>
-                        <a:rPr lang="en-US" dirty="0" smtClean="0">
-                          <a:latin typeface="+mn-lt"/>
-                        </a:rPr>
-                        <a:t>FRR: 0.12613</a:t>
-                      </a:r>
-                    </a:p>
-                    <a:p>
-                      <a:r>
-                        <a:rPr lang="en-US" dirty="0" smtClean="0">
-                          <a:latin typeface="+mn-lt"/>
-                        </a:rPr>
-                        <a:t>FAR: 0.02521</a:t>
+                        <a:t>FRR: 0.08036</a:t>
+                      </a:r>
+                    </a:p>
+                    <a:p>
+                      <a:r>
+                        <a:rPr lang="en-US" dirty="0" smtClean="0">
+                          <a:latin typeface="+mn-lt"/>
+                        </a:rPr>
+                        <a:t>FAR: 0.02954</a:t>
+                      </a:r>
+                      <a:endParaRPr lang="en-US" dirty="0">
+                        <a:latin typeface="+mn-lt"/>
+                      </a:endParaRPr>
+                    </a:p>
+                  </a:txBody>
+                  <a:tcPr/>
+                </a:tc>
+                <a:tc>
+                  <a:txBody>
+                    <a:bodyPr/>
+                    <a:lstStyle/>
+                    <a:p>
+                      <a:r>
+                        <a:rPr lang="en-US" dirty="0" smtClean="0">
+                          <a:latin typeface="+mn-lt"/>
+                        </a:rPr>
+                        <a:t>FRR: 0.05263</a:t>
+                      </a:r>
+                    </a:p>
+                    <a:p>
+                      <a:r>
+                        <a:rPr lang="en-US" dirty="0" smtClean="0">
+                          <a:latin typeface="+mn-lt"/>
+                        </a:rPr>
+                        <a:t>FAR: 0.03368</a:t>
+                      </a:r>
+                      <a:endParaRPr lang="en-US" dirty="0" smtClean="0">
+                        <a:latin typeface="+mn-lt"/>
+                      </a:endParaRPr>
+                    </a:p>
+                  </a:txBody>
+                  <a:tcPr/>
+                </a:tc>
+                <a:tc>
+                  <a:txBody>
+                    <a:bodyPr/>
+                    <a:lstStyle/>
+                    <a:p>
+                      <a:r>
+                        <a:rPr lang="en-US" dirty="0" smtClean="0">
+                          <a:latin typeface="+mn-lt"/>
+                        </a:rPr>
+                        <a:t>FRR: 0.24590</a:t>
+                      </a:r>
+                    </a:p>
+                    <a:p>
+                      <a:r>
+                        <a:rPr lang="en-US" dirty="0" smtClean="0">
+                          <a:latin typeface="+mn-lt"/>
+                        </a:rPr>
+                        <a:t>FAR: 0.02570</a:t>
+                      </a:r>
+                      <a:endParaRPr lang="en-US" dirty="0">
+                        <a:latin typeface="+mn-lt"/>
+                      </a:endParaRPr>
+                    </a:p>
+                  </a:txBody>
+                  <a:tcPr/>
+                </a:tc>
+                <a:tc>
+                  <a:txBody>
+                    <a:bodyPr/>
+                    <a:lstStyle/>
+                    <a:p>
+                      <a:r>
+                        <a:rPr lang="en-US" dirty="0" smtClean="0">
+                          <a:latin typeface="+mn-lt"/>
+                        </a:rPr>
+                        <a:t>FRR: 0.13750</a:t>
+                      </a:r>
+                    </a:p>
+                    <a:p>
+                      <a:r>
+                        <a:rPr lang="en-US" dirty="0" smtClean="0">
+                          <a:latin typeface="+mn-lt"/>
+                        </a:rPr>
+                        <a:t>FAR: 0.05055</a:t>
+                      </a:r>
+                      <a:endParaRPr lang="en-US" dirty="0" smtClean="0">
+                        <a:latin typeface="+mn-lt"/>
+                      </a:endParaRPr>
+                    </a:p>
+                  </a:txBody>
+                  <a:tcPr/>
+                </a:tc>
+                <a:tc>
+                  <a:txBody>
+                    <a:bodyPr/>
+                    <a:lstStyle/>
+                    <a:p>
+                      <a:r>
+                        <a:rPr lang="en-US" dirty="0" smtClean="0">
+                          <a:latin typeface="+mn-lt"/>
+                        </a:rPr>
+                        <a:t>FRR: 0.18468</a:t>
+                      </a:r>
+                    </a:p>
+                    <a:p>
+                      <a:r>
+                        <a:rPr lang="en-US" dirty="0" smtClean="0">
+                          <a:latin typeface="+mn-lt"/>
+                        </a:rPr>
+                        <a:t>FAR: 0.03782</a:t>
                       </a:r>
                       <a:endParaRPr lang="en-US" dirty="0">
                         <a:latin typeface="+mn-lt"/>
@@ -7586,7 +7572,7 @@
                 </a:tc>
                 <a:extLst>
                   <a:ext uri="{0D108BD9-81ED-4DB2-BD59-A6C34878D82A}">
-                    <a16:rowId xmlns:a16="http://schemas.microsoft.com/office/drawing/2014/main" val="10001"/>
+                    <a16:rowId xmlns:a16="http://schemas.microsoft.com/office/drawing/2014/main" xmlns="" val="10001"/>
                   </a:ext>
                 </a:extLst>
               </a:tr>
@@ -7618,127 +7604,130 @@
                         <a:rPr lang="en-US" dirty="0" smtClean="0">
                           <a:latin typeface="+mn-lt"/>
                         </a:rPr>
-                        <a:t>FRR: 0.30802</a:t>
-                      </a:r>
-                    </a:p>
-                    <a:p>
-                      <a:r>
-                        <a:rPr lang="en-US" dirty="0" smtClean="0">
-                          <a:latin typeface="+mn-lt"/>
-                        </a:rPr>
-                        <a:t>FAR: 0.05546</a:t>
-                      </a:r>
-                      <a:endParaRPr lang="en-US" dirty="0">
-                        <a:latin typeface="+mn-lt"/>
-                      </a:endParaRPr>
-                    </a:p>
-                  </a:txBody>
-                  <a:tcPr/>
-                </a:tc>
-                <a:tc>
-                  <a:txBody>
-                    <a:bodyPr/>
-                    <a:lstStyle/>
-                    <a:p>
-                      <a:r>
-                        <a:rPr lang="en-US" dirty="0" smtClean="0">
-                          <a:latin typeface="+mn-lt"/>
-                        </a:rPr>
-                        <a:t>FRR: 0.67442</a:t>
-                      </a:r>
-                    </a:p>
-                    <a:p>
-                      <a:r>
-                        <a:rPr lang="en-US" dirty="0" smtClean="0">
-                          <a:latin typeface="+mn-lt"/>
-                        </a:rPr>
-                        <a:t>FAR: 0.125</a:t>
-                      </a:r>
-                      <a:endParaRPr lang="en-US" dirty="0">
-                        <a:latin typeface="+mn-lt"/>
-                      </a:endParaRPr>
-                    </a:p>
-                  </a:txBody>
-                  <a:tcPr/>
-                </a:tc>
-                <a:tc>
-                  <a:txBody>
-                    <a:bodyPr/>
-                    <a:lstStyle/>
-                    <a:p>
-                      <a:r>
-                        <a:rPr lang="en-US" dirty="0" smtClean="0">
-                          <a:latin typeface="+mn-lt"/>
-                        </a:rPr>
-                        <a:t>FRR: 0.10526</a:t>
-                      </a:r>
-                    </a:p>
-                    <a:p>
-                      <a:r>
-                        <a:rPr lang="en-US" dirty="0" smtClean="0">
-                          <a:latin typeface="+mn-lt"/>
-                        </a:rPr>
-                        <a:t>FAR: 0.13452</a:t>
-                      </a:r>
-                      <a:endParaRPr lang="en-US" dirty="0">
-                        <a:latin typeface="+mn-lt"/>
-                      </a:endParaRPr>
-                    </a:p>
-                  </a:txBody>
-                  <a:tcPr/>
-                </a:tc>
-                <a:tc>
-                  <a:txBody>
-                    <a:bodyPr/>
-                    <a:lstStyle/>
-                    <a:p>
-                      <a:r>
-                        <a:rPr lang="en-US" dirty="0" smtClean="0">
-                          <a:latin typeface="+mn-lt"/>
-                        </a:rPr>
-                        <a:t>FRR: 0.15625</a:t>
-                      </a:r>
-                    </a:p>
-                    <a:p>
-                      <a:r>
-                        <a:rPr lang="en-US" dirty="0" smtClean="0">
-                          <a:latin typeface="+mn-lt"/>
-                        </a:rPr>
-                        <a:t>FAR: 0.0615</a:t>
-                      </a:r>
-                      <a:endParaRPr lang="en-US" dirty="0">
-                        <a:latin typeface="+mn-lt"/>
-                      </a:endParaRPr>
-                    </a:p>
-                  </a:txBody>
-                  <a:tcPr/>
-                </a:tc>
-                <a:tc>
-                  <a:txBody>
-                    <a:bodyPr/>
-                    <a:lstStyle/>
-                    <a:p>
-                      <a:r>
-                        <a:rPr lang="en-US" dirty="0" smtClean="0">
-                          <a:latin typeface="+mn-lt"/>
-                        </a:rPr>
-                        <a:t>FRR: 0.13617</a:t>
-                      </a:r>
-                    </a:p>
-                    <a:p>
-                      <a:r>
-                        <a:rPr lang="en-US" dirty="0" smtClean="0">
-                          <a:latin typeface="+mn-lt"/>
-                        </a:rPr>
-                        <a:t>FAR: 0.05183</a:t>
-                      </a:r>
+                        <a:t>FRR: 0.17300</a:t>
+                      </a:r>
+                    </a:p>
+                    <a:p>
+                      <a:r>
+                        <a:rPr lang="en-US" dirty="0" smtClean="0">
+                          <a:latin typeface="+mn-lt"/>
+                        </a:rPr>
+                        <a:t>FAR: 0.01962</a:t>
+                      </a:r>
+                      <a:endParaRPr lang="en-US" dirty="0">
+                        <a:latin typeface="+mn-lt"/>
+                      </a:endParaRPr>
+                    </a:p>
+                  </a:txBody>
+                  <a:tcPr/>
+                </a:tc>
+                <a:tc>
+                  <a:txBody>
+                    <a:bodyPr/>
+                    <a:lstStyle/>
+                    <a:p>
+                      <a:r>
+                        <a:rPr lang="en-US" dirty="0" smtClean="0">
+                          <a:latin typeface="+mn-lt"/>
+                        </a:rPr>
+                        <a:t>FRR: 0.23256</a:t>
+                      </a:r>
+                    </a:p>
+                    <a:p>
+                      <a:r>
+                        <a:rPr lang="en-US" dirty="0" smtClean="0">
+                          <a:latin typeface="+mn-lt"/>
+                        </a:rPr>
+                        <a:t>FAR: 0.01596</a:t>
+                      </a:r>
+                      <a:endParaRPr lang="en-US" dirty="0">
+                        <a:latin typeface="+mn-lt"/>
+                      </a:endParaRPr>
+                    </a:p>
+                  </a:txBody>
+                  <a:tcPr/>
+                </a:tc>
+                <a:tc>
+                  <a:txBody>
+                    <a:bodyPr/>
+                    <a:lstStyle/>
+                    <a:p>
+                      <a:r>
+                        <a:rPr lang="en-US" dirty="0" smtClean="0">
+                          <a:latin typeface="+mn-lt"/>
+                        </a:rPr>
+                        <a:t>FRR: 0.17895</a:t>
+                      </a:r>
+                    </a:p>
+                    <a:p>
+                      <a:r>
+                        <a:rPr lang="en-US" dirty="0" smtClean="0">
+                          <a:latin typeface="+mn-lt"/>
+                        </a:rPr>
+                        <a:t>FAR: 0.07360</a:t>
+                      </a:r>
+                      <a:endParaRPr lang="en-US" dirty="0">
+                        <a:latin typeface="+mn-lt"/>
+                      </a:endParaRPr>
+                    </a:p>
+                  </a:txBody>
+                  <a:tcPr/>
+                </a:tc>
+                <a:tc>
+                  <a:txBody>
+                    <a:bodyPr/>
+                    <a:lstStyle/>
+                    <a:p>
+                      <a:r>
+                        <a:rPr lang="en-US" dirty="0" smtClean="0">
+                          <a:latin typeface="+mn-lt"/>
+                        </a:rPr>
+                        <a:t>FRR: 0.19792</a:t>
+                      </a:r>
+                    </a:p>
+                    <a:p>
+                      <a:r>
+                        <a:rPr lang="en-US" dirty="0" smtClean="0">
+                          <a:latin typeface="+mn-lt"/>
+                        </a:rPr>
+                        <a:t>FAR: 0.05467</a:t>
+                      </a:r>
+                      <a:endParaRPr lang="en-US" dirty="0">
+                        <a:latin typeface="+mn-lt"/>
+                      </a:endParaRPr>
+                    </a:p>
+                  </a:txBody>
+                  <a:tcPr/>
+                </a:tc>
+                <a:tc>
+                  <a:txBody>
+                    <a:bodyPr/>
+                    <a:lstStyle/>
+                    <a:p>
+                      <a:r>
+                        <a:rPr lang="en-US" dirty="0" smtClean="0">
+                          <a:latin typeface="+mn-lt"/>
+                        </a:rPr>
+                        <a:t>FRR: 0.17447</a:t>
+                      </a:r>
+                    </a:p>
+                    <a:p>
+                      <a:r>
+                        <a:rPr lang="en-US" dirty="0" smtClean="0">
+                          <a:latin typeface="+mn-lt"/>
+                        </a:rPr>
+                        <a:t>FAR: 0.01784</a:t>
+                      </a:r>
+                      <a:endParaRPr lang="en-US" dirty="0" smtClean="0">
+                        <a:latin typeface="+mn-lt"/>
+                      </a:endParaRPr>
                     </a:p>
                   </a:txBody>
                   <a:tcPr/>
                 </a:tc>
                 <a:extLst>
                   <a:ext uri="{0D108BD9-81ED-4DB2-BD59-A6C34878D82A}">
-                    <a16:rowId xmlns:a16="http://schemas.microsoft.com/office/drawing/2014/main" val="10002"/>
+                    <a16:rowId xmlns:a16="http://schemas.microsoft.com/office/drawing/2014/main" xmlns="" val="10002"/>
                   </a:ext>
                 </a:extLst>
               </a:tr>
@@ -7770,127 +7759,130 @@
                         <a:rPr lang="en-US" dirty="0" smtClean="0">
                           <a:latin typeface="+mn-lt"/>
                         </a:rPr>
-                        <a:t>FRR: 0.08163</a:t>
-                      </a:r>
-                    </a:p>
-                    <a:p>
-                      <a:r>
-                        <a:rPr lang="en-US" dirty="0" smtClean="0">
-                          <a:latin typeface="+mn-lt"/>
-                        </a:rPr>
-                        <a:t>FAR: 0.08333</a:t>
-                      </a:r>
-                      <a:endParaRPr lang="en-US" dirty="0">
-                        <a:latin typeface="+mn-lt"/>
-                      </a:endParaRPr>
-                    </a:p>
-                  </a:txBody>
-                  <a:tcPr/>
-                </a:tc>
-                <a:tc>
-                  <a:txBody>
-                    <a:bodyPr/>
-                    <a:lstStyle/>
-                    <a:p>
-                      <a:r>
-                        <a:rPr lang="en-US" dirty="0" smtClean="0">
-                          <a:latin typeface="+mn-lt"/>
-                        </a:rPr>
-                        <a:t>FRR: 0.41333</a:t>
-                      </a:r>
-                    </a:p>
-                    <a:p>
-                      <a:r>
-                        <a:rPr lang="en-US" dirty="0" smtClean="0">
-                          <a:latin typeface="+mn-lt"/>
-                        </a:rPr>
-                        <a:t>FAR: 0.24806</a:t>
-                      </a:r>
-                      <a:endParaRPr lang="en-US" dirty="0">
-                        <a:latin typeface="+mn-lt"/>
-                      </a:endParaRPr>
-                    </a:p>
-                  </a:txBody>
-                  <a:tcPr/>
-                </a:tc>
-                <a:tc>
-                  <a:txBody>
-                    <a:bodyPr/>
-                    <a:lstStyle/>
-                    <a:p>
-                      <a:r>
-                        <a:rPr lang="en-US" dirty="0" smtClean="0">
-                          <a:latin typeface="+mn-lt"/>
-                        </a:rPr>
-                        <a:t>FRR: 0.7093</a:t>
-                      </a:r>
-                    </a:p>
-                    <a:p>
-                      <a:r>
-                        <a:rPr lang="en-US" dirty="0" smtClean="0">
-                          <a:latin typeface="+mn-lt"/>
-                        </a:rPr>
-                        <a:t>FAR: 0.09181</a:t>
-                      </a:r>
-                      <a:endParaRPr lang="en-US" dirty="0">
-                        <a:latin typeface="+mn-lt"/>
-                      </a:endParaRPr>
-                    </a:p>
-                  </a:txBody>
-                  <a:tcPr/>
-                </a:tc>
-                <a:tc>
-                  <a:txBody>
-                    <a:bodyPr/>
-                    <a:lstStyle/>
-                    <a:p>
-                      <a:r>
-                        <a:rPr lang="en-US" dirty="0" smtClean="0">
-                          <a:latin typeface="+mn-lt"/>
-                        </a:rPr>
-                        <a:t>FRR: 0.48684</a:t>
-                      </a:r>
-                    </a:p>
-                    <a:p>
-                      <a:r>
-                        <a:rPr lang="en-US" dirty="0" smtClean="0">
-                          <a:latin typeface="+mn-lt"/>
-                        </a:rPr>
-                        <a:t>FAR: 0.10022</a:t>
-                      </a:r>
-                      <a:endParaRPr lang="en-US" dirty="0">
-                        <a:latin typeface="+mn-lt"/>
-                      </a:endParaRPr>
-                    </a:p>
-                  </a:txBody>
-                  <a:tcPr/>
-                </a:tc>
-                <a:tc>
-                  <a:txBody>
-                    <a:bodyPr/>
-                    <a:lstStyle/>
-                    <a:p>
-                      <a:r>
-                        <a:rPr lang="en-US" dirty="0" smtClean="0">
-                          <a:latin typeface="+mn-lt"/>
-                        </a:rPr>
-                        <a:t>FRR: 0.02439</a:t>
-                      </a:r>
-                    </a:p>
-                    <a:p>
-                      <a:r>
-                        <a:rPr lang="en-US" dirty="0" smtClean="0">
-                          <a:latin typeface="+mn-lt"/>
-                        </a:rPr>
-                        <a:t>FAR: 0.04117</a:t>
-                      </a:r>
+                        <a:t>FRR: 0.08571</a:t>
+                      </a:r>
+                    </a:p>
+                    <a:p>
+                      <a:r>
+                        <a:rPr lang="en-US" dirty="0" smtClean="0">
+                          <a:latin typeface="+mn-lt"/>
+                        </a:rPr>
+                        <a:t>FAR: 0.01804</a:t>
+                      </a:r>
+                      <a:endParaRPr lang="en-US" dirty="0" smtClean="0">
+                        <a:latin typeface="+mn-lt"/>
+                      </a:endParaRPr>
+                    </a:p>
+                  </a:txBody>
+                  <a:tcPr/>
+                </a:tc>
+                <a:tc>
+                  <a:txBody>
+                    <a:bodyPr/>
+                    <a:lstStyle/>
+                    <a:p>
+                      <a:r>
+                        <a:rPr lang="en-US" dirty="0" smtClean="0">
+                          <a:latin typeface="+mn-lt"/>
+                        </a:rPr>
+                        <a:t>FRR: 0.10667</a:t>
+                      </a:r>
+                    </a:p>
+                    <a:p>
+                      <a:r>
+                        <a:rPr lang="en-US" dirty="0" smtClean="0">
+                          <a:latin typeface="+mn-lt"/>
+                        </a:rPr>
+                        <a:t>FAR: 0.04393</a:t>
+                      </a:r>
+                      <a:endParaRPr lang="en-US" dirty="0">
+                        <a:latin typeface="+mn-lt"/>
+                      </a:endParaRPr>
+                    </a:p>
+                  </a:txBody>
+                  <a:tcPr/>
+                </a:tc>
+                <a:tc>
+                  <a:txBody>
+                    <a:bodyPr/>
+                    <a:lstStyle/>
+                    <a:p>
+                      <a:r>
+                        <a:rPr lang="en-US" dirty="0" smtClean="0">
+                          <a:latin typeface="+mn-lt"/>
+                        </a:rPr>
+                        <a:t>FRR: 0.34884</a:t>
+                      </a:r>
+                    </a:p>
+                    <a:p>
+                      <a:r>
+                        <a:rPr lang="en-US" dirty="0" smtClean="0">
+                          <a:latin typeface="+mn-lt"/>
+                        </a:rPr>
+                        <a:t>FAR: 0.01985</a:t>
+                      </a:r>
+                      <a:endParaRPr lang="en-US" dirty="0">
+                        <a:latin typeface="+mn-lt"/>
+                      </a:endParaRPr>
+                    </a:p>
+                  </a:txBody>
+                  <a:tcPr/>
+                </a:tc>
+                <a:tc>
+                  <a:txBody>
+                    <a:bodyPr/>
+                    <a:lstStyle/>
+                    <a:p>
+                      <a:r>
+                        <a:rPr lang="en-US" dirty="0" smtClean="0">
+                          <a:latin typeface="+mn-lt"/>
+                        </a:rPr>
+                        <a:t>FRR: 0.17105</a:t>
+                      </a:r>
+                    </a:p>
+                    <a:p>
+                      <a:r>
+                        <a:rPr lang="en-US" dirty="0" smtClean="0">
+                          <a:latin typeface="+mn-lt"/>
+                        </a:rPr>
+                        <a:t>FAR: 0.08061</a:t>
+                      </a:r>
+                      <a:endParaRPr lang="en-US" dirty="0">
+                        <a:latin typeface="+mn-lt"/>
+                      </a:endParaRPr>
+                    </a:p>
+                  </a:txBody>
+                  <a:tcPr/>
+                </a:tc>
+                <a:tc>
+                  <a:txBody>
+                    <a:bodyPr/>
+                    <a:lstStyle/>
+                    <a:p>
+                      <a:r>
+                        <a:rPr lang="en-US" dirty="0" smtClean="0">
+                          <a:latin typeface="+mn-lt"/>
+                        </a:rPr>
+                        <a:t>FRR: 0.08943</a:t>
+                      </a:r>
+                    </a:p>
+                    <a:p>
+                      <a:r>
+                        <a:rPr lang="en-US" dirty="0" smtClean="0">
+                          <a:latin typeface="+mn-lt"/>
+                        </a:rPr>
+                        <a:t>FAR: 0.03859</a:t>
+                      </a:r>
+                      <a:endParaRPr lang="en-US" dirty="0" smtClean="0">
+                        <a:latin typeface="+mn-lt"/>
+                      </a:endParaRPr>
                     </a:p>
                   </a:txBody>
                   <a:tcPr/>
                 </a:tc>
                 <a:extLst>
                   <a:ext uri="{0D108BD9-81ED-4DB2-BD59-A6C34878D82A}">
-                    <a16:rowId xmlns:a16="http://schemas.microsoft.com/office/drawing/2014/main" val="10003"/>
+                    <a16:rowId xmlns:a16="http://schemas.microsoft.com/office/drawing/2014/main" xmlns="" val="10003"/>
                   </a:ext>
                 </a:extLst>
               </a:tr>
@@ -7922,127 +7914,130 @@
                         <a:rPr lang="en-US" dirty="0" smtClean="0">
                           <a:latin typeface="+mn-lt"/>
                         </a:rPr>
-                        <a:t>FRR: 0.25764</a:t>
-                      </a:r>
-                    </a:p>
-                    <a:p>
-                      <a:r>
-                        <a:rPr lang="en-US" dirty="0" smtClean="0">
-                          <a:latin typeface="+mn-lt"/>
-                        </a:rPr>
-                        <a:t>FAR: 0.03305</a:t>
-                      </a:r>
-                      <a:endParaRPr lang="en-US" dirty="0">
-                        <a:latin typeface="+mn-lt"/>
-                      </a:endParaRPr>
-                    </a:p>
-                  </a:txBody>
-                  <a:tcPr/>
-                </a:tc>
-                <a:tc>
-                  <a:txBody>
-                    <a:bodyPr/>
-                    <a:lstStyle/>
-                    <a:p>
-                      <a:r>
-                        <a:rPr lang="en-US" dirty="0" smtClean="0">
-                          <a:latin typeface="+mn-lt"/>
-                        </a:rPr>
-                        <a:t>FRR: 0.85915</a:t>
-                      </a:r>
-                    </a:p>
-                    <a:p>
-                      <a:r>
-                        <a:rPr lang="en-US" dirty="0" smtClean="0">
-                          <a:latin typeface="+mn-lt"/>
-                        </a:rPr>
-                        <a:t>FAR: 0.06138</a:t>
-                      </a:r>
-                      <a:endParaRPr lang="en-US" dirty="0">
-                        <a:latin typeface="+mn-lt"/>
-                      </a:endParaRPr>
-                    </a:p>
-                  </a:txBody>
-                  <a:tcPr/>
-                </a:tc>
-                <a:tc>
-                  <a:txBody>
-                    <a:bodyPr/>
-                    <a:lstStyle/>
-                    <a:p>
-                      <a:r>
-                        <a:rPr lang="en-US" dirty="0" smtClean="0">
-                          <a:latin typeface="+mn-lt"/>
-                        </a:rPr>
-                        <a:t>FRR: 0.42353</a:t>
-                      </a:r>
-                    </a:p>
-                    <a:p>
-                      <a:r>
-                        <a:rPr lang="en-US" dirty="0" smtClean="0">
-                          <a:latin typeface="+mn-lt"/>
-                        </a:rPr>
-                        <a:t>FAR: 0.07673</a:t>
-                      </a:r>
-                      <a:endParaRPr lang="en-US" dirty="0">
-                        <a:latin typeface="+mn-lt"/>
-                      </a:endParaRPr>
-                    </a:p>
-                  </a:txBody>
-                  <a:tcPr/>
-                </a:tc>
-                <a:tc>
-                  <a:txBody>
-                    <a:bodyPr/>
-                    <a:lstStyle/>
-                    <a:p>
-                      <a:r>
-                        <a:rPr lang="en-US" dirty="0" smtClean="0">
-                          <a:latin typeface="+mn-lt"/>
-                        </a:rPr>
-                        <a:t>FRR: 0.61798</a:t>
-                      </a:r>
-                    </a:p>
-                    <a:p>
-                      <a:r>
-                        <a:rPr lang="en-US" dirty="0" smtClean="0">
-                          <a:latin typeface="+mn-lt"/>
-                        </a:rPr>
-                        <a:t>FAR: 0.08296</a:t>
-                      </a:r>
-                      <a:endParaRPr lang="en-US" dirty="0">
-                        <a:latin typeface="+mn-lt"/>
-                      </a:endParaRPr>
-                    </a:p>
-                  </a:txBody>
-                  <a:tcPr/>
-                </a:tc>
-                <a:tc>
-                  <a:txBody>
-                    <a:bodyPr/>
-                    <a:lstStyle/>
-                    <a:p>
-                      <a:r>
-                        <a:rPr lang="en-US" dirty="0" smtClean="0">
-                          <a:latin typeface="+mn-lt"/>
-                        </a:rPr>
-                        <a:t>FRR: 0.35102</a:t>
-                      </a:r>
-                    </a:p>
-                    <a:p>
-                      <a:r>
-                        <a:rPr lang="en-US" dirty="0" smtClean="0">
-                          <a:latin typeface="+mn-lt"/>
-                        </a:rPr>
-                        <a:t>FAR: 0.02142</a:t>
-                      </a:r>
+                        <a:t>FRR: 0.20087</a:t>
+                      </a:r>
+                    </a:p>
+                    <a:p>
+                      <a:r>
+                        <a:rPr lang="en-US" dirty="0" smtClean="0">
+                          <a:latin typeface="+mn-lt"/>
+                        </a:rPr>
+                        <a:t>FAR: 0.02119</a:t>
+                      </a:r>
+                      <a:endParaRPr lang="en-US" dirty="0">
+                        <a:latin typeface="+mn-lt"/>
+                      </a:endParaRPr>
+                    </a:p>
+                  </a:txBody>
+                  <a:tcPr/>
+                </a:tc>
+                <a:tc>
+                  <a:txBody>
+                    <a:bodyPr/>
+                    <a:lstStyle/>
+                    <a:p>
+                      <a:r>
+                        <a:rPr lang="en-US" dirty="0" smtClean="0">
+                          <a:latin typeface="+mn-lt"/>
+                        </a:rPr>
+                        <a:t>FRR: 0.23944</a:t>
+                      </a:r>
+                    </a:p>
+                    <a:p>
+                      <a:r>
+                        <a:rPr lang="en-US" dirty="0" smtClean="0">
+                          <a:latin typeface="+mn-lt"/>
+                        </a:rPr>
+                        <a:t>FAR: 0.01535</a:t>
+                      </a:r>
+                      <a:endParaRPr lang="en-US" dirty="0">
+                        <a:latin typeface="+mn-lt"/>
+                      </a:endParaRPr>
+                    </a:p>
+                  </a:txBody>
+                  <a:tcPr/>
+                </a:tc>
+                <a:tc>
+                  <a:txBody>
+                    <a:bodyPr/>
+                    <a:lstStyle/>
+                    <a:p>
+                      <a:r>
+                        <a:rPr lang="en-US" dirty="0" smtClean="0">
+                          <a:latin typeface="+mn-lt"/>
+                        </a:rPr>
+                        <a:t>FRR: 0.22353</a:t>
+                      </a:r>
+                    </a:p>
+                    <a:p>
+                      <a:r>
+                        <a:rPr lang="en-US" dirty="0" smtClean="0">
+                          <a:latin typeface="+mn-lt"/>
+                        </a:rPr>
+                        <a:t>FAR: 0.04703</a:t>
+                      </a:r>
+                      <a:endParaRPr lang="en-US" dirty="0" smtClean="0">
+                        <a:latin typeface="+mn-lt"/>
+                      </a:endParaRPr>
+                    </a:p>
+                  </a:txBody>
+                  <a:tcPr/>
+                </a:tc>
+                <a:tc>
+                  <a:txBody>
+                    <a:bodyPr/>
+                    <a:lstStyle/>
+                    <a:p>
+                      <a:r>
+                        <a:rPr lang="en-US" dirty="0" smtClean="0">
+                          <a:latin typeface="+mn-lt"/>
+                        </a:rPr>
+                        <a:t>FRR: 0.47191</a:t>
+                      </a:r>
+                    </a:p>
+                    <a:p>
+                      <a:r>
+                        <a:rPr lang="en-US" dirty="0" smtClean="0">
+                          <a:latin typeface="+mn-lt"/>
+                        </a:rPr>
+                        <a:t>FAR: 0.03587</a:t>
+                      </a:r>
+                      <a:endParaRPr lang="en-US" dirty="0">
+                        <a:latin typeface="+mn-lt"/>
+                      </a:endParaRPr>
+                    </a:p>
+                  </a:txBody>
+                  <a:tcPr/>
+                </a:tc>
+                <a:tc>
+                  <a:txBody>
+                    <a:bodyPr/>
+                    <a:lstStyle/>
+                    <a:p>
+                      <a:r>
+                        <a:rPr lang="en-US" dirty="0" smtClean="0">
+                          <a:latin typeface="+mn-lt"/>
+                        </a:rPr>
+                        <a:t>FRR: 0.18367</a:t>
+                      </a:r>
+                    </a:p>
+                    <a:p>
+                      <a:r>
+                        <a:rPr lang="en-US" dirty="0" smtClean="0">
+                          <a:latin typeface="+mn-lt"/>
+                        </a:rPr>
+                        <a:t>FAR: 0.03085</a:t>
+                      </a:r>
+                      <a:endParaRPr lang="en-US" dirty="0" smtClean="0">
+                        <a:latin typeface="+mn-lt"/>
+                      </a:endParaRPr>
                     </a:p>
                   </a:txBody>
                   <a:tcPr/>
                 </a:tc>
                 <a:extLst>
                   <a:ext uri="{0D108BD9-81ED-4DB2-BD59-A6C34878D82A}">
-                    <a16:rowId xmlns:a16="http://schemas.microsoft.com/office/drawing/2014/main" val="10004"/>
+                    <a16:rowId xmlns:a16="http://schemas.microsoft.com/office/drawing/2014/main" xmlns="" val="10004"/>
                   </a:ext>
                 </a:extLst>
               </a:tr>
@@ -8074,85 +8069,85 @@
                         <a:rPr lang="en-US" dirty="0" smtClean="0">
                           <a:latin typeface="+mn-lt"/>
                         </a:rPr>
-                        <a:t>FRR: 0.28889</a:t>
-                      </a:r>
-                    </a:p>
-                    <a:p>
-                      <a:r>
-                        <a:rPr lang="en-US" dirty="0" smtClean="0">
-                          <a:latin typeface="+mn-lt"/>
-                        </a:rPr>
-                        <a:t>FAR: 0.02027</a:t>
-                      </a:r>
-                      <a:endParaRPr lang="en-US" dirty="0">
-                        <a:latin typeface="+mn-lt"/>
-                      </a:endParaRPr>
-                    </a:p>
-                  </a:txBody>
-                  <a:tcPr/>
-                </a:tc>
-                <a:tc>
-                  <a:txBody>
-                    <a:bodyPr/>
-                    <a:lstStyle/>
-                    <a:p>
-                      <a:r>
-                        <a:rPr lang="en-US" dirty="0" smtClean="0">
-                          <a:latin typeface="+mn-lt"/>
-                        </a:rPr>
-                        <a:t>FRR: 0.79104</a:t>
-                      </a:r>
-                    </a:p>
-                    <a:p>
-                      <a:r>
-                        <a:rPr lang="en-US" dirty="0" smtClean="0">
-                          <a:latin typeface="+mn-lt"/>
-                        </a:rPr>
-                        <a:t>FAR: 0.03291</a:t>
-                      </a:r>
-                      <a:endParaRPr lang="en-US" dirty="0">
-                        <a:latin typeface="+mn-lt"/>
-                      </a:endParaRPr>
-                    </a:p>
-                  </a:txBody>
-                  <a:tcPr/>
-                </a:tc>
-                <a:tc>
-                  <a:txBody>
-                    <a:bodyPr/>
-                    <a:lstStyle/>
-                    <a:p>
-                      <a:r>
-                        <a:rPr lang="en-US" dirty="0" smtClean="0">
-                          <a:latin typeface="+mn-lt"/>
-                        </a:rPr>
-                        <a:t>FRR: 0.76389</a:t>
-                      </a:r>
-                    </a:p>
-                    <a:p>
-                      <a:r>
-                        <a:rPr lang="en-US" dirty="0" smtClean="0">
-                          <a:latin typeface="+mn-lt"/>
-                        </a:rPr>
-                        <a:t>FAR: 0.04796</a:t>
-                      </a:r>
-                      <a:endParaRPr lang="en-US" dirty="0">
-                        <a:latin typeface="+mn-lt"/>
-                      </a:endParaRPr>
-                    </a:p>
-                  </a:txBody>
-                  <a:tcPr/>
-                </a:tc>
-                <a:tc>
-                  <a:txBody>
-                    <a:bodyPr/>
-                    <a:lstStyle/>
-                    <a:p>
-                      <a:r>
-                        <a:rPr lang="en-US" dirty="0" smtClean="0">
-                          <a:latin typeface="+mn-lt"/>
-                        </a:rPr>
-                        <a:t>FRR: 0.6087</a:t>
+                        <a:t>FRR: 0.17333</a:t>
+                      </a:r>
+                    </a:p>
+                    <a:p>
+                      <a:r>
+                        <a:rPr lang="en-US" dirty="0" smtClean="0">
+                          <a:latin typeface="+mn-lt"/>
+                        </a:rPr>
+                        <a:t>FAR: 0.03378</a:t>
+                      </a:r>
+                      <a:endParaRPr lang="en-US" dirty="0">
+                        <a:latin typeface="+mn-lt"/>
+                      </a:endParaRPr>
+                    </a:p>
+                  </a:txBody>
+                  <a:tcPr/>
+                </a:tc>
+                <a:tc>
+                  <a:txBody>
+                    <a:bodyPr/>
+                    <a:lstStyle/>
+                    <a:p>
+                      <a:r>
+                        <a:rPr lang="en-US" dirty="0" smtClean="0">
+                          <a:latin typeface="+mn-lt"/>
+                        </a:rPr>
+                        <a:t>FRR: 0.13433</a:t>
+                      </a:r>
+                    </a:p>
+                    <a:p>
+                      <a:r>
+                        <a:rPr lang="en-US" dirty="0" smtClean="0">
+                          <a:latin typeface="+mn-lt"/>
+                        </a:rPr>
+                        <a:t>FAR: 0.02785</a:t>
+                      </a:r>
+                      <a:endParaRPr lang="en-US" dirty="0">
+                        <a:latin typeface="+mn-lt"/>
+                      </a:endParaRPr>
+                    </a:p>
+                  </a:txBody>
+                  <a:tcPr/>
+                </a:tc>
+                <a:tc>
+                  <a:txBody>
+                    <a:bodyPr/>
+                    <a:lstStyle/>
+                    <a:p>
+                      <a:r>
+                        <a:rPr lang="en-US" dirty="0" smtClean="0">
+                          <a:latin typeface="+mn-lt"/>
+                        </a:rPr>
+                        <a:t>FRR: 0.22222</a:t>
+                      </a:r>
+                    </a:p>
+                    <a:p>
+                      <a:r>
+                        <a:rPr lang="en-US" dirty="0" smtClean="0">
+                          <a:latin typeface="+mn-lt"/>
+                        </a:rPr>
+                        <a:t>FAR: 0.03118</a:t>
+                      </a:r>
+                      <a:endParaRPr lang="en-US" dirty="0" smtClean="0">
+                        <a:latin typeface="+mn-lt"/>
+                      </a:endParaRPr>
+                    </a:p>
+                  </a:txBody>
+                  <a:tcPr/>
+                </a:tc>
+                <a:tc>
+                  <a:txBody>
+                    <a:bodyPr/>
+                    <a:lstStyle/>
+                    <a:p>
+                      <a:r>
+                        <a:rPr lang="en-US" dirty="0" smtClean="0">
+                          <a:latin typeface="+mn-lt"/>
+                        </a:rPr>
+                        <a:t>FRR: 0.47826</a:t>
                       </a:r>
                     </a:p>
                     <a:p>
@@ -8178,23 +8173,26 @@
                         <a:rPr lang="en-US" dirty="0" smtClean="0">
                           <a:latin typeface="+mn-lt"/>
                         </a:rPr>
-                        <a:t>FRR: 0.13004</a:t>
-                      </a:r>
-                    </a:p>
-                    <a:p>
-                      <a:r>
-                        <a:rPr lang="en-US" dirty="0" smtClean="0">
-                          <a:latin typeface="+mn-lt"/>
-                        </a:rPr>
-                        <a:t>FAR: 0.01514</a:t>
-                      </a:r>
+                        <a:t>FRR: 0.17040</a:t>
+                      </a:r>
+                    </a:p>
+                    <a:p>
+                      <a:r>
+                        <a:rPr lang="en-US" dirty="0" smtClean="0">
+                          <a:latin typeface="+mn-lt"/>
+                        </a:rPr>
+                        <a:t>FAR: 0.02187</a:t>
+                      </a:r>
+                      <a:endParaRPr lang="en-US" dirty="0" smtClean="0">
+                        <a:latin typeface="+mn-lt"/>
+                      </a:endParaRPr>
                     </a:p>
                   </a:txBody>
                   <a:tcPr/>
                 </a:tc>
                 <a:extLst>
                   <a:ext uri="{0D108BD9-81ED-4DB2-BD59-A6C34878D82A}">
-                    <a16:rowId xmlns:a16="http://schemas.microsoft.com/office/drawing/2014/main" val="10005"/>
+                    <a16:rowId xmlns:a16="http://schemas.microsoft.com/office/drawing/2014/main" xmlns="" val="10005"/>
                   </a:ext>
                 </a:extLst>
               </a:tr>
@@ -8240,127 +8238,130 @@
                         <a:rPr lang="en-US" dirty="0" smtClean="0">
                           <a:latin typeface="+mn-lt"/>
                         </a:rPr>
-                        <a:t>FRR: 0.13253</a:t>
-                      </a:r>
-                    </a:p>
-                    <a:p>
-                      <a:r>
-                        <a:rPr lang="en-US" dirty="0" smtClean="0">
-                          <a:latin typeface="+mn-lt"/>
-                        </a:rPr>
-                        <a:t>FAR: 0.02845</a:t>
-                      </a:r>
-                      <a:endParaRPr lang="en-US" dirty="0">
-                        <a:latin typeface="+mn-lt"/>
-                      </a:endParaRPr>
-                    </a:p>
-                  </a:txBody>
-                  <a:tcPr/>
-                </a:tc>
-                <a:tc>
-                  <a:txBody>
-                    <a:bodyPr/>
-                    <a:lstStyle/>
-                    <a:p>
-                      <a:r>
-                        <a:rPr lang="en-US" dirty="0" smtClean="0">
-                          <a:latin typeface="+mn-lt"/>
-                        </a:rPr>
-                        <a:t>FRR: 0.24138</a:t>
-                      </a:r>
-                    </a:p>
-                    <a:p>
-                      <a:r>
-                        <a:rPr lang="en-US" dirty="0" smtClean="0">
-                          <a:latin typeface="+mn-lt"/>
-                        </a:rPr>
-                        <a:t>FAR: 0.12533</a:t>
-                      </a:r>
-                      <a:endParaRPr lang="en-US" dirty="0">
-                        <a:latin typeface="+mn-lt"/>
-                      </a:endParaRPr>
-                    </a:p>
-                  </a:txBody>
-                  <a:tcPr/>
-                </a:tc>
-                <a:tc>
-                  <a:txBody>
-                    <a:bodyPr/>
-                    <a:lstStyle/>
-                    <a:p>
-                      <a:r>
-                        <a:rPr lang="en-US" dirty="0" smtClean="0">
-                          <a:latin typeface="+mn-lt"/>
-                        </a:rPr>
-                        <a:t>FRR: 0.13333</a:t>
-                      </a:r>
-                    </a:p>
-                    <a:p>
-                      <a:r>
-                        <a:rPr lang="en-US" dirty="0" smtClean="0">
-                          <a:latin typeface="+mn-lt"/>
-                        </a:rPr>
-                        <a:t>FAR: 0.15288</a:t>
-                      </a:r>
-                      <a:endParaRPr lang="en-US" dirty="0">
-                        <a:latin typeface="+mn-lt"/>
-                      </a:endParaRPr>
-                    </a:p>
-                  </a:txBody>
-                  <a:tcPr/>
-                </a:tc>
-                <a:tc>
-                  <a:txBody>
-                    <a:bodyPr/>
-                    <a:lstStyle/>
-                    <a:p>
-                      <a:r>
-                        <a:rPr lang="en-US" dirty="0" smtClean="0">
-                          <a:latin typeface="+mn-lt"/>
-                        </a:rPr>
-                        <a:t>FRR: 0.04</a:t>
-                      </a:r>
-                    </a:p>
-                    <a:p>
-                      <a:r>
-                        <a:rPr lang="en-US" dirty="0" smtClean="0">
-                          <a:latin typeface="+mn-lt"/>
-                        </a:rPr>
-                        <a:t>FAR: 0.09268</a:t>
-                      </a:r>
-                      <a:endParaRPr lang="en-US" dirty="0">
-                        <a:latin typeface="+mn-lt"/>
-                      </a:endParaRPr>
-                    </a:p>
-                  </a:txBody>
-                  <a:tcPr/>
-                </a:tc>
-                <a:tc>
-                  <a:txBody>
-                    <a:bodyPr/>
-                    <a:lstStyle/>
-                    <a:p>
-                      <a:r>
-                        <a:rPr lang="en-US" dirty="0" smtClean="0">
-                          <a:latin typeface="+mn-lt"/>
-                        </a:rPr>
-                        <a:t>FRR: 0.11203</a:t>
-                      </a:r>
-                    </a:p>
-                    <a:p>
-                      <a:r>
-                        <a:rPr lang="en-US" dirty="0" smtClean="0">
-                          <a:latin typeface="+mn-lt"/>
-                        </a:rPr>
-                        <a:t>FAR: 0.02220</a:t>
-                      </a:r>
+                        <a:t>FRR: 0.08835</a:t>
+                      </a:r>
+                    </a:p>
+                    <a:p>
+                      <a:r>
+                        <a:rPr lang="en-US" dirty="0" smtClean="0">
+                          <a:latin typeface="+mn-lt"/>
+                        </a:rPr>
+                        <a:t>FAR: 0.03707</a:t>
+                      </a:r>
+                      <a:endParaRPr lang="en-US" dirty="0">
+                        <a:latin typeface="+mn-lt"/>
+                      </a:endParaRPr>
+                    </a:p>
+                  </a:txBody>
+                  <a:tcPr/>
+                </a:tc>
+                <a:tc>
+                  <a:txBody>
+                    <a:bodyPr/>
+                    <a:lstStyle/>
+                    <a:p>
+                      <a:r>
+                        <a:rPr lang="en-US" dirty="0" smtClean="0">
+                          <a:latin typeface="+mn-lt"/>
+                        </a:rPr>
+                        <a:t>FRR: 0.04598</a:t>
+                      </a:r>
+                    </a:p>
+                    <a:p>
+                      <a:r>
+                        <a:rPr lang="en-US" dirty="0" smtClean="0">
+                          <a:latin typeface="+mn-lt"/>
+                        </a:rPr>
+                        <a:t>FAR: 0.02400</a:t>
+                      </a:r>
+                      <a:endParaRPr lang="en-US" dirty="0">
+                        <a:latin typeface="+mn-lt"/>
+                      </a:endParaRPr>
+                    </a:p>
+                  </a:txBody>
+                  <a:tcPr/>
+                </a:tc>
+                <a:tc>
+                  <a:txBody>
+                    <a:bodyPr/>
+                    <a:lstStyle/>
+                    <a:p>
+                      <a:r>
+                        <a:rPr lang="en-US" dirty="0" smtClean="0">
+                          <a:latin typeface="+mn-lt"/>
+                        </a:rPr>
+                        <a:t>FRR: 0.10000</a:t>
+                      </a:r>
+                    </a:p>
+                    <a:p>
+                      <a:r>
+                        <a:rPr lang="en-US" dirty="0" smtClean="0">
+                          <a:latin typeface="+mn-lt"/>
+                        </a:rPr>
+                        <a:t>FAR: 0.06516</a:t>
+                      </a:r>
+                      <a:endParaRPr lang="en-US" dirty="0">
+                        <a:latin typeface="+mn-lt"/>
+                      </a:endParaRPr>
+                    </a:p>
+                  </a:txBody>
+                  <a:tcPr/>
+                </a:tc>
+                <a:tc>
+                  <a:txBody>
+                    <a:bodyPr/>
+                    <a:lstStyle/>
+                    <a:p>
+                      <a:r>
+                        <a:rPr lang="en-US" dirty="0" smtClean="0">
+                          <a:latin typeface="+mn-lt"/>
+                        </a:rPr>
+                        <a:t>FRR: 0.17600</a:t>
+                      </a:r>
+                    </a:p>
+                    <a:p>
+                      <a:r>
+                        <a:rPr lang="en-US" dirty="0" smtClean="0">
+                          <a:latin typeface="+mn-lt"/>
+                        </a:rPr>
+                        <a:t>FAR: 0.07805</a:t>
+                      </a:r>
+                      <a:endParaRPr lang="en-US" dirty="0">
+                        <a:latin typeface="+mn-lt"/>
+                      </a:endParaRPr>
+                    </a:p>
+                  </a:txBody>
+                  <a:tcPr/>
+                </a:tc>
+                <a:tc>
+                  <a:txBody>
+                    <a:bodyPr/>
+                    <a:lstStyle/>
+                    <a:p>
+                      <a:r>
+                        <a:rPr lang="en-US" dirty="0" smtClean="0">
+                          <a:latin typeface="+mn-lt"/>
+                        </a:rPr>
+                        <a:t>FRR: 0.08714</a:t>
+                      </a:r>
+                    </a:p>
+                    <a:p>
+                      <a:r>
+                        <a:rPr lang="en-US" dirty="0" smtClean="0">
+                          <a:latin typeface="+mn-lt"/>
+                        </a:rPr>
+                        <a:t>FAR: 0.02989</a:t>
+                      </a:r>
+                      <a:endParaRPr lang="en-US" dirty="0" smtClean="0">
+                        <a:latin typeface="+mn-lt"/>
+                      </a:endParaRPr>
                     </a:p>
                   </a:txBody>
                   <a:tcPr/>
                 </a:tc>
                 <a:extLst>
                   <a:ext uri="{0D108BD9-81ED-4DB2-BD59-A6C34878D82A}">
-                    <a16:rowId xmlns:a16="http://schemas.microsoft.com/office/drawing/2014/main" val="10006"/>
+                    <a16:rowId xmlns:a16="http://schemas.microsoft.com/office/drawing/2014/main" xmlns="" val="10006"/>
                   </a:ext>
                 </a:extLst>
               </a:tr>
@@ -8398,127 +8399,130 @@
                         <a:rPr lang="en-US" dirty="0" smtClean="0">
                           <a:latin typeface="+mn-lt"/>
                         </a:rPr>
-                        <a:t>FRR: 0.21681</a:t>
-                      </a:r>
-                    </a:p>
-                    <a:p>
-                      <a:r>
-                        <a:rPr lang="en-US" dirty="0" smtClean="0">
-                          <a:latin typeface="+mn-lt"/>
-                        </a:rPr>
-                        <a:t>FAR: 0.04295</a:t>
-                      </a:r>
-                      <a:endParaRPr lang="en-US" dirty="0">
-                        <a:latin typeface="+mn-lt"/>
-                      </a:endParaRPr>
-                    </a:p>
-                  </a:txBody>
-                  <a:tcPr/>
-                </a:tc>
-                <a:tc>
-                  <a:txBody>
-                    <a:bodyPr/>
-                    <a:lstStyle/>
-                    <a:p>
-                      <a:r>
-                        <a:rPr lang="en-US" dirty="0" smtClean="0">
-                          <a:latin typeface="+mn-lt"/>
-                        </a:rPr>
-                        <a:t>FRR: 0.6062</a:t>
-                      </a:r>
-                    </a:p>
-                    <a:p>
-                      <a:r>
-                        <a:rPr lang="en-US" dirty="0" smtClean="0">
-                          <a:latin typeface="+mn-lt"/>
-                        </a:rPr>
-                        <a:t>FAR: 0.11907</a:t>
-                      </a:r>
-                      <a:endParaRPr lang="en-US" dirty="0">
-                        <a:latin typeface="+mn-lt"/>
-                      </a:endParaRPr>
-                    </a:p>
-                  </a:txBody>
-                  <a:tcPr/>
-                </a:tc>
-                <a:tc>
-                  <a:txBody>
-                    <a:bodyPr/>
-                    <a:lstStyle/>
-                    <a:p>
-                      <a:r>
-                        <a:rPr lang="en-US" dirty="0" smtClean="0">
-                          <a:latin typeface="+mn-lt"/>
-                        </a:rPr>
-                        <a:t>FRR: 0.46791</a:t>
-                      </a:r>
-                    </a:p>
-                    <a:p>
-                      <a:r>
-                        <a:rPr lang="en-US" dirty="0" smtClean="0">
-                          <a:latin typeface="+mn-lt"/>
-                        </a:rPr>
-                        <a:t>FAR: 0.08905</a:t>
-                      </a:r>
-                      <a:endParaRPr lang="en-US" dirty="0">
-                        <a:latin typeface="+mn-lt"/>
-                      </a:endParaRPr>
-                    </a:p>
-                  </a:txBody>
-                  <a:tcPr/>
-                </a:tc>
-                <a:tc>
-                  <a:txBody>
-                    <a:bodyPr/>
-                    <a:lstStyle/>
-                    <a:p>
-                      <a:r>
-                        <a:rPr lang="en-US" dirty="0" smtClean="0">
-                          <a:latin typeface="+mn-lt"/>
-                        </a:rPr>
-                        <a:t>FRR: 0.40371</a:t>
-                      </a:r>
-                    </a:p>
-                    <a:p>
-                      <a:r>
-                        <a:rPr lang="en-US" dirty="0" smtClean="0">
-                          <a:latin typeface="+mn-lt"/>
-                        </a:rPr>
-                        <a:t>FAR: 0.07337</a:t>
-                      </a:r>
-                      <a:endParaRPr lang="en-US" dirty="0">
-                        <a:latin typeface="+mn-lt"/>
-                      </a:endParaRPr>
-                    </a:p>
-                  </a:txBody>
-                  <a:tcPr/>
-                </a:tc>
-                <a:tc>
-                  <a:txBody>
-                    <a:bodyPr/>
-                    <a:lstStyle/>
-                    <a:p>
-                      <a:r>
-                        <a:rPr lang="en-US" dirty="0" smtClean="0">
-                          <a:latin typeface="+mn-lt"/>
-                        </a:rPr>
-                        <a:t>FRR: 0.14663</a:t>
-                      </a:r>
-                    </a:p>
-                    <a:p>
-                      <a:r>
-                        <a:rPr lang="en-US" dirty="0" smtClean="0">
-                          <a:latin typeface="+mn-lt"/>
-                        </a:rPr>
-                        <a:t>FAR: 0.02949</a:t>
-                      </a:r>
+                        <a:t>FRR: 0.13360</a:t>
+                      </a:r>
+                    </a:p>
+                    <a:p>
+                      <a:r>
+                        <a:rPr lang="en-US" dirty="0" smtClean="0">
+                          <a:latin typeface="+mn-lt"/>
+                        </a:rPr>
+                        <a:t>FAR: 0.02654</a:t>
+                      </a:r>
+                      <a:endParaRPr lang="en-US" dirty="0">
+                        <a:latin typeface="+mn-lt"/>
+                      </a:endParaRPr>
+                    </a:p>
+                  </a:txBody>
+                  <a:tcPr/>
+                </a:tc>
+                <a:tc>
+                  <a:txBody>
+                    <a:bodyPr/>
+                    <a:lstStyle/>
+                    <a:p>
+                      <a:r>
+                        <a:rPr lang="en-US" dirty="0" smtClean="0">
+                          <a:latin typeface="+mn-lt"/>
+                        </a:rPr>
+                        <a:t>FRR: 0.13527</a:t>
+                      </a:r>
+                    </a:p>
+                    <a:p>
+                      <a:r>
+                        <a:rPr lang="en-US" dirty="0" smtClean="0">
+                          <a:latin typeface="+mn-lt"/>
+                        </a:rPr>
+                        <a:t>FAR: 0.02679</a:t>
+                      </a:r>
+                      <a:endParaRPr lang="en-US" dirty="0" smtClean="0">
+                        <a:latin typeface="+mn-lt"/>
+                      </a:endParaRPr>
+                    </a:p>
+                  </a:txBody>
+                  <a:tcPr/>
+                </a:tc>
+                <a:tc>
+                  <a:txBody>
+                    <a:bodyPr/>
+                    <a:lstStyle/>
+                    <a:p>
+                      <a:r>
+                        <a:rPr lang="en-US" dirty="0" smtClean="0">
+                          <a:latin typeface="+mn-lt"/>
+                        </a:rPr>
+                        <a:t>FRR: 0.21991</a:t>
+                      </a:r>
+                    </a:p>
+                    <a:p>
+                      <a:r>
+                        <a:rPr lang="en-US" dirty="0" smtClean="0">
+                          <a:latin typeface="+mn-lt"/>
+                        </a:rPr>
+                        <a:t>FAR: 0.04375</a:t>
+                      </a:r>
+                      <a:endParaRPr lang="en-US" dirty="0">
+                        <a:latin typeface="+mn-lt"/>
+                      </a:endParaRPr>
+                    </a:p>
+                  </a:txBody>
+                  <a:tcPr/>
+                </a:tc>
+                <a:tc>
+                  <a:txBody>
+                    <a:bodyPr/>
+                    <a:lstStyle/>
+                    <a:p>
+                      <a:r>
+                        <a:rPr lang="en-US" dirty="0" smtClean="0">
+                          <a:latin typeface="+mn-lt"/>
+                        </a:rPr>
+                        <a:t>FRR: 0.27211</a:t>
+                      </a:r>
+                    </a:p>
+                    <a:p>
+                      <a:r>
+                        <a:rPr lang="en-US" dirty="0" smtClean="0">
+                          <a:latin typeface="+mn-lt"/>
+                        </a:rPr>
+                        <a:t>FAR: 0.05282</a:t>
+                      </a:r>
+                      <a:endParaRPr lang="en-US" dirty="0" smtClean="0">
+                        <a:latin typeface="+mn-lt"/>
+                      </a:endParaRPr>
+                    </a:p>
+                  </a:txBody>
+                  <a:tcPr/>
+                </a:tc>
+                <a:tc>
+                  <a:txBody>
+                    <a:bodyPr/>
+                    <a:lstStyle/>
+                    <a:p>
+                      <a:r>
+                        <a:rPr lang="en-US" dirty="0" smtClean="0">
+                          <a:latin typeface="+mn-lt"/>
+                        </a:rPr>
+                        <a:t>FRR: 0.14830</a:t>
+                      </a:r>
+                    </a:p>
+                    <a:p>
+                      <a:r>
+                        <a:rPr lang="en-US" dirty="0" smtClean="0">
+                          <a:latin typeface="+mn-lt"/>
+                        </a:rPr>
+                        <a:t>FAR: 0.02948</a:t>
+                      </a:r>
+                      <a:endParaRPr lang="en-US" dirty="0" smtClean="0">
+                        <a:latin typeface="+mn-lt"/>
+                      </a:endParaRPr>
                     </a:p>
                   </a:txBody>
                   <a:tcPr/>
                 </a:tc>
                 <a:extLst>
                   <a:ext uri="{0D108BD9-81ED-4DB2-BD59-A6C34878D82A}">
-                    <a16:rowId xmlns:a16="http://schemas.microsoft.com/office/drawing/2014/main" val="10007"/>
+                    <a16:rowId xmlns:a16="http://schemas.microsoft.com/office/drawing/2014/main" xmlns="" val="10007"/>
                   </a:ext>
                 </a:extLst>
               </a:tr>
@@ -8609,7 +8613,7 @@
           <p:nvPr>
             <p:extLst>
               <p:ext uri="{D42A27DB-BD31-4B8C-83A1-F6EECF244321}">
-                <p14:modId xmlns:p14="http://schemas.microsoft.com/office/powerpoint/2010/main" val="3304210262"/>
+                <p14:modId xmlns:p14="http://schemas.microsoft.com/office/powerpoint/2010/main" val="554588973"/>
               </p:ext>
             </p:extLst>
           </p:nvPr>
@@ -8628,42 +8632,42 @@
                 <a:gridCol w="2631776">
                   <a:extLst>
                     <a:ext uri="{9D8B030D-6E8A-4147-A177-3AD203B41FA5}">
-                      <a16:colId xmlns:a16="http://schemas.microsoft.com/office/drawing/2014/main" val="20000"/>
+                      <a16:colId xmlns:a16="http://schemas.microsoft.com/office/drawing/2014/main" xmlns="" val="20000"/>
                     </a:ext>
                   </a:extLst>
                 </a:gridCol>
                 <a:gridCol w="1680247">
                   <a:extLst>
                     <a:ext uri="{9D8B030D-6E8A-4147-A177-3AD203B41FA5}">
-                      <a16:colId xmlns:a16="http://schemas.microsoft.com/office/drawing/2014/main" val="20001"/>
+                      <a16:colId xmlns:a16="http://schemas.microsoft.com/office/drawing/2014/main" xmlns="" val="20001"/>
                     </a:ext>
                   </a:extLst>
                 </a:gridCol>
                 <a:gridCol w="1685365">
                   <a:extLst>
                     <a:ext uri="{9D8B030D-6E8A-4147-A177-3AD203B41FA5}">
-                      <a16:colId xmlns:a16="http://schemas.microsoft.com/office/drawing/2014/main" val="20002"/>
+                      <a16:colId xmlns:a16="http://schemas.microsoft.com/office/drawing/2014/main" xmlns="" val="20002"/>
                     </a:ext>
                   </a:extLst>
                 </a:gridCol>
                 <a:gridCol w="1748118">
                   <a:extLst>
                     <a:ext uri="{9D8B030D-6E8A-4147-A177-3AD203B41FA5}">
-                      <a16:colId xmlns:a16="http://schemas.microsoft.com/office/drawing/2014/main" val="20003"/>
+                      <a16:colId xmlns:a16="http://schemas.microsoft.com/office/drawing/2014/main" xmlns="" val="20003"/>
                     </a:ext>
                   </a:extLst>
                 </a:gridCol>
                 <a:gridCol w="1550894">
                   <a:extLst>
                     <a:ext uri="{9D8B030D-6E8A-4147-A177-3AD203B41FA5}">
-                      <a16:colId xmlns:a16="http://schemas.microsoft.com/office/drawing/2014/main" val="20004"/>
+                      <a16:colId xmlns:a16="http://schemas.microsoft.com/office/drawing/2014/main" xmlns="" val="20004"/>
                     </a:ext>
                   </a:extLst>
                 </a:gridCol>
                 <a:gridCol w="1712258">
                   <a:extLst>
                     <a:ext uri="{9D8B030D-6E8A-4147-A177-3AD203B41FA5}">
-                      <a16:colId xmlns:a16="http://schemas.microsoft.com/office/drawing/2014/main" val="20005"/>
+                      <a16:colId xmlns:a16="http://schemas.microsoft.com/office/drawing/2014/main" xmlns="" val="20005"/>
                     </a:ext>
                   </a:extLst>
                 </a:gridCol>
@@ -8788,7 +8792,7 @@
                 </a:tc>
                 <a:extLst>
                   <a:ext uri="{0D108BD9-81ED-4DB2-BD59-A6C34878D82A}">
-                    <a16:rowId xmlns:a16="http://schemas.microsoft.com/office/drawing/2014/main" val="10000"/>
+                    <a16:rowId xmlns:a16="http://schemas.microsoft.com/office/drawing/2014/main" xmlns="" val="10000"/>
                   </a:ext>
                 </a:extLst>
               </a:tr>
@@ -8820,47 +8824,41 @@
                         <a:rPr lang="en-US" dirty="0" smtClean="0">
                           <a:latin typeface="+mn-lt"/>
                         </a:rPr>
-                        <a:t>FRR: 0.3125</a:t>
-                      </a:r>
-                    </a:p>
-                    <a:p>
-                      <a:r>
-                        <a:rPr lang="en-US" dirty="0" smtClean="0">
-                          <a:latin typeface="+mn-lt"/>
-                        </a:rPr>
-                        <a:t>FAR: 0.03375</a:t>
-                      </a:r>
-                      <a:endParaRPr lang="en-US" dirty="0">
-                        <a:latin typeface="+mn-lt"/>
-                      </a:endParaRPr>
-                    </a:p>
-                  </a:txBody>
-                  <a:tcPr/>
-                </a:tc>
-                <a:tc>
-                  <a:txBody>
-                    <a:bodyPr/>
-                    <a:lstStyle/>
-                    <a:p>
-                      <a:r>
-                        <a:rPr lang="en-US" dirty="0" smtClean="0">
-                          <a:latin typeface="+mn-lt"/>
-                        </a:rPr>
-                        <a:t>FRR: 0.61842</a:t>
-                      </a:r>
-                    </a:p>
-                    <a:p>
-                      <a:r>
-                        <a:rPr lang="en-US" dirty="0" smtClean="0">
-                          <a:latin typeface="+mn-lt"/>
-                        </a:rPr>
-                        <a:t>FAR</a:t>
-                      </a:r>
-                      <a:r>
-                        <a:rPr lang="en-US" smtClean="0">
-                          <a:latin typeface="+mn-lt"/>
-                        </a:rPr>
-                        <a:t>: 0.13472</a:t>
+                        <a:t>FRR: 1.00000</a:t>
+                      </a:r>
+                    </a:p>
+                    <a:p>
+                      <a:r>
+                        <a:rPr lang="en-US" dirty="0" smtClean="0">
+                          <a:latin typeface="+mn-lt"/>
+                        </a:rPr>
+                        <a:t>FAR: 0.00000</a:t>
+                      </a:r>
+                      <a:endParaRPr lang="en-US" dirty="0">
+                        <a:latin typeface="+mn-lt"/>
+                      </a:endParaRPr>
+                    </a:p>
+                  </a:txBody>
+                  <a:tcPr/>
+                </a:tc>
+                <a:tc>
+                  <a:txBody>
+                    <a:bodyPr/>
+                    <a:lstStyle/>
+                    <a:p>
+                      <a:r>
+                        <a:rPr lang="en-US" dirty="0" smtClean="0">
+                          <a:latin typeface="+mn-lt"/>
+                        </a:rPr>
+                        <a:t>FRR: 1.00000</a:t>
+                      </a:r>
+                    </a:p>
+                    <a:p>
+                      <a:r>
+                        <a:rPr lang="en-US" dirty="0" smtClean="0">
+                          <a:latin typeface="+mn-lt"/>
+                        </a:rPr>
+                        <a:t>FAR: 0.00000</a:t>
                       </a:r>
                       <a:endParaRPr lang="en-US" dirty="0" smtClean="0">
                         <a:latin typeface="+mn-lt"/>
@@ -8878,67 +8876,64 @@
                         <a:rPr lang="en-US" dirty="0" smtClean="0">
                           <a:latin typeface="+mn-lt"/>
                         </a:rPr>
-                        <a:t>FRR: 0.80328</a:t>
-                      </a:r>
-                    </a:p>
-                    <a:p>
-                      <a:r>
-                        <a:rPr lang="en-US" dirty="0" smtClean="0">
-                          <a:latin typeface="+mn-lt"/>
-                        </a:rPr>
-                        <a:t>FAR: 0.06542</a:t>
-                      </a:r>
-                    </a:p>
-                  </a:txBody>
-                  <a:tcPr/>
-                </a:tc>
-                <a:tc>
-                  <a:txBody>
-                    <a:bodyPr/>
-                    <a:lstStyle/>
-                    <a:p>
-                      <a:r>
-                        <a:rPr lang="en-US" dirty="0" smtClean="0">
-                          <a:latin typeface="+mn-lt"/>
-                        </a:rPr>
-                        <a:t>FRR: 0.4375</a:t>
-                      </a:r>
-                    </a:p>
-                    <a:p>
-                      <a:r>
-                        <a:rPr lang="en-US" dirty="0" smtClean="0">
-                          <a:latin typeface="+mn-lt"/>
-                        </a:rPr>
-                        <a:t>FAR</a:t>
-                      </a:r>
-                      <a:r>
-                        <a:rPr lang="en-US" smtClean="0">
-                          <a:latin typeface="+mn-lt"/>
-                        </a:rPr>
-                        <a:t>: 0.07253</a:t>
-                      </a:r>
-                    </a:p>
-                  </a:txBody>
-                  <a:tcPr/>
-                </a:tc>
-                <a:tc>
-                  <a:txBody>
-                    <a:bodyPr/>
-                    <a:lstStyle/>
-                    <a:p>
-                      <a:r>
-                        <a:rPr lang="en-US" dirty="0" smtClean="0">
-                          <a:latin typeface="+mn-lt"/>
-                        </a:rPr>
-                        <a:t>FRR: 0.20270</a:t>
-                      </a:r>
-                    </a:p>
-                    <a:p>
-                      <a:r>
-                        <a:rPr lang="en-US" dirty="0" smtClean="0">
-                          <a:latin typeface="+mn-lt"/>
-                        </a:rPr>
-                        <a:t>FAR: 0.04286</a:t>
+                        <a:t>FRR: 1.00000</a:t>
+                      </a:r>
+                    </a:p>
+                    <a:p>
+                      <a:r>
+                        <a:rPr lang="en-US" dirty="0" smtClean="0">
+                          <a:latin typeface="+mn-lt"/>
+                        </a:rPr>
+                        <a:t>FAR: 0.00000</a:t>
+                      </a:r>
+                      <a:endParaRPr lang="en-US" dirty="0" smtClean="0">
+                        <a:latin typeface="+mn-lt"/>
+                      </a:endParaRPr>
+                    </a:p>
+                  </a:txBody>
+                  <a:tcPr/>
+                </a:tc>
+                <a:tc>
+                  <a:txBody>
+                    <a:bodyPr/>
+                    <a:lstStyle/>
+                    <a:p>
+                      <a:r>
+                        <a:rPr lang="en-US" dirty="0" smtClean="0">
+                          <a:latin typeface="+mn-lt"/>
+                        </a:rPr>
+                        <a:t>FRR: 1.00000</a:t>
+                      </a:r>
+                    </a:p>
+                    <a:p>
+                      <a:r>
+                        <a:rPr lang="en-US" dirty="0" smtClean="0">
+                          <a:latin typeface="+mn-lt"/>
+                        </a:rPr>
+                        <a:t>FAR: 0.00000</a:t>
+                      </a:r>
+                    </a:p>
+                  </a:txBody>
+                  <a:tcPr/>
+                </a:tc>
+                <a:tc>
+                  <a:txBody>
+                    <a:bodyPr/>
+                    <a:lstStyle/>
+                    <a:p>
+                      <a:r>
+                        <a:rPr lang="en-US" dirty="0" smtClean="0">
+                          <a:latin typeface="+mn-lt"/>
+                        </a:rPr>
+                        <a:t>FRR: 1.00000</a:t>
+                      </a:r>
+                    </a:p>
+                    <a:p>
+                      <a:r>
+                        <a:rPr lang="en-US" dirty="0" smtClean="0">
+                          <a:latin typeface="+mn-lt"/>
+                        </a:rPr>
+                        <a:t>FAR: 0.00000</a:t>
                       </a:r>
                     </a:p>
                   </a:txBody>
@@ -8946,7 +8941,7 @@
                 </a:tc>
                 <a:extLst>
                   <a:ext uri="{0D108BD9-81ED-4DB2-BD59-A6C34878D82A}">
-                    <a16:rowId xmlns:a16="http://schemas.microsoft.com/office/drawing/2014/main" val="10001"/>
+                    <a16:rowId xmlns:a16="http://schemas.microsoft.com/office/drawing/2014/main" xmlns="" val="10001"/>
                   </a:ext>
                 </a:extLst>
               </a:tr>
@@ -8978,110 +8973,116 @@
                         <a:rPr lang="en-US" dirty="0" smtClean="0">
                           <a:latin typeface="+mn-lt"/>
                         </a:rPr>
-                        <a:t>FRR: 0.31223</a:t>
-                      </a:r>
-                    </a:p>
-                    <a:p>
-                      <a:r>
-                        <a:rPr lang="en-US" dirty="0" smtClean="0">
-                          <a:latin typeface="+mn-lt"/>
-                        </a:rPr>
-                        <a:t>FAR: 0.05802</a:t>
-                      </a:r>
-                      <a:endParaRPr lang="en-US" dirty="0">
-                        <a:latin typeface="+mn-lt"/>
-                      </a:endParaRPr>
-                    </a:p>
-                  </a:txBody>
-                  <a:tcPr/>
-                </a:tc>
-                <a:tc>
-                  <a:txBody>
-                    <a:bodyPr/>
-                    <a:lstStyle/>
-                    <a:p>
-                      <a:r>
-                        <a:rPr lang="en-US" dirty="0" smtClean="0">
-                          <a:latin typeface="+mn-lt"/>
-                        </a:rPr>
-                        <a:t>FRR: 0.81395</a:t>
-                      </a:r>
-                    </a:p>
-                    <a:p>
-                      <a:r>
-                        <a:rPr lang="en-US" dirty="0" smtClean="0">
-                          <a:latin typeface="+mn-lt"/>
-                        </a:rPr>
-                        <a:t>FAR: 0.05053</a:t>
-                      </a:r>
-                    </a:p>
-                  </a:txBody>
-                  <a:tcPr/>
-                </a:tc>
-                <a:tc>
-                  <a:txBody>
-                    <a:bodyPr/>
-                    <a:lstStyle/>
-                    <a:p>
-                      <a:r>
-                        <a:rPr lang="en-US" dirty="0" smtClean="0">
-                          <a:latin typeface="+mn-lt"/>
-                        </a:rPr>
-                        <a:t>FRR: 0.09474</a:t>
-                      </a:r>
-                    </a:p>
-                    <a:p>
-                      <a:r>
-                        <a:rPr lang="en-US" dirty="0" smtClean="0">
-                          <a:latin typeface="+mn-lt"/>
-                        </a:rPr>
-                        <a:t>FAR: 0.10152</a:t>
-                      </a:r>
-                    </a:p>
-                  </a:txBody>
-                  <a:tcPr/>
-                </a:tc>
-                <a:tc>
-                  <a:txBody>
-                    <a:bodyPr/>
-                    <a:lstStyle/>
-                    <a:p>
-                      <a:r>
-                        <a:rPr lang="en-US" dirty="0" smtClean="0">
-                          <a:latin typeface="+mn-lt"/>
-                        </a:rPr>
-                        <a:t>FRR: 0.16667</a:t>
-                      </a:r>
-                    </a:p>
-                    <a:p>
-                      <a:r>
-                        <a:rPr lang="en-US" dirty="0" smtClean="0">
-                          <a:latin typeface="+mn-lt"/>
-                        </a:rPr>
-                        <a:t>FAR: 0.04784</a:t>
-                      </a:r>
-                    </a:p>
-                  </a:txBody>
-                  <a:tcPr/>
-                </a:tc>
-                <a:tc>
-                  <a:txBody>
-                    <a:bodyPr/>
-                    <a:lstStyle/>
-                    <a:p>
-                      <a:r>
-                        <a:rPr lang="en-US" dirty="0" smtClean="0">
-                          <a:latin typeface="+mn-lt"/>
-                        </a:rPr>
-                        <a:t>FRR: 0.33617</a:t>
-                      </a:r>
-                    </a:p>
-                    <a:p>
-                      <a:r>
-                        <a:rPr lang="en-US" dirty="0" smtClean="0">
-                          <a:latin typeface="+mn-lt"/>
-                        </a:rPr>
-                        <a:t>FAR: 0.04248</a:t>
+                        <a:t>FRR: 1.00000</a:t>
+                      </a:r>
+                    </a:p>
+                    <a:p>
+                      <a:r>
+                        <a:rPr lang="en-US" dirty="0" smtClean="0">
+                          <a:latin typeface="+mn-lt"/>
+                        </a:rPr>
+                        <a:t>FAR: 0.00000</a:t>
+                      </a:r>
+                      <a:endParaRPr lang="en-US" dirty="0">
+                        <a:latin typeface="+mn-lt"/>
+                      </a:endParaRPr>
+                    </a:p>
+                  </a:txBody>
+                  <a:tcPr/>
+                </a:tc>
+                <a:tc>
+                  <a:txBody>
+                    <a:bodyPr/>
+                    <a:lstStyle/>
+                    <a:p>
+                      <a:r>
+                        <a:rPr lang="en-US" dirty="0" smtClean="0">
+                          <a:latin typeface="+mn-lt"/>
+                        </a:rPr>
+                        <a:t>FRR: 1.00000</a:t>
+                      </a:r>
+                    </a:p>
+                    <a:p>
+                      <a:r>
+                        <a:rPr lang="en-US" dirty="0" smtClean="0">
+                          <a:latin typeface="+mn-lt"/>
+                        </a:rPr>
+                        <a:t>FAR: 0.00000</a:t>
+                      </a:r>
+                      <a:endParaRPr lang="en-US" dirty="0" smtClean="0">
+                        <a:latin typeface="+mn-lt"/>
+                      </a:endParaRPr>
+                    </a:p>
+                  </a:txBody>
+                  <a:tcPr/>
+                </a:tc>
+                <a:tc>
+                  <a:txBody>
+                    <a:bodyPr/>
+                    <a:lstStyle/>
+                    <a:p>
+                      <a:r>
+                        <a:rPr lang="en-US" dirty="0" smtClean="0">
+                          <a:latin typeface="+mn-lt"/>
+                        </a:rPr>
+                        <a:t>FRR: 1.00000</a:t>
+                      </a:r>
+                    </a:p>
+                    <a:p>
+                      <a:r>
+                        <a:rPr lang="en-US" dirty="0" smtClean="0">
+                          <a:latin typeface="+mn-lt"/>
+                        </a:rPr>
+                        <a:t>FAR: 0.00000</a:t>
+                      </a:r>
+                      <a:endParaRPr lang="en-US" dirty="0" smtClean="0">
+                        <a:latin typeface="+mn-lt"/>
+                      </a:endParaRPr>
+                    </a:p>
+                  </a:txBody>
+                  <a:tcPr/>
+                </a:tc>
+                <a:tc>
+                  <a:txBody>
+                    <a:bodyPr/>
+                    <a:lstStyle/>
+                    <a:p>
+                      <a:r>
+                        <a:rPr lang="en-US" dirty="0" smtClean="0">
+                          <a:latin typeface="+mn-lt"/>
+                        </a:rPr>
+                        <a:t>FRR: 1.00000</a:t>
+                      </a:r>
+                    </a:p>
+                    <a:p>
+                      <a:r>
+                        <a:rPr lang="en-US" dirty="0" smtClean="0">
+                          <a:latin typeface="+mn-lt"/>
+                        </a:rPr>
+                        <a:t>FAR: 0.00000</a:t>
+                      </a:r>
+                    </a:p>
+                  </a:txBody>
+                  <a:tcPr/>
+                </a:tc>
+                <a:tc>
+                  <a:txBody>
+                    <a:bodyPr/>
+                    <a:lstStyle/>
+                    <a:p>
+                      <a:r>
+                        <a:rPr lang="en-US" dirty="0" smtClean="0">
+                          <a:latin typeface="+mn-lt"/>
+                        </a:rPr>
+                        <a:t>FRR: 1.00000</a:t>
+                      </a:r>
+                    </a:p>
+                    <a:p>
+                      <a:r>
+                        <a:rPr lang="en-US" dirty="0" smtClean="0">
+                          <a:latin typeface="+mn-lt"/>
+                        </a:rPr>
+                        <a:t>FAR: 0.00000</a:t>
                       </a:r>
                     </a:p>
                   </a:txBody>
@@ -9089,7 +9090,7 @@
                 </a:tc>
                 <a:extLst>
                   <a:ext uri="{0D108BD9-81ED-4DB2-BD59-A6C34878D82A}">
-                    <a16:rowId xmlns:a16="http://schemas.microsoft.com/office/drawing/2014/main" val="10002"/>
+                    <a16:rowId xmlns:a16="http://schemas.microsoft.com/office/drawing/2014/main" xmlns="" val="10002"/>
                   </a:ext>
                 </a:extLst>
               </a:tr>
@@ -9121,110 +9122,116 @@
                         <a:rPr lang="en-US" dirty="0" smtClean="0">
                           <a:latin typeface="+mn-lt"/>
                         </a:rPr>
-                        <a:t>FRR: 0.05714</a:t>
-                      </a:r>
-                    </a:p>
-                    <a:p>
-                      <a:r>
-                        <a:rPr lang="en-US" dirty="0" smtClean="0">
-                          <a:latin typeface="+mn-lt"/>
-                        </a:rPr>
-                        <a:t>FAR: 0.08161</a:t>
-                      </a:r>
-                      <a:endParaRPr lang="en-US" dirty="0">
-                        <a:latin typeface="+mn-lt"/>
-                      </a:endParaRPr>
-                    </a:p>
-                  </a:txBody>
-                  <a:tcPr/>
-                </a:tc>
-                <a:tc>
-                  <a:txBody>
-                    <a:bodyPr/>
-                    <a:lstStyle/>
-                    <a:p>
-                      <a:r>
-                        <a:rPr lang="en-US" dirty="0" smtClean="0">
-                          <a:latin typeface="+mn-lt"/>
-                        </a:rPr>
-                        <a:t>FRR: 0.32</a:t>
-                      </a:r>
-                    </a:p>
-                    <a:p>
-                      <a:r>
-                        <a:rPr lang="en-US" dirty="0" smtClean="0">
-                          <a:latin typeface="+mn-lt"/>
-                        </a:rPr>
-                        <a:t>FAR: 0.21705</a:t>
-                      </a:r>
-                    </a:p>
-                  </a:txBody>
-                  <a:tcPr/>
-                </a:tc>
-                <a:tc>
-                  <a:txBody>
-                    <a:bodyPr/>
-                    <a:lstStyle/>
-                    <a:p>
-                      <a:r>
-                        <a:rPr lang="en-US" dirty="0" smtClean="0">
-                          <a:latin typeface="+mn-lt"/>
-                        </a:rPr>
-                        <a:t>FRR: 0.5814</a:t>
-                      </a:r>
-                    </a:p>
-                    <a:p>
-                      <a:r>
-                        <a:rPr lang="en-US" dirty="0" smtClean="0">
-                          <a:latin typeface="+mn-lt"/>
-                        </a:rPr>
-                        <a:t>FAR: 0.1067</a:t>
-                      </a:r>
-                    </a:p>
-                  </a:txBody>
-                  <a:tcPr/>
-                </a:tc>
-                <a:tc>
-                  <a:txBody>
-                    <a:bodyPr/>
-                    <a:lstStyle/>
-                    <a:p>
-                      <a:r>
-                        <a:rPr lang="en-US" dirty="0" smtClean="0">
-                          <a:latin typeface="+mn-lt"/>
-                        </a:rPr>
-                        <a:t>FRR: 0.43421</a:t>
-                      </a:r>
-                    </a:p>
-                    <a:p>
-                      <a:r>
-                        <a:rPr lang="en-US" dirty="0" smtClean="0">
-                          <a:latin typeface="+mn-lt"/>
-                        </a:rPr>
-                        <a:t>FAR: 0.06536</a:t>
-                      </a:r>
-                    </a:p>
-                  </a:txBody>
-                  <a:tcPr/>
-                </a:tc>
-                <a:tc>
-                  <a:txBody>
-                    <a:bodyPr/>
-                    <a:lstStyle/>
-                    <a:p>
-                      <a:r>
-                        <a:rPr lang="en-US" dirty="0" smtClean="0">
-                          <a:latin typeface="+mn-lt"/>
-                        </a:rPr>
-                        <a:t>FRR: 0.02033</a:t>
-                      </a:r>
-                    </a:p>
-                    <a:p>
-                      <a:r>
-                        <a:rPr lang="en-US" dirty="0" smtClean="0">
-                          <a:latin typeface="+mn-lt"/>
-                        </a:rPr>
-                        <a:t>FAR: 0.05832</a:t>
+                        <a:t>FRR: 1.00000</a:t>
+                      </a:r>
+                    </a:p>
+                    <a:p>
+                      <a:r>
+                        <a:rPr lang="en-US" dirty="0" smtClean="0">
+                          <a:latin typeface="+mn-lt"/>
+                        </a:rPr>
+                        <a:t>FAR: 0.00000</a:t>
+                      </a:r>
+                      <a:endParaRPr lang="en-US" dirty="0">
+                        <a:latin typeface="+mn-lt"/>
+                      </a:endParaRPr>
+                    </a:p>
+                  </a:txBody>
+                  <a:tcPr/>
+                </a:tc>
+                <a:tc>
+                  <a:txBody>
+                    <a:bodyPr/>
+                    <a:lstStyle/>
+                    <a:p>
+                      <a:r>
+                        <a:rPr lang="en-US" dirty="0" smtClean="0">
+                          <a:latin typeface="+mn-lt"/>
+                        </a:rPr>
+                        <a:t>FRR: 1.00000</a:t>
+                      </a:r>
+                    </a:p>
+                    <a:p>
+                      <a:r>
+                        <a:rPr lang="en-US" dirty="0" smtClean="0">
+                          <a:latin typeface="+mn-lt"/>
+                        </a:rPr>
+                        <a:t>FAR: 0.00000</a:t>
+                      </a:r>
+                      <a:endParaRPr lang="en-US" dirty="0" smtClean="0">
+                        <a:latin typeface="+mn-lt"/>
+                      </a:endParaRPr>
+                    </a:p>
+                  </a:txBody>
+                  <a:tcPr/>
+                </a:tc>
+                <a:tc>
+                  <a:txBody>
+                    <a:bodyPr/>
+                    <a:lstStyle/>
+                    <a:p>
+                      <a:r>
+                        <a:rPr lang="en-US" dirty="0" smtClean="0">
+                          <a:latin typeface="+mn-lt"/>
+                        </a:rPr>
+                        <a:t>FRR: 1.00000</a:t>
+                      </a:r>
+                    </a:p>
+                    <a:p>
+                      <a:r>
+                        <a:rPr lang="en-US" dirty="0" smtClean="0">
+                          <a:latin typeface="+mn-lt"/>
+                        </a:rPr>
+                        <a:t>FAR: 0.00000</a:t>
+                      </a:r>
+                      <a:endParaRPr lang="en-US" dirty="0" smtClean="0">
+                        <a:latin typeface="+mn-lt"/>
+                      </a:endParaRPr>
+                    </a:p>
+                  </a:txBody>
+                  <a:tcPr/>
+                </a:tc>
+                <a:tc>
+                  <a:txBody>
+                    <a:bodyPr/>
+                    <a:lstStyle/>
+                    <a:p>
+                      <a:r>
+                        <a:rPr lang="en-US" dirty="0" smtClean="0">
+                          <a:latin typeface="+mn-lt"/>
+                        </a:rPr>
+                        <a:t>FRR: 1.00000</a:t>
+                      </a:r>
+                    </a:p>
+                    <a:p>
+                      <a:r>
+                        <a:rPr lang="en-US" dirty="0" smtClean="0">
+                          <a:latin typeface="+mn-lt"/>
+                        </a:rPr>
+                        <a:t>FAR: 0.00000</a:t>
+                      </a:r>
+                    </a:p>
+                  </a:txBody>
+                  <a:tcPr/>
+                </a:tc>
+                <a:tc>
+                  <a:txBody>
+                    <a:bodyPr/>
+                    <a:lstStyle/>
+                    <a:p>
+                      <a:r>
+                        <a:rPr lang="en-US" dirty="0" smtClean="0">
+                          <a:latin typeface="+mn-lt"/>
+                        </a:rPr>
+                        <a:t>FRR: 1.00000</a:t>
+                      </a:r>
+                    </a:p>
+                    <a:p>
+                      <a:r>
+                        <a:rPr lang="en-US" dirty="0" smtClean="0">
+                          <a:latin typeface="+mn-lt"/>
+                        </a:rPr>
+                        <a:t>FAR: 0.00000</a:t>
                       </a:r>
                     </a:p>
                   </a:txBody>
@@ -9232,7 +9239,7 @@
                 </a:tc>
                 <a:extLst>
                   <a:ext uri="{0D108BD9-81ED-4DB2-BD59-A6C34878D82A}">
-                    <a16:rowId xmlns:a16="http://schemas.microsoft.com/office/drawing/2014/main" val="10003"/>
+                    <a16:rowId xmlns:a16="http://schemas.microsoft.com/office/drawing/2014/main" xmlns="" val="10003"/>
                   </a:ext>
                 </a:extLst>
               </a:tr>
@@ -9264,110 +9271,116 @@
                         <a:rPr lang="en-US" dirty="0" smtClean="0">
                           <a:latin typeface="+mn-lt"/>
                         </a:rPr>
-                        <a:t>FRR: 0.19650</a:t>
-                      </a:r>
-                    </a:p>
-                    <a:p>
-                      <a:r>
-                        <a:rPr lang="en-US" dirty="0" smtClean="0">
-                          <a:latin typeface="+mn-lt"/>
-                        </a:rPr>
-                        <a:t>FAR: 0.05593</a:t>
-                      </a:r>
-                      <a:endParaRPr lang="en-US" dirty="0">
-                        <a:latin typeface="+mn-lt"/>
-                      </a:endParaRPr>
-                    </a:p>
-                  </a:txBody>
-                  <a:tcPr/>
-                </a:tc>
-                <a:tc>
-                  <a:txBody>
-                    <a:bodyPr/>
-                    <a:lstStyle/>
-                    <a:p>
-                      <a:r>
-                        <a:rPr lang="en-US" dirty="0" smtClean="0">
-                          <a:latin typeface="+mn-lt"/>
-                        </a:rPr>
-                        <a:t>FRR: 0.61972</a:t>
-                      </a:r>
-                    </a:p>
-                    <a:p>
-                      <a:r>
-                        <a:rPr lang="en-US" dirty="0" smtClean="0">
-                          <a:latin typeface="+mn-lt"/>
-                        </a:rPr>
-                        <a:t>FAR: 0.05882</a:t>
-                      </a:r>
-                    </a:p>
-                  </a:txBody>
-                  <a:tcPr/>
-                </a:tc>
-                <a:tc>
-                  <a:txBody>
-                    <a:bodyPr/>
-                    <a:lstStyle/>
-                    <a:p>
-                      <a:r>
-                        <a:rPr lang="en-US" dirty="0" smtClean="0">
-                          <a:latin typeface="+mn-lt"/>
-                        </a:rPr>
-                        <a:t>FRR: 0.48235</a:t>
-                      </a:r>
-                    </a:p>
-                    <a:p>
-                      <a:r>
-                        <a:rPr lang="en-US" dirty="0" smtClean="0">
-                          <a:latin typeface="+mn-lt"/>
-                        </a:rPr>
-                        <a:t>FAR: 0.05941</a:t>
-                      </a:r>
-                    </a:p>
-                  </a:txBody>
-                  <a:tcPr/>
-                </a:tc>
-                <a:tc>
-                  <a:txBody>
-                    <a:bodyPr/>
-                    <a:lstStyle/>
-                    <a:p>
-                      <a:r>
-                        <a:rPr lang="en-US" dirty="0" smtClean="0">
-                          <a:latin typeface="+mn-lt"/>
-                        </a:rPr>
-                        <a:t>FRR: 0.42697</a:t>
-                      </a:r>
-                    </a:p>
-                    <a:p>
-                      <a:r>
-                        <a:rPr lang="en-US" dirty="0" smtClean="0">
-                          <a:latin typeface="+mn-lt"/>
-                        </a:rPr>
-                        <a:t>FAR: 0.11211</a:t>
-                      </a:r>
-                    </a:p>
-                  </a:txBody>
-                  <a:tcPr/>
-                </a:tc>
-                <a:tc>
-                  <a:txBody>
-                    <a:bodyPr/>
-                    <a:lstStyle/>
-                    <a:p>
-                      <a:r>
-                        <a:rPr lang="en-US" dirty="0" smtClean="0">
-                          <a:latin typeface="+mn-lt"/>
-                        </a:rPr>
-                        <a:t>FRR: 0.26531</a:t>
-                      </a:r>
-                    </a:p>
-                    <a:p>
-                      <a:r>
-                        <a:rPr lang="en-US" dirty="0" smtClean="0">
-                          <a:latin typeface="+mn-lt"/>
-                        </a:rPr>
-                        <a:t>FAR: 0.05827</a:t>
+                        <a:t>FRR: 1.00000</a:t>
+                      </a:r>
+                    </a:p>
+                    <a:p>
+                      <a:r>
+                        <a:rPr lang="en-US" dirty="0" smtClean="0">
+                          <a:latin typeface="+mn-lt"/>
+                        </a:rPr>
+                        <a:t>FAR: 0.00000</a:t>
+                      </a:r>
+                      <a:endParaRPr lang="en-US" dirty="0">
+                        <a:latin typeface="+mn-lt"/>
+                      </a:endParaRPr>
+                    </a:p>
+                  </a:txBody>
+                  <a:tcPr/>
+                </a:tc>
+                <a:tc>
+                  <a:txBody>
+                    <a:bodyPr/>
+                    <a:lstStyle/>
+                    <a:p>
+                      <a:r>
+                        <a:rPr lang="en-US" dirty="0" smtClean="0">
+                          <a:latin typeface="+mn-lt"/>
+                        </a:rPr>
+                        <a:t>FRR: 1.00000</a:t>
+                      </a:r>
+                    </a:p>
+                    <a:p>
+                      <a:r>
+                        <a:rPr lang="en-US" dirty="0" smtClean="0">
+                          <a:latin typeface="+mn-lt"/>
+                        </a:rPr>
+                        <a:t>FAR: 0.00000</a:t>
+                      </a:r>
+                      <a:endParaRPr lang="en-US" dirty="0" smtClean="0">
+                        <a:latin typeface="+mn-lt"/>
+                      </a:endParaRPr>
+                    </a:p>
+                  </a:txBody>
+                  <a:tcPr/>
+                </a:tc>
+                <a:tc>
+                  <a:txBody>
+                    <a:bodyPr/>
+                    <a:lstStyle/>
+                    <a:p>
+                      <a:r>
+                        <a:rPr lang="en-US" dirty="0" smtClean="0">
+                          <a:latin typeface="+mn-lt"/>
+                        </a:rPr>
+                        <a:t>FRR: 1.00000</a:t>
+                      </a:r>
+                    </a:p>
+                    <a:p>
+                      <a:r>
+                        <a:rPr lang="en-US" dirty="0" smtClean="0">
+                          <a:latin typeface="+mn-lt"/>
+                        </a:rPr>
+                        <a:t>FAR: 0.00000</a:t>
+                      </a:r>
+                      <a:endParaRPr lang="en-US" dirty="0" smtClean="0">
+                        <a:latin typeface="+mn-lt"/>
+                      </a:endParaRPr>
+                    </a:p>
+                  </a:txBody>
+                  <a:tcPr/>
+                </a:tc>
+                <a:tc>
+                  <a:txBody>
+                    <a:bodyPr/>
+                    <a:lstStyle/>
+                    <a:p>
+                      <a:r>
+                        <a:rPr lang="en-US" dirty="0" smtClean="0">
+                          <a:latin typeface="+mn-lt"/>
+                        </a:rPr>
+                        <a:t>FRR: 1.00000</a:t>
+                      </a:r>
+                    </a:p>
+                    <a:p>
+                      <a:r>
+                        <a:rPr lang="en-US" dirty="0" smtClean="0">
+                          <a:latin typeface="+mn-lt"/>
+                        </a:rPr>
+                        <a:t>FAR: 0.00000</a:t>
+                      </a:r>
+                    </a:p>
+                  </a:txBody>
+                  <a:tcPr/>
+                </a:tc>
+                <a:tc>
+                  <a:txBody>
+                    <a:bodyPr/>
+                    <a:lstStyle/>
+                    <a:p>
+                      <a:r>
+                        <a:rPr lang="en-US" dirty="0" smtClean="0">
+                          <a:latin typeface="+mn-lt"/>
+                        </a:rPr>
+                        <a:t>FRR: 1.00000</a:t>
+                      </a:r>
+                    </a:p>
+                    <a:p>
+                      <a:r>
+                        <a:rPr lang="en-US" dirty="0" smtClean="0">
+                          <a:latin typeface="+mn-lt"/>
+                        </a:rPr>
+                        <a:t>FAR: 0.00000</a:t>
                       </a:r>
                     </a:p>
                   </a:txBody>
@@ -9375,7 +9388,7 @@
                 </a:tc>
                 <a:extLst>
                   <a:ext uri="{0D108BD9-81ED-4DB2-BD59-A6C34878D82A}">
-                    <a16:rowId xmlns:a16="http://schemas.microsoft.com/office/drawing/2014/main" val="10004"/>
+                    <a16:rowId xmlns:a16="http://schemas.microsoft.com/office/drawing/2014/main" xmlns="" val="10004"/>
                   </a:ext>
                 </a:extLst>
               </a:tr>
@@ -9407,110 +9420,116 @@
                         <a:rPr lang="en-US" dirty="0" smtClean="0">
                           <a:latin typeface="+mn-lt"/>
                         </a:rPr>
-                        <a:t>FRR: 0.33777</a:t>
-                      </a:r>
-                    </a:p>
-                    <a:p>
-                      <a:r>
-                        <a:rPr lang="en-US" dirty="0" smtClean="0">
-                          <a:latin typeface="+mn-lt"/>
-                        </a:rPr>
-                        <a:t>FAR: 0.03040</a:t>
-                      </a:r>
-                      <a:endParaRPr lang="en-US" dirty="0">
-                        <a:latin typeface="+mn-lt"/>
-                      </a:endParaRPr>
-                    </a:p>
-                  </a:txBody>
-                  <a:tcPr/>
-                </a:tc>
-                <a:tc>
-                  <a:txBody>
-                    <a:bodyPr/>
-                    <a:lstStyle/>
-                    <a:p>
-                      <a:r>
-                        <a:rPr lang="en-US" dirty="0" smtClean="0">
-                          <a:latin typeface="+mn-lt"/>
-                        </a:rPr>
-                        <a:t>FRR: 0.74627</a:t>
-                      </a:r>
-                    </a:p>
-                    <a:p>
-                      <a:r>
-                        <a:rPr lang="en-US" dirty="0" smtClean="0">
-                          <a:latin typeface="+mn-lt"/>
-                        </a:rPr>
-                        <a:t>FAR: 0.0481</a:t>
-                      </a:r>
-                    </a:p>
-                  </a:txBody>
-                  <a:tcPr/>
-                </a:tc>
-                <a:tc>
-                  <a:txBody>
-                    <a:bodyPr/>
-                    <a:lstStyle/>
-                    <a:p>
-                      <a:r>
-                        <a:rPr lang="en-US" dirty="0" smtClean="0">
-                          <a:latin typeface="+mn-lt"/>
-                        </a:rPr>
-                        <a:t>FRR: 0.80556</a:t>
-                      </a:r>
-                    </a:p>
-                    <a:p>
-                      <a:r>
-                        <a:rPr lang="en-US" dirty="0" smtClean="0">
-                          <a:latin typeface="+mn-lt"/>
-                        </a:rPr>
-                        <a:t>FAR: 0.05036</a:t>
-                      </a:r>
-                    </a:p>
-                  </a:txBody>
-                  <a:tcPr/>
-                </a:tc>
-                <a:tc>
-                  <a:txBody>
-                    <a:bodyPr/>
-                    <a:lstStyle/>
-                    <a:p>
-                      <a:r>
-                        <a:rPr lang="en-US" dirty="0" smtClean="0">
-                          <a:latin typeface="+mn-lt"/>
-                        </a:rPr>
-                        <a:t>FRR: 0.78261</a:t>
-                      </a:r>
-                    </a:p>
-                    <a:p>
-                      <a:r>
-                        <a:rPr lang="en-US" dirty="0" smtClean="0">
-                          <a:latin typeface="+mn-lt"/>
-                        </a:rPr>
-                        <a:t>FAR: 0.03004</a:t>
-                      </a:r>
-                    </a:p>
-                  </a:txBody>
-                  <a:tcPr/>
-                </a:tc>
-                <a:tc>
-                  <a:txBody>
-                    <a:bodyPr/>
-                    <a:lstStyle/>
-                    <a:p>
-                      <a:r>
-                        <a:rPr lang="en-US" dirty="0" smtClean="0">
-                          <a:latin typeface="+mn-lt"/>
-                        </a:rPr>
-                        <a:t>FRR: 0.23318</a:t>
-                      </a:r>
-                    </a:p>
-                    <a:p>
-                      <a:r>
-                        <a:rPr lang="en-US" dirty="0" smtClean="0">
-                          <a:latin typeface="+mn-lt"/>
-                        </a:rPr>
-                        <a:t>FAR: 0.01430</a:t>
+                        <a:t>FRR: 1.00000</a:t>
+                      </a:r>
+                    </a:p>
+                    <a:p>
+                      <a:r>
+                        <a:rPr lang="en-US" dirty="0" smtClean="0">
+                          <a:latin typeface="+mn-lt"/>
+                        </a:rPr>
+                        <a:t>FAR: 0.00000</a:t>
+                      </a:r>
+                      <a:endParaRPr lang="en-US" dirty="0">
+                        <a:latin typeface="+mn-lt"/>
+                      </a:endParaRPr>
+                    </a:p>
+                  </a:txBody>
+                  <a:tcPr/>
+                </a:tc>
+                <a:tc>
+                  <a:txBody>
+                    <a:bodyPr/>
+                    <a:lstStyle/>
+                    <a:p>
+                      <a:r>
+                        <a:rPr lang="en-US" dirty="0" smtClean="0">
+                          <a:latin typeface="+mn-lt"/>
+                        </a:rPr>
+                        <a:t>FRR: 1.00000</a:t>
+                      </a:r>
+                    </a:p>
+                    <a:p>
+                      <a:r>
+                        <a:rPr lang="en-US" dirty="0" smtClean="0">
+                          <a:latin typeface="+mn-lt"/>
+                        </a:rPr>
+                        <a:t>FAR: 0.00000</a:t>
+                      </a:r>
+                      <a:endParaRPr lang="en-US" dirty="0" smtClean="0">
+                        <a:latin typeface="+mn-lt"/>
+                      </a:endParaRPr>
+                    </a:p>
+                  </a:txBody>
+                  <a:tcPr/>
+                </a:tc>
+                <a:tc>
+                  <a:txBody>
+                    <a:bodyPr/>
+                    <a:lstStyle/>
+                    <a:p>
+                      <a:r>
+                        <a:rPr lang="en-US" dirty="0" smtClean="0">
+                          <a:latin typeface="+mn-lt"/>
+                        </a:rPr>
+                        <a:t>FRR: 1.00000</a:t>
+                      </a:r>
+                    </a:p>
+                    <a:p>
+                      <a:r>
+                        <a:rPr lang="en-US" dirty="0" smtClean="0">
+                          <a:latin typeface="+mn-lt"/>
+                        </a:rPr>
+                        <a:t>FAR: 0.00000</a:t>
+                      </a:r>
+                      <a:endParaRPr lang="en-US" dirty="0" smtClean="0">
+                        <a:latin typeface="+mn-lt"/>
+                      </a:endParaRPr>
+                    </a:p>
+                  </a:txBody>
+                  <a:tcPr/>
+                </a:tc>
+                <a:tc>
+                  <a:txBody>
+                    <a:bodyPr/>
+                    <a:lstStyle/>
+                    <a:p>
+                      <a:r>
+                        <a:rPr lang="en-US" dirty="0" smtClean="0">
+                          <a:latin typeface="+mn-lt"/>
+                        </a:rPr>
+                        <a:t>FRR: 1.00000</a:t>
+                      </a:r>
+                    </a:p>
+                    <a:p>
+                      <a:r>
+                        <a:rPr lang="en-US" dirty="0" smtClean="0">
+                          <a:latin typeface="+mn-lt"/>
+                        </a:rPr>
+                        <a:t>FAR: 0.00000</a:t>
+                      </a:r>
+                    </a:p>
+                  </a:txBody>
+                  <a:tcPr/>
+                </a:tc>
+                <a:tc>
+                  <a:txBody>
+                    <a:bodyPr/>
+                    <a:lstStyle/>
+                    <a:p>
+                      <a:r>
+                        <a:rPr lang="en-US" dirty="0" smtClean="0">
+                          <a:latin typeface="+mn-lt"/>
+                        </a:rPr>
+                        <a:t>FRR: 1.00000</a:t>
+                      </a:r>
+                    </a:p>
+                    <a:p>
+                      <a:r>
+                        <a:rPr lang="en-US" dirty="0" smtClean="0">
+                          <a:latin typeface="+mn-lt"/>
+                        </a:rPr>
+                        <a:t>FAR: 0.00000</a:t>
                       </a:r>
                     </a:p>
                   </a:txBody>
@@ -9518,7 +9537,7 @@
                 </a:tc>
                 <a:extLst>
                   <a:ext uri="{0D108BD9-81ED-4DB2-BD59-A6C34878D82A}">
-                    <a16:rowId xmlns:a16="http://schemas.microsoft.com/office/drawing/2014/main" val="10005"/>
+                    <a16:rowId xmlns:a16="http://schemas.microsoft.com/office/drawing/2014/main" xmlns="" val="10005"/>
                   </a:ext>
                 </a:extLst>
               </a:tr>
@@ -9564,110 +9583,116 @@
                         <a:rPr lang="en-US" dirty="0" smtClean="0">
                           <a:latin typeface="+mn-lt"/>
                         </a:rPr>
-                        <a:t>FRR: 0.20481</a:t>
-                      </a:r>
-                    </a:p>
-                    <a:p>
-                      <a:r>
-                        <a:rPr lang="en-US" dirty="0" smtClean="0">
-                          <a:latin typeface="+mn-lt"/>
-                        </a:rPr>
-                        <a:t>FAR:  0.02155</a:t>
-                      </a:r>
-                      <a:endParaRPr lang="en-US" dirty="0">
-                        <a:latin typeface="+mn-lt"/>
-                      </a:endParaRPr>
-                    </a:p>
-                  </a:txBody>
-                  <a:tcPr/>
-                </a:tc>
-                <a:tc>
-                  <a:txBody>
-                    <a:bodyPr/>
-                    <a:lstStyle/>
-                    <a:p>
-                      <a:r>
-                        <a:rPr lang="en-US" dirty="0" smtClean="0">
-                          <a:latin typeface="+mn-lt"/>
-                        </a:rPr>
-                        <a:t>FRR: 0.25287</a:t>
-                      </a:r>
-                    </a:p>
-                    <a:p>
-                      <a:r>
-                        <a:rPr lang="en-US" dirty="0" smtClean="0">
-                          <a:latin typeface="+mn-lt"/>
-                        </a:rPr>
-                        <a:t>FAR: 0.16</a:t>
-                      </a:r>
-                    </a:p>
-                  </a:txBody>
-                  <a:tcPr/>
-                </a:tc>
-                <a:tc>
-                  <a:txBody>
-                    <a:bodyPr/>
-                    <a:lstStyle/>
-                    <a:p>
-                      <a:r>
-                        <a:rPr lang="en-US" dirty="0" smtClean="0">
-                          <a:latin typeface="+mn-lt"/>
-                        </a:rPr>
-                        <a:t>FRR: 0.11111</a:t>
-                      </a:r>
-                    </a:p>
-                    <a:p>
-                      <a:r>
-                        <a:rPr lang="en-US" dirty="0" smtClean="0">
-                          <a:latin typeface="+mn-lt"/>
-                        </a:rPr>
-                        <a:t>FAR: 0.15288</a:t>
-                      </a:r>
-                    </a:p>
-                  </a:txBody>
-                  <a:tcPr/>
-                </a:tc>
-                <a:tc>
-                  <a:txBody>
-                    <a:bodyPr/>
-                    <a:lstStyle/>
-                    <a:p>
-                      <a:r>
-                        <a:rPr lang="en-US" dirty="0" smtClean="0">
-                          <a:latin typeface="+mn-lt"/>
-                        </a:rPr>
-                        <a:t>FRR: 0.112</a:t>
-                      </a:r>
-                    </a:p>
-                    <a:p>
-                      <a:r>
-                        <a:rPr lang="en-US" dirty="0" smtClean="0">
-                          <a:latin typeface="+mn-lt"/>
-                        </a:rPr>
-                        <a:t>FAR: 0.10244</a:t>
-                      </a:r>
-                    </a:p>
-                  </a:txBody>
-                  <a:tcPr/>
-                </a:tc>
-                <a:tc>
-                  <a:txBody>
-                    <a:bodyPr/>
-                    <a:lstStyle/>
-                    <a:p>
-                      <a:r>
-                        <a:rPr lang="en-US" dirty="0" smtClean="0">
-                          <a:latin typeface="+mn-lt"/>
-                        </a:rPr>
-                        <a:t>FRR: 0.17427</a:t>
-                      </a:r>
-                    </a:p>
-                    <a:p>
-                      <a:r>
-                        <a:rPr lang="en-US" dirty="0" smtClean="0">
-                          <a:latin typeface="+mn-lt"/>
-                        </a:rPr>
-                        <a:t>FAR: 0.02904</a:t>
+                        <a:t>FRR: 0.00000</a:t>
+                      </a:r>
+                    </a:p>
+                    <a:p>
+                      <a:r>
+                        <a:rPr lang="en-US" dirty="0" smtClean="0">
+                          <a:latin typeface="+mn-lt"/>
+                        </a:rPr>
+                        <a:t>FAR: 1.00000</a:t>
+                      </a:r>
+                      <a:endParaRPr lang="en-US" dirty="0">
+                        <a:latin typeface="+mn-lt"/>
+                      </a:endParaRPr>
+                    </a:p>
+                  </a:txBody>
+                  <a:tcPr/>
+                </a:tc>
+                <a:tc>
+                  <a:txBody>
+                    <a:bodyPr/>
+                    <a:lstStyle/>
+                    <a:p>
+                      <a:r>
+                        <a:rPr lang="en-US" dirty="0" smtClean="0">
+                          <a:latin typeface="+mn-lt"/>
+                        </a:rPr>
+                        <a:t>FRR: 0.00000</a:t>
+                      </a:r>
+                    </a:p>
+                    <a:p>
+                      <a:r>
+                        <a:rPr lang="en-US" dirty="0" smtClean="0">
+                          <a:latin typeface="+mn-lt"/>
+                        </a:rPr>
+                        <a:t>FAR: 1.00000</a:t>
+                      </a:r>
+                      <a:endParaRPr lang="en-US" dirty="0" smtClean="0">
+                        <a:latin typeface="+mn-lt"/>
+                      </a:endParaRPr>
+                    </a:p>
+                  </a:txBody>
+                  <a:tcPr/>
+                </a:tc>
+                <a:tc>
+                  <a:txBody>
+                    <a:bodyPr/>
+                    <a:lstStyle/>
+                    <a:p>
+                      <a:r>
+                        <a:rPr lang="en-US" dirty="0" smtClean="0">
+                          <a:latin typeface="+mn-lt"/>
+                        </a:rPr>
+                        <a:t>FRR: 0.00000</a:t>
+                      </a:r>
+                    </a:p>
+                    <a:p>
+                      <a:r>
+                        <a:rPr lang="en-US" dirty="0" smtClean="0">
+                          <a:latin typeface="+mn-lt"/>
+                        </a:rPr>
+                        <a:t>FAR: 1.00000</a:t>
+                      </a:r>
+                      <a:endParaRPr lang="en-US" dirty="0" smtClean="0">
+                        <a:latin typeface="+mn-lt"/>
+                      </a:endParaRPr>
+                    </a:p>
+                  </a:txBody>
+                  <a:tcPr/>
+                </a:tc>
+                <a:tc>
+                  <a:txBody>
+                    <a:bodyPr/>
+                    <a:lstStyle/>
+                    <a:p>
+                      <a:r>
+                        <a:rPr lang="en-US" dirty="0" smtClean="0">
+                          <a:latin typeface="+mn-lt"/>
+                        </a:rPr>
+                        <a:t>FRR: 0.00000</a:t>
+                      </a:r>
+                    </a:p>
+                    <a:p>
+                      <a:r>
+                        <a:rPr lang="en-US" dirty="0" smtClean="0">
+                          <a:latin typeface="+mn-lt"/>
+                        </a:rPr>
+                        <a:t>FAR: 1.00000</a:t>
+                      </a:r>
+                    </a:p>
+                  </a:txBody>
+                  <a:tcPr/>
+                </a:tc>
+                <a:tc>
+                  <a:txBody>
+                    <a:bodyPr/>
+                    <a:lstStyle/>
+                    <a:p>
+                      <a:r>
+                        <a:rPr lang="en-US" dirty="0" smtClean="0">
+                          <a:latin typeface="+mn-lt"/>
+                        </a:rPr>
+                        <a:t>FRR: 0.00000</a:t>
+                      </a:r>
+                    </a:p>
+                    <a:p>
+                      <a:r>
+                        <a:rPr lang="en-US" dirty="0" smtClean="0">
+                          <a:latin typeface="+mn-lt"/>
+                        </a:rPr>
+                        <a:t>FAR: 1.00000</a:t>
                       </a:r>
                     </a:p>
                   </a:txBody>
@@ -9675,7 +9700,7 @@
                 </a:tc>
                 <a:extLst>
                   <a:ext uri="{0D108BD9-81ED-4DB2-BD59-A6C34878D82A}">
-                    <a16:rowId xmlns:a16="http://schemas.microsoft.com/office/drawing/2014/main" val="10006"/>
+                    <a16:rowId xmlns:a16="http://schemas.microsoft.com/office/drawing/2014/main" xmlns="" val="10006"/>
                   </a:ext>
                 </a:extLst>
               </a:tr>
@@ -9713,110 +9738,116 @@
                         <a:rPr lang="en-US" dirty="0" smtClean="0">
                           <a:latin typeface="+mn-lt"/>
                         </a:rPr>
-                        <a:t>FRR: 0.23683</a:t>
-                      </a:r>
-                    </a:p>
-                    <a:p>
-                      <a:r>
-                        <a:rPr lang="en-US" dirty="0" smtClean="0">
-                          <a:latin typeface="+mn-lt"/>
-                        </a:rPr>
-                        <a:t>FAR: 0.04688</a:t>
-                      </a:r>
-                      <a:endParaRPr lang="en-US" dirty="0">
-                        <a:latin typeface="+mn-lt"/>
-                      </a:endParaRPr>
-                    </a:p>
-                  </a:txBody>
-                  <a:tcPr/>
-                </a:tc>
-                <a:tc>
-                  <a:txBody>
-                    <a:bodyPr/>
-                    <a:lstStyle/>
-                    <a:p>
-                      <a:r>
-                        <a:rPr lang="en-US" dirty="0" smtClean="0">
-                          <a:latin typeface="+mn-lt"/>
-                        </a:rPr>
-                        <a:t>FRR: 0.56187</a:t>
-                      </a:r>
-                    </a:p>
-                    <a:p>
-                      <a:r>
-                        <a:rPr lang="en-US" dirty="0" smtClean="0">
-                          <a:latin typeface="+mn-lt"/>
-                        </a:rPr>
-                        <a:t>FAR: 0.11154</a:t>
-                      </a:r>
-                    </a:p>
-                  </a:txBody>
-                  <a:tcPr/>
-                </a:tc>
-                <a:tc>
-                  <a:txBody>
-                    <a:bodyPr/>
-                    <a:lstStyle/>
-                    <a:p>
-                      <a:r>
-                        <a:rPr lang="en-US" dirty="0" smtClean="0">
-                          <a:latin typeface="+mn-lt"/>
-                        </a:rPr>
-                        <a:t>FRR: 0.47974</a:t>
-                      </a:r>
-                    </a:p>
-                    <a:p>
-                      <a:r>
-                        <a:rPr lang="en-US" dirty="0" smtClean="0">
-                          <a:latin typeface="+mn-lt"/>
-                        </a:rPr>
-                        <a:t>FAR: 0.08938</a:t>
-                      </a:r>
-                    </a:p>
-                  </a:txBody>
-                  <a:tcPr/>
-                </a:tc>
-                <a:tc>
-                  <a:txBody>
-                    <a:bodyPr/>
-                    <a:lstStyle/>
-                    <a:p>
-                      <a:r>
-                        <a:rPr lang="en-US" dirty="0" smtClean="0">
-                          <a:latin typeface="+mn-lt"/>
-                        </a:rPr>
-                        <a:t>FRR: 0.39333</a:t>
-                      </a:r>
-                    </a:p>
-                    <a:p>
-                      <a:r>
-                        <a:rPr lang="en-US" dirty="0" smtClean="0">
-                          <a:latin typeface="+mn-lt"/>
-                        </a:rPr>
-                        <a:t>FAR: 0.07172</a:t>
-                      </a:r>
-                    </a:p>
-                  </a:txBody>
-                  <a:tcPr/>
-                </a:tc>
-                <a:tc>
-                  <a:txBody>
-                    <a:bodyPr/>
-                    <a:lstStyle/>
-                    <a:p>
-                      <a:r>
-                        <a:rPr lang="en-US" dirty="0" smtClean="0">
-                          <a:latin typeface="+mn-lt"/>
-                        </a:rPr>
-                        <a:t>FRR: 0.20533</a:t>
-                      </a:r>
-                    </a:p>
-                    <a:p>
-                      <a:r>
-                        <a:rPr lang="en-US" dirty="0" smtClean="0">
-                          <a:latin typeface="+mn-lt"/>
-                        </a:rPr>
-                        <a:t>FAR: 0.04088</a:t>
+                        <a:t>FRR: 0.83333</a:t>
+                      </a:r>
+                    </a:p>
+                    <a:p>
+                      <a:r>
+                        <a:rPr lang="en-US" dirty="0" smtClean="0">
+                          <a:latin typeface="+mn-lt"/>
+                        </a:rPr>
+                        <a:t>FAR: 0.16667</a:t>
+                      </a:r>
+                      <a:endParaRPr lang="en-US" dirty="0">
+                        <a:latin typeface="+mn-lt"/>
+                      </a:endParaRPr>
+                    </a:p>
+                  </a:txBody>
+                  <a:tcPr/>
+                </a:tc>
+                <a:tc>
+                  <a:txBody>
+                    <a:bodyPr/>
+                    <a:lstStyle/>
+                    <a:p>
+                      <a:r>
+                        <a:rPr lang="en-US" dirty="0" smtClean="0">
+                          <a:latin typeface="+mn-lt"/>
+                        </a:rPr>
+                        <a:t>FRR: 0.83333</a:t>
+                      </a:r>
+                    </a:p>
+                    <a:p>
+                      <a:r>
+                        <a:rPr lang="en-US" dirty="0" smtClean="0">
+                          <a:latin typeface="+mn-lt"/>
+                        </a:rPr>
+                        <a:t>FAR: 0.16667</a:t>
+                      </a:r>
+                      <a:endParaRPr lang="en-US" dirty="0" smtClean="0">
+                        <a:latin typeface="+mn-lt"/>
+                      </a:endParaRPr>
+                    </a:p>
+                  </a:txBody>
+                  <a:tcPr/>
+                </a:tc>
+                <a:tc>
+                  <a:txBody>
+                    <a:bodyPr/>
+                    <a:lstStyle/>
+                    <a:p>
+                      <a:r>
+                        <a:rPr lang="en-US" dirty="0" smtClean="0">
+                          <a:latin typeface="+mn-lt"/>
+                        </a:rPr>
+                        <a:t>FRR: 0.83333</a:t>
+                      </a:r>
+                    </a:p>
+                    <a:p>
+                      <a:r>
+                        <a:rPr lang="en-US" dirty="0" smtClean="0">
+                          <a:latin typeface="+mn-lt"/>
+                        </a:rPr>
+                        <a:t>FAR: 0.16667</a:t>
+                      </a:r>
+                      <a:endParaRPr lang="en-US" dirty="0" smtClean="0">
+                        <a:latin typeface="+mn-lt"/>
+                      </a:endParaRPr>
+                    </a:p>
+                  </a:txBody>
+                  <a:tcPr/>
+                </a:tc>
+                <a:tc>
+                  <a:txBody>
+                    <a:bodyPr/>
+                    <a:lstStyle/>
+                    <a:p>
+                      <a:r>
+                        <a:rPr lang="en-US" dirty="0" smtClean="0">
+                          <a:latin typeface="+mn-lt"/>
+                        </a:rPr>
+                        <a:t>FRR: 0.83333</a:t>
+                      </a:r>
+                    </a:p>
+                    <a:p>
+                      <a:r>
+                        <a:rPr lang="en-US" dirty="0" smtClean="0">
+                          <a:latin typeface="+mn-lt"/>
+                        </a:rPr>
+                        <a:t>FAR: 0.16667</a:t>
+                      </a:r>
+                    </a:p>
+                  </a:txBody>
+                  <a:tcPr/>
+                </a:tc>
+                <a:tc>
+                  <a:txBody>
+                    <a:bodyPr/>
+                    <a:lstStyle/>
+                    <a:p>
+                      <a:r>
+                        <a:rPr lang="en-US" dirty="0" smtClean="0">
+                          <a:latin typeface="+mn-lt"/>
+                        </a:rPr>
+                        <a:t>FRR: 0.83333</a:t>
+                      </a:r>
+                    </a:p>
+                    <a:p>
+                      <a:r>
+                        <a:rPr lang="en-US" dirty="0" smtClean="0">
+                          <a:latin typeface="+mn-lt"/>
+                        </a:rPr>
+                        <a:t>FAR: 0.16667</a:t>
                       </a:r>
                     </a:p>
                   </a:txBody>
@@ -9824,7 +9855,7 @@
                 </a:tc>
                 <a:extLst>
                   <a:ext uri="{0D108BD9-81ED-4DB2-BD59-A6C34878D82A}">
-                    <a16:rowId xmlns:a16="http://schemas.microsoft.com/office/drawing/2014/main" val="10007"/>
+                    <a16:rowId xmlns:a16="http://schemas.microsoft.com/office/drawing/2014/main" xmlns="" val="10007"/>
                   </a:ext>
                 </a:extLst>
               </a:tr>
@@ -9934,42 +9965,42 @@
                 <a:gridCol w="2631776">
                   <a:extLst>
                     <a:ext uri="{9D8B030D-6E8A-4147-A177-3AD203B41FA5}">
-                      <a16:colId xmlns:a16="http://schemas.microsoft.com/office/drawing/2014/main" val="20000"/>
+                      <a16:colId xmlns:a16="http://schemas.microsoft.com/office/drawing/2014/main" xmlns="" val="20000"/>
                     </a:ext>
                   </a:extLst>
                 </a:gridCol>
                 <a:gridCol w="1680247">
                   <a:extLst>
                     <a:ext uri="{9D8B030D-6E8A-4147-A177-3AD203B41FA5}">
-                      <a16:colId xmlns:a16="http://schemas.microsoft.com/office/drawing/2014/main" val="20001"/>
+                      <a16:colId xmlns:a16="http://schemas.microsoft.com/office/drawing/2014/main" xmlns="" val="20001"/>
                     </a:ext>
                   </a:extLst>
                 </a:gridCol>
                 <a:gridCol w="1685365">
                   <a:extLst>
                     <a:ext uri="{9D8B030D-6E8A-4147-A177-3AD203B41FA5}">
-                      <a16:colId xmlns:a16="http://schemas.microsoft.com/office/drawing/2014/main" val="20002"/>
+                      <a16:colId xmlns:a16="http://schemas.microsoft.com/office/drawing/2014/main" xmlns="" val="20002"/>
                     </a:ext>
                   </a:extLst>
                 </a:gridCol>
                 <a:gridCol w="1748118">
                   <a:extLst>
                     <a:ext uri="{9D8B030D-6E8A-4147-A177-3AD203B41FA5}">
-                      <a16:colId xmlns:a16="http://schemas.microsoft.com/office/drawing/2014/main" val="20003"/>
+                      <a16:colId xmlns:a16="http://schemas.microsoft.com/office/drawing/2014/main" xmlns="" val="20003"/>
                     </a:ext>
                   </a:extLst>
                 </a:gridCol>
                 <a:gridCol w="1550894">
                   <a:extLst>
                     <a:ext uri="{9D8B030D-6E8A-4147-A177-3AD203B41FA5}">
-                      <a16:colId xmlns:a16="http://schemas.microsoft.com/office/drawing/2014/main" val="20004"/>
+                      <a16:colId xmlns:a16="http://schemas.microsoft.com/office/drawing/2014/main" xmlns="" val="20004"/>
                     </a:ext>
                   </a:extLst>
                 </a:gridCol>
                 <a:gridCol w="1712258">
                   <a:extLst>
                     <a:ext uri="{9D8B030D-6E8A-4147-A177-3AD203B41FA5}">
-                      <a16:colId xmlns:a16="http://schemas.microsoft.com/office/drawing/2014/main" val="20005"/>
+                      <a16:colId xmlns:a16="http://schemas.microsoft.com/office/drawing/2014/main" xmlns="" val="20005"/>
                     </a:ext>
                   </a:extLst>
                 </a:gridCol>
@@ -10094,7 +10125,7 @@
                 </a:tc>
                 <a:extLst>
                   <a:ext uri="{0D108BD9-81ED-4DB2-BD59-A6C34878D82A}">
-                    <a16:rowId xmlns:a16="http://schemas.microsoft.com/office/drawing/2014/main" val="10000"/>
+                    <a16:rowId xmlns:a16="http://schemas.microsoft.com/office/drawing/2014/main" xmlns="" val="10000"/>
                   </a:ext>
                 </a:extLst>
               </a:tr>
@@ -10249,7 +10280,7 @@
                 </a:tc>
                 <a:extLst>
                   <a:ext uri="{0D108BD9-81ED-4DB2-BD59-A6C34878D82A}">
-                    <a16:rowId xmlns:a16="http://schemas.microsoft.com/office/drawing/2014/main" val="10001"/>
+                    <a16:rowId xmlns:a16="http://schemas.microsoft.com/office/drawing/2014/main" xmlns="" val="10001"/>
                   </a:ext>
                 </a:extLst>
               </a:tr>
@@ -10401,7 +10432,7 @@
                 </a:tc>
                 <a:extLst>
                   <a:ext uri="{0D108BD9-81ED-4DB2-BD59-A6C34878D82A}">
-                    <a16:rowId xmlns:a16="http://schemas.microsoft.com/office/drawing/2014/main" val="10002"/>
+                    <a16:rowId xmlns:a16="http://schemas.microsoft.com/office/drawing/2014/main" xmlns="" val="10002"/>
                   </a:ext>
                 </a:extLst>
               </a:tr>
@@ -10550,7 +10581,7 @@
                 </a:tc>
                 <a:extLst>
                   <a:ext uri="{0D108BD9-81ED-4DB2-BD59-A6C34878D82A}">
-                    <a16:rowId xmlns:a16="http://schemas.microsoft.com/office/drawing/2014/main" val="10003"/>
+                    <a16:rowId xmlns:a16="http://schemas.microsoft.com/office/drawing/2014/main" xmlns="" val="10003"/>
                   </a:ext>
                 </a:extLst>
               </a:tr>
@@ -10702,7 +10733,7 @@
                 </a:tc>
                 <a:extLst>
                   <a:ext uri="{0D108BD9-81ED-4DB2-BD59-A6C34878D82A}">
-                    <a16:rowId xmlns:a16="http://schemas.microsoft.com/office/drawing/2014/main" val="10004"/>
+                    <a16:rowId xmlns:a16="http://schemas.microsoft.com/office/drawing/2014/main" xmlns="" val="10004"/>
                   </a:ext>
                 </a:extLst>
               </a:tr>
@@ -10854,7 +10885,7 @@
                 </a:tc>
                 <a:extLst>
                   <a:ext uri="{0D108BD9-81ED-4DB2-BD59-A6C34878D82A}">
-                    <a16:rowId xmlns:a16="http://schemas.microsoft.com/office/drawing/2014/main" val="10005"/>
+                    <a16:rowId xmlns:a16="http://schemas.microsoft.com/office/drawing/2014/main" xmlns="" val="10005"/>
                   </a:ext>
                 </a:extLst>
               </a:tr>
@@ -11020,7 +11051,7 @@
                 </a:tc>
                 <a:extLst>
                   <a:ext uri="{0D108BD9-81ED-4DB2-BD59-A6C34878D82A}">
-                    <a16:rowId xmlns:a16="http://schemas.microsoft.com/office/drawing/2014/main" val="10006"/>
+                    <a16:rowId xmlns:a16="http://schemas.microsoft.com/office/drawing/2014/main" xmlns="" val="10006"/>
                   </a:ext>
                 </a:extLst>
               </a:tr>
@@ -11178,7 +11209,7 @@
                 </a:tc>
                 <a:extLst>
                   <a:ext uri="{0D108BD9-81ED-4DB2-BD59-A6C34878D82A}">
-                    <a16:rowId xmlns:a16="http://schemas.microsoft.com/office/drawing/2014/main" val="10007"/>
+                    <a16:rowId xmlns:a16="http://schemas.microsoft.com/office/drawing/2014/main" xmlns="" val="10007"/>
                   </a:ext>
                 </a:extLst>
               </a:tr>

--- a/report SVM handcrafted and PCA/IDENTIFICATION.pptx
+++ b/report SVM handcrafted and PCA/IDENTIFICATION.pptx
@@ -260,7 +260,7 @@
           <a:p>
             <a:fld id="{553A844F-FF5C-934C-B225-48B8FD889570}" type="datetimeFigureOut">
               <a:rPr lang="en-US" smtClean="0"/>
-              <a:t>11/11/2017</a:t>
+              <a:t>11/26/2017</a:t>
             </a:fld>
             <a:endParaRPr lang="en-US"/>
           </a:p>
@@ -430,7 +430,7 @@
           <a:p>
             <a:fld id="{553A844F-FF5C-934C-B225-48B8FD889570}" type="datetimeFigureOut">
               <a:rPr lang="en-US" smtClean="0"/>
-              <a:t>11/11/2017</a:t>
+              <a:t>11/26/2017</a:t>
             </a:fld>
             <a:endParaRPr lang="en-US"/>
           </a:p>
@@ -610,7 +610,7 @@
           <a:p>
             <a:fld id="{553A844F-FF5C-934C-B225-48B8FD889570}" type="datetimeFigureOut">
               <a:rPr lang="en-US" smtClean="0"/>
-              <a:t>11/11/2017</a:t>
+              <a:t>11/26/2017</a:t>
             </a:fld>
             <a:endParaRPr lang="en-US"/>
           </a:p>
@@ -780,7 +780,7 @@
           <a:p>
             <a:fld id="{553A844F-FF5C-934C-B225-48B8FD889570}" type="datetimeFigureOut">
               <a:rPr lang="en-US" smtClean="0"/>
-              <a:t>11/11/2017</a:t>
+              <a:t>11/26/2017</a:t>
             </a:fld>
             <a:endParaRPr lang="en-US"/>
           </a:p>
@@ -1026,7 +1026,7 @@
           <a:p>
             <a:fld id="{553A844F-FF5C-934C-B225-48B8FD889570}" type="datetimeFigureOut">
               <a:rPr lang="en-US" smtClean="0"/>
-              <a:t>11/11/2017</a:t>
+              <a:t>11/26/2017</a:t>
             </a:fld>
             <a:endParaRPr lang="en-US"/>
           </a:p>
@@ -1258,7 +1258,7 @@
           <a:p>
             <a:fld id="{553A844F-FF5C-934C-B225-48B8FD889570}" type="datetimeFigureOut">
               <a:rPr lang="en-US" smtClean="0"/>
-              <a:t>11/11/2017</a:t>
+              <a:t>11/26/2017</a:t>
             </a:fld>
             <a:endParaRPr lang="en-US"/>
           </a:p>
@@ -1625,7 +1625,7 @@
           <a:p>
             <a:fld id="{553A844F-FF5C-934C-B225-48B8FD889570}" type="datetimeFigureOut">
               <a:rPr lang="en-US" smtClean="0"/>
-              <a:t>11/11/2017</a:t>
+              <a:t>11/26/2017</a:t>
             </a:fld>
             <a:endParaRPr lang="en-US"/>
           </a:p>
@@ -1743,7 +1743,7 @@
           <a:p>
             <a:fld id="{553A844F-FF5C-934C-B225-48B8FD889570}" type="datetimeFigureOut">
               <a:rPr lang="en-US" smtClean="0"/>
-              <a:t>11/11/2017</a:t>
+              <a:t>11/26/2017</a:t>
             </a:fld>
             <a:endParaRPr lang="en-US"/>
           </a:p>
@@ -1838,7 +1838,7 @@
           <a:p>
             <a:fld id="{553A844F-FF5C-934C-B225-48B8FD889570}" type="datetimeFigureOut">
               <a:rPr lang="en-US" smtClean="0"/>
-              <a:t>11/11/2017</a:t>
+              <a:t>11/26/2017</a:t>
             </a:fld>
             <a:endParaRPr lang="en-US"/>
           </a:p>
@@ -2115,7 +2115,7 @@
           <a:p>
             <a:fld id="{553A844F-FF5C-934C-B225-48B8FD889570}" type="datetimeFigureOut">
               <a:rPr lang="en-US" smtClean="0"/>
-              <a:t>11/11/2017</a:t>
+              <a:t>11/26/2017</a:t>
             </a:fld>
             <a:endParaRPr lang="en-US"/>
           </a:p>
@@ -2368,7 +2368,7 @@
           <a:p>
             <a:fld id="{553A844F-FF5C-934C-B225-48B8FD889570}" type="datetimeFigureOut">
               <a:rPr lang="en-US" smtClean="0"/>
-              <a:t>11/11/2017</a:t>
+              <a:t>11/26/2017</a:t>
             </a:fld>
             <a:endParaRPr lang="en-US"/>
           </a:p>
@@ -2581,7 +2581,7 @@
           <a:p>
             <a:fld id="{553A844F-FF5C-934C-B225-48B8FD889570}" type="datetimeFigureOut">
               <a:rPr lang="en-US" smtClean="0"/>
-              <a:t>11/11/2017</a:t>
+              <a:t>11/26/2017</a:t>
             </a:fld>
             <a:endParaRPr lang="en-US"/>
           </a:p>
@@ -3095,42 +3095,42 @@
                 <a:gridCol w="2631776">
                   <a:extLst>
                     <a:ext uri="{9D8B030D-6E8A-4147-A177-3AD203B41FA5}">
-                      <a16:colId xmlns:a16="http://schemas.microsoft.com/office/drawing/2014/main" xmlns="" val="20000"/>
+                      <a16:colId xmlns:a16="http://schemas.microsoft.com/office/drawing/2014/main" val="20000"/>
                     </a:ext>
                   </a:extLst>
                 </a:gridCol>
                 <a:gridCol w="1680247">
                   <a:extLst>
                     <a:ext uri="{9D8B030D-6E8A-4147-A177-3AD203B41FA5}">
-                      <a16:colId xmlns:a16="http://schemas.microsoft.com/office/drawing/2014/main" xmlns="" val="20001"/>
+                      <a16:colId xmlns:a16="http://schemas.microsoft.com/office/drawing/2014/main" val="20001"/>
                     </a:ext>
                   </a:extLst>
                 </a:gridCol>
                 <a:gridCol w="1685365">
                   <a:extLst>
                     <a:ext uri="{9D8B030D-6E8A-4147-A177-3AD203B41FA5}">
-                      <a16:colId xmlns:a16="http://schemas.microsoft.com/office/drawing/2014/main" xmlns="" val="20002"/>
+                      <a16:colId xmlns:a16="http://schemas.microsoft.com/office/drawing/2014/main" val="20002"/>
                     </a:ext>
                   </a:extLst>
                 </a:gridCol>
                 <a:gridCol w="1748118">
                   <a:extLst>
                     <a:ext uri="{9D8B030D-6E8A-4147-A177-3AD203B41FA5}">
-                      <a16:colId xmlns:a16="http://schemas.microsoft.com/office/drawing/2014/main" xmlns="" val="20003"/>
+                      <a16:colId xmlns:a16="http://schemas.microsoft.com/office/drawing/2014/main" val="20003"/>
                     </a:ext>
                   </a:extLst>
                 </a:gridCol>
                 <a:gridCol w="1550894">
                   <a:extLst>
                     <a:ext uri="{9D8B030D-6E8A-4147-A177-3AD203B41FA5}">
-                      <a16:colId xmlns:a16="http://schemas.microsoft.com/office/drawing/2014/main" xmlns="" val="20004"/>
+                      <a16:colId xmlns:a16="http://schemas.microsoft.com/office/drawing/2014/main" val="20004"/>
                     </a:ext>
                   </a:extLst>
                 </a:gridCol>
                 <a:gridCol w="1712258">
                   <a:extLst>
                     <a:ext uri="{9D8B030D-6E8A-4147-A177-3AD203B41FA5}">
-                      <a16:colId xmlns:a16="http://schemas.microsoft.com/office/drawing/2014/main" xmlns="" val="20005"/>
+                      <a16:colId xmlns:a16="http://schemas.microsoft.com/office/drawing/2014/main" val="20005"/>
                     </a:ext>
                   </a:extLst>
                 </a:gridCol>
@@ -3255,7 +3255,7 @@
                 </a:tc>
                 <a:extLst>
                   <a:ext uri="{0D108BD9-81ED-4DB2-BD59-A6C34878D82A}">
-                    <a16:rowId xmlns:a16="http://schemas.microsoft.com/office/drawing/2014/main" xmlns="" val="10000"/>
+                    <a16:rowId xmlns:a16="http://schemas.microsoft.com/office/drawing/2014/main" val="10000"/>
                   </a:ext>
                 </a:extLst>
               </a:tr>
@@ -3410,7 +3410,7 @@
                 </a:tc>
                 <a:extLst>
                   <a:ext uri="{0D108BD9-81ED-4DB2-BD59-A6C34878D82A}">
-                    <a16:rowId xmlns:a16="http://schemas.microsoft.com/office/drawing/2014/main" xmlns="" val="10001"/>
+                    <a16:rowId xmlns:a16="http://schemas.microsoft.com/office/drawing/2014/main" val="10001"/>
                   </a:ext>
                 </a:extLst>
               </a:tr>
@@ -3582,7 +3582,7 @@
                 </a:tc>
                 <a:extLst>
                   <a:ext uri="{0D108BD9-81ED-4DB2-BD59-A6C34878D82A}">
-                    <a16:rowId xmlns:a16="http://schemas.microsoft.com/office/drawing/2014/main" xmlns="" val="10002"/>
+                    <a16:rowId xmlns:a16="http://schemas.microsoft.com/office/drawing/2014/main" val="10002"/>
                   </a:ext>
                 </a:extLst>
               </a:tr>
@@ -3737,7 +3737,7 @@
                 </a:tc>
                 <a:extLst>
                   <a:ext uri="{0D108BD9-81ED-4DB2-BD59-A6C34878D82A}">
-                    <a16:rowId xmlns:a16="http://schemas.microsoft.com/office/drawing/2014/main" xmlns="" val="10003"/>
+                    <a16:rowId xmlns:a16="http://schemas.microsoft.com/office/drawing/2014/main" val="10003"/>
                   </a:ext>
                 </a:extLst>
               </a:tr>
@@ -3892,7 +3892,7 @@
                 </a:tc>
                 <a:extLst>
                   <a:ext uri="{0D108BD9-81ED-4DB2-BD59-A6C34878D82A}">
-                    <a16:rowId xmlns:a16="http://schemas.microsoft.com/office/drawing/2014/main" xmlns="" val="10004"/>
+                    <a16:rowId xmlns:a16="http://schemas.microsoft.com/office/drawing/2014/main" val="10004"/>
                   </a:ext>
                 </a:extLst>
               </a:tr>
@@ -4047,7 +4047,7 @@
                 </a:tc>
                 <a:extLst>
                   <a:ext uri="{0D108BD9-81ED-4DB2-BD59-A6C34878D82A}">
-                    <a16:rowId xmlns:a16="http://schemas.microsoft.com/office/drawing/2014/main" xmlns="" val="10005"/>
+                    <a16:rowId xmlns:a16="http://schemas.microsoft.com/office/drawing/2014/main" val="10005"/>
                   </a:ext>
                 </a:extLst>
               </a:tr>
@@ -4216,7 +4216,7 @@
                 </a:tc>
                 <a:extLst>
                   <a:ext uri="{0D108BD9-81ED-4DB2-BD59-A6C34878D82A}">
-                    <a16:rowId xmlns:a16="http://schemas.microsoft.com/office/drawing/2014/main" xmlns="" val="10006"/>
+                    <a16:rowId xmlns:a16="http://schemas.microsoft.com/office/drawing/2014/main" val="10006"/>
                   </a:ext>
                 </a:extLst>
               </a:tr>
@@ -4377,7 +4377,7 @@
                 </a:tc>
                 <a:extLst>
                   <a:ext uri="{0D108BD9-81ED-4DB2-BD59-A6C34878D82A}">
-                    <a16:rowId xmlns:a16="http://schemas.microsoft.com/office/drawing/2014/main" xmlns="" val="10007"/>
+                    <a16:rowId xmlns:a16="http://schemas.microsoft.com/office/drawing/2014/main" val="10007"/>
                   </a:ext>
                 </a:extLst>
               </a:tr>
@@ -4507,42 +4507,42 @@
                 <a:gridCol w="2631776">
                   <a:extLst>
                     <a:ext uri="{9D8B030D-6E8A-4147-A177-3AD203B41FA5}">
-                      <a16:colId xmlns:a16="http://schemas.microsoft.com/office/drawing/2014/main" xmlns="" val="20000"/>
+                      <a16:colId xmlns:a16="http://schemas.microsoft.com/office/drawing/2014/main" val="20000"/>
                     </a:ext>
                   </a:extLst>
                 </a:gridCol>
                 <a:gridCol w="1680247">
                   <a:extLst>
                     <a:ext uri="{9D8B030D-6E8A-4147-A177-3AD203B41FA5}">
-                      <a16:colId xmlns:a16="http://schemas.microsoft.com/office/drawing/2014/main" xmlns="" val="20001"/>
+                      <a16:colId xmlns:a16="http://schemas.microsoft.com/office/drawing/2014/main" val="20001"/>
                     </a:ext>
                   </a:extLst>
                 </a:gridCol>
                 <a:gridCol w="1685365">
                   <a:extLst>
                     <a:ext uri="{9D8B030D-6E8A-4147-A177-3AD203B41FA5}">
-                      <a16:colId xmlns:a16="http://schemas.microsoft.com/office/drawing/2014/main" xmlns="" val="20002"/>
+                      <a16:colId xmlns:a16="http://schemas.microsoft.com/office/drawing/2014/main" val="20002"/>
                     </a:ext>
                   </a:extLst>
                 </a:gridCol>
                 <a:gridCol w="1748118">
                   <a:extLst>
                     <a:ext uri="{9D8B030D-6E8A-4147-A177-3AD203B41FA5}">
-                      <a16:colId xmlns:a16="http://schemas.microsoft.com/office/drawing/2014/main" xmlns="" val="20003"/>
+                      <a16:colId xmlns:a16="http://schemas.microsoft.com/office/drawing/2014/main" val="20003"/>
                     </a:ext>
                   </a:extLst>
                 </a:gridCol>
                 <a:gridCol w="1550894">
                   <a:extLst>
                     <a:ext uri="{9D8B030D-6E8A-4147-A177-3AD203B41FA5}">
-                      <a16:colId xmlns:a16="http://schemas.microsoft.com/office/drawing/2014/main" xmlns="" val="20004"/>
+                      <a16:colId xmlns:a16="http://schemas.microsoft.com/office/drawing/2014/main" val="20004"/>
                     </a:ext>
                   </a:extLst>
                 </a:gridCol>
                 <a:gridCol w="1712258">
                   <a:extLst>
                     <a:ext uri="{9D8B030D-6E8A-4147-A177-3AD203B41FA5}">
-                      <a16:colId xmlns:a16="http://schemas.microsoft.com/office/drawing/2014/main" xmlns="" val="20005"/>
+                      <a16:colId xmlns:a16="http://schemas.microsoft.com/office/drawing/2014/main" val="20005"/>
                     </a:ext>
                   </a:extLst>
                 </a:gridCol>
@@ -4667,7 +4667,7 @@
                 </a:tc>
                 <a:extLst>
                   <a:ext uri="{0D108BD9-81ED-4DB2-BD59-A6C34878D82A}">
-                    <a16:rowId xmlns:a16="http://schemas.microsoft.com/office/drawing/2014/main" xmlns="" val="10000"/>
+                    <a16:rowId xmlns:a16="http://schemas.microsoft.com/office/drawing/2014/main" val="10000"/>
                   </a:ext>
                 </a:extLst>
               </a:tr>
@@ -4822,7 +4822,7 @@
                 </a:tc>
                 <a:extLst>
                   <a:ext uri="{0D108BD9-81ED-4DB2-BD59-A6C34878D82A}">
-                    <a16:rowId xmlns:a16="http://schemas.microsoft.com/office/drawing/2014/main" xmlns="" val="10001"/>
+                    <a16:rowId xmlns:a16="http://schemas.microsoft.com/office/drawing/2014/main" val="10001"/>
                   </a:ext>
                 </a:extLst>
               </a:tr>
@@ -4977,7 +4977,7 @@
                 </a:tc>
                 <a:extLst>
                   <a:ext uri="{0D108BD9-81ED-4DB2-BD59-A6C34878D82A}">
-                    <a16:rowId xmlns:a16="http://schemas.microsoft.com/office/drawing/2014/main" xmlns="" val="10002"/>
+                    <a16:rowId xmlns:a16="http://schemas.microsoft.com/office/drawing/2014/main" val="10002"/>
                   </a:ext>
                 </a:extLst>
               </a:tr>
@@ -5132,7 +5132,7 @@
                 </a:tc>
                 <a:extLst>
                   <a:ext uri="{0D108BD9-81ED-4DB2-BD59-A6C34878D82A}">
-                    <a16:rowId xmlns:a16="http://schemas.microsoft.com/office/drawing/2014/main" xmlns="" val="10003"/>
+                    <a16:rowId xmlns:a16="http://schemas.microsoft.com/office/drawing/2014/main" val="10003"/>
                   </a:ext>
                 </a:extLst>
               </a:tr>
@@ -5287,7 +5287,7 @@
                 </a:tc>
                 <a:extLst>
                   <a:ext uri="{0D108BD9-81ED-4DB2-BD59-A6C34878D82A}">
-                    <a16:rowId xmlns:a16="http://schemas.microsoft.com/office/drawing/2014/main" xmlns="" val="10004"/>
+                    <a16:rowId xmlns:a16="http://schemas.microsoft.com/office/drawing/2014/main" val="10004"/>
                   </a:ext>
                 </a:extLst>
               </a:tr>
@@ -5442,7 +5442,7 @@
                 </a:tc>
                 <a:extLst>
                   <a:ext uri="{0D108BD9-81ED-4DB2-BD59-A6C34878D82A}">
-                    <a16:rowId xmlns:a16="http://schemas.microsoft.com/office/drawing/2014/main" xmlns="" val="10005"/>
+                    <a16:rowId xmlns:a16="http://schemas.microsoft.com/office/drawing/2014/main" val="10005"/>
                   </a:ext>
                 </a:extLst>
               </a:tr>
@@ -5611,7 +5611,7 @@
                 </a:tc>
                 <a:extLst>
                   <a:ext uri="{0D108BD9-81ED-4DB2-BD59-A6C34878D82A}">
-                    <a16:rowId xmlns:a16="http://schemas.microsoft.com/office/drawing/2014/main" xmlns="" val="10006"/>
+                    <a16:rowId xmlns:a16="http://schemas.microsoft.com/office/drawing/2014/main" val="10006"/>
                   </a:ext>
                 </a:extLst>
               </a:tr>
@@ -5772,7 +5772,7 @@
                 </a:tc>
                 <a:extLst>
                   <a:ext uri="{0D108BD9-81ED-4DB2-BD59-A6C34878D82A}">
-                    <a16:rowId xmlns:a16="http://schemas.microsoft.com/office/drawing/2014/main" xmlns="" val="10007"/>
+                    <a16:rowId xmlns:a16="http://schemas.microsoft.com/office/drawing/2014/main" val="10007"/>
                   </a:ext>
                 </a:extLst>
               </a:tr>
@@ -5882,42 +5882,42 @@
                 <a:gridCol w="2631776">
                   <a:extLst>
                     <a:ext uri="{9D8B030D-6E8A-4147-A177-3AD203B41FA5}">
-                      <a16:colId xmlns:a16="http://schemas.microsoft.com/office/drawing/2014/main" xmlns="" val="20000"/>
+                      <a16:colId xmlns:a16="http://schemas.microsoft.com/office/drawing/2014/main" val="20000"/>
                     </a:ext>
                   </a:extLst>
                 </a:gridCol>
                 <a:gridCol w="1680247">
                   <a:extLst>
                     <a:ext uri="{9D8B030D-6E8A-4147-A177-3AD203B41FA5}">
-                      <a16:colId xmlns:a16="http://schemas.microsoft.com/office/drawing/2014/main" xmlns="" val="20001"/>
+                      <a16:colId xmlns:a16="http://schemas.microsoft.com/office/drawing/2014/main" val="20001"/>
                     </a:ext>
                   </a:extLst>
                 </a:gridCol>
                 <a:gridCol w="1685365">
                   <a:extLst>
                     <a:ext uri="{9D8B030D-6E8A-4147-A177-3AD203B41FA5}">
-                      <a16:colId xmlns:a16="http://schemas.microsoft.com/office/drawing/2014/main" xmlns="" val="20002"/>
+                      <a16:colId xmlns:a16="http://schemas.microsoft.com/office/drawing/2014/main" val="20002"/>
                     </a:ext>
                   </a:extLst>
                 </a:gridCol>
                 <a:gridCol w="1748118">
                   <a:extLst>
                     <a:ext uri="{9D8B030D-6E8A-4147-A177-3AD203B41FA5}">
-                      <a16:colId xmlns:a16="http://schemas.microsoft.com/office/drawing/2014/main" xmlns="" val="20003"/>
+                      <a16:colId xmlns:a16="http://schemas.microsoft.com/office/drawing/2014/main" val="20003"/>
                     </a:ext>
                   </a:extLst>
                 </a:gridCol>
                 <a:gridCol w="1550894">
                   <a:extLst>
                     <a:ext uri="{9D8B030D-6E8A-4147-A177-3AD203B41FA5}">
-                      <a16:colId xmlns:a16="http://schemas.microsoft.com/office/drawing/2014/main" xmlns="" val="20004"/>
+                      <a16:colId xmlns:a16="http://schemas.microsoft.com/office/drawing/2014/main" val="20004"/>
                     </a:ext>
                   </a:extLst>
                 </a:gridCol>
                 <a:gridCol w="1712258">
                   <a:extLst>
                     <a:ext uri="{9D8B030D-6E8A-4147-A177-3AD203B41FA5}">
-                      <a16:colId xmlns:a16="http://schemas.microsoft.com/office/drawing/2014/main" xmlns="" val="20005"/>
+                      <a16:colId xmlns:a16="http://schemas.microsoft.com/office/drawing/2014/main" val="20005"/>
                     </a:ext>
                   </a:extLst>
                 </a:gridCol>
@@ -6042,7 +6042,7 @@
                 </a:tc>
                 <a:extLst>
                   <a:ext uri="{0D108BD9-81ED-4DB2-BD59-A6C34878D82A}">
-                    <a16:rowId xmlns:a16="http://schemas.microsoft.com/office/drawing/2014/main" xmlns="" val="10000"/>
+                    <a16:rowId xmlns:a16="http://schemas.microsoft.com/office/drawing/2014/main" val="10000"/>
                   </a:ext>
                 </a:extLst>
               </a:tr>
@@ -6197,7 +6197,7 @@
                 </a:tc>
                 <a:extLst>
                   <a:ext uri="{0D108BD9-81ED-4DB2-BD59-A6C34878D82A}">
-                    <a16:rowId xmlns:a16="http://schemas.microsoft.com/office/drawing/2014/main" xmlns="" val="10001"/>
+                    <a16:rowId xmlns:a16="http://schemas.microsoft.com/office/drawing/2014/main" val="10001"/>
                   </a:ext>
                 </a:extLst>
               </a:tr>
@@ -6343,16 +6343,13 @@
                         </a:rPr>
                         <a:t>FAR: 0.03653</a:t>
                       </a:r>
-                      <a:endParaRPr lang="en-US" dirty="0" smtClean="0">
-                        <a:latin typeface="+mn-lt"/>
-                      </a:endParaRPr>
                     </a:p>
                   </a:txBody>
                   <a:tcPr/>
                 </a:tc>
                 <a:extLst>
                   <a:ext uri="{0D108BD9-81ED-4DB2-BD59-A6C34878D82A}">
-                    <a16:rowId xmlns:a16="http://schemas.microsoft.com/office/drawing/2014/main" xmlns="" val="10002"/>
+                    <a16:rowId xmlns:a16="http://schemas.microsoft.com/office/drawing/2014/main" val="10002"/>
                   </a:ext>
                 </a:extLst>
               </a:tr>
@@ -6507,7 +6504,7 @@
                 </a:tc>
                 <a:extLst>
                   <a:ext uri="{0D108BD9-81ED-4DB2-BD59-A6C34878D82A}">
-                    <a16:rowId xmlns:a16="http://schemas.microsoft.com/office/drawing/2014/main" xmlns="" val="10003"/>
+                    <a16:rowId xmlns:a16="http://schemas.microsoft.com/office/drawing/2014/main" val="10003"/>
                   </a:ext>
                 </a:extLst>
               </a:tr>
@@ -6575,9 +6572,6 @@
                         </a:rPr>
                         <a:t>FAR: 0.02558</a:t>
                       </a:r>
-                      <a:endParaRPr lang="en-US" dirty="0" smtClean="0">
-                        <a:latin typeface="+mn-lt"/>
-                      </a:endParaRPr>
                     </a:p>
                   </a:txBody>
                   <a:tcPr/>
@@ -6662,7 +6656,7 @@
                 </a:tc>
                 <a:extLst>
                   <a:ext uri="{0D108BD9-81ED-4DB2-BD59-A6C34878D82A}">
-                    <a16:rowId xmlns:a16="http://schemas.microsoft.com/office/drawing/2014/main" xmlns="" val="10004"/>
+                    <a16:rowId xmlns:a16="http://schemas.microsoft.com/office/drawing/2014/main" val="10004"/>
                   </a:ext>
                 </a:extLst>
               </a:tr>
@@ -6704,9 +6698,6 @@
                         </a:rPr>
                         <a:t>FAR: 0.03041</a:t>
                       </a:r>
-                      <a:endParaRPr lang="en-US" dirty="0" smtClean="0">
-                        <a:latin typeface="+mn-lt"/>
-                      </a:endParaRPr>
                     </a:p>
                   </a:txBody>
                   <a:tcPr/>
@@ -6817,7 +6808,7 @@
                 </a:tc>
                 <a:extLst>
                   <a:ext uri="{0D108BD9-81ED-4DB2-BD59-A6C34878D82A}">
-                    <a16:rowId xmlns:a16="http://schemas.microsoft.com/office/drawing/2014/main" xmlns="" val="10005"/>
+                    <a16:rowId xmlns:a16="http://schemas.microsoft.com/office/drawing/2014/main" val="10005"/>
                   </a:ext>
                 </a:extLst>
               </a:tr>
@@ -6899,9 +6890,6 @@
                         </a:rPr>
                         <a:t>FAR: 0.03200</a:t>
                       </a:r>
-                      <a:endParaRPr lang="en-US" dirty="0" smtClean="0">
-                        <a:latin typeface="+mn-lt"/>
-                      </a:endParaRPr>
                     </a:p>
                   </a:txBody>
                   <a:tcPr/>
@@ -6986,7 +6974,7 @@
                 </a:tc>
                 <a:extLst>
                   <a:ext uri="{0D108BD9-81ED-4DB2-BD59-A6C34878D82A}">
-                    <a16:rowId xmlns:a16="http://schemas.microsoft.com/office/drawing/2014/main" xmlns="" val="10006"/>
+                    <a16:rowId xmlns:a16="http://schemas.microsoft.com/office/drawing/2014/main" val="10006"/>
                   </a:ext>
                 </a:extLst>
               </a:tr>
@@ -7060,9 +7048,6 @@
                         </a:rPr>
                         <a:t>FAR: 0.04062</a:t>
                       </a:r>
-                      <a:endParaRPr lang="en-US" dirty="0" smtClean="0">
-                        <a:latin typeface="+mn-lt"/>
-                      </a:endParaRPr>
                     </a:p>
                   </a:txBody>
                   <a:tcPr/>
@@ -7086,9 +7071,6 @@
                         </a:rPr>
                         <a:t>FAR: 0.05980</a:t>
                       </a:r>
-                      <a:endParaRPr lang="en-US" dirty="0" smtClean="0">
-                        <a:latin typeface="+mn-lt"/>
-                      </a:endParaRPr>
                     </a:p>
                   </a:txBody>
                   <a:tcPr/>
@@ -7147,7 +7129,7 @@
                 </a:tc>
                 <a:extLst>
                   <a:ext uri="{0D108BD9-81ED-4DB2-BD59-A6C34878D82A}">
-                    <a16:rowId xmlns:a16="http://schemas.microsoft.com/office/drawing/2014/main" xmlns="" val="10007"/>
+                    <a16:rowId xmlns:a16="http://schemas.microsoft.com/office/drawing/2014/main" val="10007"/>
                   </a:ext>
                 </a:extLst>
               </a:tr>
@@ -7257,42 +7239,42 @@
                 <a:gridCol w="2631776">
                   <a:extLst>
                     <a:ext uri="{9D8B030D-6E8A-4147-A177-3AD203B41FA5}">
-                      <a16:colId xmlns:a16="http://schemas.microsoft.com/office/drawing/2014/main" xmlns="" val="20000"/>
+                      <a16:colId xmlns:a16="http://schemas.microsoft.com/office/drawing/2014/main" val="20000"/>
                     </a:ext>
                   </a:extLst>
                 </a:gridCol>
                 <a:gridCol w="1680247">
                   <a:extLst>
                     <a:ext uri="{9D8B030D-6E8A-4147-A177-3AD203B41FA5}">
-                      <a16:colId xmlns:a16="http://schemas.microsoft.com/office/drawing/2014/main" xmlns="" val="20001"/>
+                      <a16:colId xmlns:a16="http://schemas.microsoft.com/office/drawing/2014/main" val="20001"/>
                     </a:ext>
                   </a:extLst>
                 </a:gridCol>
                 <a:gridCol w="1685365">
                   <a:extLst>
                     <a:ext uri="{9D8B030D-6E8A-4147-A177-3AD203B41FA5}">
-                      <a16:colId xmlns:a16="http://schemas.microsoft.com/office/drawing/2014/main" xmlns="" val="20002"/>
+                      <a16:colId xmlns:a16="http://schemas.microsoft.com/office/drawing/2014/main" val="20002"/>
                     </a:ext>
                   </a:extLst>
                 </a:gridCol>
                 <a:gridCol w="1748118">
                   <a:extLst>
                     <a:ext uri="{9D8B030D-6E8A-4147-A177-3AD203B41FA5}">
-                      <a16:colId xmlns:a16="http://schemas.microsoft.com/office/drawing/2014/main" xmlns="" val="20003"/>
+                      <a16:colId xmlns:a16="http://schemas.microsoft.com/office/drawing/2014/main" val="20003"/>
                     </a:ext>
                   </a:extLst>
                 </a:gridCol>
                 <a:gridCol w="1564341">
                   <a:extLst>
                     <a:ext uri="{9D8B030D-6E8A-4147-A177-3AD203B41FA5}">
-                      <a16:colId xmlns:a16="http://schemas.microsoft.com/office/drawing/2014/main" xmlns="" val="20004"/>
+                      <a16:colId xmlns:a16="http://schemas.microsoft.com/office/drawing/2014/main" val="20004"/>
                     </a:ext>
                   </a:extLst>
                 </a:gridCol>
                 <a:gridCol w="1698811">
                   <a:extLst>
                     <a:ext uri="{9D8B030D-6E8A-4147-A177-3AD203B41FA5}">
-                      <a16:colId xmlns:a16="http://schemas.microsoft.com/office/drawing/2014/main" xmlns="" val="20005"/>
+                      <a16:colId xmlns:a16="http://schemas.microsoft.com/office/drawing/2014/main" val="20005"/>
                     </a:ext>
                   </a:extLst>
                 </a:gridCol>
@@ -7417,7 +7399,7 @@
                 </a:tc>
                 <a:extLst>
                   <a:ext uri="{0D108BD9-81ED-4DB2-BD59-A6C34878D82A}">
-                    <a16:rowId xmlns:a16="http://schemas.microsoft.com/office/drawing/2014/main" xmlns="" val="10000"/>
+                    <a16:rowId xmlns:a16="http://schemas.microsoft.com/office/drawing/2014/main" val="10000"/>
                   </a:ext>
                 </a:extLst>
               </a:tr>
@@ -7485,9 +7467,6 @@
                         </a:rPr>
                         <a:t>FAR: 0.03368</a:t>
                       </a:r>
-                      <a:endParaRPr lang="en-US" dirty="0" smtClean="0">
-                        <a:latin typeface="+mn-lt"/>
-                      </a:endParaRPr>
                     </a:p>
                   </a:txBody>
                   <a:tcPr/>
@@ -7537,9 +7516,6 @@
                         </a:rPr>
                         <a:t>FAR: 0.05055</a:t>
                       </a:r>
-                      <a:endParaRPr lang="en-US" dirty="0" smtClean="0">
-                        <a:latin typeface="+mn-lt"/>
-                      </a:endParaRPr>
                     </a:p>
                   </a:txBody>
                   <a:tcPr/>
@@ -7572,7 +7548,7 @@
                 </a:tc>
                 <a:extLst>
                   <a:ext uri="{0D108BD9-81ED-4DB2-BD59-A6C34878D82A}">
-                    <a16:rowId xmlns:a16="http://schemas.microsoft.com/office/drawing/2014/main" xmlns="" val="10001"/>
+                    <a16:rowId xmlns:a16="http://schemas.microsoft.com/office/drawing/2014/main" val="10001"/>
                   </a:ext>
                 </a:extLst>
               </a:tr>
@@ -7718,16 +7694,13 @@
                         </a:rPr>
                         <a:t>FAR: 0.01784</a:t>
                       </a:r>
-                      <a:endParaRPr lang="en-US" dirty="0" smtClean="0">
-                        <a:latin typeface="+mn-lt"/>
-                      </a:endParaRPr>
                     </a:p>
                   </a:txBody>
                   <a:tcPr/>
                 </a:tc>
                 <a:extLst>
                   <a:ext uri="{0D108BD9-81ED-4DB2-BD59-A6C34878D82A}">
-                    <a16:rowId xmlns:a16="http://schemas.microsoft.com/office/drawing/2014/main" xmlns="" val="10002"/>
+                    <a16:rowId xmlns:a16="http://schemas.microsoft.com/office/drawing/2014/main" val="10002"/>
                   </a:ext>
                 </a:extLst>
               </a:tr>
@@ -7769,9 +7742,6 @@
                         </a:rPr>
                         <a:t>FAR: 0.01804</a:t>
                       </a:r>
-                      <a:endParaRPr lang="en-US" dirty="0" smtClean="0">
-                        <a:latin typeface="+mn-lt"/>
-                      </a:endParaRPr>
                     </a:p>
                   </a:txBody>
                   <a:tcPr/>
@@ -7873,16 +7843,13 @@
                         </a:rPr>
                         <a:t>FAR: 0.03859</a:t>
                       </a:r>
-                      <a:endParaRPr lang="en-US" dirty="0" smtClean="0">
-                        <a:latin typeface="+mn-lt"/>
-                      </a:endParaRPr>
                     </a:p>
                   </a:txBody>
                   <a:tcPr/>
                 </a:tc>
                 <a:extLst>
                   <a:ext uri="{0D108BD9-81ED-4DB2-BD59-A6C34878D82A}">
-                    <a16:rowId xmlns:a16="http://schemas.microsoft.com/office/drawing/2014/main" xmlns="" val="10003"/>
+                    <a16:rowId xmlns:a16="http://schemas.microsoft.com/office/drawing/2014/main" val="10003"/>
                   </a:ext>
                 </a:extLst>
               </a:tr>
@@ -7976,9 +7943,6 @@
                         </a:rPr>
                         <a:t>FAR: 0.04703</a:t>
                       </a:r>
-                      <a:endParaRPr lang="en-US" dirty="0" smtClean="0">
-                        <a:latin typeface="+mn-lt"/>
-                      </a:endParaRPr>
                     </a:p>
                   </a:txBody>
                   <a:tcPr/>
@@ -8028,16 +7992,13 @@
                         </a:rPr>
                         <a:t>FAR: 0.03085</a:t>
                       </a:r>
-                      <a:endParaRPr lang="en-US" dirty="0" smtClean="0">
-                        <a:latin typeface="+mn-lt"/>
-                      </a:endParaRPr>
                     </a:p>
                   </a:txBody>
                   <a:tcPr/>
                 </a:tc>
                 <a:extLst>
                   <a:ext uri="{0D108BD9-81ED-4DB2-BD59-A6C34878D82A}">
-                    <a16:rowId xmlns:a16="http://schemas.microsoft.com/office/drawing/2014/main" xmlns="" val="10004"/>
+                    <a16:rowId xmlns:a16="http://schemas.microsoft.com/office/drawing/2014/main" val="10004"/>
                   </a:ext>
                 </a:extLst>
               </a:tr>
@@ -8131,9 +8092,6 @@
                         </a:rPr>
                         <a:t>FAR: 0.03118</a:t>
                       </a:r>
-                      <a:endParaRPr lang="en-US" dirty="0" smtClean="0">
-                        <a:latin typeface="+mn-lt"/>
-                      </a:endParaRPr>
                     </a:p>
                   </a:txBody>
                   <a:tcPr/>
@@ -8183,16 +8141,13 @@
                         </a:rPr>
                         <a:t>FAR: 0.02187</a:t>
                       </a:r>
-                      <a:endParaRPr lang="en-US" dirty="0" smtClean="0">
-                        <a:latin typeface="+mn-lt"/>
-                      </a:endParaRPr>
                     </a:p>
                   </a:txBody>
                   <a:tcPr/>
                 </a:tc>
                 <a:extLst>
                   <a:ext uri="{0D108BD9-81ED-4DB2-BD59-A6C34878D82A}">
-                    <a16:rowId xmlns:a16="http://schemas.microsoft.com/office/drawing/2014/main" xmlns="" val="10005"/>
+                    <a16:rowId xmlns:a16="http://schemas.microsoft.com/office/drawing/2014/main" val="10005"/>
                   </a:ext>
                 </a:extLst>
               </a:tr>
@@ -8352,16 +8307,13 @@
                         </a:rPr>
                         <a:t>FAR: 0.02989</a:t>
                       </a:r>
-                      <a:endParaRPr lang="en-US" dirty="0" smtClean="0">
-                        <a:latin typeface="+mn-lt"/>
-                      </a:endParaRPr>
                     </a:p>
                   </a:txBody>
                   <a:tcPr/>
                 </a:tc>
                 <a:extLst>
                   <a:ext uri="{0D108BD9-81ED-4DB2-BD59-A6C34878D82A}">
-                    <a16:rowId xmlns:a16="http://schemas.microsoft.com/office/drawing/2014/main" xmlns="" val="10006"/>
+                    <a16:rowId xmlns:a16="http://schemas.microsoft.com/office/drawing/2014/main" val="10006"/>
                   </a:ext>
                 </a:extLst>
               </a:tr>
@@ -8435,9 +8387,6 @@
                         </a:rPr>
                         <a:t>FAR: 0.02679</a:t>
                       </a:r>
-                      <a:endParaRPr lang="en-US" dirty="0" smtClean="0">
-                        <a:latin typeface="+mn-lt"/>
-                      </a:endParaRPr>
                     </a:p>
                   </a:txBody>
                   <a:tcPr/>
@@ -8487,9 +8436,6 @@
                         </a:rPr>
                         <a:t>FAR: 0.05282</a:t>
                       </a:r>
-                      <a:endParaRPr lang="en-US" dirty="0" smtClean="0">
-                        <a:latin typeface="+mn-lt"/>
-                      </a:endParaRPr>
                     </a:p>
                   </a:txBody>
                   <a:tcPr/>
@@ -8513,16 +8459,13 @@
                         </a:rPr>
                         <a:t>FAR: 0.02948</a:t>
                       </a:r>
-                      <a:endParaRPr lang="en-US" dirty="0" smtClean="0">
-                        <a:latin typeface="+mn-lt"/>
-                      </a:endParaRPr>
                     </a:p>
                   </a:txBody>
                   <a:tcPr/>
                 </a:tc>
                 <a:extLst>
                   <a:ext uri="{0D108BD9-81ED-4DB2-BD59-A6C34878D82A}">
-                    <a16:rowId xmlns:a16="http://schemas.microsoft.com/office/drawing/2014/main" xmlns="" val="10007"/>
+                    <a16:rowId xmlns:a16="http://schemas.microsoft.com/office/drawing/2014/main" val="10007"/>
                   </a:ext>
                 </a:extLst>
               </a:tr>
@@ -8613,7 +8556,7 @@
           <p:nvPr>
             <p:extLst>
               <p:ext uri="{D42A27DB-BD31-4B8C-83A1-F6EECF244321}">
-                <p14:modId xmlns:p14="http://schemas.microsoft.com/office/powerpoint/2010/main" val="554588973"/>
+                <p14:modId xmlns:p14="http://schemas.microsoft.com/office/powerpoint/2010/main" val="1245181280"/>
               </p:ext>
             </p:extLst>
           </p:nvPr>
@@ -8632,42 +8575,42 @@
                 <a:gridCol w="2631776">
                   <a:extLst>
                     <a:ext uri="{9D8B030D-6E8A-4147-A177-3AD203B41FA5}">
-                      <a16:colId xmlns:a16="http://schemas.microsoft.com/office/drawing/2014/main" xmlns="" val="20000"/>
+                      <a16:colId xmlns:a16="http://schemas.microsoft.com/office/drawing/2014/main" val="20000"/>
                     </a:ext>
                   </a:extLst>
                 </a:gridCol>
                 <a:gridCol w="1680247">
                   <a:extLst>
                     <a:ext uri="{9D8B030D-6E8A-4147-A177-3AD203B41FA5}">
-                      <a16:colId xmlns:a16="http://schemas.microsoft.com/office/drawing/2014/main" xmlns="" val="20001"/>
+                      <a16:colId xmlns:a16="http://schemas.microsoft.com/office/drawing/2014/main" val="20001"/>
                     </a:ext>
                   </a:extLst>
                 </a:gridCol>
                 <a:gridCol w="1685365">
                   <a:extLst>
                     <a:ext uri="{9D8B030D-6E8A-4147-A177-3AD203B41FA5}">
-                      <a16:colId xmlns:a16="http://schemas.microsoft.com/office/drawing/2014/main" xmlns="" val="20002"/>
+                      <a16:colId xmlns:a16="http://schemas.microsoft.com/office/drawing/2014/main" val="20002"/>
                     </a:ext>
                   </a:extLst>
                 </a:gridCol>
                 <a:gridCol w="1748118">
                   <a:extLst>
                     <a:ext uri="{9D8B030D-6E8A-4147-A177-3AD203B41FA5}">
-                      <a16:colId xmlns:a16="http://schemas.microsoft.com/office/drawing/2014/main" xmlns="" val="20003"/>
+                      <a16:colId xmlns:a16="http://schemas.microsoft.com/office/drawing/2014/main" val="20003"/>
                     </a:ext>
                   </a:extLst>
                 </a:gridCol>
                 <a:gridCol w="1550894">
                   <a:extLst>
                     <a:ext uri="{9D8B030D-6E8A-4147-A177-3AD203B41FA5}">
-                      <a16:colId xmlns:a16="http://schemas.microsoft.com/office/drawing/2014/main" xmlns="" val="20004"/>
+                      <a16:colId xmlns:a16="http://schemas.microsoft.com/office/drawing/2014/main" val="20004"/>
                     </a:ext>
                   </a:extLst>
                 </a:gridCol>
                 <a:gridCol w="1712258">
                   <a:extLst>
                     <a:ext uri="{9D8B030D-6E8A-4147-A177-3AD203B41FA5}">
-                      <a16:colId xmlns:a16="http://schemas.microsoft.com/office/drawing/2014/main" xmlns="" val="20005"/>
+                      <a16:colId xmlns:a16="http://schemas.microsoft.com/office/drawing/2014/main" val="20005"/>
                     </a:ext>
                   </a:extLst>
                 </a:gridCol>
@@ -8792,7 +8735,7 @@
                 </a:tc>
                 <a:extLst>
                   <a:ext uri="{0D108BD9-81ED-4DB2-BD59-A6C34878D82A}">
-                    <a16:rowId xmlns:a16="http://schemas.microsoft.com/office/drawing/2014/main" xmlns="" val="10000"/>
+                    <a16:rowId xmlns:a16="http://schemas.microsoft.com/office/drawing/2014/main" val="10000"/>
                   </a:ext>
                 </a:extLst>
               </a:tr>
@@ -8824,41 +8767,47 @@
                         <a:rPr lang="en-US" dirty="0" smtClean="0">
                           <a:latin typeface="+mn-lt"/>
                         </a:rPr>
-                        <a:t>FRR: 1.00000</a:t>
-                      </a:r>
-                    </a:p>
-                    <a:p>
-                      <a:r>
-                        <a:rPr lang="en-US" dirty="0" smtClean="0">
-                          <a:latin typeface="+mn-lt"/>
-                        </a:rPr>
-                        <a:t>FAR: 0.00000</a:t>
-                      </a:r>
-                      <a:endParaRPr lang="en-US" dirty="0">
-                        <a:latin typeface="+mn-lt"/>
-                      </a:endParaRPr>
-                    </a:p>
-                  </a:txBody>
-                  <a:tcPr/>
-                </a:tc>
-                <a:tc>
-                  <a:txBody>
-                    <a:bodyPr/>
-                    <a:lstStyle/>
-                    <a:p>
-                      <a:r>
-                        <a:rPr lang="en-US" dirty="0" smtClean="0">
-                          <a:latin typeface="+mn-lt"/>
-                        </a:rPr>
-                        <a:t>FRR: 1.00000</a:t>
-                      </a:r>
-                    </a:p>
-                    <a:p>
-                      <a:r>
-                        <a:rPr lang="en-US" dirty="0" smtClean="0">
-                          <a:latin typeface="+mn-lt"/>
-                        </a:rPr>
-                        <a:t>FAR: 0.00000</a:t>
+                        <a:t>FRR: 0.3125</a:t>
+                      </a:r>
+                    </a:p>
+                    <a:p>
+                      <a:r>
+                        <a:rPr lang="en-US" dirty="0" smtClean="0">
+                          <a:latin typeface="+mn-lt"/>
+                        </a:rPr>
+                        <a:t>FAR: 0.03375</a:t>
+                      </a:r>
+                      <a:endParaRPr lang="en-US" dirty="0">
+                        <a:latin typeface="+mn-lt"/>
+                      </a:endParaRPr>
+                    </a:p>
+                  </a:txBody>
+                  <a:tcPr/>
+                </a:tc>
+                <a:tc>
+                  <a:txBody>
+                    <a:bodyPr/>
+                    <a:lstStyle/>
+                    <a:p>
+                      <a:r>
+                        <a:rPr lang="en-US" dirty="0" smtClean="0">
+                          <a:latin typeface="+mn-lt"/>
+                        </a:rPr>
+                        <a:t>FRR: 0.61842</a:t>
+                      </a:r>
+                    </a:p>
+                    <a:p>
+                      <a:r>
+                        <a:rPr lang="en-US" dirty="0" smtClean="0">
+                          <a:latin typeface="+mn-lt"/>
+                        </a:rPr>
+                        <a:t>FAR</a:t>
+                      </a:r>
+                      <a:r>
+                        <a:rPr lang="en-US" smtClean="0">
+                          <a:latin typeface="+mn-lt"/>
+                        </a:rPr>
+                        <a:t>: 0.13472</a:t>
                       </a:r>
                       <a:endParaRPr lang="en-US" dirty="0" smtClean="0">
                         <a:latin typeface="+mn-lt"/>
@@ -8876,64 +8825,67 @@
                         <a:rPr lang="en-US" dirty="0" smtClean="0">
                           <a:latin typeface="+mn-lt"/>
                         </a:rPr>
-                        <a:t>FRR: 1.00000</a:t>
-                      </a:r>
-                    </a:p>
-                    <a:p>
-                      <a:r>
-                        <a:rPr lang="en-US" dirty="0" smtClean="0">
-                          <a:latin typeface="+mn-lt"/>
-                        </a:rPr>
-                        <a:t>FAR: 0.00000</a:t>
-                      </a:r>
-                      <a:endParaRPr lang="en-US" dirty="0" smtClean="0">
-                        <a:latin typeface="+mn-lt"/>
-                      </a:endParaRPr>
-                    </a:p>
-                  </a:txBody>
-                  <a:tcPr/>
-                </a:tc>
-                <a:tc>
-                  <a:txBody>
-                    <a:bodyPr/>
-                    <a:lstStyle/>
-                    <a:p>
-                      <a:r>
-                        <a:rPr lang="en-US" dirty="0" smtClean="0">
-                          <a:latin typeface="+mn-lt"/>
-                        </a:rPr>
-                        <a:t>FRR: 1.00000</a:t>
-                      </a:r>
-                    </a:p>
-                    <a:p>
-                      <a:r>
-                        <a:rPr lang="en-US" dirty="0" smtClean="0">
-                          <a:latin typeface="+mn-lt"/>
-                        </a:rPr>
-                        <a:t>FAR: 0.00000</a:t>
-                      </a:r>
-                    </a:p>
-                  </a:txBody>
-                  <a:tcPr/>
-                </a:tc>
-                <a:tc>
-                  <a:txBody>
-                    <a:bodyPr/>
-                    <a:lstStyle/>
-                    <a:p>
-                      <a:r>
-                        <a:rPr lang="en-US" dirty="0" smtClean="0">
-                          <a:latin typeface="+mn-lt"/>
-                        </a:rPr>
-                        <a:t>FRR: 1.00000</a:t>
-                      </a:r>
-                    </a:p>
-                    <a:p>
-                      <a:r>
-                        <a:rPr lang="en-US" dirty="0" smtClean="0">
-                          <a:latin typeface="+mn-lt"/>
-                        </a:rPr>
-                        <a:t>FAR: 0.00000</a:t>
+                        <a:t>FRR: 0.80328</a:t>
+                      </a:r>
+                    </a:p>
+                    <a:p>
+                      <a:r>
+                        <a:rPr lang="en-US" dirty="0" smtClean="0">
+                          <a:latin typeface="+mn-lt"/>
+                        </a:rPr>
+                        <a:t>FAR: 0.06542</a:t>
+                      </a:r>
+                    </a:p>
+                  </a:txBody>
+                  <a:tcPr/>
+                </a:tc>
+                <a:tc>
+                  <a:txBody>
+                    <a:bodyPr/>
+                    <a:lstStyle/>
+                    <a:p>
+                      <a:r>
+                        <a:rPr lang="en-US" dirty="0" smtClean="0">
+                          <a:latin typeface="+mn-lt"/>
+                        </a:rPr>
+                        <a:t>FRR: 0.4375</a:t>
+                      </a:r>
+                    </a:p>
+                    <a:p>
+                      <a:r>
+                        <a:rPr lang="en-US" dirty="0" smtClean="0">
+                          <a:latin typeface="+mn-lt"/>
+                        </a:rPr>
+                        <a:t>FAR</a:t>
+                      </a:r>
+                      <a:r>
+                        <a:rPr lang="en-US" smtClean="0">
+                          <a:latin typeface="+mn-lt"/>
+                        </a:rPr>
+                        <a:t>: 0.07253</a:t>
+                      </a:r>
+                    </a:p>
+                  </a:txBody>
+                  <a:tcPr/>
+                </a:tc>
+                <a:tc>
+                  <a:txBody>
+                    <a:bodyPr/>
+                    <a:lstStyle/>
+                    <a:p>
+                      <a:r>
+                        <a:rPr lang="en-US" dirty="0" smtClean="0">
+                          <a:latin typeface="+mn-lt"/>
+                        </a:rPr>
+                        <a:t>FRR: 0.20270</a:t>
+                      </a:r>
+                    </a:p>
+                    <a:p>
+                      <a:r>
+                        <a:rPr lang="en-US" dirty="0" smtClean="0">
+                          <a:latin typeface="+mn-lt"/>
+                        </a:rPr>
+                        <a:t>FAR: 0.04286</a:t>
                       </a:r>
                     </a:p>
                   </a:txBody>
@@ -8941,7 +8893,7 @@
                 </a:tc>
                 <a:extLst>
                   <a:ext uri="{0D108BD9-81ED-4DB2-BD59-A6C34878D82A}">
-                    <a16:rowId xmlns:a16="http://schemas.microsoft.com/office/drawing/2014/main" xmlns="" val="10001"/>
+                    <a16:rowId xmlns:a16="http://schemas.microsoft.com/office/drawing/2014/main" val="10001"/>
                   </a:ext>
                 </a:extLst>
               </a:tr>
@@ -8973,116 +8925,110 @@
                         <a:rPr lang="en-US" dirty="0" smtClean="0">
                           <a:latin typeface="+mn-lt"/>
                         </a:rPr>
-                        <a:t>FRR: 1.00000</a:t>
-                      </a:r>
-                    </a:p>
-                    <a:p>
-                      <a:r>
-                        <a:rPr lang="en-US" dirty="0" smtClean="0">
-                          <a:latin typeface="+mn-lt"/>
-                        </a:rPr>
-                        <a:t>FAR: 0.00000</a:t>
-                      </a:r>
-                      <a:endParaRPr lang="en-US" dirty="0">
-                        <a:latin typeface="+mn-lt"/>
-                      </a:endParaRPr>
-                    </a:p>
-                  </a:txBody>
-                  <a:tcPr/>
-                </a:tc>
-                <a:tc>
-                  <a:txBody>
-                    <a:bodyPr/>
-                    <a:lstStyle/>
-                    <a:p>
-                      <a:r>
-                        <a:rPr lang="en-US" dirty="0" smtClean="0">
-                          <a:latin typeface="+mn-lt"/>
-                        </a:rPr>
-                        <a:t>FRR: 1.00000</a:t>
-                      </a:r>
-                    </a:p>
-                    <a:p>
-                      <a:r>
-                        <a:rPr lang="en-US" dirty="0" smtClean="0">
-                          <a:latin typeface="+mn-lt"/>
-                        </a:rPr>
-                        <a:t>FAR: 0.00000</a:t>
-                      </a:r>
-                      <a:endParaRPr lang="en-US" dirty="0" smtClean="0">
-                        <a:latin typeface="+mn-lt"/>
-                      </a:endParaRPr>
-                    </a:p>
-                  </a:txBody>
-                  <a:tcPr/>
-                </a:tc>
-                <a:tc>
-                  <a:txBody>
-                    <a:bodyPr/>
-                    <a:lstStyle/>
-                    <a:p>
-                      <a:r>
-                        <a:rPr lang="en-US" dirty="0" smtClean="0">
-                          <a:latin typeface="+mn-lt"/>
-                        </a:rPr>
-                        <a:t>FRR: 1.00000</a:t>
-                      </a:r>
-                    </a:p>
-                    <a:p>
-                      <a:r>
-                        <a:rPr lang="en-US" dirty="0" smtClean="0">
-                          <a:latin typeface="+mn-lt"/>
-                        </a:rPr>
-                        <a:t>FAR: 0.00000</a:t>
-                      </a:r>
-                      <a:endParaRPr lang="en-US" dirty="0" smtClean="0">
-                        <a:latin typeface="+mn-lt"/>
-                      </a:endParaRPr>
-                    </a:p>
-                  </a:txBody>
-                  <a:tcPr/>
-                </a:tc>
-                <a:tc>
-                  <a:txBody>
-                    <a:bodyPr/>
-                    <a:lstStyle/>
-                    <a:p>
-                      <a:r>
-                        <a:rPr lang="en-US" dirty="0" smtClean="0">
-                          <a:latin typeface="+mn-lt"/>
-                        </a:rPr>
-                        <a:t>FRR: 1.00000</a:t>
-                      </a:r>
-                    </a:p>
-                    <a:p>
-                      <a:r>
-                        <a:rPr lang="en-US" dirty="0" smtClean="0">
-                          <a:latin typeface="+mn-lt"/>
-                        </a:rPr>
-                        <a:t>FAR: 0.00000</a:t>
-                      </a:r>
-                    </a:p>
-                  </a:txBody>
-                  <a:tcPr/>
-                </a:tc>
-                <a:tc>
-                  <a:txBody>
-                    <a:bodyPr/>
-                    <a:lstStyle/>
-                    <a:p>
-                      <a:r>
-                        <a:rPr lang="en-US" dirty="0" smtClean="0">
-                          <a:latin typeface="+mn-lt"/>
-                        </a:rPr>
-                        <a:t>FRR: 1.00000</a:t>
-                      </a:r>
-                    </a:p>
-                    <a:p>
-                      <a:r>
-                        <a:rPr lang="en-US" dirty="0" smtClean="0">
-                          <a:latin typeface="+mn-lt"/>
-                        </a:rPr>
-                        <a:t>FAR: 0.00000</a:t>
+                        <a:t>FRR: 0.31223</a:t>
+                      </a:r>
+                    </a:p>
+                    <a:p>
+                      <a:r>
+                        <a:rPr lang="en-US" dirty="0" smtClean="0">
+                          <a:latin typeface="+mn-lt"/>
+                        </a:rPr>
+                        <a:t>FAR: 0.05802</a:t>
+                      </a:r>
+                      <a:endParaRPr lang="en-US" dirty="0">
+                        <a:latin typeface="+mn-lt"/>
+                      </a:endParaRPr>
+                    </a:p>
+                  </a:txBody>
+                  <a:tcPr/>
+                </a:tc>
+                <a:tc>
+                  <a:txBody>
+                    <a:bodyPr/>
+                    <a:lstStyle/>
+                    <a:p>
+                      <a:r>
+                        <a:rPr lang="en-US" dirty="0" smtClean="0">
+                          <a:latin typeface="+mn-lt"/>
+                        </a:rPr>
+                        <a:t>FRR: 0.81395</a:t>
+                      </a:r>
+                    </a:p>
+                    <a:p>
+                      <a:r>
+                        <a:rPr lang="en-US" dirty="0" smtClean="0">
+                          <a:latin typeface="+mn-lt"/>
+                        </a:rPr>
+                        <a:t>FAR: 0.05053</a:t>
+                      </a:r>
+                    </a:p>
+                  </a:txBody>
+                  <a:tcPr/>
+                </a:tc>
+                <a:tc>
+                  <a:txBody>
+                    <a:bodyPr/>
+                    <a:lstStyle/>
+                    <a:p>
+                      <a:r>
+                        <a:rPr lang="en-US" dirty="0" smtClean="0">
+                          <a:latin typeface="+mn-lt"/>
+                        </a:rPr>
+                        <a:t>FRR: 0.09474</a:t>
+                      </a:r>
+                    </a:p>
+                    <a:p>
+                      <a:r>
+                        <a:rPr lang="en-US" dirty="0" smtClean="0">
+                          <a:latin typeface="+mn-lt"/>
+                        </a:rPr>
+                        <a:t>FAR: 0.10152</a:t>
+                      </a:r>
+                    </a:p>
+                  </a:txBody>
+                  <a:tcPr/>
+                </a:tc>
+                <a:tc>
+                  <a:txBody>
+                    <a:bodyPr/>
+                    <a:lstStyle/>
+                    <a:p>
+                      <a:r>
+                        <a:rPr lang="en-US" dirty="0" smtClean="0">
+                          <a:latin typeface="+mn-lt"/>
+                        </a:rPr>
+                        <a:t>FRR: 0.16667</a:t>
+                      </a:r>
+                    </a:p>
+                    <a:p>
+                      <a:r>
+                        <a:rPr lang="en-US" dirty="0" smtClean="0">
+                          <a:latin typeface="+mn-lt"/>
+                        </a:rPr>
+                        <a:t>FAR: 0.04784</a:t>
+                      </a:r>
+                    </a:p>
+                  </a:txBody>
+                  <a:tcPr/>
+                </a:tc>
+                <a:tc>
+                  <a:txBody>
+                    <a:bodyPr/>
+                    <a:lstStyle/>
+                    <a:p>
+                      <a:r>
+                        <a:rPr lang="en-US" dirty="0" smtClean="0">
+                          <a:latin typeface="+mn-lt"/>
+                        </a:rPr>
+                        <a:t>FRR: 0.33617</a:t>
+                      </a:r>
+                    </a:p>
+                    <a:p>
+                      <a:r>
+                        <a:rPr lang="en-US" dirty="0" smtClean="0">
+                          <a:latin typeface="+mn-lt"/>
+                        </a:rPr>
+                        <a:t>FAR: 0.04248</a:t>
                       </a:r>
                     </a:p>
                   </a:txBody>
@@ -9090,7 +9036,7 @@
                 </a:tc>
                 <a:extLst>
                   <a:ext uri="{0D108BD9-81ED-4DB2-BD59-A6C34878D82A}">
-                    <a16:rowId xmlns:a16="http://schemas.microsoft.com/office/drawing/2014/main" xmlns="" val="10002"/>
+                    <a16:rowId xmlns:a16="http://schemas.microsoft.com/office/drawing/2014/main" val="10002"/>
                   </a:ext>
                 </a:extLst>
               </a:tr>
@@ -9122,116 +9068,110 @@
                         <a:rPr lang="en-US" dirty="0" smtClean="0">
                           <a:latin typeface="+mn-lt"/>
                         </a:rPr>
-                        <a:t>FRR: 1.00000</a:t>
-                      </a:r>
-                    </a:p>
-                    <a:p>
-                      <a:r>
-                        <a:rPr lang="en-US" dirty="0" smtClean="0">
-                          <a:latin typeface="+mn-lt"/>
-                        </a:rPr>
-                        <a:t>FAR: 0.00000</a:t>
-                      </a:r>
-                      <a:endParaRPr lang="en-US" dirty="0">
-                        <a:latin typeface="+mn-lt"/>
-                      </a:endParaRPr>
-                    </a:p>
-                  </a:txBody>
-                  <a:tcPr/>
-                </a:tc>
-                <a:tc>
-                  <a:txBody>
-                    <a:bodyPr/>
-                    <a:lstStyle/>
-                    <a:p>
-                      <a:r>
-                        <a:rPr lang="en-US" dirty="0" smtClean="0">
-                          <a:latin typeface="+mn-lt"/>
-                        </a:rPr>
-                        <a:t>FRR: 1.00000</a:t>
-                      </a:r>
-                    </a:p>
-                    <a:p>
-                      <a:r>
-                        <a:rPr lang="en-US" dirty="0" smtClean="0">
-                          <a:latin typeface="+mn-lt"/>
-                        </a:rPr>
-                        <a:t>FAR: 0.00000</a:t>
-                      </a:r>
-                      <a:endParaRPr lang="en-US" dirty="0" smtClean="0">
-                        <a:latin typeface="+mn-lt"/>
-                      </a:endParaRPr>
-                    </a:p>
-                  </a:txBody>
-                  <a:tcPr/>
-                </a:tc>
-                <a:tc>
-                  <a:txBody>
-                    <a:bodyPr/>
-                    <a:lstStyle/>
-                    <a:p>
-                      <a:r>
-                        <a:rPr lang="en-US" dirty="0" smtClean="0">
-                          <a:latin typeface="+mn-lt"/>
-                        </a:rPr>
-                        <a:t>FRR: 1.00000</a:t>
-                      </a:r>
-                    </a:p>
-                    <a:p>
-                      <a:r>
-                        <a:rPr lang="en-US" dirty="0" smtClean="0">
-                          <a:latin typeface="+mn-lt"/>
-                        </a:rPr>
-                        <a:t>FAR: 0.00000</a:t>
-                      </a:r>
-                      <a:endParaRPr lang="en-US" dirty="0" smtClean="0">
-                        <a:latin typeface="+mn-lt"/>
-                      </a:endParaRPr>
-                    </a:p>
-                  </a:txBody>
-                  <a:tcPr/>
-                </a:tc>
-                <a:tc>
-                  <a:txBody>
-                    <a:bodyPr/>
-                    <a:lstStyle/>
-                    <a:p>
-                      <a:r>
-                        <a:rPr lang="en-US" dirty="0" smtClean="0">
-                          <a:latin typeface="+mn-lt"/>
-                        </a:rPr>
-                        <a:t>FRR: 1.00000</a:t>
-                      </a:r>
-                    </a:p>
-                    <a:p>
-                      <a:r>
-                        <a:rPr lang="en-US" dirty="0" smtClean="0">
-                          <a:latin typeface="+mn-lt"/>
-                        </a:rPr>
-                        <a:t>FAR: 0.00000</a:t>
-                      </a:r>
-                    </a:p>
-                  </a:txBody>
-                  <a:tcPr/>
-                </a:tc>
-                <a:tc>
-                  <a:txBody>
-                    <a:bodyPr/>
-                    <a:lstStyle/>
-                    <a:p>
-                      <a:r>
-                        <a:rPr lang="en-US" dirty="0" smtClean="0">
-                          <a:latin typeface="+mn-lt"/>
-                        </a:rPr>
-                        <a:t>FRR: 1.00000</a:t>
-                      </a:r>
-                    </a:p>
-                    <a:p>
-                      <a:r>
-                        <a:rPr lang="en-US" dirty="0" smtClean="0">
-                          <a:latin typeface="+mn-lt"/>
-                        </a:rPr>
-                        <a:t>FAR: 0.00000</a:t>
+                        <a:t>FRR: 0.05714</a:t>
+                      </a:r>
+                    </a:p>
+                    <a:p>
+                      <a:r>
+                        <a:rPr lang="en-US" dirty="0" smtClean="0">
+                          <a:latin typeface="+mn-lt"/>
+                        </a:rPr>
+                        <a:t>FAR: 0.08161</a:t>
+                      </a:r>
+                      <a:endParaRPr lang="en-US" dirty="0">
+                        <a:latin typeface="+mn-lt"/>
+                      </a:endParaRPr>
+                    </a:p>
+                  </a:txBody>
+                  <a:tcPr/>
+                </a:tc>
+                <a:tc>
+                  <a:txBody>
+                    <a:bodyPr/>
+                    <a:lstStyle/>
+                    <a:p>
+                      <a:r>
+                        <a:rPr lang="en-US" dirty="0" smtClean="0">
+                          <a:latin typeface="+mn-lt"/>
+                        </a:rPr>
+                        <a:t>FRR: 0.32</a:t>
+                      </a:r>
+                    </a:p>
+                    <a:p>
+                      <a:r>
+                        <a:rPr lang="en-US" dirty="0" smtClean="0">
+                          <a:latin typeface="+mn-lt"/>
+                        </a:rPr>
+                        <a:t>FAR: 0.21705</a:t>
+                      </a:r>
+                    </a:p>
+                  </a:txBody>
+                  <a:tcPr/>
+                </a:tc>
+                <a:tc>
+                  <a:txBody>
+                    <a:bodyPr/>
+                    <a:lstStyle/>
+                    <a:p>
+                      <a:r>
+                        <a:rPr lang="en-US" dirty="0" smtClean="0">
+                          <a:latin typeface="+mn-lt"/>
+                        </a:rPr>
+                        <a:t>FRR: 0.5814</a:t>
+                      </a:r>
+                    </a:p>
+                    <a:p>
+                      <a:r>
+                        <a:rPr lang="en-US" dirty="0" smtClean="0">
+                          <a:latin typeface="+mn-lt"/>
+                        </a:rPr>
+                        <a:t>FAR: 0.1067</a:t>
+                      </a:r>
+                    </a:p>
+                  </a:txBody>
+                  <a:tcPr/>
+                </a:tc>
+                <a:tc>
+                  <a:txBody>
+                    <a:bodyPr/>
+                    <a:lstStyle/>
+                    <a:p>
+                      <a:r>
+                        <a:rPr lang="en-US" dirty="0" smtClean="0">
+                          <a:latin typeface="+mn-lt"/>
+                        </a:rPr>
+                        <a:t>FRR: 0.43421</a:t>
+                      </a:r>
+                    </a:p>
+                    <a:p>
+                      <a:r>
+                        <a:rPr lang="en-US" dirty="0" smtClean="0">
+                          <a:latin typeface="+mn-lt"/>
+                        </a:rPr>
+                        <a:t>FAR: 0.06536</a:t>
+                      </a:r>
+                    </a:p>
+                  </a:txBody>
+                  <a:tcPr/>
+                </a:tc>
+                <a:tc>
+                  <a:txBody>
+                    <a:bodyPr/>
+                    <a:lstStyle/>
+                    <a:p>
+                      <a:r>
+                        <a:rPr lang="en-US" dirty="0" smtClean="0">
+                          <a:latin typeface="+mn-lt"/>
+                        </a:rPr>
+                        <a:t>FRR: 0.02033</a:t>
+                      </a:r>
+                    </a:p>
+                    <a:p>
+                      <a:r>
+                        <a:rPr lang="en-US" dirty="0" smtClean="0">
+                          <a:latin typeface="+mn-lt"/>
+                        </a:rPr>
+                        <a:t>FAR: 0.05832</a:t>
                       </a:r>
                     </a:p>
                   </a:txBody>
@@ -9239,7 +9179,7 @@
                 </a:tc>
                 <a:extLst>
                   <a:ext uri="{0D108BD9-81ED-4DB2-BD59-A6C34878D82A}">
-                    <a16:rowId xmlns:a16="http://schemas.microsoft.com/office/drawing/2014/main" xmlns="" val="10003"/>
+                    <a16:rowId xmlns:a16="http://schemas.microsoft.com/office/drawing/2014/main" val="10003"/>
                   </a:ext>
                 </a:extLst>
               </a:tr>
@@ -9271,116 +9211,110 @@
                         <a:rPr lang="en-US" dirty="0" smtClean="0">
                           <a:latin typeface="+mn-lt"/>
                         </a:rPr>
-                        <a:t>FRR: 1.00000</a:t>
-                      </a:r>
-                    </a:p>
-                    <a:p>
-                      <a:r>
-                        <a:rPr lang="en-US" dirty="0" smtClean="0">
-                          <a:latin typeface="+mn-lt"/>
-                        </a:rPr>
-                        <a:t>FAR: 0.00000</a:t>
-                      </a:r>
-                      <a:endParaRPr lang="en-US" dirty="0">
-                        <a:latin typeface="+mn-lt"/>
-                      </a:endParaRPr>
-                    </a:p>
-                  </a:txBody>
-                  <a:tcPr/>
-                </a:tc>
-                <a:tc>
-                  <a:txBody>
-                    <a:bodyPr/>
-                    <a:lstStyle/>
-                    <a:p>
-                      <a:r>
-                        <a:rPr lang="en-US" dirty="0" smtClean="0">
-                          <a:latin typeface="+mn-lt"/>
-                        </a:rPr>
-                        <a:t>FRR: 1.00000</a:t>
-                      </a:r>
-                    </a:p>
-                    <a:p>
-                      <a:r>
-                        <a:rPr lang="en-US" dirty="0" smtClean="0">
-                          <a:latin typeface="+mn-lt"/>
-                        </a:rPr>
-                        <a:t>FAR: 0.00000</a:t>
-                      </a:r>
-                      <a:endParaRPr lang="en-US" dirty="0" smtClean="0">
-                        <a:latin typeface="+mn-lt"/>
-                      </a:endParaRPr>
-                    </a:p>
-                  </a:txBody>
-                  <a:tcPr/>
-                </a:tc>
-                <a:tc>
-                  <a:txBody>
-                    <a:bodyPr/>
-                    <a:lstStyle/>
-                    <a:p>
-                      <a:r>
-                        <a:rPr lang="en-US" dirty="0" smtClean="0">
-                          <a:latin typeface="+mn-lt"/>
-                        </a:rPr>
-                        <a:t>FRR: 1.00000</a:t>
-                      </a:r>
-                    </a:p>
-                    <a:p>
-                      <a:r>
-                        <a:rPr lang="en-US" dirty="0" smtClean="0">
-                          <a:latin typeface="+mn-lt"/>
-                        </a:rPr>
-                        <a:t>FAR: 0.00000</a:t>
-                      </a:r>
-                      <a:endParaRPr lang="en-US" dirty="0" smtClean="0">
-                        <a:latin typeface="+mn-lt"/>
-                      </a:endParaRPr>
-                    </a:p>
-                  </a:txBody>
-                  <a:tcPr/>
-                </a:tc>
-                <a:tc>
-                  <a:txBody>
-                    <a:bodyPr/>
-                    <a:lstStyle/>
-                    <a:p>
-                      <a:r>
-                        <a:rPr lang="en-US" dirty="0" smtClean="0">
-                          <a:latin typeface="+mn-lt"/>
-                        </a:rPr>
-                        <a:t>FRR: 1.00000</a:t>
-                      </a:r>
-                    </a:p>
-                    <a:p>
-                      <a:r>
-                        <a:rPr lang="en-US" dirty="0" smtClean="0">
-                          <a:latin typeface="+mn-lt"/>
-                        </a:rPr>
-                        <a:t>FAR: 0.00000</a:t>
-                      </a:r>
-                    </a:p>
-                  </a:txBody>
-                  <a:tcPr/>
-                </a:tc>
-                <a:tc>
-                  <a:txBody>
-                    <a:bodyPr/>
-                    <a:lstStyle/>
-                    <a:p>
-                      <a:r>
-                        <a:rPr lang="en-US" dirty="0" smtClean="0">
-                          <a:latin typeface="+mn-lt"/>
-                        </a:rPr>
-                        <a:t>FRR: 1.00000</a:t>
-                      </a:r>
-                    </a:p>
-                    <a:p>
-                      <a:r>
-                        <a:rPr lang="en-US" dirty="0" smtClean="0">
-                          <a:latin typeface="+mn-lt"/>
-                        </a:rPr>
-                        <a:t>FAR: 0.00000</a:t>
+                        <a:t>FRR: 0.19650</a:t>
+                      </a:r>
+                    </a:p>
+                    <a:p>
+                      <a:r>
+                        <a:rPr lang="en-US" dirty="0" smtClean="0">
+                          <a:latin typeface="+mn-lt"/>
+                        </a:rPr>
+                        <a:t>FAR: 0.05593</a:t>
+                      </a:r>
+                      <a:endParaRPr lang="en-US" dirty="0">
+                        <a:latin typeface="+mn-lt"/>
+                      </a:endParaRPr>
+                    </a:p>
+                  </a:txBody>
+                  <a:tcPr/>
+                </a:tc>
+                <a:tc>
+                  <a:txBody>
+                    <a:bodyPr/>
+                    <a:lstStyle/>
+                    <a:p>
+                      <a:r>
+                        <a:rPr lang="en-US" dirty="0" smtClean="0">
+                          <a:latin typeface="+mn-lt"/>
+                        </a:rPr>
+                        <a:t>FRR: 0.61972</a:t>
+                      </a:r>
+                    </a:p>
+                    <a:p>
+                      <a:r>
+                        <a:rPr lang="en-US" dirty="0" smtClean="0">
+                          <a:latin typeface="+mn-lt"/>
+                        </a:rPr>
+                        <a:t>FAR: 0.05882</a:t>
+                      </a:r>
+                    </a:p>
+                  </a:txBody>
+                  <a:tcPr/>
+                </a:tc>
+                <a:tc>
+                  <a:txBody>
+                    <a:bodyPr/>
+                    <a:lstStyle/>
+                    <a:p>
+                      <a:r>
+                        <a:rPr lang="en-US" dirty="0" smtClean="0">
+                          <a:latin typeface="+mn-lt"/>
+                        </a:rPr>
+                        <a:t>FRR: 0.48235</a:t>
+                      </a:r>
+                    </a:p>
+                    <a:p>
+                      <a:r>
+                        <a:rPr lang="en-US" dirty="0" smtClean="0">
+                          <a:latin typeface="+mn-lt"/>
+                        </a:rPr>
+                        <a:t>FAR: 0.05941</a:t>
+                      </a:r>
+                    </a:p>
+                  </a:txBody>
+                  <a:tcPr/>
+                </a:tc>
+                <a:tc>
+                  <a:txBody>
+                    <a:bodyPr/>
+                    <a:lstStyle/>
+                    <a:p>
+                      <a:r>
+                        <a:rPr lang="en-US" dirty="0" smtClean="0">
+                          <a:latin typeface="+mn-lt"/>
+                        </a:rPr>
+                        <a:t>FRR: 0.42697</a:t>
+                      </a:r>
+                    </a:p>
+                    <a:p>
+                      <a:r>
+                        <a:rPr lang="en-US" dirty="0" smtClean="0">
+                          <a:latin typeface="+mn-lt"/>
+                        </a:rPr>
+                        <a:t>FAR: 0.11211</a:t>
+                      </a:r>
+                    </a:p>
+                  </a:txBody>
+                  <a:tcPr/>
+                </a:tc>
+                <a:tc>
+                  <a:txBody>
+                    <a:bodyPr/>
+                    <a:lstStyle/>
+                    <a:p>
+                      <a:r>
+                        <a:rPr lang="en-US" dirty="0" smtClean="0">
+                          <a:latin typeface="+mn-lt"/>
+                        </a:rPr>
+                        <a:t>FRR: 0.26531</a:t>
+                      </a:r>
+                    </a:p>
+                    <a:p>
+                      <a:r>
+                        <a:rPr lang="en-US" dirty="0" smtClean="0">
+                          <a:latin typeface="+mn-lt"/>
+                        </a:rPr>
+                        <a:t>FAR: 0.05827</a:t>
                       </a:r>
                     </a:p>
                   </a:txBody>
@@ -9388,7 +9322,7 @@
                 </a:tc>
                 <a:extLst>
                   <a:ext uri="{0D108BD9-81ED-4DB2-BD59-A6C34878D82A}">
-                    <a16:rowId xmlns:a16="http://schemas.microsoft.com/office/drawing/2014/main" xmlns="" val="10004"/>
+                    <a16:rowId xmlns:a16="http://schemas.microsoft.com/office/drawing/2014/main" val="10004"/>
                   </a:ext>
                 </a:extLst>
               </a:tr>
@@ -9420,116 +9354,110 @@
                         <a:rPr lang="en-US" dirty="0" smtClean="0">
                           <a:latin typeface="+mn-lt"/>
                         </a:rPr>
-                        <a:t>FRR: 1.00000</a:t>
-                      </a:r>
-                    </a:p>
-                    <a:p>
-                      <a:r>
-                        <a:rPr lang="en-US" dirty="0" smtClean="0">
-                          <a:latin typeface="+mn-lt"/>
-                        </a:rPr>
-                        <a:t>FAR: 0.00000</a:t>
-                      </a:r>
-                      <a:endParaRPr lang="en-US" dirty="0">
-                        <a:latin typeface="+mn-lt"/>
-                      </a:endParaRPr>
-                    </a:p>
-                  </a:txBody>
-                  <a:tcPr/>
-                </a:tc>
-                <a:tc>
-                  <a:txBody>
-                    <a:bodyPr/>
-                    <a:lstStyle/>
-                    <a:p>
-                      <a:r>
-                        <a:rPr lang="en-US" dirty="0" smtClean="0">
-                          <a:latin typeface="+mn-lt"/>
-                        </a:rPr>
-                        <a:t>FRR: 1.00000</a:t>
-                      </a:r>
-                    </a:p>
-                    <a:p>
-                      <a:r>
-                        <a:rPr lang="en-US" dirty="0" smtClean="0">
-                          <a:latin typeface="+mn-lt"/>
-                        </a:rPr>
-                        <a:t>FAR: 0.00000</a:t>
-                      </a:r>
-                      <a:endParaRPr lang="en-US" dirty="0" smtClean="0">
-                        <a:latin typeface="+mn-lt"/>
-                      </a:endParaRPr>
-                    </a:p>
-                  </a:txBody>
-                  <a:tcPr/>
-                </a:tc>
-                <a:tc>
-                  <a:txBody>
-                    <a:bodyPr/>
-                    <a:lstStyle/>
-                    <a:p>
-                      <a:r>
-                        <a:rPr lang="en-US" dirty="0" smtClean="0">
-                          <a:latin typeface="+mn-lt"/>
-                        </a:rPr>
-                        <a:t>FRR: 1.00000</a:t>
-                      </a:r>
-                    </a:p>
-                    <a:p>
-                      <a:r>
-                        <a:rPr lang="en-US" dirty="0" smtClean="0">
-                          <a:latin typeface="+mn-lt"/>
-                        </a:rPr>
-                        <a:t>FAR: 0.00000</a:t>
-                      </a:r>
-                      <a:endParaRPr lang="en-US" dirty="0" smtClean="0">
-                        <a:latin typeface="+mn-lt"/>
-                      </a:endParaRPr>
-                    </a:p>
-                  </a:txBody>
-                  <a:tcPr/>
-                </a:tc>
-                <a:tc>
-                  <a:txBody>
-                    <a:bodyPr/>
-                    <a:lstStyle/>
-                    <a:p>
-                      <a:r>
-                        <a:rPr lang="en-US" dirty="0" smtClean="0">
-                          <a:latin typeface="+mn-lt"/>
-                        </a:rPr>
-                        <a:t>FRR: 1.00000</a:t>
-                      </a:r>
-                    </a:p>
-                    <a:p>
-                      <a:r>
-                        <a:rPr lang="en-US" dirty="0" smtClean="0">
-                          <a:latin typeface="+mn-lt"/>
-                        </a:rPr>
-                        <a:t>FAR: 0.00000</a:t>
-                      </a:r>
-                    </a:p>
-                  </a:txBody>
-                  <a:tcPr/>
-                </a:tc>
-                <a:tc>
-                  <a:txBody>
-                    <a:bodyPr/>
-                    <a:lstStyle/>
-                    <a:p>
-                      <a:r>
-                        <a:rPr lang="en-US" dirty="0" smtClean="0">
-                          <a:latin typeface="+mn-lt"/>
-                        </a:rPr>
-                        <a:t>FRR: 1.00000</a:t>
-                      </a:r>
-                    </a:p>
-                    <a:p>
-                      <a:r>
-                        <a:rPr lang="en-US" dirty="0" smtClean="0">
-                          <a:latin typeface="+mn-lt"/>
-                        </a:rPr>
-                        <a:t>FAR: 0.00000</a:t>
+                        <a:t>FRR: 0.33777</a:t>
+                      </a:r>
+                    </a:p>
+                    <a:p>
+                      <a:r>
+                        <a:rPr lang="en-US" dirty="0" smtClean="0">
+                          <a:latin typeface="+mn-lt"/>
+                        </a:rPr>
+                        <a:t>FAR: 0.03040</a:t>
+                      </a:r>
+                      <a:endParaRPr lang="en-US" dirty="0">
+                        <a:latin typeface="+mn-lt"/>
+                      </a:endParaRPr>
+                    </a:p>
+                  </a:txBody>
+                  <a:tcPr/>
+                </a:tc>
+                <a:tc>
+                  <a:txBody>
+                    <a:bodyPr/>
+                    <a:lstStyle/>
+                    <a:p>
+                      <a:r>
+                        <a:rPr lang="en-US" dirty="0" smtClean="0">
+                          <a:latin typeface="+mn-lt"/>
+                        </a:rPr>
+                        <a:t>FRR: 0.74627</a:t>
+                      </a:r>
+                    </a:p>
+                    <a:p>
+                      <a:r>
+                        <a:rPr lang="en-US" dirty="0" smtClean="0">
+                          <a:latin typeface="+mn-lt"/>
+                        </a:rPr>
+                        <a:t>FAR: 0.0481</a:t>
+                      </a:r>
+                    </a:p>
+                  </a:txBody>
+                  <a:tcPr/>
+                </a:tc>
+                <a:tc>
+                  <a:txBody>
+                    <a:bodyPr/>
+                    <a:lstStyle/>
+                    <a:p>
+                      <a:r>
+                        <a:rPr lang="en-US" dirty="0" smtClean="0">
+                          <a:latin typeface="+mn-lt"/>
+                        </a:rPr>
+                        <a:t>FRR: 0.80556</a:t>
+                      </a:r>
+                    </a:p>
+                    <a:p>
+                      <a:r>
+                        <a:rPr lang="en-US" dirty="0" smtClean="0">
+                          <a:latin typeface="+mn-lt"/>
+                        </a:rPr>
+                        <a:t>FAR: 0.05036</a:t>
+                      </a:r>
+                    </a:p>
+                  </a:txBody>
+                  <a:tcPr/>
+                </a:tc>
+                <a:tc>
+                  <a:txBody>
+                    <a:bodyPr/>
+                    <a:lstStyle/>
+                    <a:p>
+                      <a:r>
+                        <a:rPr lang="en-US" dirty="0" smtClean="0">
+                          <a:latin typeface="+mn-lt"/>
+                        </a:rPr>
+                        <a:t>FRR: 0.78261</a:t>
+                      </a:r>
+                    </a:p>
+                    <a:p>
+                      <a:r>
+                        <a:rPr lang="en-US" dirty="0" smtClean="0">
+                          <a:latin typeface="+mn-lt"/>
+                        </a:rPr>
+                        <a:t>FAR: 0.03004</a:t>
+                      </a:r>
+                    </a:p>
+                  </a:txBody>
+                  <a:tcPr/>
+                </a:tc>
+                <a:tc>
+                  <a:txBody>
+                    <a:bodyPr/>
+                    <a:lstStyle/>
+                    <a:p>
+                      <a:r>
+                        <a:rPr lang="en-US" dirty="0" smtClean="0">
+                          <a:latin typeface="+mn-lt"/>
+                        </a:rPr>
+                        <a:t>FRR: 0.23318</a:t>
+                      </a:r>
+                    </a:p>
+                    <a:p>
+                      <a:r>
+                        <a:rPr lang="en-US" dirty="0" smtClean="0">
+                          <a:latin typeface="+mn-lt"/>
+                        </a:rPr>
+                        <a:t>FAR: 0.01430</a:t>
                       </a:r>
                     </a:p>
                   </a:txBody>
@@ -9537,7 +9465,7 @@
                 </a:tc>
                 <a:extLst>
                   <a:ext uri="{0D108BD9-81ED-4DB2-BD59-A6C34878D82A}">
-                    <a16:rowId xmlns:a16="http://schemas.microsoft.com/office/drawing/2014/main" xmlns="" val="10005"/>
+                    <a16:rowId xmlns:a16="http://schemas.microsoft.com/office/drawing/2014/main" val="10005"/>
                   </a:ext>
                 </a:extLst>
               </a:tr>
@@ -9583,116 +9511,110 @@
                         <a:rPr lang="en-US" dirty="0" smtClean="0">
                           <a:latin typeface="+mn-lt"/>
                         </a:rPr>
-                        <a:t>FRR: 0.00000</a:t>
-                      </a:r>
-                    </a:p>
-                    <a:p>
-                      <a:r>
-                        <a:rPr lang="en-US" dirty="0" smtClean="0">
-                          <a:latin typeface="+mn-lt"/>
-                        </a:rPr>
-                        <a:t>FAR: 1.00000</a:t>
-                      </a:r>
-                      <a:endParaRPr lang="en-US" dirty="0">
-                        <a:latin typeface="+mn-lt"/>
-                      </a:endParaRPr>
-                    </a:p>
-                  </a:txBody>
-                  <a:tcPr/>
-                </a:tc>
-                <a:tc>
-                  <a:txBody>
-                    <a:bodyPr/>
-                    <a:lstStyle/>
-                    <a:p>
-                      <a:r>
-                        <a:rPr lang="en-US" dirty="0" smtClean="0">
-                          <a:latin typeface="+mn-lt"/>
-                        </a:rPr>
-                        <a:t>FRR: 0.00000</a:t>
-                      </a:r>
-                    </a:p>
-                    <a:p>
-                      <a:r>
-                        <a:rPr lang="en-US" dirty="0" smtClean="0">
-                          <a:latin typeface="+mn-lt"/>
-                        </a:rPr>
-                        <a:t>FAR: 1.00000</a:t>
-                      </a:r>
-                      <a:endParaRPr lang="en-US" dirty="0" smtClean="0">
-                        <a:latin typeface="+mn-lt"/>
-                      </a:endParaRPr>
-                    </a:p>
-                  </a:txBody>
-                  <a:tcPr/>
-                </a:tc>
-                <a:tc>
-                  <a:txBody>
-                    <a:bodyPr/>
-                    <a:lstStyle/>
-                    <a:p>
-                      <a:r>
-                        <a:rPr lang="en-US" dirty="0" smtClean="0">
-                          <a:latin typeface="+mn-lt"/>
-                        </a:rPr>
-                        <a:t>FRR: 0.00000</a:t>
-                      </a:r>
-                    </a:p>
-                    <a:p>
-                      <a:r>
-                        <a:rPr lang="en-US" dirty="0" smtClean="0">
-                          <a:latin typeface="+mn-lt"/>
-                        </a:rPr>
-                        <a:t>FAR: 1.00000</a:t>
-                      </a:r>
-                      <a:endParaRPr lang="en-US" dirty="0" smtClean="0">
-                        <a:latin typeface="+mn-lt"/>
-                      </a:endParaRPr>
-                    </a:p>
-                  </a:txBody>
-                  <a:tcPr/>
-                </a:tc>
-                <a:tc>
-                  <a:txBody>
-                    <a:bodyPr/>
-                    <a:lstStyle/>
-                    <a:p>
-                      <a:r>
-                        <a:rPr lang="en-US" dirty="0" smtClean="0">
-                          <a:latin typeface="+mn-lt"/>
-                        </a:rPr>
-                        <a:t>FRR: 0.00000</a:t>
-                      </a:r>
-                    </a:p>
-                    <a:p>
-                      <a:r>
-                        <a:rPr lang="en-US" dirty="0" smtClean="0">
-                          <a:latin typeface="+mn-lt"/>
-                        </a:rPr>
-                        <a:t>FAR: 1.00000</a:t>
-                      </a:r>
-                    </a:p>
-                  </a:txBody>
-                  <a:tcPr/>
-                </a:tc>
-                <a:tc>
-                  <a:txBody>
-                    <a:bodyPr/>
-                    <a:lstStyle/>
-                    <a:p>
-                      <a:r>
-                        <a:rPr lang="en-US" dirty="0" smtClean="0">
-                          <a:latin typeface="+mn-lt"/>
-                        </a:rPr>
-                        <a:t>FRR: 0.00000</a:t>
-                      </a:r>
-                    </a:p>
-                    <a:p>
-                      <a:r>
-                        <a:rPr lang="en-US" dirty="0" smtClean="0">
-                          <a:latin typeface="+mn-lt"/>
-                        </a:rPr>
-                        <a:t>FAR: 1.00000</a:t>
+                        <a:t>FRR: 0.20481</a:t>
+                      </a:r>
+                    </a:p>
+                    <a:p>
+                      <a:r>
+                        <a:rPr lang="en-US" dirty="0" smtClean="0">
+                          <a:latin typeface="+mn-lt"/>
+                        </a:rPr>
+                        <a:t>FAR:  0.02155</a:t>
+                      </a:r>
+                      <a:endParaRPr lang="en-US" dirty="0">
+                        <a:latin typeface="+mn-lt"/>
+                      </a:endParaRPr>
+                    </a:p>
+                  </a:txBody>
+                  <a:tcPr/>
+                </a:tc>
+                <a:tc>
+                  <a:txBody>
+                    <a:bodyPr/>
+                    <a:lstStyle/>
+                    <a:p>
+                      <a:r>
+                        <a:rPr lang="en-US" dirty="0" smtClean="0">
+                          <a:latin typeface="+mn-lt"/>
+                        </a:rPr>
+                        <a:t>FRR: 0.25287</a:t>
+                      </a:r>
+                    </a:p>
+                    <a:p>
+                      <a:r>
+                        <a:rPr lang="en-US" dirty="0" smtClean="0">
+                          <a:latin typeface="+mn-lt"/>
+                        </a:rPr>
+                        <a:t>FAR: 0.16</a:t>
+                      </a:r>
+                    </a:p>
+                  </a:txBody>
+                  <a:tcPr/>
+                </a:tc>
+                <a:tc>
+                  <a:txBody>
+                    <a:bodyPr/>
+                    <a:lstStyle/>
+                    <a:p>
+                      <a:r>
+                        <a:rPr lang="en-US" dirty="0" smtClean="0">
+                          <a:latin typeface="+mn-lt"/>
+                        </a:rPr>
+                        <a:t>FRR: 0.11111</a:t>
+                      </a:r>
+                    </a:p>
+                    <a:p>
+                      <a:r>
+                        <a:rPr lang="en-US" dirty="0" smtClean="0">
+                          <a:latin typeface="+mn-lt"/>
+                        </a:rPr>
+                        <a:t>FAR: 0.15288</a:t>
+                      </a:r>
+                    </a:p>
+                  </a:txBody>
+                  <a:tcPr/>
+                </a:tc>
+                <a:tc>
+                  <a:txBody>
+                    <a:bodyPr/>
+                    <a:lstStyle/>
+                    <a:p>
+                      <a:r>
+                        <a:rPr lang="en-US" dirty="0" smtClean="0">
+                          <a:latin typeface="+mn-lt"/>
+                        </a:rPr>
+                        <a:t>FRR: 0.112</a:t>
+                      </a:r>
+                    </a:p>
+                    <a:p>
+                      <a:r>
+                        <a:rPr lang="en-US" dirty="0" smtClean="0">
+                          <a:latin typeface="+mn-lt"/>
+                        </a:rPr>
+                        <a:t>FAR: 0.10244</a:t>
+                      </a:r>
+                    </a:p>
+                  </a:txBody>
+                  <a:tcPr/>
+                </a:tc>
+                <a:tc>
+                  <a:txBody>
+                    <a:bodyPr/>
+                    <a:lstStyle/>
+                    <a:p>
+                      <a:r>
+                        <a:rPr lang="en-US" dirty="0" smtClean="0">
+                          <a:latin typeface="+mn-lt"/>
+                        </a:rPr>
+                        <a:t>FRR: 0.17427</a:t>
+                      </a:r>
+                    </a:p>
+                    <a:p>
+                      <a:r>
+                        <a:rPr lang="en-US" dirty="0" smtClean="0">
+                          <a:latin typeface="+mn-lt"/>
+                        </a:rPr>
+                        <a:t>FAR: 0.02904</a:t>
                       </a:r>
                     </a:p>
                   </a:txBody>
@@ -9700,7 +9622,7 @@
                 </a:tc>
                 <a:extLst>
                   <a:ext uri="{0D108BD9-81ED-4DB2-BD59-A6C34878D82A}">
-                    <a16:rowId xmlns:a16="http://schemas.microsoft.com/office/drawing/2014/main" xmlns="" val="10006"/>
+                    <a16:rowId xmlns:a16="http://schemas.microsoft.com/office/drawing/2014/main" val="10006"/>
                   </a:ext>
                 </a:extLst>
               </a:tr>
@@ -9738,116 +9660,110 @@
                         <a:rPr lang="en-US" dirty="0" smtClean="0">
                           <a:latin typeface="+mn-lt"/>
                         </a:rPr>
-                        <a:t>FRR: 0.83333</a:t>
-                      </a:r>
-                    </a:p>
-                    <a:p>
-                      <a:r>
-                        <a:rPr lang="en-US" dirty="0" smtClean="0">
-                          <a:latin typeface="+mn-lt"/>
-                        </a:rPr>
-                        <a:t>FAR: 0.16667</a:t>
-                      </a:r>
-                      <a:endParaRPr lang="en-US" dirty="0">
-                        <a:latin typeface="+mn-lt"/>
-                      </a:endParaRPr>
-                    </a:p>
-                  </a:txBody>
-                  <a:tcPr/>
-                </a:tc>
-                <a:tc>
-                  <a:txBody>
-                    <a:bodyPr/>
-                    <a:lstStyle/>
-                    <a:p>
-                      <a:r>
-                        <a:rPr lang="en-US" dirty="0" smtClean="0">
-                          <a:latin typeface="+mn-lt"/>
-                        </a:rPr>
-                        <a:t>FRR: 0.83333</a:t>
-                      </a:r>
-                    </a:p>
-                    <a:p>
-                      <a:r>
-                        <a:rPr lang="en-US" dirty="0" smtClean="0">
-                          <a:latin typeface="+mn-lt"/>
-                        </a:rPr>
-                        <a:t>FAR: 0.16667</a:t>
-                      </a:r>
-                      <a:endParaRPr lang="en-US" dirty="0" smtClean="0">
-                        <a:latin typeface="+mn-lt"/>
-                      </a:endParaRPr>
-                    </a:p>
-                  </a:txBody>
-                  <a:tcPr/>
-                </a:tc>
-                <a:tc>
-                  <a:txBody>
-                    <a:bodyPr/>
-                    <a:lstStyle/>
-                    <a:p>
-                      <a:r>
-                        <a:rPr lang="en-US" dirty="0" smtClean="0">
-                          <a:latin typeface="+mn-lt"/>
-                        </a:rPr>
-                        <a:t>FRR: 0.83333</a:t>
-                      </a:r>
-                    </a:p>
-                    <a:p>
-                      <a:r>
-                        <a:rPr lang="en-US" dirty="0" smtClean="0">
-                          <a:latin typeface="+mn-lt"/>
-                        </a:rPr>
-                        <a:t>FAR: 0.16667</a:t>
-                      </a:r>
-                      <a:endParaRPr lang="en-US" dirty="0" smtClean="0">
-                        <a:latin typeface="+mn-lt"/>
-                      </a:endParaRPr>
-                    </a:p>
-                  </a:txBody>
-                  <a:tcPr/>
-                </a:tc>
-                <a:tc>
-                  <a:txBody>
-                    <a:bodyPr/>
-                    <a:lstStyle/>
-                    <a:p>
-                      <a:r>
-                        <a:rPr lang="en-US" dirty="0" smtClean="0">
-                          <a:latin typeface="+mn-lt"/>
-                        </a:rPr>
-                        <a:t>FRR: 0.83333</a:t>
-                      </a:r>
-                    </a:p>
-                    <a:p>
-                      <a:r>
-                        <a:rPr lang="en-US" dirty="0" smtClean="0">
-                          <a:latin typeface="+mn-lt"/>
-                        </a:rPr>
-                        <a:t>FAR: 0.16667</a:t>
-                      </a:r>
-                    </a:p>
-                  </a:txBody>
-                  <a:tcPr/>
-                </a:tc>
-                <a:tc>
-                  <a:txBody>
-                    <a:bodyPr/>
-                    <a:lstStyle/>
-                    <a:p>
-                      <a:r>
-                        <a:rPr lang="en-US" dirty="0" smtClean="0">
-                          <a:latin typeface="+mn-lt"/>
-                        </a:rPr>
-                        <a:t>FRR: 0.83333</a:t>
-                      </a:r>
-                    </a:p>
-                    <a:p>
-                      <a:r>
-                        <a:rPr lang="en-US" dirty="0" smtClean="0">
-                          <a:latin typeface="+mn-lt"/>
-                        </a:rPr>
-                        <a:t>FAR: 0.16667</a:t>
+                        <a:t>FRR: 0.23683</a:t>
+                      </a:r>
+                    </a:p>
+                    <a:p>
+                      <a:r>
+                        <a:rPr lang="en-US" dirty="0" smtClean="0">
+                          <a:latin typeface="+mn-lt"/>
+                        </a:rPr>
+                        <a:t>FAR: 0.04688</a:t>
+                      </a:r>
+                      <a:endParaRPr lang="en-US" dirty="0">
+                        <a:latin typeface="+mn-lt"/>
+                      </a:endParaRPr>
+                    </a:p>
+                  </a:txBody>
+                  <a:tcPr/>
+                </a:tc>
+                <a:tc>
+                  <a:txBody>
+                    <a:bodyPr/>
+                    <a:lstStyle/>
+                    <a:p>
+                      <a:r>
+                        <a:rPr lang="en-US" dirty="0" smtClean="0">
+                          <a:latin typeface="+mn-lt"/>
+                        </a:rPr>
+                        <a:t>FRR: 0.56187</a:t>
+                      </a:r>
+                    </a:p>
+                    <a:p>
+                      <a:r>
+                        <a:rPr lang="en-US" dirty="0" smtClean="0">
+                          <a:latin typeface="+mn-lt"/>
+                        </a:rPr>
+                        <a:t>FAR: 0.11154</a:t>
+                      </a:r>
+                    </a:p>
+                  </a:txBody>
+                  <a:tcPr/>
+                </a:tc>
+                <a:tc>
+                  <a:txBody>
+                    <a:bodyPr/>
+                    <a:lstStyle/>
+                    <a:p>
+                      <a:r>
+                        <a:rPr lang="en-US" dirty="0" smtClean="0">
+                          <a:latin typeface="+mn-lt"/>
+                        </a:rPr>
+                        <a:t>FRR: 0.47974</a:t>
+                      </a:r>
+                    </a:p>
+                    <a:p>
+                      <a:r>
+                        <a:rPr lang="en-US" dirty="0" smtClean="0">
+                          <a:latin typeface="+mn-lt"/>
+                        </a:rPr>
+                        <a:t>FAR: 0.08938</a:t>
+                      </a:r>
+                    </a:p>
+                  </a:txBody>
+                  <a:tcPr/>
+                </a:tc>
+                <a:tc>
+                  <a:txBody>
+                    <a:bodyPr/>
+                    <a:lstStyle/>
+                    <a:p>
+                      <a:r>
+                        <a:rPr lang="en-US" dirty="0" smtClean="0">
+                          <a:latin typeface="+mn-lt"/>
+                        </a:rPr>
+                        <a:t>FRR: 0.39333</a:t>
+                      </a:r>
+                    </a:p>
+                    <a:p>
+                      <a:r>
+                        <a:rPr lang="en-US" dirty="0" smtClean="0">
+                          <a:latin typeface="+mn-lt"/>
+                        </a:rPr>
+                        <a:t>FAR: 0.07172</a:t>
+                      </a:r>
+                    </a:p>
+                  </a:txBody>
+                  <a:tcPr/>
+                </a:tc>
+                <a:tc>
+                  <a:txBody>
+                    <a:bodyPr/>
+                    <a:lstStyle/>
+                    <a:p>
+                      <a:r>
+                        <a:rPr lang="en-US" dirty="0" smtClean="0">
+                          <a:latin typeface="+mn-lt"/>
+                        </a:rPr>
+                        <a:t>FRR: 0.20533</a:t>
+                      </a:r>
+                    </a:p>
+                    <a:p>
+                      <a:r>
+                        <a:rPr lang="en-US" dirty="0" smtClean="0">
+                          <a:latin typeface="+mn-lt"/>
+                        </a:rPr>
+                        <a:t>FAR: 0.04088</a:t>
                       </a:r>
                     </a:p>
                   </a:txBody>
@@ -9855,7 +9771,7 @@
                 </a:tc>
                 <a:extLst>
                   <a:ext uri="{0D108BD9-81ED-4DB2-BD59-A6C34878D82A}">
-                    <a16:rowId xmlns:a16="http://schemas.microsoft.com/office/drawing/2014/main" xmlns="" val="10007"/>
+                    <a16:rowId xmlns:a16="http://schemas.microsoft.com/office/drawing/2014/main" val="10007"/>
                   </a:ext>
                 </a:extLst>
               </a:tr>
@@ -9965,42 +9881,42 @@
                 <a:gridCol w="2631776">
                   <a:extLst>
                     <a:ext uri="{9D8B030D-6E8A-4147-A177-3AD203B41FA5}">
-                      <a16:colId xmlns:a16="http://schemas.microsoft.com/office/drawing/2014/main" xmlns="" val="20000"/>
+                      <a16:colId xmlns:a16="http://schemas.microsoft.com/office/drawing/2014/main" val="20000"/>
                     </a:ext>
                   </a:extLst>
                 </a:gridCol>
                 <a:gridCol w="1680247">
                   <a:extLst>
                     <a:ext uri="{9D8B030D-6E8A-4147-A177-3AD203B41FA5}">
-                      <a16:colId xmlns:a16="http://schemas.microsoft.com/office/drawing/2014/main" xmlns="" val="20001"/>
+                      <a16:colId xmlns:a16="http://schemas.microsoft.com/office/drawing/2014/main" val="20001"/>
                     </a:ext>
                   </a:extLst>
                 </a:gridCol>
                 <a:gridCol w="1685365">
                   <a:extLst>
                     <a:ext uri="{9D8B030D-6E8A-4147-A177-3AD203B41FA5}">
-                      <a16:colId xmlns:a16="http://schemas.microsoft.com/office/drawing/2014/main" xmlns="" val="20002"/>
+                      <a16:colId xmlns:a16="http://schemas.microsoft.com/office/drawing/2014/main" val="20002"/>
                     </a:ext>
                   </a:extLst>
                 </a:gridCol>
                 <a:gridCol w="1748118">
                   <a:extLst>
                     <a:ext uri="{9D8B030D-6E8A-4147-A177-3AD203B41FA5}">
-                      <a16:colId xmlns:a16="http://schemas.microsoft.com/office/drawing/2014/main" xmlns="" val="20003"/>
+                      <a16:colId xmlns:a16="http://schemas.microsoft.com/office/drawing/2014/main" val="20003"/>
                     </a:ext>
                   </a:extLst>
                 </a:gridCol>
                 <a:gridCol w="1550894">
                   <a:extLst>
                     <a:ext uri="{9D8B030D-6E8A-4147-A177-3AD203B41FA5}">
-                      <a16:colId xmlns:a16="http://schemas.microsoft.com/office/drawing/2014/main" xmlns="" val="20004"/>
+                      <a16:colId xmlns:a16="http://schemas.microsoft.com/office/drawing/2014/main" val="20004"/>
                     </a:ext>
                   </a:extLst>
                 </a:gridCol>
                 <a:gridCol w="1712258">
                   <a:extLst>
                     <a:ext uri="{9D8B030D-6E8A-4147-A177-3AD203B41FA5}">
-                      <a16:colId xmlns:a16="http://schemas.microsoft.com/office/drawing/2014/main" xmlns="" val="20005"/>
+                      <a16:colId xmlns:a16="http://schemas.microsoft.com/office/drawing/2014/main" val="20005"/>
                     </a:ext>
                   </a:extLst>
                 </a:gridCol>
@@ -10125,7 +10041,7 @@
                 </a:tc>
                 <a:extLst>
                   <a:ext uri="{0D108BD9-81ED-4DB2-BD59-A6C34878D82A}">
-                    <a16:rowId xmlns:a16="http://schemas.microsoft.com/office/drawing/2014/main" xmlns="" val="10000"/>
+                    <a16:rowId xmlns:a16="http://schemas.microsoft.com/office/drawing/2014/main" val="10000"/>
                   </a:ext>
                 </a:extLst>
               </a:tr>
@@ -10280,7 +10196,7 @@
                 </a:tc>
                 <a:extLst>
                   <a:ext uri="{0D108BD9-81ED-4DB2-BD59-A6C34878D82A}">
-                    <a16:rowId xmlns:a16="http://schemas.microsoft.com/office/drawing/2014/main" xmlns="" val="10001"/>
+                    <a16:rowId xmlns:a16="http://schemas.microsoft.com/office/drawing/2014/main" val="10001"/>
                   </a:ext>
                 </a:extLst>
               </a:tr>
@@ -10432,7 +10348,7 @@
                 </a:tc>
                 <a:extLst>
                   <a:ext uri="{0D108BD9-81ED-4DB2-BD59-A6C34878D82A}">
-                    <a16:rowId xmlns:a16="http://schemas.microsoft.com/office/drawing/2014/main" xmlns="" val="10002"/>
+                    <a16:rowId xmlns:a16="http://schemas.microsoft.com/office/drawing/2014/main" val="10002"/>
                   </a:ext>
                 </a:extLst>
               </a:tr>
@@ -10581,7 +10497,7 @@
                 </a:tc>
                 <a:extLst>
                   <a:ext uri="{0D108BD9-81ED-4DB2-BD59-A6C34878D82A}">
-                    <a16:rowId xmlns:a16="http://schemas.microsoft.com/office/drawing/2014/main" xmlns="" val="10003"/>
+                    <a16:rowId xmlns:a16="http://schemas.microsoft.com/office/drawing/2014/main" val="10003"/>
                   </a:ext>
                 </a:extLst>
               </a:tr>
@@ -10733,7 +10649,7 @@
                 </a:tc>
                 <a:extLst>
                   <a:ext uri="{0D108BD9-81ED-4DB2-BD59-A6C34878D82A}">
-                    <a16:rowId xmlns:a16="http://schemas.microsoft.com/office/drawing/2014/main" xmlns="" val="10004"/>
+                    <a16:rowId xmlns:a16="http://schemas.microsoft.com/office/drawing/2014/main" val="10004"/>
                   </a:ext>
                 </a:extLst>
               </a:tr>
@@ -10885,7 +10801,7 @@
                 </a:tc>
                 <a:extLst>
                   <a:ext uri="{0D108BD9-81ED-4DB2-BD59-A6C34878D82A}">
-                    <a16:rowId xmlns:a16="http://schemas.microsoft.com/office/drawing/2014/main" xmlns="" val="10005"/>
+                    <a16:rowId xmlns:a16="http://schemas.microsoft.com/office/drawing/2014/main" val="10005"/>
                   </a:ext>
                 </a:extLst>
               </a:tr>
@@ -11051,7 +10967,7 @@
                 </a:tc>
                 <a:extLst>
                   <a:ext uri="{0D108BD9-81ED-4DB2-BD59-A6C34878D82A}">
-                    <a16:rowId xmlns:a16="http://schemas.microsoft.com/office/drawing/2014/main" xmlns="" val="10006"/>
+                    <a16:rowId xmlns:a16="http://schemas.microsoft.com/office/drawing/2014/main" val="10006"/>
                   </a:ext>
                 </a:extLst>
               </a:tr>
@@ -11209,7 +11125,7 @@
                 </a:tc>
                 <a:extLst>
                   <a:ext uri="{0D108BD9-81ED-4DB2-BD59-A6C34878D82A}">
-                    <a16:rowId xmlns:a16="http://schemas.microsoft.com/office/drawing/2014/main" xmlns="" val="10007"/>
+                    <a16:rowId xmlns:a16="http://schemas.microsoft.com/office/drawing/2014/main" val="10007"/>
                   </a:ext>
                 </a:extLst>
               </a:tr>
